--- a/LatexThesis4SYSU-master/新建 PPT 演示文稿.pptx
+++ b/LatexThesis4SYSU-master/新建 PPT 演示文稿.pptx
@@ -1,14 +1,14 @@
 
 <file path=ppt/presentation.xml><?xml version="1.0" encoding="utf-8"?>
-<p:presentation xmlns:a="http://schemas.openxmlformats.org/drawingml/2006/main" xmlns:r="http://schemas.openxmlformats.org/officeDocument/2006/relationships" xmlns:p="http://schemas.openxmlformats.org/presentationml/2006/main" saveSubsetFonts="1">
+<p:presentation xmlns:a="http://schemas.openxmlformats.org/drawingml/2006/main" xmlns:r="http://schemas.openxmlformats.org/officeDocument/2006/relationships" xmlns:p="http://schemas.openxmlformats.org/presentationml/2006/main">
   <p:sldMasterIdLst>
-    <p:sldMasterId id="2147483678" r:id="rId1"/>
+    <p:sldMasterId id="2147483648" r:id="rId1"/>
   </p:sldMasterIdLst>
   <p:sldIdLst>
-    <p:sldId id="256" r:id="rId2"/>
-    <p:sldId id="257" r:id="rId3"/>
-    <p:sldId id="258" r:id="rId4"/>
-    <p:sldId id="259" r:id="rId5"/>
+    <p:sldId id="256" r:id="rId3"/>
+    <p:sldId id="257" r:id="rId4"/>
+    <p:sldId id="258" r:id="rId5"/>
+    <p:sldId id="259" r:id="rId6"/>
   </p:sldIdLst>
   <p:sldSz cx="9144000" cy="6858000" type="screen4x3"/>
   <p:notesSz cx="6858000" cy="9144000"/>
@@ -107,22 +107,6 @@
       </a:defRPr>
     </a:lvl9pPr>
   </p:defaultTextStyle>
-  <p:extLst>
-    <p:ext uri="{EFAFB233-063F-42B5-8137-9DF3F51BA10A}">
-      <p15:sldGuideLst xmlns:p15="http://schemas.microsoft.com/office/powerpoint/2012/main">
-        <p15:guide id="1" orient="horz" pos="2160">
-          <p15:clr>
-            <a:srgbClr val="A4A3A4"/>
-          </p15:clr>
-        </p15:guide>
-        <p15:guide id="2" pos="2880">
-          <p15:clr>
-            <a:srgbClr val="A4A3A4"/>
-          </p15:clr>
-        </p15:guide>
-      </p15:sldGuideLst>
-    </p:ext>
-  </p:extLst>
 </p:presentation>
 </file>
 
@@ -145,13 +129,7 @@
       </p:grpSpPr>
       <p:sp>
         <p:nvSpPr>
-          <p:cNvPr id="2" name="标题 1">
-            <a:extLst>
-              <a:ext uri="{FF2B5EF4-FFF2-40B4-BE49-F238E27FC236}">
-                <a16:creationId xmlns:a16="http://schemas.microsoft.com/office/drawing/2014/main" id="{27F00B4F-9A04-4981-AE96-6FFFA817404F}"/>
-              </a:ext>
-            </a:extLst>
-          </p:cNvPr>
+          <p:cNvPr id="2" name="标题 1"/>
           <p:cNvSpPr>
             <a:spLocks noGrp="1"/>
           </p:cNvSpPr>
@@ -177,18 +155,13 @@
               <a:rPr lang="zh-CN" altLang="en-US"/>
               <a:t>单击此处编辑母版标题样式</a:t>
             </a:r>
-          </a:p>
-        </p:txBody>
-      </p:sp>
-      <p:sp>
-        <p:nvSpPr>
-          <p:cNvPr id="3" name="副标题 2">
-            <a:extLst>
-              <a:ext uri="{FF2B5EF4-FFF2-40B4-BE49-F238E27FC236}">
-                <a16:creationId xmlns:a16="http://schemas.microsoft.com/office/drawing/2014/main" id="{1842D274-73A3-4E46-8CA5-118103DFD5DC}"/>
-              </a:ext>
-            </a:extLst>
-          </p:cNvPr>
+            <a:endParaRPr lang="zh-CN" altLang="en-US"/>
+          </a:p>
+        </p:txBody>
+      </p:sp>
+      <p:sp>
+        <p:nvSpPr>
+          <p:cNvPr id="3" name="副标题 2"/>
           <p:cNvSpPr>
             <a:spLocks noGrp="1"/>
           </p:cNvSpPr>
@@ -247,18 +220,13 @@
               <a:rPr lang="zh-CN" altLang="en-US"/>
               <a:t>单击此处编辑母版副标题样式</a:t>
             </a:r>
-          </a:p>
-        </p:txBody>
-      </p:sp>
-      <p:sp>
-        <p:nvSpPr>
-          <p:cNvPr id="4" name="日期占位符 3">
-            <a:extLst>
-              <a:ext uri="{FF2B5EF4-FFF2-40B4-BE49-F238E27FC236}">
-                <a16:creationId xmlns:a16="http://schemas.microsoft.com/office/drawing/2014/main" id="{2849F4F9-7D5F-42B9-A3B3-2DA2752DF8E3}"/>
-              </a:ext>
-            </a:extLst>
-          </p:cNvPr>
+            <a:endParaRPr lang="zh-CN" altLang="en-US"/>
+          </a:p>
+        </p:txBody>
+      </p:sp>
+      <p:sp>
+        <p:nvSpPr>
+          <p:cNvPr id="4" name="日期占位符 3"/>
           <p:cNvSpPr>
             <a:spLocks noGrp="1"/>
           </p:cNvSpPr>
@@ -277,13 +245,7 @@
       </p:sp>
       <p:sp>
         <p:nvSpPr>
-          <p:cNvPr id="5" name="页脚占位符 4">
-            <a:extLst>
-              <a:ext uri="{FF2B5EF4-FFF2-40B4-BE49-F238E27FC236}">
-                <a16:creationId xmlns:a16="http://schemas.microsoft.com/office/drawing/2014/main" id="{A8157301-DFF9-48E4-9FF6-DC97F42CF014}"/>
-              </a:ext>
-            </a:extLst>
-          </p:cNvPr>
+          <p:cNvPr id="5" name="页脚占位符 4"/>
           <p:cNvSpPr>
             <a:spLocks noGrp="1"/>
           </p:cNvSpPr>
@@ -302,13 +264,7 @@
       </p:sp>
       <p:sp>
         <p:nvSpPr>
-          <p:cNvPr id="6" name="灯片编号占位符 5">
-            <a:extLst>
-              <a:ext uri="{FF2B5EF4-FFF2-40B4-BE49-F238E27FC236}">
-                <a16:creationId xmlns:a16="http://schemas.microsoft.com/office/drawing/2014/main" id="{0158686E-194D-4E9F-A940-D00661057FAC}"/>
-              </a:ext>
-            </a:extLst>
-          </p:cNvPr>
+          <p:cNvPr id="6" name="灯片编号占位符 5"/>
           <p:cNvSpPr>
             <a:spLocks noGrp="1"/>
           </p:cNvSpPr>
@@ -323,19 +279,12 @@
           <a:p>
             <a:fld id="{92E38E1C-8C98-409F-99C9-436F46744D31}" type="slidenum">
               <a:rPr lang="zh-CN" altLang="zh-CN" smtClean="0"/>
-              <a:pPr/>
-              <a:t>‹#›</a:t>
             </a:fld>
             <a:endParaRPr lang="zh-CN" altLang="zh-CN"/>
           </a:p>
         </p:txBody>
       </p:sp>
     </p:spTree>
-    <p:extLst>
-      <p:ext uri="{BB962C8B-B14F-4D97-AF65-F5344CB8AC3E}">
-        <p14:creationId xmlns:p14="http://schemas.microsoft.com/office/powerpoint/2010/main" val="3436997629"/>
-      </p:ext>
-    </p:extLst>
   </p:cSld>
   <p:clrMapOvr>
     <a:masterClrMapping/>
@@ -362,13 +311,7 @@
       </p:grpSpPr>
       <p:sp>
         <p:nvSpPr>
-          <p:cNvPr id="2" name="标题 1">
-            <a:extLst>
-              <a:ext uri="{FF2B5EF4-FFF2-40B4-BE49-F238E27FC236}">
-                <a16:creationId xmlns:a16="http://schemas.microsoft.com/office/drawing/2014/main" id="{E7774310-1A51-4D26-B95E-DC68D27BBD29}"/>
-              </a:ext>
-            </a:extLst>
-          </p:cNvPr>
+          <p:cNvPr id="2" name="标题 1"/>
           <p:cNvSpPr>
             <a:spLocks noGrp="1"/>
           </p:cNvSpPr>
@@ -385,23 +328,18 @@
               <a:rPr lang="zh-CN" altLang="en-US"/>
               <a:t>单击此处编辑母版标题样式</a:t>
             </a:r>
-          </a:p>
-        </p:txBody>
-      </p:sp>
-      <p:sp>
-        <p:nvSpPr>
-          <p:cNvPr id="3" name="竖排文字占位符 2">
-            <a:extLst>
-              <a:ext uri="{FF2B5EF4-FFF2-40B4-BE49-F238E27FC236}">
-                <a16:creationId xmlns:a16="http://schemas.microsoft.com/office/drawing/2014/main" id="{B23E286D-6A9B-45C0-8857-3095D043F4D0}"/>
-              </a:ext>
-            </a:extLst>
-          </p:cNvPr>
+            <a:endParaRPr lang="zh-CN" altLang="en-US"/>
+          </a:p>
+        </p:txBody>
+      </p:sp>
+      <p:sp>
+        <p:nvSpPr>
+          <p:cNvPr id="3" name="竖排文字占位符 2"/>
           <p:cNvSpPr>
             <a:spLocks noGrp="1"/>
           </p:cNvSpPr>
           <p:nvPr>
-            <p:ph type="body" orient="vert" idx="1"/>
+            <p:ph type="body" orient="vert" idx="1" hasCustomPrompt="1"/>
           </p:nvPr>
         </p:nvSpPr>
         <p:spPr/>
@@ -414,6 +352,7 @@
               <a:rPr lang="zh-CN" altLang="en-US"/>
               <a:t>编辑母版文本样式</a:t>
             </a:r>
+            <a:endParaRPr lang="zh-CN" altLang="en-US"/>
           </a:p>
           <a:p>
             <a:pPr lvl="1"/>
@@ -421,6 +360,7 @@
               <a:rPr lang="zh-CN" altLang="en-US"/>
               <a:t>第二级</a:t>
             </a:r>
+            <a:endParaRPr lang="zh-CN" altLang="en-US"/>
           </a:p>
           <a:p>
             <a:pPr lvl="2"/>
@@ -428,6 +368,7 @@
               <a:rPr lang="zh-CN" altLang="en-US"/>
               <a:t>第三级</a:t>
             </a:r>
+            <a:endParaRPr lang="zh-CN" altLang="en-US"/>
           </a:p>
           <a:p>
             <a:pPr lvl="3"/>
@@ -435,6 +376,7 @@
               <a:rPr lang="zh-CN" altLang="en-US"/>
               <a:t>第四级</a:t>
             </a:r>
+            <a:endParaRPr lang="zh-CN" altLang="en-US"/>
           </a:p>
           <a:p>
             <a:pPr lvl="4"/>
@@ -442,18 +384,13 @@
               <a:rPr lang="zh-CN" altLang="en-US"/>
               <a:t>第五级</a:t>
             </a:r>
-          </a:p>
-        </p:txBody>
-      </p:sp>
-      <p:sp>
-        <p:nvSpPr>
-          <p:cNvPr id="4" name="日期占位符 3">
-            <a:extLst>
-              <a:ext uri="{FF2B5EF4-FFF2-40B4-BE49-F238E27FC236}">
-                <a16:creationId xmlns:a16="http://schemas.microsoft.com/office/drawing/2014/main" id="{04E0EF84-CE91-40F7-A095-06E9BCAB8AD3}"/>
-              </a:ext>
-            </a:extLst>
-          </p:cNvPr>
+            <a:endParaRPr lang="zh-CN" altLang="en-US"/>
+          </a:p>
+        </p:txBody>
+      </p:sp>
+      <p:sp>
+        <p:nvSpPr>
+          <p:cNvPr id="4" name="日期占位符 3"/>
           <p:cNvSpPr>
             <a:spLocks noGrp="1"/>
           </p:cNvSpPr>
@@ -472,13 +409,7 @@
       </p:sp>
       <p:sp>
         <p:nvSpPr>
-          <p:cNvPr id="5" name="页脚占位符 4">
-            <a:extLst>
-              <a:ext uri="{FF2B5EF4-FFF2-40B4-BE49-F238E27FC236}">
-                <a16:creationId xmlns:a16="http://schemas.microsoft.com/office/drawing/2014/main" id="{6C6DE83B-396B-4A22-9819-C0855B022D28}"/>
-              </a:ext>
-            </a:extLst>
-          </p:cNvPr>
+          <p:cNvPr id="5" name="页脚占位符 4"/>
           <p:cNvSpPr>
             <a:spLocks noGrp="1"/>
           </p:cNvSpPr>
@@ -497,13 +428,7 @@
       </p:sp>
       <p:sp>
         <p:nvSpPr>
-          <p:cNvPr id="6" name="灯片编号占位符 5">
-            <a:extLst>
-              <a:ext uri="{FF2B5EF4-FFF2-40B4-BE49-F238E27FC236}">
-                <a16:creationId xmlns:a16="http://schemas.microsoft.com/office/drawing/2014/main" id="{EE84D6CF-3B14-4C2F-AD10-61BC1692B1A5}"/>
-              </a:ext>
-            </a:extLst>
-          </p:cNvPr>
+          <p:cNvPr id="6" name="灯片编号占位符 5"/>
           <p:cNvSpPr>
             <a:spLocks noGrp="1"/>
           </p:cNvSpPr>
@@ -518,19 +443,12 @@
           <a:p>
             <a:fld id="{E547ABD0-3745-4A6E-B895-C8EC3A55C830}" type="slidenum">
               <a:rPr lang="zh-CN" altLang="zh-CN" smtClean="0"/>
-              <a:pPr/>
-              <a:t>‹#›</a:t>
             </a:fld>
             <a:endParaRPr lang="zh-CN" altLang="zh-CN"/>
           </a:p>
         </p:txBody>
       </p:sp>
     </p:spTree>
-    <p:extLst>
-      <p:ext uri="{BB962C8B-B14F-4D97-AF65-F5344CB8AC3E}">
-        <p14:creationId xmlns:p14="http://schemas.microsoft.com/office/powerpoint/2010/main" val="1502811881"/>
-      </p:ext>
-    </p:extLst>
   </p:cSld>
   <p:clrMapOvr>
     <a:masterClrMapping/>
@@ -557,13 +475,7 @@
       </p:grpSpPr>
       <p:sp>
         <p:nvSpPr>
-          <p:cNvPr id="2" name="竖排标题 1">
-            <a:extLst>
-              <a:ext uri="{FF2B5EF4-FFF2-40B4-BE49-F238E27FC236}">
-                <a16:creationId xmlns:a16="http://schemas.microsoft.com/office/drawing/2014/main" id="{54B9F195-5995-48E3-AE33-D61041079DF2}"/>
-              </a:ext>
-            </a:extLst>
-          </p:cNvPr>
+          <p:cNvPr id="2" name="竖排标题 1"/>
           <p:cNvSpPr>
             <a:spLocks noGrp="1"/>
           </p:cNvSpPr>
@@ -585,23 +497,18 @@
               <a:rPr lang="zh-CN" altLang="en-US"/>
               <a:t>单击此处编辑母版标题样式</a:t>
             </a:r>
-          </a:p>
-        </p:txBody>
-      </p:sp>
-      <p:sp>
-        <p:nvSpPr>
-          <p:cNvPr id="3" name="竖排文字占位符 2">
-            <a:extLst>
-              <a:ext uri="{FF2B5EF4-FFF2-40B4-BE49-F238E27FC236}">
-                <a16:creationId xmlns:a16="http://schemas.microsoft.com/office/drawing/2014/main" id="{8D3EFA62-598A-404D-A8B4-DD736F1BB90C}"/>
-              </a:ext>
-            </a:extLst>
-          </p:cNvPr>
+            <a:endParaRPr lang="zh-CN" altLang="en-US"/>
+          </a:p>
+        </p:txBody>
+      </p:sp>
+      <p:sp>
+        <p:nvSpPr>
+          <p:cNvPr id="3" name="竖排文字占位符 2"/>
           <p:cNvSpPr>
             <a:spLocks noGrp="1"/>
           </p:cNvSpPr>
           <p:nvPr>
-            <p:ph type="body" orient="vert" idx="1"/>
+            <p:ph type="body" orient="vert" idx="1" hasCustomPrompt="1"/>
           </p:nvPr>
         </p:nvSpPr>
         <p:spPr>
@@ -619,6 +526,7 @@
               <a:rPr lang="zh-CN" altLang="en-US"/>
               <a:t>编辑母版文本样式</a:t>
             </a:r>
+            <a:endParaRPr lang="zh-CN" altLang="en-US"/>
           </a:p>
           <a:p>
             <a:pPr lvl="1"/>
@@ -626,6 +534,7 @@
               <a:rPr lang="zh-CN" altLang="en-US"/>
               <a:t>第二级</a:t>
             </a:r>
+            <a:endParaRPr lang="zh-CN" altLang="en-US"/>
           </a:p>
           <a:p>
             <a:pPr lvl="2"/>
@@ -633,6 +542,7 @@
               <a:rPr lang="zh-CN" altLang="en-US"/>
               <a:t>第三级</a:t>
             </a:r>
+            <a:endParaRPr lang="zh-CN" altLang="en-US"/>
           </a:p>
           <a:p>
             <a:pPr lvl="3"/>
@@ -640,6 +550,7 @@
               <a:rPr lang="zh-CN" altLang="en-US"/>
               <a:t>第四级</a:t>
             </a:r>
+            <a:endParaRPr lang="zh-CN" altLang="en-US"/>
           </a:p>
           <a:p>
             <a:pPr lvl="4"/>
@@ -647,18 +558,13 @@
               <a:rPr lang="zh-CN" altLang="en-US"/>
               <a:t>第五级</a:t>
             </a:r>
-          </a:p>
-        </p:txBody>
-      </p:sp>
-      <p:sp>
-        <p:nvSpPr>
-          <p:cNvPr id="4" name="日期占位符 3">
-            <a:extLst>
-              <a:ext uri="{FF2B5EF4-FFF2-40B4-BE49-F238E27FC236}">
-                <a16:creationId xmlns:a16="http://schemas.microsoft.com/office/drawing/2014/main" id="{02229062-0211-4945-81ED-8BD2C938CBD9}"/>
-              </a:ext>
-            </a:extLst>
-          </p:cNvPr>
+            <a:endParaRPr lang="zh-CN" altLang="en-US"/>
+          </a:p>
+        </p:txBody>
+      </p:sp>
+      <p:sp>
+        <p:nvSpPr>
+          <p:cNvPr id="4" name="日期占位符 3"/>
           <p:cNvSpPr>
             <a:spLocks noGrp="1"/>
           </p:cNvSpPr>
@@ -677,13 +583,7 @@
       </p:sp>
       <p:sp>
         <p:nvSpPr>
-          <p:cNvPr id="5" name="页脚占位符 4">
-            <a:extLst>
-              <a:ext uri="{FF2B5EF4-FFF2-40B4-BE49-F238E27FC236}">
-                <a16:creationId xmlns:a16="http://schemas.microsoft.com/office/drawing/2014/main" id="{FA1D97DB-9134-487B-B258-3CBAD18DF283}"/>
-              </a:ext>
-            </a:extLst>
-          </p:cNvPr>
+          <p:cNvPr id="5" name="页脚占位符 4"/>
           <p:cNvSpPr>
             <a:spLocks noGrp="1"/>
           </p:cNvSpPr>
@@ -702,13 +602,7 @@
       </p:sp>
       <p:sp>
         <p:nvSpPr>
-          <p:cNvPr id="6" name="灯片编号占位符 5">
-            <a:extLst>
-              <a:ext uri="{FF2B5EF4-FFF2-40B4-BE49-F238E27FC236}">
-                <a16:creationId xmlns:a16="http://schemas.microsoft.com/office/drawing/2014/main" id="{35537347-E0FB-4109-BB81-729385F81706}"/>
-              </a:ext>
-            </a:extLst>
-          </p:cNvPr>
+          <p:cNvPr id="6" name="灯片编号占位符 5"/>
           <p:cNvSpPr>
             <a:spLocks noGrp="1"/>
           </p:cNvSpPr>
@@ -723,19 +617,12 @@
           <a:p>
             <a:fld id="{115DFAB6-D205-4EB6-BC13-A70CBC18DD02}" type="slidenum">
               <a:rPr lang="zh-CN" altLang="zh-CN" smtClean="0"/>
-              <a:pPr/>
-              <a:t>‹#›</a:t>
             </a:fld>
             <a:endParaRPr lang="zh-CN" altLang="zh-CN"/>
           </a:p>
         </p:txBody>
       </p:sp>
     </p:spTree>
-    <p:extLst>
-      <p:ext uri="{BB962C8B-B14F-4D97-AF65-F5344CB8AC3E}">
-        <p14:creationId xmlns:p14="http://schemas.microsoft.com/office/powerpoint/2010/main" val="151589271"/>
-      </p:ext>
-    </p:extLst>
   </p:cSld>
   <p:clrMapOvr>
     <a:masterClrMapping/>
@@ -762,13 +649,7 @@
       </p:grpSpPr>
       <p:sp>
         <p:nvSpPr>
-          <p:cNvPr id="2" name="标题 1">
-            <a:extLst>
-              <a:ext uri="{FF2B5EF4-FFF2-40B4-BE49-F238E27FC236}">
-                <a16:creationId xmlns:a16="http://schemas.microsoft.com/office/drawing/2014/main" id="{7ED82AF6-2A4D-4E4C-BD39-A067C9685D7E}"/>
-              </a:ext>
-            </a:extLst>
-          </p:cNvPr>
+          <p:cNvPr id="2" name="标题 1"/>
           <p:cNvSpPr>
             <a:spLocks noGrp="1"/>
           </p:cNvSpPr>
@@ -785,23 +666,18 @@
               <a:rPr lang="zh-CN" altLang="en-US"/>
               <a:t>单击此处编辑母版标题样式</a:t>
             </a:r>
-          </a:p>
-        </p:txBody>
-      </p:sp>
-      <p:sp>
-        <p:nvSpPr>
-          <p:cNvPr id="3" name="内容占位符 2">
-            <a:extLst>
-              <a:ext uri="{FF2B5EF4-FFF2-40B4-BE49-F238E27FC236}">
-                <a16:creationId xmlns:a16="http://schemas.microsoft.com/office/drawing/2014/main" id="{39BB36D2-0F3F-440D-88E4-667D25137583}"/>
-              </a:ext>
-            </a:extLst>
-          </p:cNvPr>
+            <a:endParaRPr lang="zh-CN" altLang="en-US"/>
+          </a:p>
+        </p:txBody>
+      </p:sp>
+      <p:sp>
+        <p:nvSpPr>
+          <p:cNvPr id="3" name="内容占位符 2"/>
           <p:cNvSpPr>
             <a:spLocks noGrp="1"/>
           </p:cNvSpPr>
           <p:nvPr>
-            <p:ph idx="1"/>
+            <p:ph idx="1" hasCustomPrompt="1"/>
           </p:nvPr>
         </p:nvSpPr>
         <p:spPr/>
@@ -814,6 +690,7 @@
               <a:rPr lang="zh-CN" altLang="en-US"/>
               <a:t>编辑母版文本样式</a:t>
             </a:r>
+            <a:endParaRPr lang="zh-CN" altLang="en-US"/>
           </a:p>
           <a:p>
             <a:pPr lvl="1"/>
@@ -821,6 +698,7 @@
               <a:rPr lang="zh-CN" altLang="en-US"/>
               <a:t>第二级</a:t>
             </a:r>
+            <a:endParaRPr lang="zh-CN" altLang="en-US"/>
           </a:p>
           <a:p>
             <a:pPr lvl="2"/>
@@ -828,6 +706,7 @@
               <a:rPr lang="zh-CN" altLang="en-US"/>
               <a:t>第三级</a:t>
             </a:r>
+            <a:endParaRPr lang="zh-CN" altLang="en-US"/>
           </a:p>
           <a:p>
             <a:pPr lvl="3"/>
@@ -835,6 +714,7 @@
               <a:rPr lang="zh-CN" altLang="en-US"/>
               <a:t>第四级</a:t>
             </a:r>
+            <a:endParaRPr lang="zh-CN" altLang="en-US"/>
           </a:p>
           <a:p>
             <a:pPr lvl="4"/>
@@ -842,18 +722,13 @@
               <a:rPr lang="zh-CN" altLang="en-US"/>
               <a:t>第五级</a:t>
             </a:r>
-          </a:p>
-        </p:txBody>
-      </p:sp>
-      <p:sp>
-        <p:nvSpPr>
-          <p:cNvPr id="4" name="日期占位符 3">
-            <a:extLst>
-              <a:ext uri="{FF2B5EF4-FFF2-40B4-BE49-F238E27FC236}">
-                <a16:creationId xmlns:a16="http://schemas.microsoft.com/office/drawing/2014/main" id="{4F547146-09D0-4652-8618-1DC4ACBB3E9A}"/>
-              </a:ext>
-            </a:extLst>
-          </p:cNvPr>
+            <a:endParaRPr lang="zh-CN" altLang="en-US"/>
+          </a:p>
+        </p:txBody>
+      </p:sp>
+      <p:sp>
+        <p:nvSpPr>
+          <p:cNvPr id="4" name="日期占位符 3"/>
           <p:cNvSpPr>
             <a:spLocks noGrp="1"/>
           </p:cNvSpPr>
@@ -872,13 +747,7 @@
       </p:sp>
       <p:sp>
         <p:nvSpPr>
-          <p:cNvPr id="5" name="页脚占位符 4">
-            <a:extLst>
-              <a:ext uri="{FF2B5EF4-FFF2-40B4-BE49-F238E27FC236}">
-                <a16:creationId xmlns:a16="http://schemas.microsoft.com/office/drawing/2014/main" id="{4BD92871-6827-4008-8744-1B65461B8BCC}"/>
-              </a:ext>
-            </a:extLst>
-          </p:cNvPr>
+          <p:cNvPr id="5" name="页脚占位符 4"/>
           <p:cNvSpPr>
             <a:spLocks noGrp="1"/>
           </p:cNvSpPr>
@@ -897,13 +766,7 @@
       </p:sp>
       <p:sp>
         <p:nvSpPr>
-          <p:cNvPr id="6" name="灯片编号占位符 5">
-            <a:extLst>
-              <a:ext uri="{FF2B5EF4-FFF2-40B4-BE49-F238E27FC236}">
-                <a16:creationId xmlns:a16="http://schemas.microsoft.com/office/drawing/2014/main" id="{478A2896-9528-4CF9-B0DC-8CB6A3772E43}"/>
-              </a:ext>
-            </a:extLst>
-          </p:cNvPr>
+          <p:cNvPr id="6" name="灯片编号占位符 5"/>
           <p:cNvSpPr>
             <a:spLocks noGrp="1"/>
           </p:cNvSpPr>
@@ -918,19 +781,12 @@
           <a:p>
             <a:fld id="{0B7336DA-490D-4A4F-8370-18AC9039F799}" type="slidenum">
               <a:rPr lang="zh-CN" altLang="zh-CN" smtClean="0"/>
-              <a:pPr/>
-              <a:t>‹#›</a:t>
             </a:fld>
             <a:endParaRPr lang="zh-CN" altLang="zh-CN"/>
           </a:p>
         </p:txBody>
       </p:sp>
     </p:spTree>
-    <p:extLst>
-      <p:ext uri="{BB962C8B-B14F-4D97-AF65-F5344CB8AC3E}">
-        <p14:creationId xmlns:p14="http://schemas.microsoft.com/office/powerpoint/2010/main" val="1160981498"/>
-      </p:ext>
-    </p:extLst>
   </p:cSld>
   <p:clrMapOvr>
     <a:masterClrMapping/>
@@ -957,13 +813,7 @@
       </p:grpSpPr>
       <p:sp>
         <p:nvSpPr>
-          <p:cNvPr id="2" name="标题 1">
-            <a:extLst>
-              <a:ext uri="{FF2B5EF4-FFF2-40B4-BE49-F238E27FC236}">
-                <a16:creationId xmlns:a16="http://schemas.microsoft.com/office/drawing/2014/main" id="{A627D657-6B36-4697-92AA-1776EA7D35C4}"/>
-              </a:ext>
-            </a:extLst>
-          </p:cNvPr>
+          <p:cNvPr id="2" name="标题 1"/>
           <p:cNvSpPr>
             <a:spLocks noGrp="1"/>
           </p:cNvSpPr>
@@ -989,23 +839,18 @@
               <a:rPr lang="zh-CN" altLang="en-US"/>
               <a:t>单击此处编辑母版标题样式</a:t>
             </a:r>
-          </a:p>
-        </p:txBody>
-      </p:sp>
-      <p:sp>
-        <p:nvSpPr>
-          <p:cNvPr id="3" name="文本占位符 2">
-            <a:extLst>
-              <a:ext uri="{FF2B5EF4-FFF2-40B4-BE49-F238E27FC236}">
-                <a16:creationId xmlns:a16="http://schemas.microsoft.com/office/drawing/2014/main" id="{66E2072D-8766-4C60-9365-AC72D47156C5}"/>
-              </a:ext>
-            </a:extLst>
-          </p:cNvPr>
+            <a:endParaRPr lang="zh-CN" altLang="en-US"/>
+          </a:p>
+        </p:txBody>
+      </p:sp>
+      <p:sp>
+        <p:nvSpPr>
+          <p:cNvPr id="3" name="文本占位符 2"/>
           <p:cNvSpPr>
             <a:spLocks noGrp="1"/>
           </p:cNvSpPr>
           <p:nvPr>
-            <p:ph type="body" idx="1"/>
+            <p:ph type="body" idx="1" hasCustomPrompt="1"/>
           </p:nvPr>
         </p:nvSpPr>
         <p:spPr>
@@ -1114,18 +959,13 @@
               <a:rPr lang="zh-CN" altLang="en-US"/>
               <a:t>编辑母版文本样式</a:t>
             </a:r>
-          </a:p>
-        </p:txBody>
-      </p:sp>
-      <p:sp>
-        <p:nvSpPr>
-          <p:cNvPr id="4" name="日期占位符 3">
-            <a:extLst>
-              <a:ext uri="{FF2B5EF4-FFF2-40B4-BE49-F238E27FC236}">
-                <a16:creationId xmlns:a16="http://schemas.microsoft.com/office/drawing/2014/main" id="{EB86C8BF-C089-4CAA-BBCB-B6E84A9EC842}"/>
-              </a:ext>
-            </a:extLst>
-          </p:cNvPr>
+            <a:endParaRPr lang="zh-CN" altLang="en-US"/>
+          </a:p>
+        </p:txBody>
+      </p:sp>
+      <p:sp>
+        <p:nvSpPr>
+          <p:cNvPr id="4" name="日期占位符 3"/>
           <p:cNvSpPr>
             <a:spLocks noGrp="1"/>
           </p:cNvSpPr>
@@ -1144,13 +984,7 @@
       </p:sp>
       <p:sp>
         <p:nvSpPr>
-          <p:cNvPr id="5" name="页脚占位符 4">
-            <a:extLst>
-              <a:ext uri="{FF2B5EF4-FFF2-40B4-BE49-F238E27FC236}">
-                <a16:creationId xmlns:a16="http://schemas.microsoft.com/office/drawing/2014/main" id="{7D152B81-8938-416C-A883-D1EB9DDC5BC4}"/>
-              </a:ext>
-            </a:extLst>
-          </p:cNvPr>
+          <p:cNvPr id="5" name="页脚占位符 4"/>
           <p:cNvSpPr>
             <a:spLocks noGrp="1"/>
           </p:cNvSpPr>
@@ -1169,13 +1003,7 @@
       </p:sp>
       <p:sp>
         <p:nvSpPr>
-          <p:cNvPr id="6" name="灯片编号占位符 5">
-            <a:extLst>
-              <a:ext uri="{FF2B5EF4-FFF2-40B4-BE49-F238E27FC236}">
-                <a16:creationId xmlns:a16="http://schemas.microsoft.com/office/drawing/2014/main" id="{6A1D6645-8663-4971-887D-0AE1B69FC602}"/>
-              </a:ext>
-            </a:extLst>
-          </p:cNvPr>
+          <p:cNvPr id="6" name="灯片编号占位符 5"/>
           <p:cNvSpPr>
             <a:spLocks noGrp="1"/>
           </p:cNvSpPr>
@@ -1190,19 +1018,12 @@
           <a:p>
             <a:fld id="{80F9262F-5DB4-4A63-B1B4-81345804D2B4}" type="slidenum">
               <a:rPr lang="zh-CN" altLang="zh-CN" smtClean="0"/>
-              <a:pPr/>
-              <a:t>‹#›</a:t>
             </a:fld>
             <a:endParaRPr lang="zh-CN" altLang="zh-CN"/>
           </a:p>
         </p:txBody>
       </p:sp>
     </p:spTree>
-    <p:extLst>
-      <p:ext uri="{BB962C8B-B14F-4D97-AF65-F5344CB8AC3E}">
-        <p14:creationId xmlns:p14="http://schemas.microsoft.com/office/powerpoint/2010/main" val="1973407139"/>
-      </p:ext>
-    </p:extLst>
   </p:cSld>
   <p:clrMapOvr>
     <a:masterClrMapping/>
@@ -1229,13 +1050,7 @@
       </p:grpSpPr>
       <p:sp>
         <p:nvSpPr>
-          <p:cNvPr id="2" name="标题 1">
-            <a:extLst>
-              <a:ext uri="{FF2B5EF4-FFF2-40B4-BE49-F238E27FC236}">
-                <a16:creationId xmlns:a16="http://schemas.microsoft.com/office/drawing/2014/main" id="{3BF9D793-C4A8-44A0-A11A-31829F779678}"/>
-              </a:ext>
-            </a:extLst>
-          </p:cNvPr>
+          <p:cNvPr id="2" name="标题 1"/>
           <p:cNvSpPr>
             <a:spLocks noGrp="1"/>
           </p:cNvSpPr>
@@ -1252,23 +1067,18 @@
               <a:rPr lang="zh-CN" altLang="en-US"/>
               <a:t>单击此处编辑母版标题样式</a:t>
             </a:r>
-          </a:p>
-        </p:txBody>
-      </p:sp>
-      <p:sp>
-        <p:nvSpPr>
-          <p:cNvPr id="3" name="内容占位符 2">
-            <a:extLst>
-              <a:ext uri="{FF2B5EF4-FFF2-40B4-BE49-F238E27FC236}">
-                <a16:creationId xmlns:a16="http://schemas.microsoft.com/office/drawing/2014/main" id="{AA0D0AF8-272C-4FE5-9872-55B7B1DBCAA9}"/>
-              </a:ext>
-            </a:extLst>
-          </p:cNvPr>
+            <a:endParaRPr lang="zh-CN" altLang="en-US"/>
+          </a:p>
+        </p:txBody>
+      </p:sp>
+      <p:sp>
+        <p:nvSpPr>
+          <p:cNvPr id="3" name="内容占位符 2"/>
           <p:cNvSpPr>
             <a:spLocks noGrp="1"/>
           </p:cNvSpPr>
           <p:nvPr>
-            <p:ph sz="half" idx="1"/>
+            <p:ph sz="half" idx="1" hasCustomPrompt="1"/>
           </p:nvPr>
         </p:nvSpPr>
         <p:spPr>
@@ -1286,6 +1096,7 @@
               <a:rPr lang="zh-CN" altLang="en-US"/>
               <a:t>编辑母版文本样式</a:t>
             </a:r>
+            <a:endParaRPr lang="zh-CN" altLang="en-US"/>
           </a:p>
           <a:p>
             <a:pPr lvl="1"/>
@@ -1293,6 +1104,7 @@
               <a:rPr lang="zh-CN" altLang="en-US"/>
               <a:t>第二级</a:t>
             </a:r>
+            <a:endParaRPr lang="zh-CN" altLang="en-US"/>
           </a:p>
           <a:p>
             <a:pPr lvl="2"/>
@@ -1300,6 +1112,7 @@
               <a:rPr lang="zh-CN" altLang="en-US"/>
               <a:t>第三级</a:t>
             </a:r>
+            <a:endParaRPr lang="zh-CN" altLang="en-US"/>
           </a:p>
           <a:p>
             <a:pPr lvl="3"/>
@@ -1307,6 +1120,7 @@
               <a:rPr lang="zh-CN" altLang="en-US"/>
               <a:t>第四级</a:t>
             </a:r>
+            <a:endParaRPr lang="zh-CN" altLang="en-US"/>
           </a:p>
           <a:p>
             <a:pPr lvl="4"/>
@@ -1314,23 +1128,18 @@
               <a:rPr lang="zh-CN" altLang="en-US"/>
               <a:t>第五级</a:t>
             </a:r>
-          </a:p>
-        </p:txBody>
-      </p:sp>
-      <p:sp>
-        <p:nvSpPr>
-          <p:cNvPr id="4" name="内容占位符 3">
-            <a:extLst>
-              <a:ext uri="{FF2B5EF4-FFF2-40B4-BE49-F238E27FC236}">
-                <a16:creationId xmlns:a16="http://schemas.microsoft.com/office/drawing/2014/main" id="{BBD7A607-475A-453F-9B4E-64023E477BDF}"/>
-              </a:ext>
-            </a:extLst>
-          </p:cNvPr>
+            <a:endParaRPr lang="zh-CN" altLang="en-US"/>
+          </a:p>
+        </p:txBody>
+      </p:sp>
+      <p:sp>
+        <p:nvSpPr>
+          <p:cNvPr id="4" name="内容占位符 3"/>
           <p:cNvSpPr>
             <a:spLocks noGrp="1"/>
           </p:cNvSpPr>
           <p:nvPr>
-            <p:ph sz="half" idx="2"/>
+            <p:ph sz="half" idx="2" hasCustomPrompt="1"/>
           </p:nvPr>
         </p:nvSpPr>
         <p:spPr>
@@ -1348,6 +1157,7 @@
               <a:rPr lang="zh-CN" altLang="en-US"/>
               <a:t>编辑母版文本样式</a:t>
             </a:r>
+            <a:endParaRPr lang="zh-CN" altLang="en-US"/>
           </a:p>
           <a:p>
             <a:pPr lvl="1"/>
@@ -1355,6 +1165,7 @@
               <a:rPr lang="zh-CN" altLang="en-US"/>
               <a:t>第二级</a:t>
             </a:r>
+            <a:endParaRPr lang="zh-CN" altLang="en-US"/>
           </a:p>
           <a:p>
             <a:pPr lvl="2"/>
@@ -1362,6 +1173,7 @@
               <a:rPr lang="zh-CN" altLang="en-US"/>
               <a:t>第三级</a:t>
             </a:r>
+            <a:endParaRPr lang="zh-CN" altLang="en-US"/>
           </a:p>
           <a:p>
             <a:pPr lvl="3"/>
@@ -1369,6 +1181,7 @@
               <a:rPr lang="zh-CN" altLang="en-US"/>
               <a:t>第四级</a:t>
             </a:r>
+            <a:endParaRPr lang="zh-CN" altLang="en-US"/>
           </a:p>
           <a:p>
             <a:pPr lvl="4"/>
@@ -1376,18 +1189,13 @@
               <a:rPr lang="zh-CN" altLang="en-US"/>
               <a:t>第五级</a:t>
             </a:r>
-          </a:p>
-        </p:txBody>
-      </p:sp>
-      <p:sp>
-        <p:nvSpPr>
-          <p:cNvPr id="5" name="日期占位符 4">
-            <a:extLst>
-              <a:ext uri="{FF2B5EF4-FFF2-40B4-BE49-F238E27FC236}">
-                <a16:creationId xmlns:a16="http://schemas.microsoft.com/office/drawing/2014/main" id="{799050DA-C65E-4D41-8EC4-A0A6B0B37727}"/>
-              </a:ext>
-            </a:extLst>
-          </p:cNvPr>
+            <a:endParaRPr lang="zh-CN" altLang="en-US"/>
+          </a:p>
+        </p:txBody>
+      </p:sp>
+      <p:sp>
+        <p:nvSpPr>
+          <p:cNvPr id="5" name="日期占位符 4"/>
           <p:cNvSpPr>
             <a:spLocks noGrp="1"/>
           </p:cNvSpPr>
@@ -1406,13 +1214,7 @@
       </p:sp>
       <p:sp>
         <p:nvSpPr>
-          <p:cNvPr id="6" name="页脚占位符 5">
-            <a:extLst>
-              <a:ext uri="{FF2B5EF4-FFF2-40B4-BE49-F238E27FC236}">
-                <a16:creationId xmlns:a16="http://schemas.microsoft.com/office/drawing/2014/main" id="{C7535449-BCE8-411A-A9B1-95A9CE3EC3A5}"/>
-              </a:ext>
-            </a:extLst>
-          </p:cNvPr>
+          <p:cNvPr id="6" name="页脚占位符 5"/>
           <p:cNvSpPr>
             <a:spLocks noGrp="1"/>
           </p:cNvSpPr>
@@ -1431,13 +1233,7 @@
       </p:sp>
       <p:sp>
         <p:nvSpPr>
-          <p:cNvPr id="7" name="灯片编号占位符 6">
-            <a:extLst>
-              <a:ext uri="{FF2B5EF4-FFF2-40B4-BE49-F238E27FC236}">
-                <a16:creationId xmlns:a16="http://schemas.microsoft.com/office/drawing/2014/main" id="{3E9CD593-799E-40D6-BFB0-5B3B08A7F090}"/>
-              </a:ext>
-            </a:extLst>
-          </p:cNvPr>
+          <p:cNvPr id="7" name="灯片编号占位符 6"/>
           <p:cNvSpPr>
             <a:spLocks noGrp="1"/>
           </p:cNvSpPr>
@@ -1452,19 +1248,12 @@
           <a:p>
             <a:fld id="{55AB0FE3-5D91-4062-B6B0-FA00346459B7}" type="slidenum">
               <a:rPr lang="zh-CN" altLang="zh-CN" smtClean="0"/>
-              <a:pPr/>
-              <a:t>‹#›</a:t>
             </a:fld>
             <a:endParaRPr lang="zh-CN" altLang="zh-CN"/>
           </a:p>
         </p:txBody>
       </p:sp>
     </p:spTree>
-    <p:extLst>
-      <p:ext uri="{BB962C8B-B14F-4D97-AF65-F5344CB8AC3E}">
-        <p14:creationId xmlns:p14="http://schemas.microsoft.com/office/powerpoint/2010/main" val="2082431942"/>
-      </p:ext>
-    </p:extLst>
   </p:cSld>
   <p:clrMapOvr>
     <a:masterClrMapping/>
@@ -1491,13 +1280,7 @@
       </p:grpSpPr>
       <p:sp>
         <p:nvSpPr>
-          <p:cNvPr id="2" name="标题 1">
-            <a:extLst>
-              <a:ext uri="{FF2B5EF4-FFF2-40B4-BE49-F238E27FC236}">
-                <a16:creationId xmlns:a16="http://schemas.microsoft.com/office/drawing/2014/main" id="{832B47F2-7DB6-4B5F-A4E7-3F0A32F54610}"/>
-              </a:ext>
-            </a:extLst>
-          </p:cNvPr>
+          <p:cNvPr id="2" name="标题 1"/>
           <p:cNvSpPr>
             <a:spLocks noGrp="1"/>
           </p:cNvSpPr>
@@ -1519,23 +1302,18 @@
               <a:rPr lang="zh-CN" altLang="en-US"/>
               <a:t>单击此处编辑母版标题样式</a:t>
             </a:r>
-          </a:p>
-        </p:txBody>
-      </p:sp>
-      <p:sp>
-        <p:nvSpPr>
-          <p:cNvPr id="3" name="文本占位符 2">
-            <a:extLst>
-              <a:ext uri="{FF2B5EF4-FFF2-40B4-BE49-F238E27FC236}">
-                <a16:creationId xmlns:a16="http://schemas.microsoft.com/office/drawing/2014/main" id="{D9F57305-C4BC-46E1-B107-81AFC06B05F7}"/>
-              </a:ext>
-            </a:extLst>
-          </p:cNvPr>
+            <a:endParaRPr lang="zh-CN" altLang="en-US"/>
+          </a:p>
+        </p:txBody>
+      </p:sp>
+      <p:sp>
+        <p:nvSpPr>
+          <p:cNvPr id="3" name="文本占位符 2"/>
           <p:cNvSpPr>
             <a:spLocks noGrp="1"/>
           </p:cNvSpPr>
           <p:nvPr>
-            <p:ph type="body" idx="1"/>
+            <p:ph type="body" idx="1" hasCustomPrompt="1"/>
           </p:nvPr>
         </p:nvSpPr>
         <p:spPr>
@@ -1590,23 +1368,18 @@
               <a:rPr lang="zh-CN" altLang="en-US"/>
               <a:t>编辑母版文本样式</a:t>
             </a:r>
-          </a:p>
-        </p:txBody>
-      </p:sp>
-      <p:sp>
-        <p:nvSpPr>
-          <p:cNvPr id="4" name="内容占位符 3">
-            <a:extLst>
-              <a:ext uri="{FF2B5EF4-FFF2-40B4-BE49-F238E27FC236}">
-                <a16:creationId xmlns:a16="http://schemas.microsoft.com/office/drawing/2014/main" id="{741FED70-088E-4F32-80E7-CAF344FD65DC}"/>
-              </a:ext>
-            </a:extLst>
-          </p:cNvPr>
+            <a:endParaRPr lang="zh-CN" altLang="en-US"/>
+          </a:p>
+        </p:txBody>
+      </p:sp>
+      <p:sp>
+        <p:nvSpPr>
+          <p:cNvPr id="4" name="内容占位符 3"/>
           <p:cNvSpPr>
             <a:spLocks noGrp="1"/>
           </p:cNvSpPr>
           <p:nvPr>
-            <p:ph sz="half" idx="2"/>
+            <p:ph sz="half" idx="2" hasCustomPrompt="1"/>
           </p:nvPr>
         </p:nvSpPr>
         <p:spPr>
@@ -1624,6 +1397,7 @@
               <a:rPr lang="zh-CN" altLang="en-US"/>
               <a:t>编辑母版文本样式</a:t>
             </a:r>
+            <a:endParaRPr lang="zh-CN" altLang="en-US"/>
           </a:p>
           <a:p>
             <a:pPr lvl="1"/>
@@ -1631,6 +1405,7 @@
               <a:rPr lang="zh-CN" altLang="en-US"/>
               <a:t>第二级</a:t>
             </a:r>
+            <a:endParaRPr lang="zh-CN" altLang="en-US"/>
           </a:p>
           <a:p>
             <a:pPr lvl="2"/>
@@ -1638,6 +1413,7 @@
               <a:rPr lang="zh-CN" altLang="en-US"/>
               <a:t>第三级</a:t>
             </a:r>
+            <a:endParaRPr lang="zh-CN" altLang="en-US"/>
           </a:p>
           <a:p>
             <a:pPr lvl="3"/>
@@ -1645,6 +1421,7 @@
               <a:rPr lang="zh-CN" altLang="en-US"/>
               <a:t>第四级</a:t>
             </a:r>
+            <a:endParaRPr lang="zh-CN" altLang="en-US"/>
           </a:p>
           <a:p>
             <a:pPr lvl="4"/>
@@ -1652,23 +1429,18 @@
               <a:rPr lang="zh-CN" altLang="en-US"/>
               <a:t>第五级</a:t>
             </a:r>
-          </a:p>
-        </p:txBody>
-      </p:sp>
-      <p:sp>
-        <p:nvSpPr>
-          <p:cNvPr id="5" name="文本占位符 4">
-            <a:extLst>
-              <a:ext uri="{FF2B5EF4-FFF2-40B4-BE49-F238E27FC236}">
-                <a16:creationId xmlns:a16="http://schemas.microsoft.com/office/drawing/2014/main" id="{69B67EB1-ACC2-42E0-9BA0-BD78BCA23301}"/>
-              </a:ext>
-            </a:extLst>
-          </p:cNvPr>
+            <a:endParaRPr lang="zh-CN" altLang="en-US"/>
+          </a:p>
+        </p:txBody>
+      </p:sp>
+      <p:sp>
+        <p:nvSpPr>
+          <p:cNvPr id="5" name="文本占位符 4"/>
           <p:cNvSpPr>
             <a:spLocks noGrp="1"/>
           </p:cNvSpPr>
           <p:nvPr>
-            <p:ph type="body" sz="quarter" idx="3"/>
+            <p:ph type="body" sz="quarter" idx="3" hasCustomPrompt="1"/>
           </p:nvPr>
         </p:nvSpPr>
         <p:spPr>
@@ -1723,23 +1495,18 @@
               <a:rPr lang="zh-CN" altLang="en-US"/>
               <a:t>编辑母版文本样式</a:t>
             </a:r>
-          </a:p>
-        </p:txBody>
-      </p:sp>
-      <p:sp>
-        <p:nvSpPr>
-          <p:cNvPr id="6" name="内容占位符 5">
-            <a:extLst>
-              <a:ext uri="{FF2B5EF4-FFF2-40B4-BE49-F238E27FC236}">
-                <a16:creationId xmlns:a16="http://schemas.microsoft.com/office/drawing/2014/main" id="{0509F63E-326E-4F39-A426-C723185422F0}"/>
-              </a:ext>
-            </a:extLst>
-          </p:cNvPr>
+            <a:endParaRPr lang="zh-CN" altLang="en-US"/>
+          </a:p>
+        </p:txBody>
+      </p:sp>
+      <p:sp>
+        <p:nvSpPr>
+          <p:cNvPr id="6" name="内容占位符 5"/>
           <p:cNvSpPr>
             <a:spLocks noGrp="1"/>
           </p:cNvSpPr>
           <p:nvPr>
-            <p:ph sz="quarter" idx="4"/>
+            <p:ph sz="quarter" idx="4" hasCustomPrompt="1"/>
           </p:nvPr>
         </p:nvSpPr>
         <p:spPr>
@@ -1757,6 +1524,7 @@
               <a:rPr lang="zh-CN" altLang="en-US"/>
               <a:t>编辑母版文本样式</a:t>
             </a:r>
+            <a:endParaRPr lang="zh-CN" altLang="en-US"/>
           </a:p>
           <a:p>
             <a:pPr lvl="1"/>
@@ -1764,6 +1532,7 @@
               <a:rPr lang="zh-CN" altLang="en-US"/>
               <a:t>第二级</a:t>
             </a:r>
+            <a:endParaRPr lang="zh-CN" altLang="en-US"/>
           </a:p>
           <a:p>
             <a:pPr lvl="2"/>
@@ -1771,6 +1540,7 @@
               <a:rPr lang="zh-CN" altLang="en-US"/>
               <a:t>第三级</a:t>
             </a:r>
+            <a:endParaRPr lang="zh-CN" altLang="en-US"/>
           </a:p>
           <a:p>
             <a:pPr lvl="3"/>
@@ -1778,6 +1548,7 @@
               <a:rPr lang="zh-CN" altLang="en-US"/>
               <a:t>第四级</a:t>
             </a:r>
+            <a:endParaRPr lang="zh-CN" altLang="en-US"/>
           </a:p>
           <a:p>
             <a:pPr lvl="4"/>
@@ -1785,18 +1556,13 @@
               <a:rPr lang="zh-CN" altLang="en-US"/>
               <a:t>第五级</a:t>
             </a:r>
-          </a:p>
-        </p:txBody>
-      </p:sp>
-      <p:sp>
-        <p:nvSpPr>
-          <p:cNvPr id="7" name="日期占位符 6">
-            <a:extLst>
-              <a:ext uri="{FF2B5EF4-FFF2-40B4-BE49-F238E27FC236}">
-                <a16:creationId xmlns:a16="http://schemas.microsoft.com/office/drawing/2014/main" id="{8CA0FBC8-CB5F-4F30-8E25-A4892E7F074E}"/>
-              </a:ext>
-            </a:extLst>
-          </p:cNvPr>
+            <a:endParaRPr lang="zh-CN" altLang="en-US"/>
+          </a:p>
+        </p:txBody>
+      </p:sp>
+      <p:sp>
+        <p:nvSpPr>
+          <p:cNvPr id="7" name="日期占位符 6"/>
           <p:cNvSpPr>
             <a:spLocks noGrp="1"/>
           </p:cNvSpPr>
@@ -1815,13 +1581,7 @@
       </p:sp>
       <p:sp>
         <p:nvSpPr>
-          <p:cNvPr id="8" name="页脚占位符 7">
-            <a:extLst>
-              <a:ext uri="{FF2B5EF4-FFF2-40B4-BE49-F238E27FC236}">
-                <a16:creationId xmlns:a16="http://schemas.microsoft.com/office/drawing/2014/main" id="{22073CCF-5E94-44EA-8509-C0929C097E8C}"/>
-              </a:ext>
-            </a:extLst>
-          </p:cNvPr>
+          <p:cNvPr id="8" name="页脚占位符 7"/>
           <p:cNvSpPr>
             <a:spLocks noGrp="1"/>
           </p:cNvSpPr>
@@ -1840,13 +1600,7 @@
       </p:sp>
       <p:sp>
         <p:nvSpPr>
-          <p:cNvPr id="9" name="灯片编号占位符 8">
-            <a:extLst>
-              <a:ext uri="{FF2B5EF4-FFF2-40B4-BE49-F238E27FC236}">
-                <a16:creationId xmlns:a16="http://schemas.microsoft.com/office/drawing/2014/main" id="{25C76426-B829-43E4-9018-DA2BD89F1526}"/>
-              </a:ext>
-            </a:extLst>
-          </p:cNvPr>
+          <p:cNvPr id="9" name="灯片编号占位符 8"/>
           <p:cNvSpPr>
             <a:spLocks noGrp="1"/>
           </p:cNvSpPr>
@@ -1861,19 +1615,12 @@
           <a:p>
             <a:fld id="{29379C28-6D83-4BC8-9739-7FF3B2130738}" type="slidenum">
               <a:rPr lang="zh-CN" altLang="zh-CN" smtClean="0"/>
-              <a:pPr/>
-              <a:t>‹#›</a:t>
             </a:fld>
             <a:endParaRPr lang="zh-CN" altLang="zh-CN"/>
           </a:p>
         </p:txBody>
       </p:sp>
     </p:spTree>
-    <p:extLst>
-      <p:ext uri="{BB962C8B-B14F-4D97-AF65-F5344CB8AC3E}">
-        <p14:creationId xmlns:p14="http://schemas.microsoft.com/office/powerpoint/2010/main" val="531620185"/>
-      </p:ext>
-    </p:extLst>
   </p:cSld>
   <p:clrMapOvr>
     <a:masterClrMapping/>
@@ -1900,13 +1647,7 @@
       </p:grpSpPr>
       <p:sp>
         <p:nvSpPr>
-          <p:cNvPr id="2" name="标题 1">
-            <a:extLst>
-              <a:ext uri="{FF2B5EF4-FFF2-40B4-BE49-F238E27FC236}">
-                <a16:creationId xmlns:a16="http://schemas.microsoft.com/office/drawing/2014/main" id="{0B98C1A1-0D3A-4E8F-AB0D-BECF6869D829}"/>
-              </a:ext>
-            </a:extLst>
-          </p:cNvPr>
+          <p:cNvPr id="2" name="标题 1"/>
           <p:cNvSpPr>
             <a:spLocks noGrp="1"/>
           </p:cNvSpPr>
@@ -1923,18 +1664,13 @@
               <a:rPr lang="zh-CN" altLang="en-US"/>
               <a:t>单击此处编辑母版标题样式</a:t>
             </a:r>
-          </a:p>
-        </p:txBody>
-      </p:sp>
-      <p:sp>
-        <p:nvSpPr>
-          <p:cNvPr id="3" name="日期占位符 2">
-            <a:extLst>
-              <a:ext uri="{FF2B5EF4-FFF2-40B4-BE49-F238E27FC236}">
-                <a16:creationId xmlns:a16="http://schemas.microsoft.com/office/drawing/2014/main" id="{DABE511D-801B-449E-B71A-ED13021BCD91}"/>
-              </a:ext>
-            </a:extLst>
-          </p:cNvPr>
+            <a:endParaRPr lang="zh-CN" altLang="en-US"/>
+          </a:p>
+        </p:txBody>
+      </p:sp>
+      <p:sp>
+        <p:nvSpPr>
+          <p:cNvPr id="3" name="日期占位符 2"/>
           <p:cNvSpPr>
             <a:spLocks noGrp="1"/>
           </p:cNvSpPr>
@@ -1953,13 +1689,7 @@
       </p:sp>
       <p:sp>
         <p:nvSpPr>
-          <p:cNvPr id="4" name="页脚占位符 3">
-            <a:extLst>
-              <a:ext uri="{FF2B5EF4-FFF2-40B4-BE49-F238E27FC236}">
-                <a16:creationId xmlns:a16="http://schemas.microsoft.com/office/drawing/2014/main" id="{2356BED0-557B-48BD-B1F6-0362CADB713E}"/>
-              </a:ext>
-            </a:extLst>
-          </p:cNvPr>
+          <p:cNvPr id="4" name="页脚占位符 3"/>
           <p:cNvSpPr>
             <a:spLocks noGrp="1"/>
           </p:cNvSpPr>
@@ -1978,13 +1708,7 @@
       </p:sp>
       <p:sp>
         <p:nvSpPr>
-          <p:cNvPr id="5" name="灯片编号占位符 4">
-            <a:extLst>
-              <a:ext uri="{FF2B5EF4-FFF2-40B4-BE49-F238E27FC236}">
-                <a16:creationId xmlns:a16="http://schemas.microsoft.com/office/drawing/2014/main" id="{27212E97-6913-4A99-B888-779EB4BF8475}"/>
-              </a:ext>
-            </a:extLst>
-          </p:cNvPr>
+          <p:cNvPr id="5" name="灯片编号占位符 4"/>
           <p:cNvSpPr>
             <a:spLocks noGrp="1"/>
           </p:cNvSpPr>
@@ -1999,19 +1723,12 @@
           <a:p>
             <a:fld id="{A8C9AB50-3295-43EC-A62A-46C3B7B903F5}" type="slidenum">
               <a:rPr lang="zh-CN" altLang="zh-CN" smtClean="0"/>
-              <a:pPr/>
-              <a:t>‹#›</a:t>
             </a:fld>
             <a:endParaRPr lang="zh-CN" altLang="zh-CN"/>
           </a:p>
         </p:txBody>
       </p:sp>
     </p:spTree>
-    <p:extLst>
-      <p:ext uri="{BB962C8B-B14F-4D97-AF65-F5344CB8AC3E}">
-        <p14:creationId xmlns:p14="http://schemas.microsoft.com/office/powerpoint/2010/main" val="3447436540"/>
-      </p:ext>
-    </p:extLst>
   </p:cSld>
   <p:clrMapOvr>
     <a:masterClrMapping/>
@@ -2038,13 +1755,7 @@
       </p:grpSpPr>
       <p:sp>
         <p:nvSpPr>
-          <p:cNvPr id="2" name="日期占位符 1">
-            <a:extLst>
-              <a:ext uri="{FF2B5EF4-FFF2-40B4-BE49-F238E27FC236}">
-                <a16:creationId xmlns:a16="http://schemas.microsoft.com/office/drawing/2014/main" id="{496E111D-6F58-4A75-99F2-61C98659DA23}"/>
-              </a:ext>
-            </a:extLst>
-          </p:cNvPr>
+          <p:cNvPr id="2" name="日期占位符 1"/>
           <p:cNvSpPr>
             <a:spLocks noGrp="1"/>
           </p:cNvSpPr>
@@ -2063,13 +1774,7 @@
       </p:sp>
       <p:sp>
         <p:nvSpPr>
-          <p:cNvPr id="3" name="页脚占位符 2">
-            <a:extLst>
-              <a:ext uri="{FF2B5EF4-FFF2-40B4-BE49-F238E27FC236}">
-                <a16:creationId xmlns:a16="http://schemas.microsoft.com/office/drawing/2014/main" id="{34AD38D7-99AB-4868-B0F7-9EDC42968C81}"/>
-              </a:ext>
-            </a:extLst>
-          </p:cNvPr>
+          <p:cNvPr id="3" name="页脚占位符 2"/>
           <p:cNvSpPr>
             <a:spLocks noGrp="1"/>
           </p:cNvSpPr>
@@ -2088,13 +1793,7 @@
       </p:sp>
       <p:sp>
         <p:nvSpPr>
-          <p:cNvPr id="4" name="灯片编号占位符 3">
-            <a:extLst>
-              <a:ext uri="{FF2B5EF4-FFF2-40B4-BE49-F238E27FC236}">
-                <a16:creationId xmlns:a16="http://schemas.microsoft.com/office/drawing/2014/main" id="{E0589EBD-E241-4611-9C61-306DAD0F287D}"/>
-              </a:ext>
-            </a:extLst>
-          </p:cNvPr>
+          <p:cNvPr id="4" name="灯片编号占位符 3"/>
           <p:cNvSpPr>
             <a:spLocks noGrp="1"/>
           </p:cNvSpPr>
@@ -2109,19 +1808,12 @@
           <a:p>
             <a:fld id="{A0D08E69-D976-47B3-9497-69A476578941}" type="slidenum">
               <a:rPr lang="zh-CN" altLang="zh-CN" smtClean="0"/>
-              <a:pPr/>
-              <a:t>‹#›</a:t>
             </a:fld>
             <a:endParaRPr lang="zh-CN" altLang="zh-CN"/>
           </a:p>
         </p:txBody>
       </p:sp>
     </p:spTree>
-    <p:extLst>
-      <p:ext uri="{BB962C8B-B14F-4D97-AF65-F5344CB8AC3E}">
-        <p14:creationId xmlns:p14="http://schemas.microsoft.com/office/powerpoint/2010/main" val="3380952033"/>
-      </p:ext>
-    </p:extLst>
   </p:cSld>
   <p:clrMapOvr>
     <a:masterClrMapping/>
@@ -2148,13 +1840,7 @@
       </p:grpSpPr>
       <p:sp>
         <p:nvSpPr>
-          <p:cNvPr id="2" name="标题 1">
-            <a:extLst>
-              <a:ext uri="{FF2B5EF4-FFF2-40B4-BE49-F238E27FC236}">
-                <a16:creationId xmlns:a16="http://schemas.microsoft.com/office/drawing/2014/main" id="{6353C2B8-E778-4A64-AF1C-E2F1FD49A5F6}"/>
-              </a:ext>
-            </a:extLst>
-          </p:cNvPr>
+          <p:cNvPr id="2" name="标题 1"/>
           <p:cNvSpPr>
             <a:spLocks noGrp="1"/>
           </p:cNvSpPr>
@@ -2180,23 +1866,18 @@
               <a:rPr lang="zh-CN" altLang="en-US"/>
               <a:t>单击此处编辑母版标题样式</a:t>
             </a:r>
-          </a:p>
-        </p:txBody>
-      </p:sp>
-      <p:sp>
-        <p:nvSpPr>
-          <p:cNvPr id="3" name="内容占位符 2">
-            <a:extLst>
-              <a:ext uri="{FF2B5EF4-FFF2-40B4-BE49-F238E27FC236}">
-                <a16:creationId xmlns:a16="http://schemas.microsoft.com/office/drawing/2014/main" id="{AE6DDF50-9F5B-4934-8A1E-4F1D4E7035B4}"/>
-              </a:ext>
-            </a:extLst>
-          </p:cNvPr>
+            <a:endParaRPr lang="zh-CN" altLang="en-US"/>
+          </a:p>
+        </p:txBody>
+      </p:sp>
+      <p:sp>
+        <p:nvSpPr>
+          <p:cNvPr id="3" name="内容占位符 2"/>
           <p:cNvSpPr>
             <a:spLocks noGrp="1"/>
           </p:cNvSpPr>
           <p:nvPr>
-            <p:ph idx="1"/>
+            <p:ph idx="1" hasCustomPrompt="1"/>
           </p:nvPr>
         </p:nvSpPr>
         <p:spPr>
@@ -2242,6 +1923,7 @@
               <a:rPr lang="zh-CN" altLang="en-US"/>
               <a:t>编辑母版文本样式</a:t>
             </a:r>
+            <a:endParaRPr lang="zh-CN" altLang="en-US"/>
           </a:p>
           <a:p>
             <a:pPr lvl="1"/>
@@ -2249,6 +1931,7 @@
               <a:rPr lang="zh-CN" altLang="en-US"/>
               <a:t>第二级</a:t>
             </a:r>
+            <a:endParaRPr lang="zh-CN" altLang="en-US"/>
           </a:p>
           <a:p>
             <a:pPr lvl="2"/>
@@ -2256,6 +1939,7 @@
               <a:rPr lang="zh-CN" altLang="en-US"/>
               <a:t>第三级</a:t>
             </a:r>
+            <a:endParaRPr lang="zh-CN" altLang="en-US"/>
           </a:p>
           <a:p>
             <a:pPr lvl="3"/>
@@ -2263,6 +1947,7 @@
               <a:rPr lang="zh-CN" altLang="en-US"/>
               <a:t>第四级</a:t>
             </a:r>
+            <a:endParaRPr lang="zh-CN" altLang="en-US"/>
           </a:p>
           <a:p>
             <a:pPr lvl="4"/>
@@ -2270,23 +1955,18 @@
               <a:rPr lang="zh-CN" altLang="en-US"/>
               <a:t>第五级</a:t>
             </a:r>
-          </a:p>
-        </p:txBody>
-      </p:sp>
-      <p:sp>
-        <p:nvSpPr>
-          <p:cNvPr id="4" name="文本占位符 3">
-            <a:extLst>
-              <a:ext uri="{FF2B5EF4-FFF2-40B4-BE49-F238E27FC236}">
-                <a16:creationId xmlns:a16="http://schemas.microsoft.com/office/drawing/2014/main" id="{55580C49-D564-424C-94CB-BDD8E269F661}"/>
-              </a:ext>
-            </a:extLst>
-          </p:cNvPr>
+            <a:endParaRPr lang="zh-CN" altLang="en-US"/>
+          </a:p>
+        </p:txBody>
+      </p:sp>
+      <p:sp>
+        <p:nvSpPr>
+          <p:cNvPr id="4" name="文本占位符 3"/>
           <p:cNvSpPr>
             <a:spLocks noGrp="1"/>
           </p:cNvSpPr>
           <p:nvPr>
-            <p:ph type="body" sz="half" idx="2"/>
+            <p:ph type="body" sz="half" idx="2" hasCustomPrompt="1"/>
           </p:nvPr>
         </p:nvSpPr>
         <p:spPr>
@@ -2341,18 +2021,13 @@
               <a:rPr lang="zh-CN" altLang="en-US"/>
               <a:t>编辑母版文本样式</a:t>
             </a:r>
-          </a:p>
-        </p:txBody>
-      </p:sp>
-      <p:sp>
-        <p:nvSpPr>
-          <p:cNvPr id="5" name="日期占位符 4">
-            <a:extLst>
-              <a:ext uri="{FF2B5EF4-FFF2-40B4-BE49-F238E27FC236}">
-                <a16:creationId xmlns:a16="http://schemas.microsoft.com/office/drawing/2014/main" id="{897008DF-D02F-4D8A-8914-9FD06734E8BB}"/>
-              </a:ext>
-            </a:extLst>
-          </p:cNvPr>
+            <a:endParaRPr lang="zh-CN" altLang="en-US"/>
+          </a:p>
+        </p:txBody>
+      </p:sp>
+      <p:sp>
+        <p:nvSpPr>
+          <p:cNvPr id="5" name="日期占位符 4"/>
           <p:cNvSpPr>
             <a:spLocks noGrp="1"/>
           </p:cNvSpPr>
@@ -2371,13 +2046,7 @@
       </p:sp>
       <p:sp>
         <p:nvSpPr>
-          <p:cNvPr id="6" name="页脚占位符 5">
-            <a:extLst>
-              <a:ext uri="{FF2B5EF4-FFF2-40B4-BE49-F238E27FC236}">
-                <a16:creationId xmlns:a16="http://schemas.microsoft.com/office/drawing/2014/main" id="{5F89CC62-C38F-43F9-AA56-1C9CE9AF16C2}"/>
-              </a:ext>
-            </a:extLst>
-          </p:cNvPr>
+          <p:cNvPr id="6" name="页脚占位符 5"/>
           <p:cNvSpPr>
             <a:spLocks noGrp="1"/>
           </p:cNvSpPr>
@@ -2396,13 +2065,7 @@
       </p:sp>
       <p:sp>
         <p:nvSpPr>
-          <p:cNvPr id="7" name="灯片编号占位符 6">
-            <a:extLst>
-              <a:ext uri="{FF2B5EF4-FFF2-40B4-BE49-F238E27FC236}">
-                <a16:creationId xmlns:a16="http://schemas.microsoft.com/office/drawing/2014/main" id="{813B5F2C-E03F-44C8-AA1C-6C67D6E5EFBB}"/>
-              </a:ext>
-            </a:extLst>
-          </p:cNvPr>
+          <p:cNvPr id="7" name="灯片编号占位符 6"/>
           <p:cNvSpPr>
             <a:spLocks noGrp="1"/>
           </p:cNvSpPr>
@@ -2417,19 +2080,12 @@
           <a:p>
             <a:fld id="{94B6AEE1-721E-4FA5-B6D4-BFD9E1F2F9EB}" type="slidenum">
               <a:rPr lang="zh-CN" altLang="zh-CN" smtClean="0"/>
-              <a:pPr/>
-              <a:t>‹#›</a:t>
             </a:fld>
             <a:endParaRPr lang="zh-CN" altLang="zh-CN"/>
           </a:p>
         </p:txBody>
       </p:sp>
     </p:spTree>
-    <p:extLst>
-      <p:ext uri="{BB962C8B-B14F-4D97-AF65-F5344CB8AC3E}">
-        <p14:creationId xmlns:p14="http://schemas.microsoft.com/office/powerpoint/2010/main" val="344056087"/>
-      </p:ext>
-    </p:extLst>
   </p:cSld>
   <p:clrMapOvr>
     <a:masterClrMapping/>
@@ -2456,13 +2112,7 @@
       </p:grpSpPr>
       <p:sp>
         <p:nvSpPr>
-          <p:cNvPr id="2" name="标题 1">
-            <a:extLst>
-              <a:ext uri="{FF2B5EF4-FFF2-40B4-BE49-F238E27FC236}">
-                <a16:creationId xmlns:a16="http://schemas.microsoft.com/office/drawing/2014/main" id="{8898F9AD-93B7-4AF6-B809-9F73D5E6B234}"/>
-              </a:ext>
-            </a:extLst>
-          </p:cNvPr>
+          <p:cNvPr id="2" name="标题 1"/>
           <p:cNvSpPr>
             <a:spLocks noGrp="1"/>
           </p:cNvSpPr>
@@ -2488,18 +2138,13 @@
               <a:rPr lang="zh-CN" altLang="en-US"/>
               <a:t>单击此处编辑母版标题样式</a:t>
             </a:r>
-          </a:p>
-        </p:txBody>
-      </p:sp>
-      <p:sp>
-        <p:nvSpPr>
-          <p:cNvPr id="3" name="图片占位符 2">
-            <a:extLst>
-              <a:ext uri="{FF2B5EF4-FFF2-40B4-BE49-F238E27FC236}">
-                <a16:creationId xmlns:a16="http://schemas.microsoft.com/office/drawing/2014/main" id="{B3E2DF7A-6027-45DF-B9D8-9B2FE824021C}"/>
-              </a:ext>
-            </a:extLst>
-          </p:cNvPr>
+            <a:endParaRPr lang="zh-CN" altLang="en-US"/>
+          </a:p>
+        </p:txBody>
+      </p:sp>
+      <p:sp>
+        <p:nvSpPr>
+          <p:cNvPr id="3" name="图片占位符 2"/>
           <p:cNvSpPr>
             <a:spLocks noGrp="1"/>
           </p:cNvSpPr>
@@ -2560,18 +2205,12 @@
       </p:sp>
       <p:sp>
         <p:nvSpPr>
-          <p:cNvPr id="4" name="文本占位符 3">
-            <a:extLst>
-              <a:ext uri="{FF2B5EF4-FFF2-40B4-BE49-F238E27FC236}">
-                <a16:creationId xmlns:a16="http://schemas.microsoft.com/office/drawing/2014/main" id="{6994CEC6-8ECC-4433-97D0-1F688DA89C21}"/>
-              </a:ext>
-            </a:extLst>
-          </p:cNvPr>
+          <p:cNvPr id="4" name="文本占位符 3"/>
           <p:cNvSpPr>
             <a:spLocks noGrp="1"/>
           </p:cNvSpPr>
           <p:nvPr>
-            <p:ph type="body" sz="half" idx="2"/>
+            <p:ph type="body" sz="half" idx="2" hasCustomPrompt="1"/>
           </p:nvPr>
         </p:nvSpPr>
         <p:spPr>
@@ -2626,18 +2265,13 @@
               <a:rPr lang="zh-CN" altLang="en-US"/>
               <a:t>编辑母版文本样式</a:t>
             </a:r>
-          </a:p>
-        </p:txBody>
-      </p:sp>
-      <p:sp>
-        <p:nvSpPr>
-          <p:cNvPr id="5" name="日期占位符 4">
-            <a:extLst>
-              <a:ext uri="{FF2B5EF4-FFF2-40B4-BE49-F238E27FC236}">
-                <a16:creationId xmlns:a16="http://schemas.microsoft.com/office/drawing/2014/main" id="{F5B3CE21-8ABB-454A-AA54-F2C4A434F82D}"/>
-              </a:ext>
-            </a:extLst>
-          </p:cNvPr>
+            <a:endParaRPr lang="zh-CN" altLang="en-US"/>
+          </a:p>
+        </p:txBody>
+      </p:sp>
+      <p:sp>
+        <p:nvSpPr>
+          <p:cNvPr id="5" name="日期占位符 4"/>
           <p:cNvSpPr>
             <a:spLocks noGrp="1"/>
           </p:cNvSpPr>
@@ -2656,13 +2290,7 @@
       </p:sp>
       <p:sp>
         <p:nvSpPr>
-          <p:cNvPr id="6" name="页脚占位符 5">
-            <a:extLst>
-              <a:ext uri="{FF2B5EF4-FFF2-40B4-BE49-F238E27FC236}">
-                <a16:creationId xmlns:a16="http://schemas.microsoft.com/office/drawing/2014/main" id="{E6FAB4D5-2BD0-4429-995F-911561F6F7C7}"/>
-              </a:ext>
-            </a:extLst>
-          </p:cNvPr>
+          <p:cNvPr id="6" name="页脚占位符 5"/>
           <p:cNvSpPr>
             <a:spLocks noGrp="1"/>
           </p:cNvSpPr>
@@ -2681,13 +2309,7 @@
       </p:sp>
       <p:sp>
         <p:nvSpPr>
-          <p:cNvPr id="7" name="灯片编号占位符 6">
-            <a:extLst>
-              <a:ext uri="{FF2B5EF4-FFF2-40B4-BE49-F238E27FC236}">
-                <a16:creationId xmlns:a16="http://schemas.microsoft.com/office/drawing/2014/main" id="{F17B33A3-6EF8-44A0-BE16-55F72519F0E2}"/>
-              </a:ext>
-            </a:extLst>
-          </p:cNvPr>
+          <p:cNvPr id="7" name="灯片编号占位符 6"/>
           <p:cNvSpPr>
             <a:spLocks noGrp="1"/>
           </p:cNvSpPr>
@@ -2702,19 +2324,12 @@
           <a:p>
             <a:fld id="{CD0E9A14-FF6D-43AA-8E45-66CE85262DEC}" type="slidenum">
               <a:rPr lang="zh-CN" altLang="zh-CN" smtClean="0"/>
-              <a:pPr/>
-              <a:t>‹#›</a:t>
             </a:fld>
             <a:endParaRPr lang="zh-CN" altLang="zh-CN"/>
           </a:p>
         </p:txBody>
       </p:sp>
     </p:spTree>
-    <p:extLst>
-      <p:ext uri="{BB962C8B-B14F-4D97-AF65-F5344CB8AC3E}">
-        <p14:creationId xmlns:p14="http://schemas.microsoft.com/office/powerpoint/2010/main" val="1064336088"/>
-      </p:ext>
-    </p:extLst>
   </p:cSld>
   <p:clrMapOvr>
     <a:masterClrMapping/>
@@ -2746,13 +2361,7 @@
       </p:grpSpPr>
       <p:sp>
         <p:nvSpPr>
-          <p:cNvPr id="2" name="标题占位符 1">
-            <a:extLst>
-              <a:ext uri="{FF2B5EF4-FFF2-40B4-BE49-F238E27FC236}">
-                <a16:creationId xmlns:a16="http://schemas.microsoft.com/office/drawing/2014/main" id="{A9586497-472F-49E8-BEFA-D38245F6A2FC}"/>
-              </a:ext>
-            </a:extLst>
-          </p:cNvPr>
+          <p:cNvPr id="2" name="标题占位符 1"/>
           <p:cNvSpPr>
             <a:spLocks noGrp="1"/>
           </p:cNvSpPr>
@@ -2779,18 +2388,13 @@
               <a:rPr lang="zh-CN" altLang="en-US"/>
               <a:t>单击此处编辑母版标题样式</a:t>
             </a:r>
-          </a:p>
-        </p:txBody>
-      </p:sp>
-      <p:sp>
-        <p:nvSpPr>
-          <p:cNvPr id="3" name="文本占位符 2">
-            <a:extLst>
-              <a:ext uri="{FF2B5EF4-FFF2-40B4-BE49-F238E27FC236}">
-                <a16:creationId xmlns:a16="http://schemas.microsoft.com/office/drawing/2014/main" id="{A094CCBB-CD37-4AD3-85AD-BD72D2976842}"/>
-              </a:ext>
-            </a:extLst>
-          </p:cNvPr>
+            <a:endParaRPr lang="zh-CN" altLang="en-US"/>
+          </a:p>
+        </p:txBody>
+      </p:sp>
+      <p:sp>
+        <p:nvSpPr>
+          <p:cNvPr id="3" name="文本占位符 2"/>
           <p:cNvSpPr>
             <a:spLocks noGrp="1"/>
           </p:cNvSpPr>
@@ -2818,6 +2422,7 @@
               <a:rPr lang="zh-CN" altLang="en-US"/>
               <a:t>编辑母版文本样式</a:t>
             </a:r>
+            <a:endParaRPr lang="zh-CN" altLang="en-US"/>
           </a:p>
           <a:p>
             <a:pPr lvl="1"/>
@@ -2825,6 +2430,7 @@
               <a:rPr lang="zh-CN" altLang="en-US"/>
               <a:t>第二级</a:t>
             </a:r>
+            <a:endParaRPr lang="zh-CN" altLang="en-US"/>
           </a:p>
           <a:p>
             <a:pPr lvl="2"/>
@@ -2832,6 +2438,7 @@
               <a:rPr lang="zh-CN" altLang="en-US"/>
               <a:t>第三级</a:t>
             </a:r>
+            <a:endParaRPr lang="zh-CN" altLang="en-US"/>
           </a:p>
           <a:p>
             <a:pPr lvl="3"/>
@@ -2839,6 +2446,7 @@
               <a:rPr lang="zh-CN" altLang="en-US"/>
               <a:t>第四级</a:t>
             </a:r>
+            <a:endParaRPr lang="zh-CN" altLang="en-US"/>
           </a:p>
           <a:p>
             <a:pPr lvl="4"/>
@@ -2846,18 +2454,13 @@
               <a:rPr lang="zh-CN" altLang="en-US"/>
               <a:t>第五级</a:t>
             </a:r>
-          </a:p>
-        </p:txBody>
-      </p:sp>
-      <p:sp>
-        <p:nvSpPr>
-          <p:cNvPr id="4" name="日期占位符 3">
-            <a:extLst>
-              <a:ext uri="{FF2B5EF4-FFF2-40B4-BE49-F238E27FC236}">
-                <a16:creationId xmlns:a16="http://schemas.microsoft.com/office/drawing/2014/main" id="{F190379A-784B-4FE9-85DE-0EE3A489E377}"/>
-              </a:ext>
-            </a:extLst>
-          </p:cNvPr>
+            <a:endParaRPr lang="zh-CN" altLang="en-US"/>
+          </a:p>
+        </p:txBody>
+      </p:sp>
+      <p:sp>
+        <p:nvSpPr>
+          <p:cNvPr id="4" name="日期占位符 3"/>
           <p:cNvSpPr>
             <a:spLocks noGrp="1"/>
           </p:cNvSpPr>
@@ -2894,13 +2497,7 @@
       </p:sp>
       <p:sp>
         <p:nvSpPr>
-          <p:cNvPr id="5" name="页脚占位符 4">
-            <a:extLst>
-              <a:ext uri="{FF2B5EF4-FFF2-40B4-BE49-F238E27FC236}">
-                <a16:creationId xmlns:a16="http://schemas.microsoft.com/office/drawing/2014/main" id="{3ABB1EAC-3109-476F-BAD4-8651255596E1}"/>
-              </a:ext>
-            </a:extLst>
-          </p:cNvPr>
+          <p:cNvPr id="5" name="页脚占位符 4"/>
           <p:cNvSpPr>
             <a:spLocks noGrp="1"/>
           </p:cNvSpPr>
@@ -2937,13 +2534,7 @@
       </p:sp>
       <p:sp>
         <p:nvSpPr>
-          <p:cNvPr id="6" name="灯片编号占位符 5">
-            <a:extLst>
-              <a:ext uri="{FF2B5EF4-FFF2-40B4-BE49-F238E27FC236}">
-                <a16:creationId xmlns:a16="http://schemas.microsoft.com/office/drawing/2014/main" id="{F3AA32A0-130C-4046-B8B8-FC8ED7E09745}"/>
-              </a:ext>
-            </a:extLst>
-          </p:cNvPr>
+          <p:cNvPr id="6" name="灯片编号占位符 5"/>
           <p:cNvSpPr>
             <a:spLocks noGrp="1"/>
           </p:cNvSpPr>
@@ -2976,33 +2567,26 @@
           <a:p>
             <a:fld id="{C0AB3C92-FB0B-453B-B4C6-EE0992CFEE52}" type="slidenum">
               <a:rPr lang="zh-CN" altLang="zh-CN" smtClean="0"/>
-              <a:pPr/>
-              <a:t>‹#›</a:t>
             </a:fld>
             <a:endParaRPr lang="zh-CN" altLang="zh-CN"/>
           </a:p>
         </p:txBody>
       </p:sp>
     </p:spTree>
-    <p:extLst>
-      <p:ext uri="{BB962C8B-B14F-4D97-AF65-F5344CB8AC3E}">
-        <p14:creationId xmlns:p14="http://schemas.microsoft.com/office/powerpoint/2010/main" val="472992649"/>
-      </p:ext>
-    </p:extLst>
   </p:cSld>
   <p:clrMap bg1="lt1" tx1="dk1" bg2="lt2" tx2="dk2" accent1="accent1" accent2="accent2" accent3="accent3" accent4="accent4" accent5="accent5" accent6="accent6" hlink="hlink" folHlink="folHlink"/>
   <p:sldLayoutIdLst>
-    <p:sldLayoutId id="2147483679" r:id="rId1"/>
-    <p:sldLayoutId id="2147483680" r:id="rId2"/>
-    <p:sldLayoutId id="2147483681" r:id="rId3"/>
-    <p:sldLayoutId id="2147483682" r:id="rId4"/>
-    <p:sldLayoutId id="2147483683" r:id="rId5"/>
-    <p:sldLayoutId id="2147483684" r:id="rId6"/>
-    <p:sldLayoutId id="2147483685" r:id="rId7"/>
-    <p:sldLayoutId id="2147483686" r:id="rId8"/>
-    <p:sldLayoutId id="2147483687" r:id="rId9"/>
-    <p:sldLayoutId id="2147483688" r:id="rId10"/>
-    <p:sldLayoutId id="2147483689" r:id="rId11"/>
+    <p:sldLayoutId id="2147483649" r:id="rId1"/>
+    <p:sldLayoutId id="2147483650" r:id="rId2"/>
+    <p:sldLayoutId id="2147483651" r:id="rId3"/>
+    <p:sldLayoutId id="2147483652" r:id="rId4"/>
+    <p:sldLayoutId id="2147483653" r:id="rId5"/>
+    <p:sldLayoutId id="2147483654" r:id="rId6"/>
+    <p:sldLayoutId id="2147483655" r:id="rId7"/>
+    <p:sldLayoutId id="2147483656" r:id="rId8"/>
+    <p:sldLayoutId id="2147483657" r:id="rId9"/>
+    <p:sldLayoutId id="2147483658" r:id="rId10"/>
+    <p:sldLayoutId id="2147483659" r:id="rId11"/>
   </p:sldLayoutIdLst>
   <p:txStyles>
     <p:titleStyle>
@@ -3306,13 +2890,7 @@
       </p:grpSpPr>
       <p:sp>
         <p:nvSpPr>
-          <p:cNvPr id="7" name="矩形 6">
-            <a:extLst>
-              <a:ext uri="{FF2B5EF4-FFF2-40B4-BE49-F238E27FC236}">
-                <a16:creationId xmlns:a16="http://schemas.microsoft.com/office/drawing/2014/main" id="{AD75BAD0-8AB7-43F8-A760-82F49A548BC8}"/>
-              </a:ext>
-            </a:extLst>
-          </p:cNvPr>
+          <p:cNvPr id="7" name="矩形 6"/>
           <p:cNvSpPr/>
           <p:nvPr/>
         </p:nvSpPr>
@@ -3357,13 +2935,7 @@
       </p:sp>
       <p:sp>
         <p:nvSpPr>
-          <p:cNvPr id="10" name="矩形 9">
-            <a:extLst>
-              <a:ext uri="{FF2B5EF4-FFF2-40B4-BE49-F238E27FC236}">
-                <a16:creationId xmlns:a16="http://schemas.microsoft.com/office/drawing/2014/main" id="{7585BCBF-79B2-4139-B7FF-AFE77FB8CA2F}"/>
-              </a:ext>
-            </a:extLst>
-          </p:cNvPr>
+          <p:cNvPr id="10" name="矩形 9"/>
           <p:cNvSpPr/>
           <p:nvPr/>
         </p:nvSpPr>
@@ -3406,13 +2978,7 @@
       </p:sp>
       <p:sp>
         <p:nvSpPr>
-          <p:cNvPr id="11" name="矩形 10">
-            <a:extLst>
-              <a:ext uri="{FF2B5EF4-FFF2-40B4-BE49-F238E27FC236}">
-                <a16:creationId xmlns:a16="http://schemas.microsoft.com/office/drawing/2014/main" id="{B5A7D3C6-3911-4C50-A2FA-2E82642E6D49}"/>
-              </a:ext>
-            </a:extLst>
-          </p:cNvPr>
+          <p:cNvPr id="11" name="矩形 10"/>
           <p:cNvSpPr/>
           <p:nvPr/>
         </p:nvSpPr>
@@ -3455,13 +3021,7 @@
       </p:sp>
       <p:cxnSp>
         <p:nvCxnSpPr>
-          <p:cNvPr id="9" name="直接连接符 8">
-            <a:extLst>
-              <a:ext uri="{FF2B5EF4-FFF2-40B4-BE49-F238E27FC236}">
-                <a16:creationId xmlns:a16="http://schemas.microsoft.com/office/drawing/2014/main" id="{2A600FFD-74F0-40F8-B2FA-9864250FC806}"/>
-              </a:ext>
-            </a:extLst>
-          </p:cNvPr>
+          <p:cNvPr id="9" name="直接连接符 8"/>
           <p:cNvCxnSpPr/>
           <p:nvPr/>
         </p:nvCxnSpPr>
@@ -3491,13 +3051,7 @@
       </p:cxnSp>
       <p:cxnSp>
         <p:nvCxnSpPr>
-          <p:cNvPr id="14" name="直接连接符 13">
-            <a:extLst>
-              <a:ext uri="{FF2B5EF4-FFF2-40B4-BE49-F238E27FC236}">
-                <a16:creationId xmlns:a16="http://schemas.microsoft.com/office/drawing/2014/main" id="{85F88341-9C17-48FF-9095-7EC056E4A073}"/>
-              </a:ext>
-            </a:extLst>
-          </p:cNvPr>
+          <p:cNvPr id="14" name="直接连接符 13"/>
           <p:cNvCxnSpPr/>
           <p:nvPr/>
         </p:nvCxnSpPr>
@@ -3527,13 +3081,7 @@
       </p:cxnSp>
       <p:cxnSp>
         <p:nvCxnSpPr>
-          <p:cNvPr id="15" name="直接连接符 14">
-            <a:extLst>
-              <a:ext uri="{FF2B5EF4-FFF2-40B4-BE49-F238E27FC236}">
-                <a16:creationId xmlns:a16="http://schemas.microsoft.com/office/drawing/2014/main" id="{17AC3136-C58B-4938-A181-589BB1ED8318}"/>
-              </a:ext>
-            </a:extLst>
-          </p:cNvPr>
+          <p:cNvPr id="15" name="直接连接符 14"/>
           <p:cNvCxnSpPr/>
           <p:nvPr/>
         </p:nvCxnSpPr>
@@ -3563,13 +3111,7 @@
       </p:cxnSp>
       <p:cxnSp>
         <p:nvCxnSpPr>
-          <p:cNvPr id="16" name="直接连接符 15">
-            <a:extLst>
-              <a:ext uri="{FF2B5EF4-FFF2-40B4-BE49-F238E27FC236}">
-                <a16:creationId xmlns:a16="http://schemas.microsoft.com/office/drawing/2014/main" id="{262EEBBF-BE0D-4582-AD61-3761412F6B93}"/>
-              </a:ext>
-            </a:extLst>
-          </p:cNvPr>
+          <p:cNvPr id="16" name="直接连接符 15"/>
           <p:cNvCxnSpPr/>
           <p:nvPr/>
         </p:nvCxnSpPr>
@@ -3599,13 +3141,7 @@
       </p:cxnSp>
       <p:cxnSp>
         <p:nvCxnSpPr>
-          <p:cNvPr id="17" name="直接连接符 16">
-            <a:extLst>
-              <a:ext uri="{FF2B5EF4-FFF2-40B4-BE49-F238E27FC236}">
-                <a16:creationId xmlns:a16="http://schemas.microsoft.com/office/drawing/2014/main" id="{F3BE4A50-5F30-417A-B45C-0F90EDB8FD3B}"/>
-              </a:ext>
-            </a:extLst>
-          </p:cNvPr>
+          <p:cNvPr id="17" name="直接连接符 16"/>
           <p:cNvCxnSpPr/>
           <p:nvPr/>
         </p:nvCxnSpPr>
@@ -3635,13 +3171,7 @@
       </p:cxnSp>
       <p:cxnSp>
         <p:nvCxnSpPr>
-          <p:cNvPr id="18" name="直接连接符 17">
-            <a:extLst>
-              <a:ext uri="{FF2B5EF4-FFF2-40B4-BE49-F238E27FC236}">
-                <a16:creationId xmlns:a16="http://schemas.microsoft.com/office/drawing/2014/main" id="{5CC5872E-7626-4680-8036-1D566E7829E4}"/>
-              </a:ext>
-            </a:extLst>
-          </p:cNvPr>
+          <p:cNvPr id="18" name="直接连接符 17"/>
           <p:cNvCxnSpPr/>
           <p:nvPr/>
         </p:nvCxnSpPr>
@@ -3671,13 +3201,7 @@
       </p:cxnSp>
       <p:cxnSp>
         <p:nvCxnSpPr>
-          <p:cNvPr id="19" name="直接连接符 18">
-            <a:extLst>
-              <a:ext uri="{FF2B5EF4-FFF2-40B4-BE49-F238E27FC236}">
-                <a16:creationId xmlns:a16="http://schemas.microsoft.com/office/drawing/2014/main" id="{01AADB62-3E48-4488-BC49-6FB341C86D80}"/>
-              </a:ext>
-            </a:extLst>
-          </p:cNvPr>
+          <p:cNvPr id="19" name="直接连接符 18"/>
           <p:cNvCxnSpPr/>
           <p:nvPr/>
         </p:nvCxnSpPr>
@@ -3707,16 +3231,8 @@
       </p:cxnSp>
       <p:cxnSp>
         <p:nvCxnSpPr>
-          <p:cNvPr id="13" name="直接连接符 12">
-            <a:extLst>
-              <a:ext uri="{FF2B5EF4-FFF2-40B4-BE49-F238E27FC236}">
-                <a16:creationId xmlns:a16="http://schemas.microsoft.com/office/drawing/2014/main" id="{615C3F5C-EC2C-49B1-8569-818A19D422DE}"/>
-              </a:ext>
-            </a:extLst>
-          </p:cNvPr>
-          <p:cNvCxnSpPr>
-            <a:cxnSpLocks/>
-          </p:cNvCxnSpPr>
+          <p:cNvPr id="13" name="直接连接符 12"/>
+          <p:cNvCxnSpPr/>
           <p:nvPr/>
         </p:nvCxnSpPr>
         <p:spPr>
@@ -3745,16 +3261,8 @@
       </p:cxnSp>
       <p:cxnSp>
         <p:nvCxnSpPr>
-          <p:cNvPr id="23" name="直接连接符 22">
-            <a:extLst>
-              <a:ext uri="{FF2B5EF4-FFF2-40B4-BE49-F238E27FC236}">
-                <a16:creationId xmlns:a16="http://schemas.microsoft.com/office/drawing/2014/main" id="{FA1D9913-7F74-43C9-BC90-343BFF0A0D84}"/>
-              </a:ext>
-            </a:extLst>
-          </p:cNvPr>
-          <p:cNvCxnSpPr>
-            <a:cxnSpLocks/>
-          </p:cNvCxnSpPr>
+          <p:cNvPr id="23" name="直接连接符 22"/>
+          <p:cNvCxnSpPr/>
           <p:nvPr/>
         </p:nvCxnSpPr>
         <p:spPr>
@@ -3783,16 +3291,8 @@
       </p:cxnSp>
       <p:cxnSp>
         <p:nvCxnSpPr>
-          <p:cNvPr id="24" name="直接连接符 23">
-            <a:extLst>
-              <a:ext uri="{FF2B5EF4-FFF2-40B4-BE49-F238E27FC236}">
-                <a16:creationId xmlns:a16="http://schemas.microsoft.com/office/drawing/2014/main" id="{BF26B0E9-BC37-490F-99A5-32E7B4836B77}"/>
-              </a:ext>
-            </a:extLst>
-          </p:cNvPr>
-          <p:cNvCxnSpPr>
-            <a:cxnSpLocks/>
-          </p:cNvCxnSpPr>
+          <p:cNvPr id="24" name="直接连接符 23"/>
+          <p:cNvCxnSpPr/>
           <p:nvPr/>
         </p:nvCxnSpPr>
         <p:spPr>
@@ -3821,16 +3321,8 @@
       </p:cxnSp>
       <p:cxnSp>
         <p:nvCxnSpPr>
-          <p:cNvPr id="25" name="直接连接符 24">
-            <a:extLst>
-              <a:ext uri="{FF2B5EF4-FFF2-40B4-BE49-F238E27FC236}">
-                <a16:creationId xmlns:a16="http://schemas.microsoft.com/office/drawing/2014/main" id="{D11FA9E6-1073-4F9B-8EEA-9520B1472245}"/>
-              </a:ext>
-            </a:extLst>
-          </p:cNvPr>
-          <p:cNvCxnSpPr>
-            <a:cxnSpLocks/>
-          </p:cNvCxnSpPr>
+          <p:cNvPr id="25" name="直接连接符 24"/>
+          <p:cNvCxnSpPr/>
           <p:nvPr/>
         </p:nvCxnSpPr>
         <p:spPr>
@@ -3859,16 +3351,8 @@
       </p:cxnSp>
       <p:cxnSp>
         <p:nvCxnSpPr>
-          <p:cNvPr id="30" name="直接连接符 29">
-            <a:extLst>
-              <a:ext uri="{FF2B5EF4-FFF2-40B4-BE49-F238E27FC236}">
-                <a16:creationId xmlns:a16="http://schemas.microsoft.com/office/drawing/2014/main" id="{638FF886-D8C4-43AB-8E89-DF48DE55EBD4}"/>
-              </a:ext>
-            </a:extLst>
-          </p:cNvPr>
-          <p:cNvCxnSpPr>
-            <a:cxnSpLocks/>
-          </p:cNvCxnSpPr>
+          <p:cNvPr id="30" name="直接连接符 29"/>
+          <p:cNvCxnSpPr/>
           <p:nvPr/>
         </p:nvCxnSpPr>
         <p:spPr>
@@ -3897,16 +3381,8 @@
       </p:cxnSp>
       <p:cxnSp>
         <p:nvCxnSpPr>
-          <p:cNvPr id="33" name="直接连接符 32">
-            <a:extLst>
-              <a:ext uri="{FF2B5EF4-FFF2-40B4-BE49-F238E27FC236}">
-                <a16:creationId xmlns:a16="http://schemas.microsoft.com/office/drawing/2014/main" id="{E38E3374-195F-401B-9198-DE7102CCA583}"/>
-              </a:ext>
-            </a:extLst>
-          </p:cNvPr>
-          <p:cNvCxnSpPr>
-            <a:cxnSpLocks/>
-          </p:cNvCxnSpPr>
+          <p:cNvPr id="33" name="直接连接符 32"/>
+          <p:cNvCxnSpPr/>
           <p:nvPr/>
         </p:nvCxnSpPr>
         <p:spPr>
@@ -3935,13 +3411,7 @@
       </p:cxnSp>
       <p:sp>
         <p:nvSpPr>
-          <p:cNvPr id="31" name="矩形 30">
-            <a:extLst>
-              <a:ext uri="{FF2B5EF4-FFF2-40B4-BE49-F238E27FC236}">
-                <a16:creationId xmlns:a16="http://schemas.microsoft.com/office/drawing/2014/main" id="{25EF5D8B-F126-437D-A8E7-C8858DBC6788}"/>
-              </a:ext>
-            </a:extLst>
-          </p:cNvPr>
+          <p:cNvPr id="31" name="矩形 30"/>
           <p:cNvSpPr/>
           <p:nvPr/>
         </p:nvSpPr>
@@ -3984,13 +3454,7 @@
       </p:sp>
       <p:cxnSp>
         <p:nvCxnSpPr>
-          <p:cNvPr id="34" name="直接连接符 33">
-            <a:extLst>
-              <a:ext uri="{FF2B5EF4-FFF2-40B4-BE49-F238E27FC236}">
-                <a16:creationId xmlns:a16="http://schemas.microsoft.com/office/drawing/2014/main" id="{97C3B526-7ACB-406C-963C-B0269DE03862}"/>
-              </a:ext>
-            </a:extLst>
-          </p:cNvPr>
+          <p:cNvPr id="34" name="直接连接符 33"/>
           <p:cNvCxnSpPr/>
           <p:nvPr/>
         </p:nvCxnSpPr>
@@ -4020,13 +3484,7 @@
       </p:cxnSp>
       <p:cxnSp>
         <p:nvCxnSpPr>
-          <p:cNvPr id="37" name="直接连接符 36">
-            <a:extLst>
-              <a:ext uri="{FF2B5EF4-FFF2-40B4-BE49-F238E27FC236}">
-                <a16:creationId xmlns:a16="http://schemas.microsoft.com/office/drawing/2014/main" id="{F4449854-5B33-43F0-AC59-3D237EB6984C}"/>
-              </a:ext>
-            </a:extLst>
-          </p:cNvPr>
+          <p:cNvPr id="37" name="直接连接符 36"/>
           <p:cNvCxnSpPr/>
           <p:nvPr/>
         </p:nvCxnSpPr>
@@ -4056,16 +3514,8 @@
       </p:cxnSp>
       <p:cxnSp>
         <p:nvCxnSpPr>
-          <p:cNvPr id="36" name="直接连接符 35">
-            <a:extLst>
-              <a:ext uri="{FF2B5EF4-FFF2-40B4-BE49-F238E27FC236}">
-                <a16:creationId xmlns:a16="http://schemas.microsoft.com/office/drawing/2014/main" id="{6BD732B6-B432-4AC4-8E4C-9E0989C4416A}"/>
-              </a:ext>
-            </a:extLst>
-          </p:cNvPr>
-          <p:cNvCxnSpPr>
-            <a:cxnSpLocks/>
-          </p:cNvCxnSpPr>
+          <p:cNvPr id="36" name="直接连接符 35"/>
+          <p:cNvCxnSpPr/>
           <p:nvPr/>
         </p:nvCxnSpPr>
         <p:spPr>
@@ -4094,16 +3544,8 @@
       </p:cxnSp>
       <p:cxnSp>
         <p:nvCxnSpPr>
-          <p:cNvPr id="40" name="直接连接符 39">
-            <a:extLst>
-              <a:ext uri="{FF2B5EF4-FFF2-40B4-BE49-F238E27FC236}">
-                <a16:creationId xmlns:a16="http://schemas.microsoft.com/office/drawing/2014/main" id="{3647E257-B570-42EE-B91E-0E1A535C2507}"/>
-              </a:ext>
-            </a:extLst>
-          </p:cNvPr>
-          <p:cNvCxnSpPr>
-            <a:cxnSpLocks/>
-          </p:cNvCxnSpPr>
+          <p:cNvPr id="40" name="直接连接符 39"/>
+          <p:cNvCxnSpPr/>
           <p:nvPr/>
         </p:nvCxnSpPr>
         <p:spPr>
@@ -4132,13 +3574,7 @@
       </p:cxnSp>
       <p:sp>
         <p:nvSpPr>
-          <p:cNvPr id="38" name="文本框 37">
-            <a:extLst>
-              <a:ext uri="{FF2B5EF4-FFF2-40B4-BE49-F238E27FC236}">
-                <a16:creationId xmlns:a16="http://schemas.microsoft.com/office/drawing/2014/main" id="{3A04B8A2-B8C3-413A-B726-6949DB32C001}"/>
-              </a:ext>
-            </a:extLst>
-          </p:cNvPr>
+          <p:cNvPr id="38" name="文本框 37"/>
           <p:cNvSpPr txBox="1"/>
           <p:nvPr/>
         </p:nvSpPr>
@@ -4162,18 +3598,13 @@
               <a:rPr lang="zh-CN" altLang="en-US" dirty="0"/>
               <a:t>*</a:t>
             </a:r>
-          </a:p>
-        </p:txBody>
-      </p:sp>
-      <p:sp>
-        <p:nvSpPr>
-          <p:cNvPr id="44" name="矩形 43">
-            <a:extLst>
-              <a:ext uri="{FF2B5EF4-FFF2-40B4-BE49-F238E27FC236}">
-                <a16:creationId xmlns:a16="http://schemas.microsoft.com/office/drawing/2014/main" id="{07B2F467-3C97-426D-B229-21B83AB3A758}"/>
-              </a:ext>
-            </a:extLst>
-          </p:cNvPr>
+            <a:endParaRPr lang="zh-CN" altLang="en-US" dirty="0"/>
+          </a:p>
+        </p:txBody>
+      </p:sp>
+      <p:sp>
+        <p:nvSpPr>
+          <p:cNvPr id="44" name="矩形 43"/>
           <p:cNvSpPr/>
           <p:nvPr/>
         </p:nvSpPr>
@@ -4221,13 +3652,7 @@
       </p:sp>
       <p:sp>
         <p:nvSpPr>
-          <p:cNvPr id="45" name="文本框 44">
-            <a:extLst>
-              <a:ext uri="{FF2B5EF4-FFF2-40B4-BE49-F238E27FC236}">
-                <a16:creationId xmlns:a16="http://schemas.microsoft.com/office/drawing/2014/main" id="{289459E2-0532-4322-ADC4-E984BBF04FC4}"/>
-              </a:ext>
-            </a:extLst>
-          </p:cNvPr>
+          <p:cNvPr id="45" name="文本框 44"/>
           <p:cNvSpPr txBox="1"/>
           <p:nvPr/>
         </p:nvSpPr>
@@ -4257,13 +3682,7 @@
       </p:sp>
       <p:sp>
         <p:nvSpPr>
-          <p:cNvPr id="46" name="文本框 45">
-            <a:extLst>
-              <a:ext uri="{FF2B5EF4-FFF2-40B4-BE49-F238E27FC236}">
-                <a16:creationId xmlns:a16="http://schemas.microsoft.com/office/drawing/2014/main" id="{896D723A-7FBD-4B07-9688-91209CCA7B47}"/>
-              </a:ext>
-            </a:extLst>
-          </p:cNvPr>
+          <p:cNvPr id="46" name="文本框 45"/>
           <p:cNvSpPr txBox="1"/>
           <p:nvPr/>
         </p:nvSpPr>
@@ -4293,13 +3712,7 @@
       </p:sp>
       <p:sp>
         <p:nvSpPr>
-          <p:cNvPr id="47" name="文本框 46">
-            <a:extLst>
-              <a:ext uri="{FF2B5EF4-FFF2-40B4-BE49-F238E27FC236}">
-                <a16:creationId xmlns:a16="http://schemas.microsoft.com/office/drawing/2014/main" id="{E570DE22-F7D0-4ABE-A023-EB12C858D102}"/>
-              </a:ext>
-            </a:extLst>
-          </p:cNvPr>
+          <p:cNvPr id="47" name="文本框 46"/>
           <p:cNvSpPr txBox="1"/>
           <p:nvPr/>
         </p:nvSpPr>
@@ -4329,13 +3742,7 @@
       </p:sp>
       <p:cxnSp>
         <p:nvCxnSpPr>
-          <p:cNvPr id="51" name="直接连接符 50">
-            <a:extLst>
-              <a:ext uri="{FF2B5EF4-FFF2-40B4-BE49-F238E27FC236}">
-                <a16:creationId xmlns:a16="http://schemas.microsoft.com/office/drawing/2014/main" id="{6DAB4C4E-1B7E-433D-A7DD-4D362BF903F5}"/>
-              </a:ext>
-            </a:extLst>
-          </p:cNvPr>
+          <p:cNvPr id="51" name="直接连接符 50"/>
           <p:cNvCxnSpPr/>
           <p:nvPr/>
         </p:nvCxnSpPr>
@@ -4365,13 +3772,7 @@
       </p:cxnSp>
       <p:cxnSp>
         <p:nvCxnSpPr>
-          <p:cNvPr id="55" name="直接连接符 54">
-            <a:extLst>
-              <a:ext uri="{FF2B5EF4-FFF2-40B4-BE49-F238E27FC236}">
-                <a16:creationId xmlns:a16="http://schemas.microsoft.com/office/drawing/2014/main" id="{6E78AA3F-AC7A-4740-859F-8A1C41881D90}"/>
-              </a:ext>
-            </a:extLst>
-          </p:cNvPr>
+          <p:cNvPr id="55" name="直接连接符 54"/>
           <p:cNvCxnSpPr/>
           <p:nvPr/>
         </p:nvCxnSpPr>
@@ -4401,13 +3802,7 @@
       </p:cxnSp>
       <p:cxnSp>
         <p:nvCxnSpPr>
-          <p:cNvPr id="56" name="直接连接符 55">
-            <a:extLst>
-              <a:ext uri="{FF2B5EF4-FFF2-40B4-BE49-F238E27FC236}">
-                <a16:creationId xmlns:a16="http://schemas.microsoft.com/office/drawing/2014/main" id="{A019B33D-8E45-4D1B-9A27-E38B80E8CDC8}"/>
-              </a:ext>
-            </a:extLst>
-          </p:cNvPr>
+          <p:cNvPr id="56" name="直接连接符 55"/>
           <p:cNvCxnSpPr/>
           <p:nvPr/>
         </p:nvCxnSpPr>
@@ -4437,13 +3832,7 @@
       </p:cxnSp>
       <p:cxnSp>
         <p:nvCxnSpPr>
-          <p:cNvPr id="53" name="直接连接符 52">
-            <a:extLst>
-              <a:ext uri="{FF2B5EF4-FFF2-40B4-BE49-F238E27FC236}">
-                <a16:creationId xmlns:a16="http://schemas.microsoft.com/office/drawing/2014/main" id="{0F3521ED-D72A-42F6-91FE-E3E54DE24DEB}"/>
-              </a:ext>
-            </a:extLst>
-          </p:cNvPr>
+          <p:cNvPr id="53" name="直接连接符 52"/>
           <p:cNvCxnSpPr/>
           <p:nvPr/>
         </p:nvCxnSpPr>
@@ -4473,13 +3862,7 @@
       </p:cxnSp>
       <p:cxnSp>
         <p:nvCxnSpPr>
-          <p:cNvPr id="59" name="直接连接符 58">
-            <a:extLst>
-              <a:ext uri="{FF2B5EF4-FFF2-40B4-BE49-F238E27FC236}">
-                <a16:creationId xmlns:a16="http://schemas.microsoft.com/office/drawing/2014/main" id="{389DD436-9608-4EE5-8F69-1A643EB9F084}"/>
-              </a:ext>
-            </a:extLst>
-          </p:cNvPr>
+          <p:cNvPr id="59" name="直接连接符 58"/>
           <p:cNvCxnSpPr/>
           <p:nvPr/>
         </p:nvCxnSpPr>
@@ -4509,13 +3892,7 @@
       </p:cxnSp>
       <p:cxnSp>
         <p:nvCxnSpPr>
-          <p:cNvPr id="60" name="直接连接符 59">
-            <a:extLst>
-              <a:ext uri="{FF2B5EF4-FFF2-40B4-BE49-F238E27FC236}">
-                <a16:creationId xmlns:a16="http://schemas.microsoft.com/office/drawing/2014/main" id="{411EBF8E-590F-4B63-8D49-8783444E40D0}"/>
-              </a:ext>
-            </a:extLst>
-          </p:cNvPr>
+          <p:cNvPr id="60" name="直接连接符 59"/>
           <p:cNvCxnSpPr/>
           <p:nvPr/>
         </p:nvCxnSpPr>
@@ -4545,13 +3922,7 @@
       </p:cxnSp>
       <p:sp>
         <p:nvSpPr>
-          <p:cNvPr id="57" name="文本框 56">
-            <a:extLst>
-              <a:ext uri="{FF2B5EF4-FFF2-40B4-BE49-F238E27FC236}">
-                <a16:creationId xmlns:a16="http://schemas.microsoft.com/office/drawing/2014/main" id="{97E68D99-0209-4F18-B560-E38C253B5BB5}"/>
-              </a:ext>
-            </a:extLst>
-          </p:cNvPr>
+          <p:cNvPr id="57" name="文本框 56"/>
           <p:cNvSpPr txBox="1"/>
           <p:nvPr/>
         </p:nvSpPr>
@@ -4581,13 +3952,7 @@
       </p:sp>
       <p:sp>
         <p:nvSpPr>
-          <p:cNvPr id="58" name="文本框 57">
-            <a:extLst>
-              <a:ext uri="{FF2B5EF4-FFF2-40B4-BE49-F238E27FC236}">
-                <a16:creationId xmlns:a16="http://schemas.microsoft.com/office/drawing/2014/main" id="{DD1BFE1C-4DE9-4A2F-90E2-63D9E70DB0BA}"/>
-              </a:ext>
-            </a:extLst>
-          </p:cNvPr>
+          <p:cNvPr id="58" name="文本框 57"/>
           <p:cNvSpPr txBox="1"/>
           <p:nvPr/>
         </p:nvSpPr>
@@ -4617,13 +3982,7 @@
       </p:sp>
       <p:sp>
         <p:nvSpPr>
-          <p:cNvPr id="61" name="文本框 60">
-            <a:extLst>
-              <a:ext uri="{FF2B5EF4-FFF2-40B4-BE49-F238E27FC236}">
-                <a16:creationId xmlns:a16="http://schemas.microsoft.com/office/drawing/2014/main" id="{247AFE3F-0524-4010-A016-F5A87E7D5DB4}"/>
-              </a:ext>
-            </a:extLst>
-          </p:cNvPr>
+          <p:cNvPr id="61" name="文本框 60"/>
           <p:cNvSpPr txBox="1"/>
           <p:nvPr/>
         </p:nvSpPr>
@@ -4653,13 +4012,7 @@
       </p:sp>
       <p:sp>
         <p:nvSpPr>
-          <p:cNvPr id="62" name="文本框 61">
-            <a:extLst>
-              <a:ext uri="{FF2B5EF4-FFF2-40B4-BE49-F238E27FC236}">
-                <a16:creationId xmlns:a16="http://schemas.microsoft.com/office/drawing/2014/main" id="{846DFCB0-5D34-4FAD-AA4D-0F86B4B73948}"/>
-              </a:ext>
-            </a:extLst>
-          </p:cNvPr>
+          <p:cNvPr id="62" name="文本框 61"/>
           <p:cNvSpPr txBox="1"/>
           <p:nvPr/>
         </p:nvSpPr>
@@ -4714,13 +4067,7 @@
       </p:grpSpPr>
       <p:sp>
         <p:nvSpPr>
-          <p:cNvPr id="4" name="椭圆 3">
-            <a:extLst>
-              <a:ext uri="{FF2B5EF4-FFF2-40B4-BE49-F238E27FC236}">
-                <a16:creationId xmlns:a16="http://schemas.microsoft.com/office/drawing/2014/main" id="{C65998EF-B6C5-478A-9DC5-C78CD9334D89}"/>
-              </a:ext>
-            </a:extLst>
-          </p:cNvPr>
+          <p:cNvPr id="4" name="椭圆 3"/>
           <p:cNvSpPr/>
           <p:nvPr/>
         </p:nvSpPr>
@@ -4768,16 +4115,8 @@
       </p:sp>
       <p:cxnSp>
         <p:nvCxnSpPr>
-          <p:cNvPr id="10" name="直接连接符 9">
-            <a:extLst>
-              <a:ext uri="{FF2B5EF4-FFF2-40B4-BE49-F238E27FC236}">
-                <a16:creationId xmlns:a16="http://schemas.microsoft.com/office/drawing/2014/main" id="{345E73E8-A0CA-4F34-BA1F-E6343020ECB4}"/>
-              </a:ext>
-            </a:extLst>
-          </p:cNvPr>
-          <p:cNvCxnSpPr>
-            <a:cxnSpLocks/>
-          </p:cNvCxnSpPr>
+          <p:cNvPr id="10" name="直接连接符 9"/>
+          <p:cNvCxnSpPr/>
           <p:nvPr/>
         </p:nvCxnSpPr>
         <p:spPr>
@@ -4806,13 +4145,7 @@
       </p:cxnSp>
       <p:sp>
         <p:nvSpPr>
-          <p:cNvPr id="17" name="文本框 16">
-            <a:extLst>
-              <a:ext uri="{FF2B5EF4-FFF2-40B4-BE49-F238E27FC236}">
-                <a16:creationId xmlns:a16="http://schemas.microsoft.com/office/drawing/2014/main" id="{60B022D1-2289-4D5B-AADA-29DBFB0E3FE1}"/>
-              </a:ext>
-            </a:extLst>
-          </p:cNvPr>
+          <p:cNvPr id="17" name="文本框 16"/>
           <p:cNvSpPr txBox="1"/>
           <p:nvPr/>
         </p:nvSpPr>
@@ -4836,6 +4169,7 @@
               <a:rPr lang="el-GR" altLang="zh-CN" dirty="0"/>
               <a:t>θ</a:t>
             </a:r>
+            <a:endParaRPr lang="el-GR" altLang="zh-CN" dirty="0"/>
           </a:p>
           <a:p>
             <a:endParaRPr lang="zh-CN" altLang="en-US" dirty="0"/>
@@ -4844,15 +4178,8 @@
       </p:sp>
       <p:cxnSp>
         <p:nvCxnSpPr>
-          <p:cNvPr id="19" name="直接箭头连接符 18">
-            <a:extLst>
-              <a:ext uri="{FF2B5EF4-FFF2-40B4-BE49-F238E27FC236}">
-                <a16:creationId xmlns:a16="http://schemas.microsoft.com/office/drawing/2014/main" id="{5A01ABB3-68DB-440E-B8A8-E18D4D7E7B54}"/>
-              </a:ext>
-            </a:extLst>
-          </p:cNvPr>
+          <p:cNvPr id="19" name="直接箭头连接符 18"/>
           <p:cNvCxnSpPr>
-            <a:cxnSpLocks/>
             <a:stCxn id="49" idx="3"/>
           </p:cNvCxnSpPr>
           <p:nvPr/>
@@ -4886,15 +4213,8 @@
       </p:cxnSp>
       <p:cxnSp>
         <p:nvCxnSpPr>
-          <p:cNvPr id="22" name="直接箭头连接符 21">
-            <a:extLst>
-              <a:ext uri="{FF2B5EF4-FFF2-40B4-BE49-F238E27FC236}">
-                <a16:creationId xmlns:a16="http://schemas.microsoft.com/office/drawing/2014/main" id="{A8BB6BA9-7642-4BB7-BB76-0A4E7DA02325}"/>
-              </a:ext>
-            </a:extLst>
-          </p:cNvPr>
+          <p:cNvPr id="22" name="直接箭头连接符 21"/>
           <p:cNvCxnSpPr>
-            <a:cxnSpLocks/>
             <a:stCxn id="50" idx="3"/>
           </p:cNvCxnSpPr>
           <p:nvPr/>
@@ -4928,15 +4248,8 @@
       </p:cxnSp>
       <p:cxnSp>
         <p:nvCxnSpPr>
-          <p:cNvPr id="24" name="直接箭头连接符 23">
-            <a:extLst>
-              <a:ext uri="{FF2B5EF4-FFF2-40B4-BE49-F238E27FC236}">
-                <a16:creationId xmlns:a16="http://schemas.microsoft.com/office/drawing/2014/main" id="{FF4A7643-E27A-4430-B95F-969B8DA17D5B}"/>
-              </a:ext>
-            </a:extLst>
-          </p:cNvPr>
+          <p:cNvPr id="24" name="直接箭头连接符 23"/>
           <p:cNvCxnSpPr>
-            <a:cxnSpLocks/>
             <a:stCxn id="51" idx="3"/>
           </p:cNvCxnSpPr>
           <p:nvPr/>
@@ -4970,15 +4283,8 @@
       </p:cxnSp>
       <p:cxnSp>
         <p:nvCxnSpPr>
-          <p:cNvPr id="26" name="直接箭头连接符 25">
-            <a:extLst>
-              <a:ext uri="{FF2B5EF4-FFF2-40B4-BE49-F238E27FC236}">
-                <a16:creationId xmlns:a16="http://schemas.microsoft.com/office/drawing/2014/main" id="{67C9F4E0-DC0B-4F62-8E6A-9F17A4B2E9FE}"/>
-              </a:ext>
-            </a:extLst>
-          </p:cNvPr>
+          <p:cNvPr id="26" name="直接箭头连接符 25"/>
           <p:cNvCxnSpPr>
-            <a:cxnSpLocks/>
             <a:stCxn id="52" idx="3"/>
           </p:cNvCxnSpPr>
           <p:nvPr/>
@@ -5012,13 +4318,7 @@
       </p:cxnSp>
       <p:sp>
         <p:nvSpPr>
-          <p:cNvPr id="35" name="文本框 34">
-            <a:extLst>
-              <a:ext uri="{FF2B5EF4-FFF2-40B4-BE49-F238E27FC236}">
-                <a16:creationId xmlns:a16="http://schemas.microsoft.com/office/drawing/2014/main" id="{7134C83A-F534-4BF6-94D8-D8AF62EA5EDC}"/>
-              </a:ext>
-            </a:extLst>
-          </p:cNvPr>
+          <p:cNvPr id="35" name="文本框 34"/>
           <p:cNvSpPr txBox="1"/>
           <p:nvPr/>
         </p:nvSpPr>
@@ -5048,13 +4348,7 @@
       </p:sp>
       <p:sp>
         <p:nvSpPr>
-          <p:cNvPr id="36" name="文本框 35">
-            <a:extLst>
-              <a:ext uri="{FF2B5EF4-FFF2-40B4-BE49-F238E27FC236}">
-                <a16:creationId xmlns:a16="http://schemas.microsoft.com/office/drawing/2014/main" id="{40B9C2D8-03FF-4EB8-864D-0DA8FF85B666}"/>
-              </a:ext>
-            </a:extLst>
-          </p:cNvPr>
+          <p:cNvPr id="36" name="文本框 35"/>
           <p:cNvSpPr txBox="1"/>
           <p:nvPr/>
         </p:nvSpPr>
@@ -5084,13 +4378,7 @@
       </p:sp>
       <p:sp>
         <p:nvSpPr>
-          <p:cNvPr id="37" name="文本框 36">
-            <a:extLst>
-              <a:ext uri="{FF2B5EF4-FFF2-40B4-BE49-F238E27FC236}">
-                <a16:creationId xmlns:a16="http://schemas.microsoft.com/office/drawing/2014/main" id="{BC6CF772-A9AC-4DB4-95B0-11139AC60CB5}"/>
-              </a:ext>
-            </a:extLst>
-          </p:cNvPr>
+          <p:cNvPr id="37" name="文本框 36"/>
           <p:cNvSpPr txBox="1"/>
           <p:nvPr/>
         </p:nvSpPr>
@@ -5120,13 +4408,7 @@
       </p:sp>
       <p:sp>
         <p:nvSpPr>
-          <p:cNvPr id="38" name="文本框 37">
-            <a:extLst>
-              <a:ext uri="{FF2B5EF4-FFF2-40B4-BE49-F238E27FC236}">
-                <a16:creationId xmlns:a16="http://schemas.microsoft.com/office/drawing/2014/main" id="{6CB8B9EE-7D81-4E3F-B3CF-6BE100DCEAEE}"/>
-              </a:ext>
-            </a:extLst>
-          </p:cNvPr>
+          <p:cNvPr id="38" name="文本框 37"/>
           <p:cNvSpPr txBox="1"/>
           <p:nvPr/>
         </p:nvSpPr>
@@ -5156,13 +4438,7 @@
       </p:sp>
       <p:sp>
         <p:nvSpPr>
-          <p:cNvPr id="40" name="文本框 39">
-            <a:extLst>
-              <a:ext uri="{FF2B5EF4-FFF2-40B4-BE49-F238E27FC236}">
-                <a16:creationId xmlns:a16="http://schemas.microsoft.com/office/drawing/2014/main" id="{0AADF5C3-3375-48D5-B2B2-BBD4F573C867}"/>
-              </a:ext>
-            </a:extLst>
-          </p:cNvPr>
+          <p:cNvPr id="40" name="文本框 39"/>
           <p:cNvSpPr txBox="1"/>
           <p:nvPr/>
         </p:nvSpPr>
@@ -5186,18 +4462,13 @@
               <a:rPr lang="en-US" altLang="zh-CN" sz="1600" dirty="0"/>
               <a:t>...</a:t>
             </a:r>
-          </a:p>
-        </p:txBody>
-      </p:sp>
-      <p:sp>
-        <p:nvSpPr>
-          <p:cNvPr id="43" name="矩形 42">
-            <a:extLst>
-              <a:ext uri="{FF2B5EF4-FFF2-40B4-BE49-F238E27FC236}">
-                <a16:creationId xmlns:a16="http://schemas.microsoft.com/office/drawing/2014/main" id="{5A654F9C-1C75-47DA-B0BC-C470FED34B2C}"/>
-              </a:ext>
-            </a:extLst>
-          </p:cNvPr>
+            <a:endParaRPr lang="en-US" altLang="zh-CN" sz="1600" dirty="0"/>
+          </a:p>
+        </p:txBody>
+      </p:sp>
+      <p:sp>
+        <p:nvSpPr>
+          <p:cNvPr id="43" name="矩形 42"/>
           <p:cNvSpPr/>
           <p:nvPr/>
         </p:nvSpPr>
@@ -5240,13 +4511,7 @@
       </p:sp>
       <p:sp>
         <p:nvSpPr>
-          <p:cNvPr id="45" name="椭圆 44">
-            <a:extLst>
-              <a:ext uri="{FF2B5EF4-FFF2-40B4-BE49-F238E27FC236}">
-                <a16:creationId xmlns:a16="http://schemas.microsoft.com/office/drawing/2014/main" id="{278884D2-3F20-4905-892A-399593E1952F}"/>
-              </a:ext>
-            </a:extLst>
-          </p:cNvPr>
+          <p:cNvPr id="45" name="椭圆 44"/>
           <p:cNvSpPr/>
           <p:nvPr/>
         </p:nvSpPr>
@@ -5286,13 +4551,7 @@
       </p:sp>
       <p:sp>
         <p:nvSpPr>
-          <p:cNvPr id="46" name="椭圆 45">
-            <a:extLst>
-              <a:ext uri="{FF2B5EF4-FFF2-40B4-BE49-F238E27FC236}">
-                <a16:creationId xmlns:a16="http://schemas.microsoft.com/office/drawing/2014/main" id="{A698B10C-B77A-4E54-A09F-3110CEB9B4D1}"/>
-              </a:ext>
-            </a:extLst>
-          </p:cNvPr>
+          <p:cNvPr id="46" name="椭圆 45"/>
           <p:cNvSpPr/>
           <p:nvPr/>
         </p:nvSpPr>
@@ -5332,13 +4591,7 @@
       </p:sp>
       <p:sp>
         <p:nvSpPr>
-          <p:cNvPr id="47" name="椭圆 46">
-            <a:extLst>
-              <a:ext uri="{FF2B5EF4-FFF2-40B4-BE49-F238E27FC236}">
-                <a16:creationId xmlns:a16="http://schemas.microsoft.com/office/drawing/2014/main" id="{BA66D982-9993-4D13-954D-47B4BB720F2F}"/>
-              </a:ext>
-            </a:extLst>
-          </p:cNvPr>
+          <p:cNvPr id="47" name="椭圆 46"/>
           <p:cNvSpPr/>
           <p:nvPr/>
         </p:nvSpPr>
@@ -5378,13 +4631,7 @@
       </p:sp>
       <p:sp>
         <p:nvSpPr>
-          <p:cNvPr id="48" name="椭圆 47">
-            <a:extLst>
-              <a:ext uri="{FF2B5EF4-FFF2-40B4-BE49-F238E27FC236}">
-                <a16:creationId xmlns:a16="http://schemas.microsoft.com/office/drawing/2014/main" id="{C9C43E7A-681C-4C4A-A491-AB43B65DD109}"/>
-              </a:ext>
-            </a:extLst>
-          </p:cNvPr>
+          <p:cNvPr id="48" name="椭圆 47"/>
           <p:cNvSpPr/>
           <p:nvPr/>
         </p:nvSpPr>
@@ -5424,13 +4671,7 @@
       </p:sp>
       <p:sp>
         <p:nvSpPr>
-          <p:cNvPr id="49" name="文本框 48">
-            <a:extLst>
-              <a:ext uri="{FF2B5EF4-FFF2-40B4-BE49-F238E27FC236}">
-                <a16:creationId xmlns:a16="http://schemas.microsoft.com/office/drawing/2014/main" id="{4AF5F2FD-E59B-4C6F-9713-B6651C265B25}"/>
-              </a:ext>
-            </a:extLst>
-          </p:cNvPr>
+          <p:cNvPr id="49" name="文本框 48"/>
           <p:cNvSpPr txBox="1"/>
           <p:nvPr/>
         </p:nvSpPr>
@@ -5460,13 +4701,7 @@
       </p:sp>
       <p:sp>
         <p:nvSpPr>
-          <p:cNvPr id="50" name="文本框 49">
-            <a:extLst>
-              <a:ext uri="{FF2B5EF4-FFF2-40B4-BE49-F238E27FC236}">
-                <a16:creationId xmlns:a16="http://schemas.microsoft.com/office/drawing/2014/main" id="{062FF1F8-E99D-4C41-A25F-7E3CDC5BCA4E}"/>
-              </a:ext>
-            </a:extLst>
-          </p:cNvPr>
+          <p:cNvPr id="50" name="文本框 49"/>
           <p:cNvSpPr txBox="1"/>
           <p:nvPr/>
         </p:nvSpPr>
@@ -5496,13 +4731,7 @@
       </p:sp>
       <p:sp>
         <p:nvSpPr>
-          <p:cNvPr id="51" name="文本框 50">
-            <a:extLst>
-              <a:ext uri="{FF2B5EF4-FFF2-40B4-BE49-F238E27FC236}">
-                <a16:creationId xmlns:a16="http://schemas.microsoft.com/office/drawing/2014/main" id="{FC553A41-9195-4ED3-BBB0-BCAF68AD2E47}"/>
-              </a:ext>
-            </a:extLst>
-          </p:cNvPr>
+          <p:cNvPr id="51" name="文本框 50"/>
           <p:cNvSpPr txBox="1"/>
           <p:nvPr/>
         </p:nvSpPr>
@@ -5532,13 +4761,7 @@
       </p:sp>
       <p:sp>
         <p:nvSpPr>
-          <p:cNvPr id="52" name="文本框 51">
-            <a:extLst>
-              <a:ext uri="{FF2B5EF4-FFF2-40B4-BE49-F238E27FC236}">
-                <a16:creationId xmlns:a16="http://schemas.microsoft.com/office/drawing/2014/main" id="{45038F8F-252F-44EB-8EFB-0BA338D28828}"/>
-              </a:ext>
-            </a:extLst>
-          </p:cNvPr>
+          <p:cNvPr id="52" name="文本框 51"/>
           <p:cNvSpPr txBox="1"/>
           <p:nvPr/>
         </p:nvSpPr>
@@ -5568,13 +4791,7 @@
       </p:sp>
       <p:sp>
         <p:nvSpPr>
-          <p:cNvPr id="57" name="文本框 56">
-            <a:extLst>
-              <a:ext uri="{FF2B5EF4-FFF2-40B4-BE49-F238E27FC236}">
-                <a16:creationId xmlns:a16="http://schemas.microsoft.com/office/drawing/2014/main" id="{B4E04FBD-BE48-452B-AEA3-8996FE776410}"/>
-              </a:ext>
-            </a:extLst>
-          </p:cNvPr>
+          <p:cNvPr id="57" name="文本框 56"/>
           <p:cNvSpPr txBox="1"/>
           <p:nvPr/>
         </p:nvSpPr>
@@ -5598,18 +4815,13 @@
               <a:rPr lang="en-US" altLang="zh-CN" sz="1600" dirty="0"/>
               <a:t>...</a:t>
             </a:r>
-          </a:p>
-        </p:txBody>
-      </p:sp>
-      <p:sp>
-        <p:nvSpPr>
-          <p:cNvPr id="58" name="文本框 57">
-            <a:extLst>
-              <a:ext uri="{FF2B5EF4-FFF2-40B4-BE49-F238E27FC236}">
-                <a16:creationId xmlns:a16="http://schemas.microsoft.com/office/drawing/2014/main" id="{F272A949-AED9-43D9-996A-DCB7139332B5}"/>
-              </a:ext>
-            </a:extLst>
-          </p:cNvPr>
+            <a:endParaRPr lang="en-US" altLang="zh-CN" sz="1600" dirty="0"/>
+          </a:p>
+        </p:txBody>
+      </p:sp>
+      <p:sp>
+        <p:nvSpPr>
+          <p:cNvPr id="58" name="文本框 57"/>
           <p:cNvSpPr txBox="1"/>
           <p:nvPr/>
         </p:nvSpPr>
@@ -5639,13 +4851,7 @@
       </p:sp>
       <p:sp>
         <p:nvSpPr>
-          <p:cNvPr id="59" name="文本框 58">
-            <a:extLst>
-              <a:ext uri="{FF2B5EF4-FFF2-40B4-BE49-F238E27FC236}">
-                <a16:creationId xmlns:a16="http://schemas.microsoft.com/office/drawing/2014/main" id="{07FF860F-B0FF-4580-85D1-E5D217AE129C}"/>
-              </a:ext>
-            </a:extLst>
-          </p:cNvPr>
+          <p:cNvPr id="59" name="文本框 58"/>
           <p:cNvSpPr txBox="1"/>
           <p:nvPr/>
         </p:nvSpPr>
@@ -5673,20 +4879,18 @@
               </a:rPr>
               <a:t>当前神经元</a:t>
             </a:r>
+            <a:endParaRPr lang="zh-CN" altLang="en-US" sz="1200" dirty="0">
+              <a:solidFill>
+                <a:srgbClr val="FF0000"/>
+              </a:solidFill>
+            </a:endParaRPr>
           </a:p>
         </p:txBody>
       </p:sp>
       <p:cxnSp>
         <p:nvCxnSpPr>
-          <p:cNvPr id="61" name="连接符: 肘形 60">
-            <a:extLst>
-              <a:ext uri="{FF2B5EF4-FFF2-40B4-BE49-F238E27FC236}">
-                <a16:creationId xmlns:a16="http://schemas.microsoft.com/office/drawing/2014/main" id="{561FDE69-7E03-44D7-9303-571F248C72DE}"/>
-              </a:ext>
-            </a:extLst>
-          </p:cNvPr>
+          <p:cNvPr id="61" name="连接符: 肘形 60"/>
           <p:cNvCxnSpPr>
-            <a:cxnSpLocks/>
             <a:stCxn id="4" idx="0"/>
             <a:endCxn id="59" idx="1"/>
           </p:cNvCxnSpPr>
@@ -5732,7 +4936,7 @@
               <p:cNvPr id="66" name="文本框 65">
                 <a:extLst>
                   <a:ext uri="{FF2B5EF4-FFF2-40B4-BE49-F238E27FC236}">
-                    <a16:creationId xmlns:a16="http://schemas.microsoft.com/office/drawing/2014/main" id="{C7D8E966-E06C-43DB-A6AC-BA60E7B1FC48}"/>
+                    <ele attr="{C7D8E966-E06C-43DB-A6AC-BA60E7B1FC48}"/>
                   </a:ext>
                 </a:extLst>
               </p:cNvPr>
@@ -5972,13 +5176,7 @@
         <mc:Fallback>
           <p:sp>
             <p:nvSpPr>
-              <p:cNvPr id="66" name="文本框 65">
-                <a:extLst>
-                  <a:ext uri="{FF2B5EF4-FFF2-40B4-BE49-F238E27FC236}">
-                    <a16:creationId xmlns:a16="http://schemas.microsoft.com/office/drawing/2014/main" id="{C7D8E966-E06C-43DB-A6AC-BA60E7B1FC48}"/>
-                  </a:ext>
-                </a:extLst>
-              </p:cNvPr>
+              <p:cNvPr id="66" name="文本框 65"/>
               <p:cNvSpPr txBox="1">
                 <a:spLocks noRot="1" noChangeAspect="1" noMove="1" noResize="1" noEditPoints="1" noAdjustHandles="1" noChangeArrowheads="1" noChangeShapeType="1" noTextEdit="1"/>
               </p:cNvSpPr>
@@ -5992,8 +5190,8 @@
               <a:prstGeom prst="rect">
                 <a:avLst/>
               </a:prstGeom>
-              <a:blipFill>
-                <a:blip r:embed="rId2"/>
+              <a:blipFill rotWithShape="1">
+                <a:blip r:embed="rId1"/>
                 <a:stretch>
                   <a:fillRect l="-205" t="-92727" b="-140000"/>
                 </a:stretch>
@@ -6009,6 +5207,9 @@
                   </a:rPr>
                   <a:t> </a:t>
                 </a:r>
+                <a:endParaRPr lang="zh-CN" altLang="en-US">
+                  <a:noFill/>
+                </a:endParaRPr>
               </a:p>
             </p:txBody>
           </p:sp>
@@ -6016,16 +5217,8 @@
       </mc:AlternateContent>
       <p:cxnSp>
         <p:nvCxnSpPr>
-          <p:cNvPr id="68" name="直接箭头连接符 67">
-            <a:extLst>
-              <a:ext uri="{FF2B5EF4-FFF2-40B4-BE49-F238E27FC236}">
-                <a16:creationId xmlns:a16="http://schemas.microsoft.com/office/drawing/2014/main" id="{C8E90306-4C38-407F-81FB-79E99FAE19B4}"/>
-              </a:ext>
-            </a:extLst>
-          </p:cNvPr>
-          <p:cNvCxnSpPr>
-            <a:cxnSpLocks/>
-          </p:cNvCxnSpPr>
+          <p:cNvPr id="68" name="直接箭头连接符 67"/>
+          <p:cNvCxnSpPr/>
           <p:nvPr/>
         </p:nvCxnSpPr>
         <p:spPr>
@@ -6063,13 +5256,7 @@
       </p:cxnSp>
       <p:sp>
         <p:nvSpPr>
-          <p:cNvPr id="72" name="文本框 71">
-            <a:extLst>
-              <a:ext uri="{FF2B5EF4-FFF2-40B4-BE49-F238E27FC236}">
-                <a16:creationId xmlns:a16="http://schemas.microsoft.com/office/drawing/2014/main" id="{1CD7C29A-727C-4C36-B62C-AF1D31C361CB}"/>
-              </a:ext>
-            </a:extLst>
-          </p:cNvPr>
+          <p:cNvPr id="72" name="文本框 71"/>
           <p:cNvSpPr txBox="1"/>
           <p:nvPr/>
         </p:nvSpPr>
@@ -6113,18 +5300,17 @@
               </a:rPr>
               <a:t>个神经元连接的权重</a:t>
             </a:r>
+            <a:endParaRPr lang="zh-CN" altLang="en-US" sz="1200" dirty="0">
+              <a:solidFill>
+                <a:srgbClr val="FF0000"/>
+              </a:solidFill>
+            </a:endParaRPr>
           </a:p>
         </p:txBody>
       </p:sp>
       <p:cxnSp>
         <p:nvCxnSpPr>
-          <p:cNvPr id="74" name="直接箭头连接符 73">
-            <a:extLst>
-              <a:ext uri="{FF2B5EF4-FFF2-40B4-BE49-F238E27FC236}">
-                <a16:creationId xmlns:a16="http://schemas.microsoft.com/office/drawing/2014/main" id="{02E5DB00-58B8-46C2-AFEE-73147D896497}"/>
-              </a:ext>
-            </a:extLst>
-          </p:cNvPr>
+          <p:cNvPr id="74" name="直接箭头连接符 73"/>
           <p:cNvCxnSpPr>
             <a:stCxn id="37" idx="2"/>
           </p:cNvCxnSpPr>
@@ -6165,13 +5351,7 @@
       </p:cxnSp>
       <p:sp>
         <p:nvSpPr>
-          <p:cNvPr id="75" name="文本框 74">
-            <a:extLst>
-              <a:ext uri="{FF2B5EF4-FFF2-40B4-BE49-F238E27FC236}">
-                <a16:creationId xmlns:a16="http://schemas.microsoft.com/office/drawing/2014/main" id="{2320F6CB-991F-4AE6-B8E9-7C8C82BC6662}"/>
-              </a:ext>
-            </a:extLst>
-          </p:cNvPr>
+          <p:cNvPr id="75" name="文本框 74"/>
           <p:cNvSpPr txBox="1"/>
           <p:nvPr/>
         </p:nvSpPr>
@@ -6215,18 +5395,17 @@
               </a:rPr>
               <a:t>个神经元的输入</a:t>
             </a:r>
+            <a:endParaRPr lang="zh-CN" altLang="en-US" sz="1200" dirty="0">
+              <a:solidFill>
+                <a:srgbClr val="FF0000"/>
+              </a:solidFill>
+            </a:endParaRPr>
           </a:p>
         </p:txBody>
       </p:sp>
       <p:cxnSp>
         <p:nvCxnSpPr>
-          <p:cNvPr id="77" name="直接箭头连接符 76">
-            <a:extLst>
-              <a:ext uri="{FF2B5EF4-FFF2-40B4-BE49-F238E27FC236}">
-                <a16:creationId xmlns:a16="http://schemas.microsoft.com/office/drawing/2014/main" id="{34EB650B-B491-4381-8E18-0CDD69DFD1BB}"/>
-              </a:ext>
-            </a:extLst>
-          </p:cNvPr>
+          <p:cNvPr id="77" name="直接箭头连接符 76"/>
           <p:cNvCxnSpPr/>
           <p:nvPr/>
         </p:nvCxnSpPr>
@@ -6265,13 +5444,7 @@
       </p:cxnSp>
       <p:sp>
         <p:nvSpPr>
-          <p:cNvPr id="78" name="文本框 77">
-            <a:extLst>
-              <a:ext uri="{FF2B5EF4-FFF2-40B4-BE49-F238E27FC236}">
-                <a16:creationId xmlns:a16="http://schemas.microsoft.com/office/drawing/2014/main" id="{F00DB785-4302-4A08-ACE4-DC74679AB219}"/>
-              </a:ext>
-            </a:extLst>
-          </p:cNvPr>
+          <p:cNvPr id="78" name="文本框 77"/>
           <p:cNvSpPr txBox="1"/>
           <p:nvPr/>
         </p:nvSpPr>
@@ -6299,18 +5472,17 @@
               </a:rPr>
               <a:t>阀值</a:t>
             </a:r>
+            <a:endParaRPr lang="zh-CN" altLang="en-US" sz="1200" dirty="0">
+              <a:solidFill>
+                <a:srgbClr val="FF0000"/>
+              </a:solidFill>
+            </a:endParaRPr>
           </a:p>
         </p:txBody>
       </p:sp>
       <p:cxnSp>
         <p:nvCxnSpPr>
-          <p:cNvPr id="80" name="直接箭头连接符 79">
-            <a:extLst>
-              <a:ext uri="{FF2B5EF4-FFF2-40B4-BE49-F238E27FC236}">
-                <a16:creationId xmlns:a16="http://schemas.microsoft.com/office/drawing/2014/main" id="{749D680E-A593-46BE-8623-AA348867F148}"/>
-              </a:ext>
-            </a:extLst>
-          </p:cNvPr>
+          <p:cNvPr id="80" name="直接箭头连接符 79"/>
           <p:cNvCxnSpPr>
             <a:stCxn id="4" idx="6"/>
           </p:cNvCxnSpPr>
@@ -6350,11 +5522,6 @@
         </p:style>
       </p:cxnSp>
     </p:spTree>
-    <p:extLst>
-      <p:ext uri="{BB962C8B-B14F-4D97-AF65-F5344CB8AC3E}">
-        <p14:creationId xmlns:p14="http://schemas.microsoft.com/office/powerpoint/2010/main" val="500287435"/>
-      </p:ext>
-    </p:extLst>
   </p:cSld>
   <p:clrMapOvr>
     <a:masterClrMapping/>
@@ -6381,13 +5548,7 @@
       </p:grpSpPr>
       <p:sp>
         <p:nvSpPr>
-          <p:cNvPr id="4" name="椭圆 3">
-            <a:extLst>
-              <a:ext uri="{FF2B5EF4-FFF2-40B4-BE49-F238E27FC236}">
-                <a16:creationId xmlns:a16="http://schemas.microsoft.com/office/drawing/2014/main" id="{D3CC2B6E-1070-45EA-BE49-FA6AC370FC7D}"/>
-              </a:ext>
-            </a:extLst>
-          </p:cNvPr>
+          <p:cNvPr id="4" name="椭圆 3"/>
           <p:cNvSpPr/>
           <p:nvPr/>
         </p:nvSpPr>
@@ -6437,13 +5598,7 @@
       </p:sp>
       <p:sp>
         <p:nvSpPr>
-          <p:cNvPr id="5" name="椭圆 4">
-            <a:extLst>
-              <a:ext uri="{FF2B5EF4-FFF2-40B4-BE49-F238E27FC236}">
-                <a16:creationId xmlns:a16="http://schemas.microsoft.com/office/drawing/2014/main" id="{FD40D29C-1F02-4DB2-A702-24596D4CFF6E}"/>
-              </a:ext>
-            </a:extLst>
-          </p:cNvPr>
+          <p:cNvPr id="5" name="椭圆 4"/>
           <p:cNvSpPr/>
           <p:nvPr/>
         </p:nvSpPr>
@@ -6488,13 +5643,7 @@
       </p:sp>
       <p:sp>
         <p:nvSpPr>
-          <p:cNvPr id="6" name="椭圆 5">
-            <a:extLst>
-              <a:ext uri="{FF2B5EF4-FFF2-40B4-BE49-F238E27FC236}">
-                <a16:creationId xmlns:a16="http://schemas.microsoft.com/office/drawing/2014/main" id="{29F18323-A984-4A22-946B-91E5C6346CD2}"/>
-              </a:ext>
-            </a:extLst>
-          </p:cNvPr>
+          <p:cNvPr id="6" name="椭圆 5"/>
           <p:cNvSpPr/>
           <p:nvPr/>
         </p:nvSpPr>
@@ -6539,13 +5688,7 @@
       </p:sp>
       <p:sp>
         <p:nvSpPr>
-          <p:cNvPr id="7" name="椭圆 6">
-            <a:extLst>
-              <a:ext uri="{FF2B5EF4-FFF2-40B4-BE49-F238E27FC236}">
-                <a16:creationId xmlns:a16="http://schemas.microsoft.com/office/drawing/2014/main" id="{C40427AF-1782-41B5-BAB3-27F753E1E9EB}"/>
-              </a:ext>
-            </a:extLst>
-          </p:cNvPr>
+          <p:cNvPr id="7" name="椭圆 6"/>
           <p:cNvSpPr/>
           <p:nvPr/>
         </p:nvSpPr>
@@ -6590,13 +5733,7 @@
       </p:sp>
       <p:sp>
         <p:nvSpPr>
-          <p:cNvPr id="8" name="椭圆 7">
-            <a:extLst>
-              <a:ext uri="{FF2B5EF4-FFF2-40B4-BE49-F238E27FC236}">
-                <a16:creationId xmlns:a16="http://schemas.microsoft.com/office/drawing/2014/main" id="{967B6EFD-A8D2-4EDB-A4E6-AAB852D8AF21}"/>
-              </a:ext>
-            </a:extLst>
-          </p:cNvPr>
+          <p:cNvPr id="8" name="椭圆 7"/>
           <p:cNvSpPr/>
           <p:nvPr/>
         </p:nvSpPr>
@@ -6641,13 +5778,7 @@
       </p:sp>
       <p:sp>
         <p:nvSpPr>
-          <p:cNvPr id="9" name="椭圆 8">
-            <a:extLst>
-              <a:ext uri="{FF2B5EF4-FFF2-40B4-BE49-F238E27FC236}">
-                <a16:creationId xmlns:a16="http://schemas.microsoft.com/office/drawing/2014/main" id="{7BD87516-1E00-4904-8B00-0C507645719A}"/>
-              </a:ext>
-            </a:extLst>
-          </p:cNvPr>
+          <p:cNvPr id="9" name="椭圆 8"/>
           <p:cNvSpPr/>
           <p:nvPr/>
         </p:nvSpPr>
@@ -6697,13 +5828,7 @@
       </p:sp>
       <p:sp>
         <p:nvSpPr>
-          <p:cNvPr id="10" name="椭圆 9">
-            <a:extLst>
-              <a:ext uri="{FF2B5EF4-FFF2-40B4-BE49-F238E27FC236}">
-                <a16:creationId xmlns:a16="http://schemas.microsoft.com/office/drawing/2014/main" id="{8E21DA70-F0B0-4681-A2C9-F6E5728C19BC}"/>
-              </a:ext>
-            </a:extLst>
-          </p:cNvPr>
+          <p:cNvPr id="10" name="椭圆 9"/>
           <p:cNvSpPr/>
           <p:nvPr/>
         </p:nvSpPr>
@@ -6753,13 +5878,7 @@
       </p:sp>
       <p:sp>
         <p:nvSpPr>
-          <p:cNvPr id="11" name="椭圆 10">
-            <a:extLst>
-              <a:ext uri="{FF2B5EF4-FFF2-40B4-BE49-F238E27FC236}">
-                <a16:creationId xmlns:a16="http://schemas.microsoft.com/office/drawing/2014/main" id="{EA61C59A-4921-4DE7-AC3A-7D961581F6F6}"/>
-              </a:ext>
-            </a:extLst>
-          </p:cNvPr>
+          <p:cNvPr id="11" name="椭圆 10"/>
           <p:cNvSpPr/>
           <p:nvPr/>
         </p:nvSpPr>
@@ -6809,13 +5928,7 @@
       </p:sp>
       <p:sp>
         <p:nvSpPr>
-          <p:cNvPr id="12" name="椭圆 11">
-            <a:extLst>
-              <a:ext uri="{FF2B5EF4-FFF2-40B4-BE49-F238E27FC236}">
-                <a16:creationId xmlns:a16="http://schemas.microsoft.com/office/drawing/2014/main" id="{C25CE86C-3645-4480-B565-A7FA76105D54}"/>
-              </a:ext>
-            </a:extLst>
-          </p:cNvPr>
+          <p:cNvPr id="12" name="椭圆 11"/>
           <p:cNvSpPr/>
           <p:nvPr/>
         </p:nvSpPr>
@@ -6860,13 +5973,7 @@
       </p:sp>
       <p:sp>
         <p:nvSpPr>
-          <p:cNvPr id="14" name="矩形 13">
-            <a:extLst>
-              <a:ext uri="{FF2B5EF4-FFF2-40B4-BE49-F238E27FC236}">
-                <a16:creationId xmlns:a16="http://schemas.microsoft.com/office/drawing/2014/main" id="{F6B15CE4-75E7-4D97-82E8-165DCAA44FB0}"/>
-              </a:ext>
-            </a:extLst>
-          </p:cNvPr>
+          <p:cNvPr id="14" name="矩形 13"/>
           <p:cNvSpPr/>
           <p:nvPr/>
         </p:nvSpPr>
@@ -6911,6 +6018,11 @@
               </a:rPr>
               <a:t>x1</a:t>
             </a:r>
+            <a:endParaRPr lang="en-US" altLang="zh-CN" sz="1200" b="1" dirty="0">
+              <a:solidFill>
+                <a:schemeClr val="tx1"/>
+              </a:solidFill>
+            </a:endParaRPr>
           </a:p>
           <a:p>
             <a:pPr algn="ctr"/>
@@ -6930,6 +6042,11 @@
               </a:rPr>
               <a:t>x2</a:t>
             </a:r>
+            <a:endParaRPr lang="en-US" altLang="zh-CN" sz="1200" b="1" dirty="0">
+              <a:solidFill>
+                <a:schemeClr val="tx1"/>
+              </a:solidFill>
+            </a:endParaRPr>
           </a:p>
           <a:p>
             <a:pPr algn="ctr"/>
@@ -6949,6 +6066,11 @@
               </a:rPr>
               <a:t>x3</a:t>
             </a:r>
+            <a:endParaRPr lang="en-US" altLang="zh-CN" sz="1200" b="1" dirty="0">
+              <a:solidFill>
+                <a:schemeClr val="tx1"/>
+              </a:solidFill>
+            </a:endParaRPr>
           </a:p>
           <a:p>
             <a:pPr algn="ctr"/>
@@ -6978,13 +6100,7 @@
       </p:sp>
       <p:cxnSp>
         <p:nvCxnSpPr>
-          <p:cNvPr id="17" name="直接连接符 16">
-            <a:extLst>
-              <a:ext uri="{FF2B5EF4-FFF2-40B4-BE49-F238E27FC236}">
-                <a16:creationId xmlns:a16="http://schemas.microsoft.com/office/drawing/2014/main" id="{531405E1-C5F7-46E1-ADDF-BCE035C3EA8B}"/>
-              </a:ext>
-            </a:extLst>
-          </p:cNvPr>
+          <p:cNvPr id="17" name="直接连接符 16"/>
           <p:cNvCxnSpPr>
             <a:endCxn id="5" idx="2"/>
           </p:cNvCxnSpPr>
@@ -7016,13 +6132,7 @@
       </p:cxnSp>
       <p:cxnSp>
         <p:nvCxnSpPr>
-          <p:cNvPr id="19" name="直接连接符 18">
-            <a:extLst>
-              <a:ext uri="{FF2B5EF4-FFF2-40B4-BE49-F238E27FC236}">
-                <a16:creationId xmlns:a16="http://schemas.microsoft.com/office/drawing/2014/main" id="{6BE739CB-8D53-4E5B-BC53-69CF8A9FF47C}"/>
-              </a:ext>
-            </a:extLst>
-          </p:cNvPr>
+          <p:cNvPr id="19" name="直接连接符 18"/>
           <p:cNvCxnSpPr>
             <a:endCxn id="7" idx="2"/>
           </p:cNvCxnSpPr>
@@ -7054,13 +6164,7 @@
       </p:cxnSp>
       <p:cxnSp>
         <p:nvCxnSpPr>
-          <p:cNvPr id="21" name="直接连接符 20">
-            <a:extLst>
-              <a:ext uri="{FF2B5EF4-FFF2-40B4-BE49-F238E27FC236}">
-                <a16:creationId xmlns:a16="http://schemas.microsoft.com/office/drawing/2014/main" id="{C1992A2D-02AC-47F2-81A9-69958FABD247}"/>
-              </a:ext>
-            </a:extLst>
-          </p:cNvPr>
+          <p:cNvPr id="21" name="直接连接符 20"/>
           <p:cNvCxnSpPr>
             <a:endCxn id="8" idx="2"/>
           </p:cNvCxnSpPr>
@@ -7092,13 +6196,7 @@
       </p:cxnSp>
       <p:cxnSp>
         <p:nvCxnSpPr>
-          <p:cNvPr id="23" name="直接连接符 22">
-            <a:extLst>
-              <a:ext uri="{FF2B5EF4-FFF2-40B4-BE49-F238E27FC236}">
-                <a16:creationId xmlns:a16="http://schemas.microsoft.com/office/drawing/2014/main" id="{68411C08-E5B2-45D4-B5B5-761D32C40AD4}"/>
-              </a:ext>
-            </a:extLst>
-          </p:cNvPr>
+          <p:cNvPr id="23" name="直接连接符 22"/>
           <p:cNvCxnSpPr>
             <a:endCxn id="6" idx="2"/>
           </p:cNvCxnSpPr>
@@ -7130,13 +6228,7 @@
       </p:cxnSp>
       <p:cxnSp>
         <p:nvCxnSpPr>
-          <p:cNvPr id="25" name="直接连接符 24">
-            <a:extLst>
-              <a:ext uri="{FF2B5EF4-FFF2-40B4-BE49-F238E27FC236}">
-                <a16:creationId xmlns:a16="http://schemas.microsoft.com/office/drawing/2014/main" id="{C7274F15-1736-461E-A194-56389468F677}"/>
-              </a:ext>
-            </a:extLst>
-          </p:cNvPr>
+          <p:cNvPr id="25" name="直接连接符 24"/>
           <p:cNvCxnSpPr>
             <a:endCxn id="5" idx="3"/>
           </p:cNvCxnSpPr>
@@ -7168,13 +6260,7 @@
       </p:cxnSp>
       <p:cxnSp>
         <p:nvCxnSpPr>
-          <p:cNvPr id="27" name="直接连接符 26">
-            <a:extLst>
-              <a:ext uri="{FF2B5EF4-FFF2-40B4-BE49-F238E27FC236}">
-                <a16:creationId xmlns:a16="http://schemas.microsoft.com/office/drawing/2014/main" id="{577089B5-74AF-4C35-B9CD-6B74E0604582}"/>
-              </a:ext>
-            </a:extLst>
-          </p:cNvPr>
+          <p:cNvPr id="27" name="直接连接符 26"/>
           <p:cNvCxnSpPr>
             <a:endCxn id="7" idx="2"/>
           </p:cNvCxnSpPr>
@@ -7206,13 +6292,7 @@
       </p:cxnSp>
       <p:cxnSp>
         <p:nvCxnSpPr>
-          <p:cNvPr id="29" name="直接连接符 28">
-            <a:extLst>
-              <a:ext uri="{FF2B5EF4-FFF2-40B4-BE49-F238E27FC236}">
-                <a16:creationId xmlns:a16="http://schemas.microsoft.com/office/drawing/2014/main" id="{176BB081-F0F2-4627-966D-B679A3A2EBCC}"/>
-              </a:ext>
-            </a:extLst>
-          </p:cNvPr>
+          <p:cNvPr id="29" name="直接连接符 28"/>
           <p:cNvCxnSpPr>
             <a:endCxn id="8" idx="2"/>
           </p:cNvCxnSpPr>
@@ -7244,13 +6324,7 @@
       </p:cxnSp>
       <p:cxnSp>
         <p:nvCxnSpPr>
-          <p:cNvPr id="31" name="直接连接符 30">
-            <a:extLst>
-              <a:ext uri="{FF2B5EF4-FFF2-40B4-BE49-F238E27FC236}">
-                <a16:creationId xmlns:a16="http://schemas.microsoft.com/office/drawing/2014/main" id="{C14FD8B1-4BF3-4038-AF1B-FA4470E3CCAB}"/>
-              </a:ext>
-            </a:extLst>
-          </p:cNvPr>
+          <p:cNvPr id="31" name="直接连接符 30"/>
           <p:cNvCxnSpPr>
             <a:endCxn id="6" idx="2"/>
           </p:cNvCxnSpPr>
@@ -7282,13 +6356,7 @@
       </p:cxnSp>
       <p:cxnSp>
         <p:nvCxnSpPr>
-          <p:cNvPr id="33" name="直接连接符 32">
-            <a:extLst>
-              <a:ext uri="{FF2B5EF4-FFF2-40B4-BE49-F238E27FC236}">
-                <a16:creationId xmlns:a16="http://schemas.microsoft.com/office/drawing/2014/main" id="{7B33CAD4-1068-4612-9C40-E3FADA9063C1}"/>
-              </a:ext>
-            </a:extLst>
-          </p:cNvPr>
+          <p:cNvPr id="33" name="直接连接符 32"/>
           <p:cNvCxnSpPr>
             <a:endCxn id="5" idx="3"/>
           </p:cNvCxnSpPr>
@@ -7320,13 +6388,7 @@
       </p:cxnSp>
       <p:cxnSp>
         <p:nvCxnSpPr>
-          <p:cNvPr id="35" name="直接连接符 34">
-            <a:extLst>
-              <a:ext uri="{FF2B5EF4-FFF2-40B4-BE49-F238E27FC236}">
-                <a16:creationId xmlns:a16="http://schemas.microsoft.com/office/drawing/2014/main" id="{7DED5094-0080-42A9-9835-88A819FF1608}"/>
-              </a:ext>
-            </a:extLst>
-          </p:cNvPr>
+          <p:cNvPr id="35" name="直接连接符 34"/>
           <p:cNvCxnSpPr>
             <a:endCxn id="7" idx="2"/>
           </p:cNvCxnSpPr>
@@ -7358,13 +6420,7 @@
       </p:cxnSp>
       <p:cxnSp>
         <p:nvCxnSpPr>
-          <p:cNvPr id="37" name="直接连接符 36">
-            <a:extLst>
-              <a:ext uri="{FF2B5EF4-FFF2-40B4-BE49-F238E27FC236}">
-                <a16:creationId xmlns:a16="http://schemas.microsoft.com/office/drawing/2014/main" id="{F6E13F44-F257-4F6C-9333-266D18B840C8}"/>
-              </a:ext>
-            </a:extLst>
-          </p:cNvPr>
+          <p:cNvPr id="37" name="直接连接符 36"/>
           <p:cNvCxnSpPr>
             <a:endCxn id="8" idx="2"/>
           </p:cNvCxnSpPr>
@@ -7396,13 +6452,7 @@
       </p:cxnSp>
       <p:cxnSp>
         <p:nvCxnSpPr>
-          <p:cNvPr id="39" name="直接连接符 38">
-            <a:extLst>
-              <a:ext uri="{FF2B5EF4-FFF2-40B4-BE49-F238E27FC236}">
-                <a16:creationId xmlns:a16="http://schemas.microsoft.com/office/drawing/2014/main" id="{D5CE0D2E-848F-4669-9C2A-05001634469F}"/>
-              </a:ext>
-            </a:extLst>
-          </p:cNvPr>
+          <p:cNvPr id="39" name="直接连接符 38"/>
           <p:cNvCxnSpPr>
             <a:endCxn id="6" idx="2"/>
           </p:cNvCxnSpPr>
@@ -7434,15 +6484,8 @@
       </p:cxnSp>
       <p:cxnSp>
         <p:nvCxnSpPr>
-          <p:cNvPr id="41" name="直接连接符 40">
-            <a:extLst>
-              <a:ext uri="{FF2B5EF4-FFF2-40B4-BE49-F238E27FC236}">
-                <a16:creationId xmlns:a16="http://schemas.microsoft.com/office/drawing/2014/main" id="{E5BFC416-6F1A-480D-A098-214E47E60A73}"/>
-              </a:ext>
-            </a:extLst>
-          </p:cNvPr>
+          <p:cNvPr id="41" name="直接连接符 40"/>
           <p:cNvCxnSpPr>
-            <a:cxnSpLocks/>
             <a:endCxn id="5" idx="3"/>
           </p:cNvCxnSpPr>
           <p:nvPr/>
@@ -7473,13 +6516,7 @@
       </p:cxnSp>
       <p:cxnSp>
         <p:nvCxnSpPr>
-          <p:cNvPr id="43" name="直接连接符 42">
-            <a:extLst>
-              <a:ext uri="{FF2B5EF4-FFF2-40B4-BE49-F238E27FC236}">
-                <a16:creationId xmlns:a16="http://schemas.microsoft.com/office/drawing/2014/main" id="{40ECBCA3-744E-4654-B862-9E9A0DD724A9}"/>
-              </a:ext>
-            </a:extLst>
-          </p:cNvPr>
+          <p:cNvPr id="43" name="直接连接符 42"/>
           <p:cNvCxnSpPr>
             <a:endCxn id="7" idx="3"/>
           </p:cNvCxnSpPr>
@@ -7511,13 +6548,7 @@
       </p:cxnSp>
       <p:cxnSp>
         <p:nvCxnSpPr>
-          <p:cNvPr id="46" name="直接连接符 45">
-            <a:extLst>
-              <a:ext uri="{FF2B5EF4-FFF2-40B4-BE49-F238E27FC236}">
-                <a16:creationId xmlns:a16="http://schemas.microsoft.com/office/drawing/2014/main" id="{95BC1EB7-DD0C-4049-B640-103AFC93B042}"/>
-              </a:ext>
-            </a:extLst>
-          </p:cNvPr>
+          <p:cNvPr id="46" name="直接连接符 45"/>
           <p:cNvCxnSpPr>
             <a:endCxn id="8" idx="2"/>
           </p:cNvCxnSpPr>
@@ -7549,13 +6580,7 @@
       </p:cxnSp>
       <p:cxnSp>
         <p:nvCxnSpPr>
-          <p:cNvPr id="48" name="直接连接符 47">
-            <a:extLst>
-              <a:ext uri="{FF2B5EF4-FFF2-40B4-BE49-F238E27FC236}">
-                <a16:creationId xmlns:a16="http://schemas.microsoft.com/office/drawing/2014/main" id="{BB18983F-7C0D-4A9E-91AD-AC5F6915BCAB}"/>
-              </a:ext>
-            </a:extLst>
-          </p:cNvPr>
+          <p:cNvPr id="48" name="直接连接符 47"/>
           <p:cNvCxnSpPr>
             <a:endCxn id="6" idx="2"/>
           </p:cNvCxnSpPr>
@@ -7587,13 +6612,7 @@
       </p:cxnSp>
       <p:cxnSp>
         <p:nvCxnSpPr>
-          <p:cNvPr id="50" name="直接连接符 49">
-            <a:extLst>
-              <a:ext uri="{FF2B5EF4-FFF2-40B4-BE49-F238E27FC236}">
-                <a16:creationId xmlns:a16="http://schemas.microsoft.com/office/drawing/2014/main" id="{3A5CE7DF-2649-442A-92D1-31920EC06533}"/>
-              </a:ext>
-            </a:extLst>
-          </p:cNvPr>
+          <p:cNvPr id="50" name="直接连接符 49"/>
           <p:cNvCxnSpPr>
             <a:stCxn id="5" idx="6"/>
             <a:endCxn id="11" idx="1"/>
@@ -7631,13 +6650,7 @@
       </p:cxnSp>
       <p:cxnSp>
         <p:nvCxnSpPr>
-          <p:cNvPr id="52" name="直接连接符 51">
-            <a:extLst>
-              <a:ext uri="{FF2B5EF4-FFF2-40B4-BE49-F238E27FC236}">
-                <a16:creationId xmlns:a16="http://schemas.microsoft.com/office/drawing/2014/main" id="{AFA0E640-49A8-490F-B148-5BB963DB0E52}"/>
-              </a:ext>
-            </a:extLst>
-          </p:cNvPr>
+          <p:cNvPr id="52" name="直接连接符 51"/>
           <p:cNvCxnSpPr>
             <a:stCxn id="5" idx="6"/>
             <a:endCxn id="4" idx="2"/>
@@ -7675,13 +6688,7 @@
       </p:cxnSp>
       <p:cxnSp>
         <p:nvCxnSpPr>
-          <p:cNvPr id="54" name="直接连接符 53">
-            <a:extLst>
-              <a:ext uri="{FF2B5EF4-FFF2-40B4-BE49-F238E27FC236}">
-                <a16:creationId xmlns:a16="http://schemas.microsoft.com/office/drawing/2014/main" id="{144BE7D0-816F-431B-B842-E2B3A00F70A4}"/>
-              </a:ext>
-            </a:extLst>
-          </p:cNvPr>
+          <p:cNvPr id="54" name="直接连接符 53"/>
           <p:cNvCxnSpPr>
             <a:stCxn id="5" idx="6"/>
             <a:endCxn id="9" idx="2"/>
@@ -7719,13 +6726,7 @@
       </p:cxnSp>
       <p:cxnSp>
         <p:nvCxnSpPr>
-          <p:cNvPr id="56" name="直接连接符 55">
-            <a:extLst>
-              <a:ext uri="{FF2B5EF4-FFF2-40B4-BE49-F238E27FC236}">
-                <a16:creationId xmlns:a16="http://schemas.microsoft.com/office/drawing/2014/main" id="{D70EBD49-A2D8-45D8-BE9B-497568D7EC52}"/>
-              </a:ext>
-            </a:extLst>
-          </p:cNvPr>
+          <p:cNvPr id="56" name="直接连接符 55"/>
           <p:cNvCxnSpPr>
             <a:stCxn id="5" idx="6"/>
             <a:endCxn id="10" idx="2"/>
@@ -7763,13 +6764,7 @@
       </p:cxnSp>
       <p:cxnSp>
         <p:nvCxnSpPr>
-          <p:cNvPr id="58" name="直接连接符 57">
-            <a:extLst>
-              <a:ext uri="{FF2B5EF4-FFF2-40B4-BE49-F238E27FC236}">
-                <a16:creationId xmlns:a16="http://schemas.microsoft.com/office/drawing/2014/main" id="{08C9E2B9-5CAE-4E29-A799-19CA58F5F47B}"/>
-              </a:ext>
-            </a:extLst>
-          </p:cNvPr>
+          <p:cNvPr id="58" name="直接连接符 57"/>
           <p:cNvCxnSpPr>
             <a:stCxn id="7" idx="6"/>
             <a:endCxn id="4" idx="2"/>
@@ -7807,13 +6802,7 @@
       </p:cxnSp>
       <p:cxnSp>
         <p:nvCxnSpPr>
-          <p:cNvPr id="60" name="直接连接符 59">
-            <a:extLst>
-              <a:ext uri="{FF2B5EF4-FFF2-40B4-BE49-F238E27FC236}">
-                <a16:creationId xmlns:a16="http://schemas.microsoft.com/office/drawing/2014/main" id="{32705D17-F04D-4A4B-87FC-274B147064DA}"/>
-              </a:ext>
-            </a:extLst>
-          </p:cNvPr>
+          <p:cNvPr id="60" name="直接连接符 59"/>
           <p:cNvCxnSpPr>
             <a:stCxn id="7" idx="6"/>
             <a:endCxn id="9" idx="2"/>
@@ -7851,13 +6840,7 @@
       </p:cxnSp>
       <p:cxnSp>
         <p:nvCxnSpPr>
-          <p:cNvPr id="62" name="直接连接符 61">
-            <a:extLst>
-              <a:ext uri="{FF2B5EF4-FFF2-40B4-BE49-F238E27FC236}">
-                <a16:creationId xmlns:a16="http://schemas.microsoft.com/office/drawing/2014/main" id="{3DAF4732-6AAE-4F61-9731-A7E92E79CFF7}"/>
-              </a:ext>
-            </a:extLst>
-          </p:cNvPr>
+          <p:cNvPr id="62" name="直接连接符 61"/>
           <p:cNvCxnSpPr>
             <a:stCxn id="7" idx="6"/>
             <a:endCxn id="10" idx="2"/>
@@ -7895,15 +6878,8 @@
       </p:cxnSp>
       <p:cxnSp>
         <p:nvCxnSpPr>
-          <p:cNvPr id="64" name="直接连接符 63">
-            <a:extLst>
-              <a:ext uri="{FF2B5EF4-FFF2-40B4-BE49-F238E27FC236}">
-                <a16:creationId xmlns:a16="http://schemas.microsoft.com/office/drawing/2014/main" id="{CAE7BB0C-33F6-4892-8B5F-54E1D31EA6DF}"/>
-              </a:ext>
-            </a:extLst>
-          </p:cNvPr>
+          <p:cNvPr id="64" name="直接连接符 63"/>
           <p:cNvCxnSpPr>
-            <a:cxnSpLocks/>
             <a:stCxn id="5" idx="6"/>
             <a:endCxn id="11" idx="1"/>
           </p:cNvCxnSpPr>
@@ -7940,13 +6916,7 @@
       </p:cxnSp>
       <p:cxnSp>
         <p:nvCxnSpPr>
-          <p:cNvPr id="67" name="直接连接符 66">
-            <a:extLst>
-              <a:ext uri="{FF2B5EF4-FFF2-40B4-BE49-F238E27FC236}">
-                <a16:creationId xmlns:a16="http://schemas.microsoft.com/office/drawing/2014/main" id="{76343CD8-CCA9-4FD8-8D49-69C7719E6393}"/>
-              </a:ext>
-            </a:extLst>
-          </p:cNvPr>
+          <p:cNvPr id="67" name="直接连接符 66"/>
           <p:cNvCxnSpPr>
             <a:stCxn id="7" idx="6"/>
             <a:endCxn id="10" idx="2"/>
@@ -7984,13 +6954,7 @@
       </p:cxnSp>
       <p:cxnSp>
         <p:nvCxnSpPr>
-          <p:cNvPr id="69" name="直接连接符 68">
-            <a:extLst>
-              <a:ext uri="{FF2B5EF4-FFF2-40B4-BE49-F238E27FC236}">
-                <a16:creationId xmlns:a16="http://schemas.microsoft.com/office/drawing/2014/main" id="{B3B3D143-1640-4F9E-8B54-A4DD8248A37F}"/>
-              </a:ext>
-            </a:extLst>
-          </p:cNvPr>
+          <p:cNvPr id="69" name="直接连接符 68"/>
           <p:cNvCxnSpPr>
             <a:stCxn id="7" idx="6"/>
             <a:endCxn id="11" idx="1"/>
@@ -8028,13 +6992,7 @@
       </p:cxnSp>
       <p:cxnSp>
         <p:nvCxnSpPr>
-          <p:cNvPr id="71" name="直接连接符 70">
-            <a:extLst>
-              <a:ext uri="{FF2B5EF4-FFF2-40B4-BE49-F238E27FC236}">
-                <a16:creationId xmlns:a16="http://schemas.microsoft.com/office/drawing/2014/main" id="{6372B03D-E57F-4E5F-93F3-364A1D37C915}"/>
-              </a:ext>
-            </a:extLst>
-          </p:cNvPr>
+          <p:cNvPr id="71" name="直接连接符 70"/>
           <p:cNvCxnSpPr>
             <a:stCxn id="8" idx="6"/>
             <a:endCxn id="4" idx="2"/>
@@ -8072,15 +7030,8 @@
       </p:cxnSp>
       <p:cxnSp>
         <p:nvCxnSpPr>
-          <p:cNvPr id="73" name="直接连接符 72">
-            <a:extLst>
-              <a:ext uri="{FF2B5EF4-FFF2-40B4-BE49-F238E27FC236}">
-                <a16:creationId xmlns:a16="http://schemas.microsoft.com/office/drawing/2014/main" id="{FE37B10B-2754-4330-A985-E14CB3D2AE92}"/>
-              </a:ext>
-            </a:extLst>
-          </p:cNvPr>
+          <p:cNvPr id="73" name="直接连接符 72"/>
           <p:cNvCxnSpPr>
-            <a:cxnSpLocks/>
             <a:stCxn id="8" idx="6"/>
           </p:cNvCxnSpPr>
           <p:nvPr/>
@@ -8116,13 +7067,7 @@
       </p:cxnSp>
       <p:cxnSp>
         <p:nvCxnSpPr>
-          <p:cNvPr id="76" name="直接连接符 75">
-            <a:extLst>
-              <a:ext uri="{FF2B5EF4-FFF2-40B4-BE49-F238E27FC236}">
-                <a16:creationId xmlns:a16="http://schemas.microsoft.com/office/drawing/2014/main" id="{1C443BC8-E08C-4C0C-8284-EA9943CF0191}"/>
-              </a:ext>
-            </a:extLst>
-          </p:cNvPr>
+          <p:cNvPr id="76" name="直接连接符 75"/>
           <p:cNvCxnSpPr>
             <a:stCxn id="8" idx="6"/>
             <a:endCxn id="10" idx="2"/>
@@ -8160,13 +7105,7 @@
       </p:cxnSp>
       <p:cxnSp>
         <p:nvCxnSpPr>
-          <p:cNvPr id="78" name="直接连接符 77">
-            <a:extLst>
-              <a:ext uri="{FF2B5EF4-FFF2-40B4-BE49-F238E27FC236}">
-                <a16:creationId xmlns:a16="http://schemas.microsoft.com/office/drawing/2014/main" id="{B0A71E34-DD8B-4FBD-884F-48BB6FCDE289}"/>
-              </a:ext>
-            </a:extLst>
-          </p:cNvPr>
+          <p:cNvPr id="78" name="直接连接符 77"/>
           <p:cNvCxnSpPr>
             <a:stCxn id="8" idx="6"/>
             <a:endCxn id="11" idx="1"/>
@@ -8204,13 +7143,7 @@
       </p:cxnSp>
       <p:cxnSp>
         <p:nvCxnSpPr>
-          <p:cNvPr id="80" name="直接连接符 79">
-            <a:extLst>
-              <a:ext uri="{FF2B5EF4-FFF2-40B4-BE49-F238E27FC236}">
-                <a16:creationId xmlns:a16="http://schemas.microsoft.com/office/drawing/2014/main" id="{DCF3EE2E-846F-4AE1-8FF2-CD8925EDD3C1}"/>
-              </a:ext>
-            </a:extLst>
-          </p:cNvPr>
+          <p:cNvPr id="80" name="直接连接符 79"/>
           <p:cNvCxnSpPr>
             <a:stCxn id="6" idx="6"/>
             <a:endCxn id="4" idx="2"/>
@@ -8248,13 +7181,7 @@
       </p:cxnSp>
       <p:cxnSp>
         <p:nvCxnSpPr>
-          <p:cNvPr id="82" name="直接连接符 81">
-            <a:extLst>
-              <a:ext uri="{FF2B5EF4-FFF2-40B4-BE49-F238E27FC236}">
-                <a16:creationId xmlns:a16="http://schemas.microsoft.com/office/drawing/2014/main" id="{DE6DCB77-32C6-4E03-B34D-5BD22CC5E8BE}"/>
-              </a:ext>
-            </a:extLst>
-          </p:cNvPr>
+          <p:cNvPr id="82" name="直接连接符 81"/>
           <p:cNvCxnSpPr>
             <a:stCxn id="6" idx="6"/>
             <a:endCxn id="9" idx="2"/>
@@ -8292,13 +7219,7 @@
       </p:cxnSp>
       <p:cxnSp>
         <p:nvCxnSpPr>
-          <p:cNvPr id="84" name="直接连接符 83">
-            <a:extLst>
-              <a:ext uri="{FF2B5EF4-FFF2-40B4-BE49-F238E27FC236}">
-                <a16:creationId xmlns:a16="http://schemas.microsoft.com/office/drawing/2014/main" id="{EB1B6AF3-F69D-45CA-A7F3-DF28AB86BAAA}"/>
-              </a:ext>
-            </a:extLst>
-          </p:cNvPr>
+          <p:cNvPr id="84" name="直接连接符 83"/>
           <p:cNvCxnSpPr>
             <a:stCxn id="6" idx="6"/>
             <a:endCxn id="10" idx="2"/>
@@ -8336,13 +7257,7 @@
       </p:cxnSp>
       <p:cxnSp>
         <p:nvCxnSpPr>
-          <p:cNvPr id="86" name="直接连接符 85">
-            <a:extLst>
-              <a:ext uri="{FF2B5EF4-FFF2-40B4-BE49-F238E27FC236}">
-                <a16:creationId xmlns:a16="http://schemas.microsoft.com/office/drawing/2014/main" id="{D5BA6397-12AE-4C86-97E6-72B9A5C7B628}"/>
-              </a:ext>
-            </a:extLst>
-          </p:cNvPr>
+          <p:cNvPr id="86" name="直接连接符 85"/>
           <p:cNvCxnSpPr>
             <a:stCxn id="6" idx="6"/>
             <a:endCxn id="11" idx="1"/>
@@ -8380,13 +7295,7 @@
       </p:cxnSp>
       <p:cxnSp>
         <p:nvCxnSpPr>
-          <p:cNvPr id="88" name="直接连接符 87">
-            <a:extLst>
-              <a:ext uri="{FF2B5EF4-FFF2-40B4-BE49-F238E27FC236}">
-                <a16:creationId xmlns:a16="http://schemas.microsoft.com/office/drawing/2014/main" id="{95AB7B69-B39A-4001-B793-C1186634F5F7}"/>
-              </a:ext>
-            </a:extLst>
-          </p:cNvPr>
+          <p:cNvPr id="88" name="直接连接符 87"/>
           <p:cNvCxnSpPr>
             <a:stCxn id="4" idx="6"/>
             <a:endCxn id="12" idx="2"/>
@@ -8424,13 +7333,7 @@
       </p:cxnSp>
       <p:cxnSp>
         <p:nvCxnSpPr>
-          <p:cNvPr id="92" name="直接连接符 91">
-            <a:extLst>
-              <a:ext uri="{FF2B5EF4-FFF2-40B4-BE49-F238E27FC236}">
-                <a16:creationId xmlns:a16="http://schemas.microsoft.com/office/drawing/2014/main" id="{3E41C186-0E26-4D18-91C6-D4D59E078A47}"/>
-              </a:ext>
-            </a:extLst>
-          </p:cNvPr>
+          <p:cNvPr id="92" name="直接连接符 91"/>
           <p:cNvCxnSpPr>
             <a:stCxn id="9" idx="6"/>
             <a:endCxn id="12" idx="2"/>
@@ -8468,13 +7371,7 @@
       </p:cxnSp>
       <p:cxnSp>
         <p:nvCxnSpPr>
-          <p:cNvPr id="94" name="直接连接符 93">
-            <a:extLst>
-              <a:ext uri="{FF2B5EF4-FFF2-40B4-BE49-F238E27FC236}">
-                <a16:creationId xmlns:a16="http://schemas.microsoft.com/office/drawing/2014/main" id="{06AE2192-0867-428F-83F0-FC97BD44DD93}"/>
-              </a:ext>
-            </a:extLst>
-          </p:cNvPr>
+          <p:cNvPr id="94" name="直接连接符 93"/>
           <p:cNvCxnSpPr>
             <a:stCxn id="10" idx="6"/>
             <a:endCxn id="12" idx="2"/>
@@ -8512,13 +7409,7 @@
       </p:cxnSp>
       <p:cxnSp>
         <p:nvCxnSpPr>
-          <p:cNvPr id="96" name="直接连接符 95">
-            <a:extLst>
-              <a:ext uri="{FF2B5EF4-FFF2-40B4-BE49-F238E27FC236}">
-                <a16:creationId xmlns:a16="http://schemas.microsoft.com/office/drawing/2014/main" id="{3EB82320-F59C-4A85-9291-880FE7707FCF}"/>
-              </a:ext>
-            </a:extLst>
-          </p:cNvPr>
+          <p:cNvPr id="96" name="直接连接符 95"/>
           <p:cNvCxnSpPr>
             <a:stCxn id="11" idx="6"/>
             <a:endCxn id="12" idx="2"/>
@@ -8556,13 +7447,7 @@
       </p:cxnSp>
       <p:cxnSp>
         <p:nvCxnSpPr>
-          <p:cNvPr id="98" name="直接箭头连接符 97">
-            <a:extLst>
-              <a:ext uri="{FF2B5EF4-FFF2-40B4-BE49-F238E27FC236}">
-                <a16:creationId xmlns:a16="http://schemas.microsoft.com/office/drawing/2014/main" id="{A96EDB78-C372-48CB-AE05-8E6385DC667D}"/>
-              </a:ext>
-            </a:extLst>
-          </p:cNvPr>
+          <p:cNvPr id="98" name="直接箭头连接符 97"/>
           <p:cNvCxnSpPr>
             <a:stCxn id="12" idx="6"/>
           </p:cNvCxnSpPr>
@@ -8600,13 +7485,7 @@
       </p:cxnSp>
       <p:sp>
         <p:nvSpPr>
-          <p:cNvPr id="100" name="文本框 99">
-            <a:extLst>
-              <a:ext uri="{FF2B5EF4-FFF2-40B4-BE49-F238E27FC236}">
-                <a16:creationId xmlns:a16="http://schemas.microsoft.com/office/drawing/2014/main" id="{043CA988-1DEE-4130-A9F1-66E73FCB8262}"/>
-              </a:ext>
-            </a:extLst>
-          </p:cNvPr>
+          <p:cNvPr id="100" name="文本框 99"/>
           <p:cNvSpPr txBox="1"/>
           <p:nvPr/>
         </p:nvSpPr>
@@ -8635,11 +7514,6 @@
         </p:txBody>
       </p:sp>
     </p:spTree>
-    <p:extLst>
-      <p:ext uri="{BB962C8B-B14F-4D97-AF65-F5344CB8AC3E}">
-        <p14:creationId xmlns:p14="http://schemas.microsoft.com/office/powerpoint/2010/main" val="401350694"/>
-      </p:ext>
-    </p:extLst>
   </p:cSld>
   <p:clrMapOvr>
     <a:masterClrMapping/>
@@ -8666,13 +7540,7 @@
       </p:grpSpPr>
       <p:cxnSp>
         <p:nvCxnSpPr>
-          <p:cNvPr id="9" name="直接连接符 8">
-            <a:extLst>
-              <a:ext uri="{FF2B5EF4-FFF2-40B4-BE49-F238E27FC236}">
-                <a16:creationId xmlns:a16="http://schemas.microsoft.com/office/drawing/2014/main" id="{F2ADD7A7-2554-434E-95F9-54ACFC454E7E}"/>
-              </a:ext>
-            </a:extLst>
-          </p:cNvPr>
+          <p:cNvPr id="9" name="直接连接符 8"/>
           <p:cNvCxnSpPr/>
           <p:nvPr/>
         </p:nvCxnSpPr>
@@ -8702,13 +7570,184 @@
       </p:cxnSp>
       <p:pic>
         <p:nvPicPr>
-          <p:cNvPr id="11" name="图片 10">
+          <p:cNvPr id="11" name="图片 10"/>
+          <p:cNvPicPr>
+            <a:picLocks noChangeAspect="1"/>
+          </p:cNvPicPr>
+          <p:nvPr/>
+        </p:nvPicPr>
+        <p:blipFill>
+          <a:blip r:embed="rId1">
             <a:extLst>
-              <a:ext uri="{FF2B5EF4-FFF2-40B4-BE49-F238E27FC236}">
-                <a16:creationId xmlns:a16="http://schemas.microsoft.com/office/drawing/2014/main" id="{AC6A86C6-4709-404F-AF22-11B69E07B966}"/>
+              <a:ext uri="{28A0092B-C50C-407E-A947-70E740481C1C}">
+                <a14:useLocalDpi xmlns:a14="http://schemas.microsoft.com/office/drawing/2010/main" val="0"/>
               </a:ext>
             </a:extLst>
-          </p:cNvPr>
+          </a:blip>
+          <a:stretch>
+            <a:fillRect/>
+          </a:stretch>
+        </p:blipFill>
+        <p:spPr>
+          <a:xfrm>
+            <a:off x="17340" y="379931"/>
+            <a:ext cx="4108565" cy="2736304"/>
+          </a:xfrm>
+          <a:prstGeom prst="rect">
+            <a:avLst/>
+          </a:prstGeom>
+          <a:ln>
+            <a:solidFill>
+              <a:srgbClr val="FFFF00"/>
+            </a:solidFill>
+          </a:ln>
+        </p:spPr>
+      </p:pic>
+      <p:sp>
+        <p:nvSpPr>
+          <p:cNvPr id="12" name="矩形 11"/>
+          <p:cNvSpPr/>
+          <p:nvPr/>
+        </p:nvSpPr>
+        <p:spPr>
+          <a:xfrm>
+            <a:off x="32547" y="404664"/>
+            <a:ext cx="1224136" cy="288016"/>
+          </a:xfrm>
+          <a:prstGeom prst="rect">
+            <a:avLst/>
+          </a:prstGeom>
+        </p:spPr>
+        <p:style>
+          <a:lnRef idx="2">
+            <a:schemeClr val="accent1">
+              <a:shade val="50000"/>
+            </a:schemeClr>
+          </a:lnRef>
+          <a:fillRef idx="1">
+            <a:schemeClr val="accent1"/>
+          </a:fillRef>
+          <a:effectRef idx="0">
+            <a:schemeClr val="accent1"/>
+          </a:effectRef>
+          <a:fontRef idx="minor">
+            <a:schemeClr val="lt1"/>
+          </a:fontRef>
+        </p:style>
+        <p:txBody>
+          <a:bodyPr rtlCol="0" anchor="ctr"/>
+          <a:lstStyle/>
+          <a:p>
+            <a:pPr algn="ctr"/>
+            <a:endParaRPr lang="zh-CN" altLang="en-US"/>
+          </a:p>
+        </p:txBody>
+      </p:sp>
+      <p:sp>
+        <p:nvSpPr>
+          <p:cNvPr id="13" name="文本框 12"/>
+          <p:cNvSpPr txBox="1"/>
+          <p:nvPr/>
+        </p:nvSpPr>
+        <p:spPr>
+          <a:xfrm>
+            <a:off x="32547" y="404664"/>
+            <a:ext cx="1224136" cy="306705"/>
+          </a:xfrm>
+          <a:prstGeom prst="rect">
+            <a:avLst/>
+          </a:prstGeom>
+          <a:solidFill>
+            <a:srgbClr val="00B050"/>
+          </a:solidFill>
+        </p:spPr>
+        <p:txBody>
+          <a:bodyPr wrap="square" rtlCol="0">
+            <a:spAutoFit/>
+          </a:bodyPr>
+          <a:lstStyle/>
+          <a:p>
+            <a:r>
+              <a:rPr lang="zh-CN" altLang="en-US" sz="1400" dirty="0"/>
+              <a:t>  家庭关系</a:t>
+            </a:r>
+            <a:endParaRPr lang="zh-CN" altLang="en-US" sz="1400" dirty="0"/>
+          </a:p>
+        </p:txBody>
+      </p:sp>
+      <p:cxnSp>
+        <p:nvCxnSpPr>
+          <p:cNvPr id="15" name="直接连接符 14"/>
+          <p:cNvCxnSpPr/>
+          <p:nvPr/>
+        </p:nvCxnSpPr>
+        <p:spPr>
+          <a:xfrm flipV="1">
+            <a:off x="608611" y="712442"/>
+            <a:ext cx="0" cy="196278"/>
+          </a:xfrm>
+          <a:prstGeom prst="line">
+            <a:avLst/>
+          </a:prstGeom>
+          <a:ln>
+            <a:solidFill>
+              <a:srgbClr val="FFFF00"/>
+            </a:solidFill>
+          </a:ln>
+        </p:spPr>
+        <p:style>
+          <a:lnRef idx="2">
+            <a:schemeClr val="dk1"/>
+          </a:lnRef>
+          <a:fillRef idx="0">
+            <a:schemeClr val="dk1"/>
+          </a:fillRef>
+          <a:effectRef idx="1">
+            <a:schemeClr val="dk1"/>
+          </a:effectRef>
+          <a:fontRef idx="minor">
+            <a:schemeClr val="tx1"/>
+          </a:fontRef>
+        </p:style>
+      </p:cxnSp>
+      <p:cxnSp>
+        <p:nvCxnSpPr>
+          <p:cNvPr id="17" name="直接连接符 16"/>
+          <p:cNvCxnSpPr/>
+          <p:nvPr/>
+        </p:nvCxnSpPr>
+        <p:spPr>
+          <a:xfrm flipH="1" flipV="1">
+            <a:off x="896643" y="712441"/>
+            <a:ext cx="1803149" cy="288016"/>
+          </a:xfrm>
+          <a:prstGeom prst="line">
+            <a:avLst/>
+          </a:prstGeom>
+          <a:ln>
+            <a:solidFill>
+              <a:srgbClr val="FFFF00"/>
+            </a:solidFill>
+          </a:ln>
+        </p:spPr>
+        <p:style>
+          <a:lnRef idx="2">
+            <a:schemeClr val="dk1"/>
+          </a:lnRef>
+          <a:fillRef idx="0">
+            <a:schemeClr val="dk1"/>
+          </a:fillRef>
+          <a:effectRef idx="1">
+            <a:schemeClr val="dk1"/>
+          </a:effectRef>
+          <a:fontRef idx="minor">
+            <a:schemeClr val="tx1"/>
+          </a:fontRef>
+        </p:style>
+      </p:cxnSp>
+      <p:pic>
+        <p:nvPicPr>
+          <p:cNvPr id="20" name="图片 19"/>
           <p:cNvPicPr>
             <a:picLocks noChangeAspect="1"/>
           </p:cNvPicPr>
@@ -8728,10 +7767,58 @@
         </p:blipFill>
         <p:spPr>
           <a:xfrm>
-            <a:off x="17340" y="379931"/>
-            <a:ext cx="4108565" cy="2736304"/>
+            <a:off x="4283968" y="379931"/>
+            <a:ext cx="3614448" cy="2736304"/>
           </a:xfrm>
           <a:prstGeom prst="rect">
+            <a:avLst/>
+          </a:prstGeom>
+        </p:spPr>
+      </p:pic>
+      <p:sp>
+        <p:nvSpPr>
+          <p:cNvPr id="25" name="文本框 24"/>
+          <p:cNvSpPr txBox="1"/>
+          <p:nvPr/>
+        </p:nvSpPr>
+        <p:spPr>
+          <a:xfrm>
+            <a:off x="4283968" y="381187"/>
+            <a:ext cx="1080120" cy="306705"/>
+          </a:xfrm>
+          <a:prstGeom prst="rect">
+            <a:avLst/>
+          </a:prstGeom>
+          <a:solidFill>
+            <a:srgbClr val="00B050"/>
+          </a:solidFill>
+        </p:spPr>
+        <p:txBody>
+          <a:bodyPr wrap="square" rtlCol="0">
+            <a:spAutoFit/>
+          </a:bodyPr>
+          <a:lstStyle/>
+          <a:p>
+            <a:r>
+              <a:rPr lang="zh-CN" altLang="en-US" sz="1400" dirty="0"/>
+              <a:t>  商业关系</a:t>
+            </a:r>
+            <a:endParaRPr lang="zh-CN" altLang="en-US" sz="1400" dirty="0"/>
+          </a:p>
+        </p:txBody>
+      </p:sp>
+      <p:cxnSp>
+        <p:nvCxnSpPr>
+          <p:cNvPr id="24" name="直接连接符 23"/>
+          <p:cNvCxnSpPr/>
+          <p:nvPr/>
+        </p:nvCxnSpPr>
+        <p:spPr>
+          <a:xfrm flipH="1" flipV="1">
+            <a:off x="4572000" y="688964"/>
+            <a:ext cx="1368152" cy="939836"/>
+          </a:xfrm>
+          <a:prstGeom prst="line">
             <a:avLst/>
           </a:prstGeom>
           <a:ln>
@@ -8740,108 +7827,31 @@
             </a:solidFill>
           </a:ln>
         </p:spPr>
-      </p:pic>
-      <p:sp>
-        <p:nvSpPr>
-          <p:cNvPr id="12" name="矩形 11">
-            <a:extLst>
-              <a:ext uri="{FF2B5EF4-FFF2-40B4-BE49-F238E27FC236}">
-                <a16:creationId xmlns:a16="http://schemas.microsoft.com/office/drawing/2014/main" id="{EFA88F19-9F28-4F26-884F-0AA37FFB7EE0}"/>
-              </a:ext>
-            </a:extLst>
-          </p:cNvPr>
-          <p:cNvSpPr/>
-          <p:nvPr/>
-        </p:nvSpPr>
-        <p:spPr>
-          <a:xfrm>
-            <a:off x="32547" y="404664"/>
-            <a:ext cx="1224136" cy="288016"/>
-          </a:xfrm>
-          <a:prstGeom prst="rect">
-            <a:avLst/>
-          </a:prstGeom>
-        </p:spPr>
         <p:style>
           <a:lnRef idx="2">
-            <a:schemeClr val="accent1">
-              <a:shade val="50000"/>
-            </a:schemeClr>
-          </a:lnRef>
-          <a:fillRef idx="1">
-            <a:schemeClr val="accent1"/>
-          </a:fillRef>
-          <a:effectRef idx="0">
-            <a:schemeClr val="accent1"/>
-          </a:effectRef>
-          <a:fontRef idx="minor">
-            <a:schemeClr val="lt1"/>
-          </a:fontRef>
-        </p:style>
-        <p:txBody>
-          <a:bodyPr rtlCol="0" anchor="ctr"/>
-          <a:lstStyle/>
-          <a:p>
-            <a:pPr algn="ctr"/>
-            <a:endParaRPr lang="zh-CN" altLang="en-US"/>
-          </a:p>
-        </p:txBody>
-      </p:sp>
-      <p:sp>
-        <p:nvSpPr>
-          <p:cNvPr id="13" name="文本框 12">
-            <a:extLst>
-              <a:ext uri="{FF2B5EF4-FFF2-40B4-BE49-F238E27FC236}">
-                <a16:creationId xmlns:a16="http://schemas.microsoft.com/office/drawing/2014/main" id="{C7923E1E-FEE7-40D3-8738-EFE23B31A1C6}"/>
-              </a:ext>
-            </a:extLst>
-          </p:cNvPr>
-          <p:cNvSpPr txBox="1"/>
-          <p:nvPr/>
-        </p:nvSpPr>
-        <p:spPr>
-          <a:xfrm>
-            <a:off x="32547" y="404664"/>
-            <a:ext cx="1224136" cy="307777"/>
-          </a:xfrm>
-          <a:prstGeom prst="rect">
-            <a:avLst/>
-          </a:prstGeom>
-          <a:solidFill>
-            <a:srgbClr val="00B050"/>
-          </a:solidFill>
-        </p:spPr>
-        <p:txBody>
-          <a:bodyPr wrap="square" rtlCol="0">
-            <a:spAutoFit/>
-          </a:bodyPr>
-          <a:lstStyle/>
-          <a:p>
-            <a:r>
-              <a:rPr lang="zh-CN" altLang="en-US" sz="1400" dirty="0"/>
-              <a:t>  家庭成员</a:t>
-            </a:r>
-          </a:p>
-        </p:txBody>
-      </p:sp>
+            <a:schemeClr val="dk1"/>
+          </a:lnRef>
+          <a:fillRef idx="0">
+            <a:schemeClr val="dk1"/>
+          </a:fillRef>
+          <a:effectRef idx="1">
+            <a:schemeClr val="dk1"/>
+          </a:effectRef>
+          <a:fontRef idx="minor">
+            <a:schemeClr val="tx1"/>
+          </a:fontRef>
+        </p:style>
+      </p:cxnSp>
       <p:cxnSp>
         <p:nvCxnSpPr>
-          <p:cNvPr id="15" name="直接连接符 14">
-            <a:extLst>
-              <a:ext uri="{FF2B5EF4-FFF2-40B4-BE49-F238E27FC236}">
-                <a16:creationId xmlns:a16="http://schemas.microsoft.com/office/drawing/2014/main" id="{6F1436DA-6E71-478B-958F-414314D9D3CC}"/>
-              </a:ext>
-            </a:extLst>
-          </p:cNvPr>
-          <p:cNvCxnSpPr>
-            <a:cxnSpLocks/>
-          </p:cNvCxnSpPr>
+          <p:cNvPr id="27" name="直接连接符 26"/>
+          <p:cNvCxnSpPr/>
           <p:nvPr/>
         </p:nvCxnSpPr>
         <p:spPr>
-          <a:xfrm flipV="1">
-            <a:off x="608611" y="712442"/>
-            <a:ext cx="0" cy="196278"/>
+          <a:xfrm flipH="1" flipV="1">
+            <a:off x="5076056" y="688964"/>
+            <a:ext cx="1584176" cy="795820"/>
           </a:xfrm>
           <a:prstGeom prst="line">
             <a:avLst/>
@@ -8867,58 +7877,9 @@
           </a:fontRef>
         </p:style>
       </p:cxnSp>
-      <p:cxnSp>
-        <p:nvCxnSpPr>
-          <p:cNvPr id="17" name="直接连接符 16">
-            <a:extLst>
-              <a:ext uri="{FF2B5EF4-FFF2-40B4-BE49-F238E27FC236}">
-                <a16:creationId xmlns:a16="http://schemas.microsoft.com/office/drawing/2014/main" id="{E76D9EE3-1DD2-4F10-8D75-9CC9BE5DB055}"/>
-              </a:ext>
-            </a:extLst>
-          </p:cNvPr>
-          <p:cNvCxnSpPr>
-            <a:cxnSpLocks/>
-          </p:cNvCxnSpPr>
-          <p:nvPr/>
-        </p:nvCxnSpPr>
-        <p:spPr>
-          <a:xfrm flipH="1" flipV="1">
-            <a:off x="896643" y="712441"/>
-            <a:ext cx="1803149" cy="288016"/>
-          </a:xfrm>
-          <a:prstGeom prst="line">
-            <a:avLst/>
-          </a:prstGeom>
-          <a:ln>
-            <a:solidFill>
-              <a:srgbClr val="FFFF00"/>
-            </a:solidFill>
-          </a:ln>
-        </p:spPr>
-        <p:style>
-          <a:lnRef idx="2">
-            <a:schemeClr val="dk1"/>
-          </a:lnRef>
-          <a:fillRef idx="0">
-            <a:schemeClr val="dk1"/>
-          </a:fillRef>
-          <a:effectRef idx="1">
-            <a:schemeClr val="dk1"/>
-          </a:effectRef>
-          <a:fontRef idx="minor">
-            <a:schemeClr val="tx1"/>
-          </a:fontRef>
-        </p:style>
-      </p:cxnSp>
       <p:pic>
         <p:nvPicPr>
-          <p:cNvPr id="20" name="图片 19">
-            <a:extLst>
-              <a:ext uri="{FF2B5EF4-FFF2-40B4-BE49-F238E27FC236}">
-                <a16:creationId xmlns:a16="http://schemas.microsoft.com/office/drawing/2014/main" id="{03E19553-193E-4506-B78D-C35CE3152E96}"/>
-              </a:ext>
-            </a:extLst>
-          </p:cNvPr>
+          <p:cNvPr id="29" name="图片 28"/>
           <p:cNvPicPr>
             <a:picLocks noChangeAspect="1"/>
           </p:cNvPicPr>
@@ -8938,8 +7899,8 @@
         </p:blipFill>
         <p:spPr>
           <a:xfrm>
-            <a:off x="4283968" y="379931"/>
-            <a:ext cx="3614448" cy="2736304"/>
+            <a:off x="32547" y="3135996"/>
+            <a:ext cx="4108564" cy="2736304"/>
           </a:xfrm>
           <a:prstGeom prst="rect">
             <a:avLst/>
@@ -8948,20 +7909,14 @@
       </p:pic>
       <p:sp>
         <p:nvSpPr>
-          <p:cNvPr id="25" name="文本框 24">
-            <a:extLst>
-              <a:ext uri="{FF2B5EF4-FFF2-40B4-BE49-F238E27FC236}">
-                <a16:creationId xmlns:a16="http://schemas.microsoft.com/office/drawing/2014/main" id="{91AFB7D7-3020-47D0-BE0C-D059DD436EDE}"/>
-              </a:ext>
-            </a:extLst>
-          </p:cNvPr>
+          <p:cNvPr id="32" name="文本框 31"/>
           <p:cNvSpPr txBox="1"/>
           <p:nvPr/>
         </p:nvSpPr>
         <p:spPr>
           <a:xfrm>
-            <a:off x="4283968" y="381187"/>
-            <a:ext cx="1080120" cy="307777"/>
+            <a:off x="17340" y="3135996"/>
+            <a:ext cx="1080120" cy="306705"/>
           </a:xfrm>
           <a:prstGeom prst="rect">
             <a:avLst/>
@@ -8978,27 +7933,22 @@
           <a:p>
             <a:r>
               <a:rPr lang="zh-CN" altLang="en-US" sz="1400" dirty="0"/>
-              <a:t>     商业</a:t>
-            </a:r>
+              <a:t>  朋友关系</a:t>
+            </a:r>
+            <a:endParaRPr lang="zh-CN" altLang="en-US" sz="1400" dirty="0"/>
           </a:p>
         </p:txBody>
       </p:sp>
       <p:cxnSp>
         <p:nvCxnSpPr>
-          <p:cNvPr id="24" name="直接连接符 23">
-            <a:extLst>
-              <a:ext uri="{FF2B5EF4-FFF2-40B4-BE49-F238E27FC236}">
-                <a16:creationId xmlns:a16="http://schemas.microsoft.com/office/drawing/2014/main" id="{F0D2E52E-8263-4FA5-9DA5-C1F205E5EAD1}"/>
-              </a:ext>
-            </a:extLst>
-          </p:cNvPr>
+          <p:cNvPr id="31" name="直接连接符 30"/>
           <p:cNvCxnSpPr/>
           <p:nvPr/>
         </p:nvCxnSpPr>
         <p:spPr>
           <a:xfrm flipH="1" flipV="1">
-            <a:off x="4572000" y="688964"/>
-            <a:ext cx="1368152" cy="939836"/>
+            <a:off x="395536" y="3443774"/>
+            <a:ext cx="1080120" cy="345266"/>
           </a:xfrm>
           <a:prstGeom prst="line">
             <a:avLst/>
@@ -9026,20 +7976,14 @@
       </p:cxnSp>
       <p:cxnSp>
         <p:nvCxnSpPr>
-          <p:cNvPr id="27" name="直接连接符 26">
-            <a:extLst>
-              <a:ext uri="{FF2B5EF4-FFF2-40B4-BE49-F238E27FC236}">
-                <a16:creationId xmlns:a16="http://schemas.microsoft.com/office/drawing/2014/main" id="{A7B6CE38-B2A0-4EF2-98B4-9891C0E595C3}"/>
-              </a:ext>
-            </a:extLst>
-          </p:cNvPr>
+          <p:cNvPr id="34" name="直接连接符 33"/>
           <p:cNvCxnSpPr/>
           <p:nvPr/>
         </p:nvCxnSpPr>
         <p:spPr>
           <a:xfrm flipH="1" flipV="1">
-            <a:off x="5076056" y="688964"/>
-            <a:ext cx="1584176" cy="795820"/>
+            <a:off x="827584" y="3443774"/>
+            <a:ext cx="1512168" cy="365027"/>
           </a:xfrm>
           <a:prstGeom prst="line">
             <a:avLst/>
@@ -9067,13 +8011,7 @@
       </p:cxnSp>
       <p:pic>
         <p:nvPicPr>
-          <p:cNvPr id="29" name="图片 28">
-            <a:extLst>
-              <a:ext uri="{FF2B5EF4-FFF2-40B4-BE49-F238E27FC236}">
-                <a16:creationId xmlns:a16="http://schemas.microsoft.com/office/drawing/2014/main" id="{F5242098-4240-4C00-B7DA-FD83FC1974F5}"/>
-              </a:ext>
-            </a:extLst>
-          </p:cNvPr>
+          <p:cNvPr id="39" name="图片 38"/>
           <p:cNvPicPr>
             <a:picLocks noChangeAspect="1"/>
           </p:cNvPicPr>
@@ -9093,8 +8031,8 @@
         </p:blipFill>
         <p:spPr>
           <a:xfrm>
-            <a:off x="32547" y="3135996"/>
-            <a:ext cx="4108564" cy="2736304"/>
+            <a:off x="4283968" y="3132737"/>
+            <a:ext cx="3614448" cy="2736304"/>
           </a:xfrm>
           <a:prstGeom prst="rect">
             <a:avLst/>
@@ -9103,19 +8041,13 @@
       </p:pic>
       <p:sp>
         <p:nvSpPr>
-          <p:cNvPr id="32" name="文本框 31">
-            <a:extLst>
-              <a:ext uri="{FF2B5EF4-FFF2-40B4-BE49-F238E27FC236}">
-                <a16:creationId xmlns:a16="http://schemas.microsoft.com/office/drawing/2014/main" id="{0A2E09FB-4031-47EF-A8FA-5BF9BC6B858A}"/>
-              </a:ext>
-            </a:extLst>
-          </p:cNvPr>
+          <p:cNvPr id="42" name="文本框 41"/>
           <p:cNvSpPr txBox="1"/>
           <p:nvPr/>
         </p:nvSpPr>
         <p:spPr>
           <a:xfrm>
-            <a:off x="17340" y="3135996"/>
+            <a:off x="4288334" y="3135996"/>
             <a:ext cx="1080120" cy="307777"/>
           </a:xfrm>
           <a:prstGeom prst="rect">
@@ -9131,31 +8063,25 @@
           </a:bodyPr>
           <a:lstStyle/>
           <a:p>
+            <a:pPr algn="ctr"/>
             <a:r>
               <a:rPr lang="zh-CN" altLang="en-US" sz="1400" dirty="0"/>
-              <a:t>     朋友</a:t>
-            </a:r>
+              <a:t>无关系</a:t>
+            </a:r>
+            <a:endParaRPr lang="zh-CN" altLang="en-US" sz="1400" dirty="0"/>
           </a:p>
         </p:txBody>
       </p:sp>
       <p:cxnSp>
         <p:nvCxnSpPr>
-          <p:cNvPr id="31" name="直接连接符 30">
-            <a:extLst>
-              <a:ext uri="{FF2B5EF4-FFF2-40B4-BE49-F238E27FC236}">
-                <a16:creationId xmlns:a16="http://schemas.microsoft.com/office/drawing/2014/main" id="{A716F037-398D-464F-9880-D06B6CE9ED81}"/>
-              </a:ext>
-            </a:extLst>
-          </p:cNvPr>
-          <p:cNvCxnSpPr>
-            <a:cxnSpLocks/>
-          </p:cNvCxnSpPr>
+          <p:cNvPr id="43" name="直接连接符 42"/>
+          <p:cNvCxnSpPr/>
           <p:nvPr/>
         </p:nvCxnSpPr>
         <p:spPr>
           <a:xfrm flipH="1" flipV="1">
-            <a:off x="395536" y="3443774"/>
-            <a:ext cx="1080120" cy="345266"/>
+            <a:off x="5004048" y="3460275"/>
+            <a:ext cx="1623130" cy="471685"/>
           </a:xfrm>
           <a:prstGeom prst="line">
             <a:avLst/>
@@ -9183,22 +8109,14 @@
       </p:cxnSp>
       <p:cxnSp>
         <p:nvCxnSpPr>
-          <p:cNvPr id="34" name="直接连接符 33">
-            <a:extLst>
-              <a:ext uri="{FF2B5EF4-FFF2-40B4-BE49-F238E27FC236}">
-                <a16:creationId xmlns:a16="http://schemas.microsoft.com/office/drawing/2014/main" id="{6EC00ADA-F4B1-4B79-B8C3-94AE3A148885}"/>
-              </a:ext>
-            </a:extLst>
-          </p:cNvPr>
-          <p:cNvCxnSpPr>
-            <a:cxnSpLocks/>
-          </p:cNvCxnSpPr>
+          <p:cNvPr id="45" name="直接连接符 44"/>
+          <p:cNvCxnSpPr/>
           <p:nvPr/>
         </p:nvCxnSpPr>
         <p:spPr>
-          <a:xfrm flipH="1" flipV="1">
-            <a:off x="827584" y="3443774"/>
-            <a:ext cx="1512168" cy="365027"/>
+          <a:xfrm flipV="1">
+            <a:off x="4504100" y="3442146"/>
+            <a:ext cx="139909" cy="634926"/>
           </a:xfrm>
           <a:prstGeom prst="line">
             <a:avLst/>
@@ -9224,172 +8142,7 @@
           </a:fontRef>
         </p:style>
       </p:cxnSp>
-      <p:pic>
-        <p:nvPicPr>
-          <p:cNvPr id="39" name="图片 38">
-            <a:extLst>
-              <a:ext uri="{FF2B5EF4-FFF2-40B4-BE49-F238E27FC236}">
-                <a16:creationId xmlns:a16="http://schemas.microsoft.com/office/drawing/2014/main" id="{F26B4F92-D884-4035-ABAF-9336CACF7769}"/>
-              </a:ext>
-            </a:extLst>
-          </p:cNvPr>
-          <p:cNvPicPr>
-            <a:picLocks noChangeAspect="1"/>
-          </p:cNvPicPr>
-          <p:nvPr/>
-        </p:nvPicPr>
-        <p:blipFill>
-          <a:blip r:embed="rId5">
-            <a:extLst>
-              <a:ext uri="{28A0092B-C50C-407E-A947-70E740481C1C}">
-                <a14:useLocalDpi xmlns:a14="http://schemas.microsoft.com/office/drawing/2010/main" val="0"/>
-              </a:ext>
-            </a:extLst>
-          </a:blip>
-          <a:stretch>
-            <a:fillRect/>
-          </a:stretch>
-        </p:blipFill>
-        <p:spPr>
-          <a:xfrm>
-            <a:off x="4283968" y="3132737"/>
-            <a:ext cx="3614448" cy="2736304"/>
-          </a:xfrm>
-          <a:prstGeom prst="rect">
-            <a:avLst/>
-          </a:prstGeom>
-        </p:spPr>
-      </p:pic>
-      <p:sp>
-        <p:nvSpPr>
-          <p:cNvPr id="42" name="文本框 41">
-            <a:extLst>
-              <a:ext uri="{FF2B5EF4-FFF2-40B4-BE49-F238E27FC236}">
-                <a16:creationId xmlns:a16="http://schemas.microsoft.com/office/drawing/2014/main" id="{E7A1BFF3-9036-478F-80DB-9CD8339476FB}"/>
-              </a:ext>
-            </a:extLst>
-          </p:cNvPr>
-          <p:cNvSpPr txBox="1"/>
-          <p:nvPr/>
-        </p:nvSpPr>
-        <p:spPr>
-          <a:xfrm>
-            <a:off x="4288334" y="3135996"/>
-            <a:ext cx="1080120" cy="307777"/>
-          </a:xfrm>
-          <a:prstGeom prst="rect">
-            <a:avLst/>
-          </a:prstGeom>
-          <a:solidFill>
-            <a:srgbClr val="00B050"/>
-          </a:solidFill>
-        </p:spPr>
-        <p:txBody>
-          <a:bodyPr wrap="square" rtlCol="0">
-            <a:spAutoFit/>
-          </a:bodyPr>
-          <a:lstStyle/>
-          <a:p>
-            <a:pPr algn="ctr"/>
-            <a:r>
-              <a:rPr lang="zh-CN" altLang="en-US" sz="1400" dirty="0"/>
-              <a:t>无关系</a:t>
-            </a:r>
-          </a:p>
-        </p:txBody>
-      </p:sp>
-      <p:cxnSp>
-        <p:nvCxnSpPr>
-          <p:cNvPr id="43" name="直接连接符 42">
-            <a:extLst>
-              <a:ext uri="{FF2B5EF4-FFF2-40B4-BE49-F238E27FC236}">
-                <a16:creationId xmlns:a16="http://schemas.microsoft.com/office/drawing/2014/main" id="{E4CABE66-9FAF-4EBF-96FB-0E6C58F10586}"/>
-              </a:ext>
-            </a:extLst>
-          </p:cNvPr>
-          <p:cNvCxnSpPr>
-            <a:cxnSpLocks/>
-          </p:cNvCxnSpPr>
-          <p:nvPr/>
-        </p:nvCxnSpPr>
-        <p:spPr>
-          <a:xfrm flipH="1" flipV="1">
-            <a:off x="5004048" y="3460275"/>
-            <a:ext cx="1623130" cy="471685"/>
-          </a:xfrm>
-          <a:prstGeom prst="line">
-            <a:avLst/>
-          </a:prstGeom>
-          <a:ln>
-            <a:solidFill>
-              <a:srgbClr val="FFFF00"/>
-            </a:solidFill>
-          </a:ln>
-        </p:spPr>
-        <p:style>
-          <a:lnRef idx="2">
-            <a:schemeClr val="dk1"/>
-          </a:lnRef>
-          <a:fillRef idx="0">
-            <a:schemeClr val="dk1"/>
-          </a:fillRef>
-          <a:effectRef idx="1">
-            <a:schemeClr val="dk1"/>
-          </a:effectRef>
-          <a:fontRef idx="minor">
-            <a:schemeClr val="tx1"/>
-          </a:fontRef>
-        </p:style>
-      </p:cxnSp>
-      <p:cxnSp>
-        <p:nvCxnSpPr>
-          <p:cNvPr id="45" name="直接连接符 44">
-            <a:extLst>
-              <a:ext uri="{FF2B5EF4-FFF2-40B4-BE49-F238E27FC236}">
-                <a16:creationId xmlns:a16="http://schemas.microsoft.com/office/drawing/2014/main" id="{17A47AA7-A07E-43E9-B623-63AC9C3DA035}"/>
-              </a:ext>
-            </a:extLst>
-          </p:cNvPr>
-          <p:cNvCxnSpPr>
-            <a:cxnSpLocks/>
-          </p:cNvCxnSpPr>
-          <p:nvPr/>
-        </p:nvCxnSpPr>
-        <p:spPr>
-          <a:xfrm flipV="1">
-            <a:off x="4504100" y="3442146"/>
-            <a:ext cx="139909" cy="634926"/>
-          </a:xfrm>
-          <a:prstGeom prst="line">
-            <a:avLst/>
-          </a:prstGeom>
-          <a:ln>
-            <a:solidFill>
-              <a:srgbClr val="FFFF00"/>
-            </a:solidFill>
-          </a:ln>
-        </p:spPr>
-        <p:style>
-          <a:lnRef idx="2">
-            <a:schemeClr val="dk1"/>
-          </a:lnRef>
-          <a:fillRef idx="0">
-            <a:schemeClr val="dk1"/>
-          </a:fillRef>
-          <a:effectRef idx="1">
-            <a:schemeClr val="dk1"/>
-          </a:effectRef>
-          <a:fontRef idx="minor">
-            <a:schemeClr val="tx1"/>
-          </a:fontRef>
-        </p:style>
-      </p:cxnSp>
     </p:spTree>
-    <p:extLst>
-      <p:ext uri="{BB962C8B-B14F-4D97-AF65-F5344CB8AC3E}">
-        <p14:creationId xmlns:p14="http://schemas.microsoft.com/office/powerpoint/2010/main" val="2479464596"/>
-      </p:ext>
-    </p:extLst>
   </p:cSld>
   <p:clrMapOvr>
     <a:masterClrMapping/>
@@ -9440,7 +8193,7 @@
     </a:clrScheme>
     <a:fontScheme name="Office">
       <a:majorFont>
-        <a:latin typeface="等线 Light" panose="020F0302020204030204"/>
+        <a:latin typeface="等线 Light"/>
         <a:ea typeface=""/>
         <a:cs typeface=""/>
         <a:font script="Jpan" typeface="游ゴシック Light"/>
@@ -9473,26 +8226,9 @@
         <a:font script="Viet" typeface="Times New Roman"/>
         <a:font script="Uigh" typeface="Microsoft Uighur"/>
         <a:font script="Geor" typeface="Sylfaen"/>
-        <a:font script="Armn" typeface="Arial"/>
-        <a:font script="Bugi" typeface="Leelawadee UI"/>
-        <a:font script="Bopo" typeface="Microsoft JhengHei"/>
-        <a:font script="Java" typeface="Javanese Text"/>
-        <a:font script="Lisu" typeface="Segoe UI"/>
-        <a:font script="Mymr" typeface="Myanmar Text"/>
-        <a:font script="Nkoo" typeface="Ebrima"/>
-        <a:font script="Olck" typeface="Nirmala UI"/>
-        <a:font script="Osma" typeface="Ebrima"/>
-        <a:font script="Phag" typeface="Phagspa"/>
-        <a:font script="Syrn" typeface="Estrangelo Edessa"/>
-        <a:font script="Syrj" typeface="Estrangelo Edessa"/>
-        <a:font script="Syre" typeface="Estrangelo Edessa"/>
-        <a:font script="Sora" typeface="Nirmala UI"/>
-        <a:font script="Tale" typeface="Microsoft Tai Le"/>
-        <a:font script="Talu" typeface="Microsoft New Tai Lue"/>
-        <a:font script="Tfng" typeface="Ebrima"/>
       </a:majorFont>
       <a:minorFont>
-        <a:latin typeface="等线" panose="020F0502020204030204"/>
+        <a:latin typeface="等线"/>
         <a:ea typeface=""/>
         <a:cs typeface=""/>
         <a:font script="Jpan" typeface="游ゴシック"/>
@@ -9525,23 +8261,6 @@
         <a:font script="Viet" typeface="Arial"/>
         <a:font script="Uigh" typeface="Microsoft Uighur"/>
         <a:font script="Geor" typeface="Sylfaen"/>
-        <a:font script="Armn" typeface="Arial"/>
-        <a:font script="Bugi" typeface="Leelawadee UI"/>
-        <a:font script="Bopo" typeface="Microsoft JhengHei"/>
-        <a:font script="Java" typeface="Javanese Text"/>
-        <a:font script="Lisu" typeface="Segoe UI"/>
-        <a:font script="Mymr" typeface="Myanmar Text"/>
-        <a:font script="Nkoo" typeface="Ebrima"/>
-        <a:font script="Olck" typeface="Nirmala UI"/>
-        <a:font script="Osma" typeface="Ebrima"/>
-        <a:font script="Phag" typeface="Phagspa"/>
-        <a:font script="Syrn" typeface="Estrangelo Edessa"/>
-        <a:font script="Syrj" typeface="Estrangelo Edessa"/>
-        <a:font script="Syre" typeface="Estrangelo Edessa"/>
-        <a:font script="Sora" typeface="Nirmala UI"/>
-        <a:font script="Tale" typeface="Microsoft Tai Le"/>
-        <a:font script="Talu" typeface="Microsoft New Tai Lue"/>
-        <a:font script="Tfng" typeface="Ebrima"/>
       </a:minorFont>
     </a:fontScheme>
     <a:fmtScheme name="Office">
@@ -9682,8 +8401,6 @@
       </a:bgFillStyleLst>
     </a:fmtScheme>
   </a:themeElements>
-  <a:objectDefaults/>
-  <a:extraClrSchemeLst/>
   <a:extLst>
     <a:ext uri="{05A4C25C-085E-4340-85A3-A5531E510DB2}">
       <thm15:themeFamily xmlns:thm15="http://schemas.microsoft.com/office/thememl/2012/main" name="Office Theme" id="{62F939B6-93AF-4DB8-9C6B-D6C7DFDC589F}" vid="{4A3C46E8-61CC-4603-A589-7422A47A8E4A}"/>

--- a/LatexThesis4SYSU-master/新建 PPT 演示文稿.pptx
+++ b/LatexThesis4SYSU-master/新建 PPT 演示文稿.pptx
@@ -5,10 +5,11 @@
     <p:sldMasterId id="2147483648" r:id="rId1"/>
   </p:sldMasterIdLst>
   <p:sldIdLst>
-    <p:sldId id="256" r:id="rId3"/>
-    <p:sldId id="257" r:id="rId4"/>
-    <p:sldId id="258" r:id="rId5"/>
-    <p:sldId id="259" r:id="rId6"/>
+    <p:sldId id="256" r:id="rId2"/>
+    <p:sldId id="257" r:id="rId3"/>
+    <p:sldId id="258" r:id="rId4"/>
+    <p:sldId id="259" r:id="rId5"/>
+    <p:sldId id="260" r:id="rId6"/>
   </p:sldIdLst>
   <p:sldSz cx="9144000" cy="6858000" type="screen4x3"/>
   <p:notesSz cx="6858000" cy="9144000"/>
@@ -107,6 +108,22 @@
       </a:defRPr>
     </a:lvl9pPr>
   </p:defaultTextStyle>
+  <p:extLst>
+    <p:ext uri="{EFAFB233-063F-42B5-8137-9DF3F51BA10A}">
+      <p15:sldGuideLst xmlns:p15="http://schemas.microsoft.com/office/powerpoint/2012/main">
+        <p15:guide id="1" orient="horz" pos="2160">
+          <p15:clr>
+            <a:srgbClr val="A4A3A4"/>
+          </p15:clr>
+        </p15:guide>
+        <p15:guide id="2" pos="2880">
+          <p15:clr>
+            <a:srgbClr val="A4A3A4"/>
+          </p15:clr>
+        </p15:guide>
+      </p15:sldGuideLst>
+    </p:ext>
+  </p:extLst>
 </p:presentation>
 </file>
 
@@ -155,7 +172,6 @@
               <a:rPr lang="zh-CN" altLang="en-US"/>
               <a:t>单击此处编辑母版标题样式</a:t>
             </a:r>
-            <a:endParaRPr lang="zh-CN" altLang="en-US"/>
           </a:p>
         </p:txBody>
       </p:sp>
@@ -220,7 +236,6 @@
               <a:rPr lang="zh-CN" altLang="en-US"/>
               <a:t>单击此处编辑母版副标题样式</a:t>
             </a:r>
-            <a:endParaRPr lang="zh-CN" altLang="en-US"/>
           </a:p>
         </p:txBody>
       </p:sp>
@@ -279,6 +294,7 @@
           <a:p>
             <a:fld id="{92E38E1C-8C98-409F-99C9-436F46744D31}" type="slidenum">
               <a:rPr lang="zh-CN" altLang="zh-CN" smtClean="0"/>
+              <a:t>‹#›</a:t>
             </a:fld>
             <a:endParaRPr lang="zh-CN" altLang="zh-CN"/>
           </a:p>
@@ -328,7 +344,6 @@
               <a:rPr lang="zh-CN" altLang="en-US"/>
               <a:t>单击此处编辑母版标题样式</a:t>
             </a:r>
-            <a:endParaRPr lang="zh-CN" altLang="en-US"/>
           </a:p>
         </p:txBody>
       </p:sp>
@@ -352,7 +367,6 @@
               <a:rPr lang="zh-CN" altLang="en-US"/>
               <a:t>编辑母版文本样式</a:t>
             </a:r>
-            <a:endParaRPr lang="zh-CN" altLang="en-US"/>
           </a:p>
           <a:p>
             <a:pPr lvl="1"/>
@@ -360,7 +374,6 @@
               <a:rPr lang="zh-CN" altLang="en-US"/>
               <a:t>第二级</a:t>
             </a:r>
-            <a:endParaRPr lang="zh-CN" altLang="en-US"/>
           </a:p>
           <a:p>
             <a:pPr lvl="2"/>
@@ -368,7 +381,6 @@
               <a:rPr lang="zh-CN" altLang="en-US"/>
               <a:t>第三级</a:t>
             </a:r>
-            <a:endParaRPr lang="zh-CN" altLang="en-US"/>
           </a:p>
           <a:p>
             <a:pPr lvl="3"/>
@@ -376,7 +388,6 @@
               <a:rPr lang="zh-CN" altLang="en-US"/>
               <a:t>第四级</a:t>
             </a:r>
-            <a:endParaRPr lang="zh-CN" altLang="en-US"/>
           </a:p>
           <a:p>
             <a:pPr lvl="4"/>
@@ -384,7 +395,6 @@
               <a:rPr lang="zh-CN" altLang="en-US"/>
               <a:t>第五级</a:t>
             </a:r>
-            <a:endParaRPr lang="zh-CN" altLang="en-US"/>
           </a:p>
         </p:txBody>
       </p:sp>
@@ -443,6 +453,7 @@
           <a:p>
             <a:fld id="{E547ABD0-3745-4A6E-B895-C8EC3A55C830}" type="slidenum">
               <a:rPr lang="zh-CN" altLang="zh-CN" smtClean="0"/>
+              <a:t>‹#›</a:t>
             </a:fld>
             <a:endParaRPr lang="zh-CN" altLang="zh-CN"/>
           </a:p>
@@ -497,7 +508,6 @@
               <a:rPr lang="zh-CN" altLang="en-US"/>
               <a:t>单击此处编辑母版标题样式</a:t>
             </a:r>
-            <a:endParaRPr lang="zh-CN" altLang="en-US"/>
           </a:p>
         </p:txBody>
       </p:sp>
@@ -526,7 +536,6 @@
               <a:rPr lang="zh-CN" altLang="en-US"/>
               <a:t>编辑母版文本样式</a:t>
             </a:r>
-            <a:endParaRPr lang="zh-CN" altLang="en-US"/>
           </a:p>
           <a:p>
             <a:pPr lvl="1"/>
@@ -534,7 +543,6 @@
               <a:rPr lang="zh-CN" altLang="en-US"/>
               <a:t>第二级</a:t>
             </a:r>
-            <a:endParaRPr lang="zh-CN" altLang="en-US"/>
           </a:p>
           <a:p>
             <a:pPr lvl="2"/>
@@ -542,7 +550,6 @@
               <a:rPr lang="zh-CN" altLang="en-US"/>
               <a:t>第三级</a:t>
             </a:r>
-            <a:endParaRPr lang="zh-CN" altLang="en-US"/>
           </a:p>
           <a:p>
             <a:pPr lvl="3"/>
@@ -550,7 +557,6 @@
               <a:rPr lang="zh-CN" altLang="en-US"/>
               <a:t>第四级</a:t>
             </a:r>
-            <a:endParaRPr lang="zh-CN" altLang="en-US"/>
           </a:p>
           <a:p>
             <a:pPr lvl="4"/>
@@ -558,7 +564,6 @@
               <a:rPr lang="zh-CN" altLang="en-US"/>
               <a:t>第五级</a:t>
             </a:r>
-            <a:endParaRPr lang="zh-CN" altLang="en-US"/>
           </a:p>
         </p:txBody>
       </p:sp>
@@ -617,6 +622,7 @@
           <a:p>
             <a:fld id="{115DFAB6-D205-4EB6-BC13-A70CBC18DD02}" type="slidenum">
               <a:rPr lang="zh-CN" altLang="zh-CN" smtClean="0"/>
+              <a:t>‹#›</a:t>
             </a:fld>
             <a:endParaRPr lang="zh-CN" altLang="zh-CN"/>
           </a:p>
@@ -666,7 +672,6 @@
               <a:rPr lang="zh-CN" altLang="en-US"/>
               <a:t>单击此处编辑母版标题样式</a:t>
             </a:r>
-            <a:endParaRPr lang="zh-CN" altLang="en-US"/>
           </a:p>
         </p:txBody>
       </p:sp>
@@ -690,7 +695,6 @@
               <a:rPr lang="zh-CN" altLang="en-US"/>
               <a:t>编辑母版文本样式</a:t>
             </a:r>
-            <a:endParaRPr lang="zh-CN" altLang="en-US"/>
           </a:p>
           <a:p>
             <a:pPr lvl="1"/>
@@ -698,7 +702,6 @@
               <a:rPr lang="zh-CN" altLang="en-US"/>
               <a:t>第二级</a:t>
             </a:r>
-            <a:endParaRPr lang="zh-CN" altLang="en-US"/>
           </a:p>
           <a:p>
             <a:pPr lvl="2"/>
@@ -706,7 +709,6 @@
               <a:rPr lang="zh-CN" altLang="en-US"/>
               <a:t>第三级</a:t>
             </a:r>
-            <a:endParaRPr lang="zh-CN" altLang="en-US"/>
           </a:p>
           <a:p>
             <a:pPr lvl="3"/>
@@ -714,7 +716,6 @@
               <a:rPr lang="zh-CN" altLang="en-US"/>
               <a:t>第四级</a:t>
             </a:r>
-            <a:endParaRPr lang="zh-CN" altLang="en-US"/>
           </a:p>
           <a:p>
             <a:pPr lvl="4"/>
@@ -722,7 +723,6 @@
               <a:rPr lang="zh-CN" altLang="en-US"/>
               <a:t>第五级</a:t>
             </a:r>
-            <a:endParaRPr lang="zh-CN" altLang="en-US"/>
           </a:p>
         </p:txBody>
       </p:sp>
@@ -781,6 +781,7 @@
           <a:p>
             <a:fld id="{0B7336DA-490D-4A4F-8370-18AC9039F799}" type="slidenum">
               <a:rPr lang="zh-CN" altLang="zh-CN" smtClean="0"/>
+              <a:t>‹#›</a:t>
             </a:fld>
             <a:endParaRPr lang="zh-CN" altLang="zh-CN"/>
           </a:p>
@@ -839,7 +840,6 @@
               <a:rPr lang="zh-CN" altLang="en-US"/>
               <a:t>单击此处编辑母版标题样式</a:t>
             </a:r>
-            <a:endParaRPr lang="zh-CN" altLang="en-US"/>
           </a:p>
         </p:txBody>
       </p:sp>
@@ -959,7 +959,6 @@
               <a:rPr lang="zh-CN" altLang="en-US"/>
               <a:t>编辑母版文本样式</a:t>
             </a:r>
-            <a:endParaRPr lang="zh-CN" altLang="en-US"/>
           </a:p>
         </p:txBody>
       </p:sp>
@@ -1018,6 +1017,7 @@
           <a:p>
             <a:fld id="{80F9262F-5DB4-4A63-B1B4-81345804D2B4}" type="slidenum">
               <a:rPr lang="zh-CN" altLang="zh-CN" smtClean="0"/>
+              <a:t>‹#›</a:t>
             </a:fld>
             <a:endParaRPr lang="zh-CN" altLang="zh-CN"/>
           </a:p>
@@ -1067,7 +1067,6 @@
               <a:rPr lang="zh-CN" altLang="en-US"/>
               <a:t>单击此处编辑母版标题样式</a:t>
             </a:r>
-            <a:endParaRPr lang="zh-CN" altLang="en-US"/>
           </a:p>
         </p:txBody>
       </p:sp>
@@ -1096,7 +1095,6 @@
               <a:rPr lang="zh-CN" altLang="en-US"/>
               <a:t>编辑母版文本样式</a:t>
             </a:r>
-            <a:endParaRPr lang="zh-CN" altLang="en-US"/>
           </a:p>
           <a:p>
             <a:pPr lvl="1"/>
@@ -1104,7 +1102,6 @@
               <a:rPr lang="zh-CN" altLang="en-US"/>
               <a:t>第二级</a:t>
             </a:r>
-            <a:endParaRPr lang="zh-CN" altLang="en-US"/>
           </a:p>
           <a:p>
             <a:pPr lvl="2"/>
@@ -1112,7 +1109,6 @@
               <a:rPr lang="zh-CN" altLang="en-US"/>
               <a:t>第三级</a:t>
             </a:r>
-            <a:endParaRPr lang="zh-CN" altLang="en-US"/>
           </a:p>
           <a:p>
             <a:pPr lvl="3"/>
@@ -1120,7 +1116,6 @@
               <a:rPr lang="zh-CN" altLang="en-US"/>
               <a:t>第四级</a:t>
             </a:r>
-            <a:endParaRPr lang="zh-CN" altLang="en-US"/>
           </a:p>
           <a:p>
             <a:pPr lvl="4"/>
@@ -1128,7 +1123,6 @@
               <a:rPr lang="zh-CN" altLang="en-US"/>
               <a:t>第五级</a:t>
             </a:r>
-            <a:endParaRPr lang="zh-CN" altLang="en-US"/>
           </a:p>
         </p:txBody>
       </p:sp>
@@ -1157,7 +1151,6 @@
               <a:rPr lang="zh-CN" altLang="en-US"/>
               <a:t>编辑母版文本样式</a:t>
             </a:r>
-            <a:endParaRPr lang="zh-CN" altLang="en-US"/>
           </a:p>
           <a:p>
             <a:pPr lvl="1"/>
@@ -1165,7 +1158,6 @@
               <a:rPr lang="zh-CN" altLang="en-US"/>
               <a:t>第二级</a:t>
             </a:r>
-            <a:endParaRPr lang="zh-CN" altLang="en-US"/>
           </a:p>
           <a:p>
             <a:pPr lvl="2"/>
@@ -1173,7 +1165,6 @@
               <a:rPr lang="zh-CN" altLang="en-US"/>
               <a:t>第三级</a:t>
             </a:r>
-            <a:endParaRPr lang="zh-CN" altLang="en-US"/>
           </a:p>
           <a:p>
             <a:pPr lvl="3"/>
@@ -1181,7 +1172,6 @@
               <a:rPr lang="zh-CN" altLang="en-US"/>
               <a:t>第四级</a:t>
             </a:r>
-            <a:endParaRPr lang="zh-CN" altLang="en-US"/>
           </a:p>
           <a:p>
             <a:pPr lvl="4"/>
@@ -1189,7 +1179,6 @@
               <a:rPr lang="zh-CN" altLang="en-US"/>
               <a:t>第五级</a:t>
             </a:r>
-            <a:endParaRPr lang="zh-CN" altLang="en-US"/>
           </a:p>
         </p:txBody>
       </p:sp>
@@ -1248,6 +1237,7 @@
           <a:p>
             <a:fld id="{55AB0FE3-5D91-4062-B6B0-FA00346459B7}" type="slidenum">
               <a:rPr lang="zh-CN" altLang="zh-CN" smtClean="0"/>
+              <a:t>‹#›</a:t>
             </a:fld>
             <a:endParaRPr lang="zh-CN" altLang="zh-CN"/>
           </a:p>
@@ -1302,7 +1292,6 @@
               <a:rPr lang="zh-CN" altLang="en-US"/>
               <a:t>单击此处编辑母版标题样式</a:t>
             </a:r>
-            <a:endParaRPr lang="zh-CN" altLang="en-US"/>
           </a:p>
         </p:txBody>
       </p:sp>
@@ -1368,7 +1357,6 @@
               <a:rPr lang="zh-CN" altLang="en-US"/>
               <a:t>编辑母版文本样式</a:t>
             </a:r>
-            <a:endParaRPr lang="zh-CN" altLang="en-US"/>
           </a:p>
         </p:txBody>
       </p:sp>
@@ -1397,7 +1385,6 @@
               <a:rPr lang="zh-CN" altLang="en-US"/>
               <a:t>编辑母版文本样式</a:t>
             </a:r>
-            <a:endParaRPr lang="zh-CN" altLang="en-US"/>
           </a:p>
           <a:p>
             <a:pPr lvl="1"/>
@@ -1405,7 +1392,6 @@
               <a:rPr lang="zh-CN" altLang="en-US"/>
               <a:t>第二级</a:t>
             </a:r>
-            <a:endParaRPr lang="zh-CN" altLang="en-US"/>
           </a:p>
           <a:p>
             <a:pPr lvl="2"/>
@@ -1413,7 +1399,6 @@
               <a:rPr lang="zh-CN" altLang="en-US"/>
               <a:t>第三级</a:t>
             </a:r>
-            <a:endParaRPr lang="zh-CN" altLang="en-US"/>
           </a:p>
           <a:p>
             <a:pPr lvl="3"/>
@@ -1421,7 +1406,6 @@
               <a:rPr lang="zh-CN" altLang="en-US"/>
               <a:t>第四级</a:t>
             </a:r>
-            <a:endParaRPr lang="zh-CN" altLang="en-US"/>
           </a:p>
           <a:p>
             <a:pPr lvl="4"/>
@@ -1429,7 +1413,6 @@
               <a:rPr lang="zh-CN" altLang="en-US"/>
               <a:t>第五级</a:t>
             </a:r>
-            <a:endParaRPr lang="zh-CN" altLang="en-US"/>
           </a:p>
         </p:txBody>
       </p:sp>
@@ -1495,7 +1478,6 @@
               <a:rPr lang="zh-CN" altLang="en-US"/>
               <a:t>编辑母版文本样式</a:t>
             </a:r>
-            <a:endParaRPr lang="zh-CN" altLang="en-US"/>
           </a:p>
         </p:txBody>
       </p:sp>
@@ -1524,7 +1506,6 @@
               <a:rPr lang="zh-CN" altLang="en-US"/>
               <a:t>编辑母版文本样式</a:t>
             </a:r>
-            <a:endParaRPr lang="zh-CN" altLang="en-US"/>
           </a:p>
           <a:p>
             <a:pPr lvl="1"/>
@@ -1532,7 +1513,6 @@
               <a:rPr lang="zh-CN" altLang="en-US"/>
               <a:t>第二级</a:t>
             </a:r>
-            <a:endParaRPr lang="zh-CN" altLang="en-US"/>
           </a:p>
           <a:p>
             <a:pPr lvl="2"/>
@@ -1540,7 +1520,6 @@
               <a:rPr lang="zh-CN" altLang="en-US"/>
               <a:t>第三级</a:t>
             </a:r>
-            <a:endParaRPr lang="zh-CN" altLang="en-US"/>
           </a:p>
           <a:p>
             <a:pPr lvl="3"/>
@@ -1548,7 +1527,6 @@
               <a:rPr lang="zh-CN" altLang="en-US"/>
               <a:t>第四级</a:t>
             </a:r>
-            <a:endParaRPr lang="zh-CN" altLang="en-US"/>
           </a:p>
           <a:p>
             <a:pPr lvl="4"/>
@@ -1556,7 +1534,6 @@
               <a:rPr lang="zh-CN" altLang="en-US"/>
               <a:t>第五级</a:t>
             </a:r>
-            <a:endParaRPr lang="zh-CN" altLang="en-US"/>
           </a:p>
         </p:txBody>
       </p:sp>
@@ -1615,6 +1592,7 @@
           <a:p>
             <a:fld id="{29379C28-6D83-4BC8-9739-7FF3B2130738}" type="slidenum">
               <a:rPr lang="zh-CN" altLang="zh-CN" smtClean="0"/>
+              <a:t>‹#›</a:t>
             </a:fld>
             <a:endParaRPr lang="zh-CN" altLang="zh-CN"/>
           </a:p>
@@ -1664,7 +1642,6 @@
               <a:rPr lang="zh-CN" altLang="en-US"/>
               <a:t>单击此处编辑母版标题样式</a:t>
             </a:r>
-            <a:endParaRPr lang="zh-CN" altLang="en-US"/>
           </a:p>
         </p:txBody>
       </p:sp>
@@ -1723,6 +1700,7 @@
           <a:p>
             <a:fld id="{A8C9AB50-3295-43EC-A62A-46C3B7B903F5}" type="slidenum">
               <a:rPr lang="zh-CN" altLang="zh-CN" smtClean="0"/>
+              <a:t>‹#›</a:t>
             </a:fld>
             <a:endParaRPr lang="zh-CN" altLang="zh-CN"/>
           </a:p>
@@ -1808,6 +1786,7 @@
           <a:p>
             <a:fld id="{A0D08E69-D976-47B3-9497-69A476578941}" type="slidenum">
               <a:rPr lang="zh-CN" altLang="zh-CN" smtClean="0"/>
+              <a:t>‹#›</a:t>
             </a:fld>
             <a:endParaRPr lang="zh-CN" altLang="zh-CN"/>
           </a:p>
@@ -1866,7 +1845,6 @@
               <a:rPr lang="zh-CN" altLang="en-US"/>
               <a:t>单击此处编辑母版标题样式</a:t>
             </a:r>
-            <a:endParaRPr lang="zh-CN" altLang="en-US"/>
           </a:p>
         </p:txBody>
       </p:sp>
@@ -1923,7 +1901,6 @@
               <a:rPr lang="zh-CN" altLang="en-US"/>
               <a:t>编辑母版文本样式</a:t>
             </a:r>
-            <a:endParaRPr lang="zh-CN" altLang="en-US"/>
           </a:p>
           <a:p>
             <a:pPr lvl="1"/>
@@ -1931,7 +1908,6 @@
               <a:rPr lang="zh-CN" altLang="en-US"/>
               <a:t>第二级</a:t>
             </a:r>
-            <a:endParaRPr lang="zh-CN" altLang="en-US"/>
           </a:p>
           <a:p>
             <a:pPr lvl="2"/>
@@ -1939,7 +1915,6 @@
               <a:rPr lang="zh-CN" altLang="en-US"/>
               <a:t>第三级</a:t>
             </a:r>
-            <a:endParaRPr lang="zh-CN" altLang="en-US"/>
           </a:p>
           <a:p>
             <a:pPr lvl="3"/>
@@ -1947,7 +1922,6 @@
               <a:rPr lang="zh-CN" altLang="en-US"/>
               <a:t>第四级</a:t>
             </a:r>
-            <a:endParaRPr lang="zh-CN" altLang="en-US"/>
           </a:p>
           <a:p>
             <a:pPr lvl="4"/>
@@ -1955,7 +1929,6 @@
               <a:rPr lang="zh-CN" altLang="en-US"/>
               <a:t>第五级</a:t>
             </a:r>
-            <a:endParaRPr lang="zh-CN" altLang="en-US"/>
           </a:p>
         </p:txBody>
       </p:sp>
@@ -2021,7 +1994,6 @@
               <a:rPr lang="zh-CN" altLang="en-US"/>
               <a:t>编辑母版文本样式</a:t>
             </a:r>
-            <a:endParaRPr lang="zh-CN" altLang="en-US"/>
           </a:p>
         </p:txBody>
       </p:sp>
@@ -2080,6 +2052,7 @@
           <a:p>
             <a:fld id="{94B6AEE1-721E-4FA5-B6D4-BFD9E1F2F9EB}" type="slidenum">
               <a:rPr lang="zh-CN" altLang="zh-CN" smtClean="0"/>
+              <a:t>‹#›</a:t>
             </a:fld>
             <a:endParaRPr lang="zh-CN" altLang="zh-CN"/>
           </a:p>
@@ -2138,7 +2111,6 @@
               <a:rPr lang="zh-CN" altLang="en-US"/>
               <a:t>单击此处编辑母版标题样式</a:t>
             </a:r>
-            <a:endParaRPr lang="zh-CN" altLang="en-US"/>
           </a:p>
         </p:txBody>
       </p:sp>
@@ -2265,7 +2237,6 @@
               <a:rPr lang="zh-CN" altLang="en-US"/>
               <a:t>编辑母版文本样式</a:t>
             </a:r>
-            <a:endParaRPr lang="zh-CN" altLang="en-US"/>
           </a:p>
         </p:txBody>
       </p:sp>
@@ -2324,6 +2295,7 @@
           <a:p>
             <a:fld id="{CD0E9A14-FF6D-43AA-8E45-66CE85262DEC}" type="slidenum">
               <a:rPr lang="zh-CN" altLang="zh-CN" smtClean="0"/>
+              <a:t>‹#›</a:t>
             </a:fld>
             <a:endParaRPr lang="zh-CN" altLang="zh-CN"/>
           </a:p>
@@ -2388,7 +2360,6 @@
               <a:rPr lang="zh-CN" altLang="en-US"/>
               <a:t>单击此处编辑母版标题样式</a:t>
             </a:r>
-            <a:endParaRPr lang="zh-CN" altLang="en-US"/>
           </a:p>
         </p:txBody>
       </p:sp>
@@ -2422,7 +2393,6 @@
               <a:rPr lang="zh-CN" altLang="en-US"/>
               <a:t>编辑母版文本样式</a:t>
             </a:r>
-            <a:endParaRPr lang="zh-CN" altLang="en-US"/>
           </a:p>
           <a:p>
             <a:pPr lvl="1"/>
@@ -2430,7 +2400,6 @@
               <a:rPr lang="zh-CN" altLang="en-US"/>
               <a:t>第二级</a:t>
             </a:r>
-            <a:endParaRPr lang="zh-CN" altLang="en-US"/>
           </a:p>
           <a:p>
             <a:pPr lvl="2"/>
@@ -2438,7 +2407,6 @@
               <a:rPr lang="zh-CN" altLang="en-US"/>
               <a:t>第三级</a:t>
             </a:r>
-            <a:endParaRPr lang="zh-CN" altLang="en-US"/>
           </a:p>
           <a:p>
             <a:pPr lvl="3"/>
@@ -2446,7 +2414,6 @@
               <a:rPr lang="zh-CN" altLang="en-US"/>
               <a:t>第四级</a:t>
             </a:r>
-            <a:endParaRPr lang="zh-CN" altLang="en-US"/>
           </a:p>
           <a:p>
             <a:pPr lvl="4"/>
@@ -2454,7 +2421,6 @@
               <a:rPr lang="zh-CN" altLang="en-US"/>
               <a:t>第五级</a:t>
             </a:r>
-            <a:endParaRPr lang="zh-CN" altLang="en-US"/>
           </a:p>
         </p:txBody>
       </p:sp>
@@ -2567,6 +2533,7 @@
           <a:p>
             <a:fld id="{C0AB3C92-FB0B-453B-B4C6-EE0992CFEE52}" type="slidenum">
               <a:rPr lang="zh-CN" altLang="zh-CN" smtClean="0"/>
+              <a:t>‹#›</a:t>
             </a:fld>
             <a:endParaRPr lang="zh-CN" altLang="zh-CN"/>
           </a:p>
@@ -3598,7 +3565,6 @@
               <a:rPr lang="zh-CN" altLang="en-US" dirty="0"/>
               <a:t>*</a:t>
             </a:r>
-            <a:endParaRPr lang="zh-CN" altLang="en-US" dirty="0"/>
           </a:p>
         </p:txBody>
       </p:sp>
@@ -4169,7 +4135,6 @@
               <a:rPr lang="el-GR" altLang="zh-CN" dirty="0"/>
               <a:t>θ</a:t>
             </a:r>
-            <a:endParaRPr lang="el-GR" altLang="zh-CN" dirty="0"/>
           </a:p>
           <a:p>
             <a:endParaRPr lang="zh-CN" altLang="en-US" dirty="0"/>
@@ -4462,7 +4427,6 @@
               <a:rPr lang="en-US" altLang="zh-CN" sz="1600" dirty="0"/>
               <a:t>...</a:t>
             </a:r>
-            <a:endParaRPr lang="en-US" altLang="zh-CN" sz="1600" dirty="0"/>
           </a:p>
         </p:txBody>
       </p:sp>
@@ -4815,7 +4779,6 @@
               <a:rPr lang="en-US" altLang="zh-CN" sz="1600" dirty="0"/>
               <a:t>...</a:t>
             </a:r>
-            <a:endParaRPr lang="en-US" altLang="zh-CN" sz="1600" dirty="0"/>
           </a:p>
         </p:txBody>
       </p:sp>
@@ -4879,11 +4842,6 @@
               </a:rPr>
               <a:t>当前神经元</a:t>
             </a:r>
-            <a:endParaRPr lang="zh-CN" altLang="en-US" sz="1200" dirty="0">
-              <a:solidFill>
-                <a:srgbClr val="FF0000"/>
-              </a:solidFill>
-            </a:endParaRPr>
           </a:p>
         </p:txBody>
       </p:sp>
@@ -4929,16 +4887,12 @@
           </a:fontRef>
         </p:style>
       </p:cxnSp>
-      <mc:AlternateContent xmlns:mc="http://schemas.openxmlformats.org/markup-compatibility/2006">
-        <mc:Choice xmlns:a14="http://schemas.microsoft.com/office/drawing/2010/main" Requires="a14">
+      <mc:AlternateContent xmlns:mc="http://schemas.openxmlformats.org/markup-compatibility/2006" xmlns:a14="http://schemas.microsoft.com/office/drawing/2010/main">
+        <mc:Choice Requires="a14">
           <p:sp>
             <p:nvSpPr>
               <p:cNvPr id="66" name="文本框 65">
-                <a:extLst>
-                  <a:ext uri="{FF2B5EF4-FFF2-40B4-BE49-F238E27FC236}">
-                    <ele attr="{C7D8E966-E06C-43DB-A6AC-BA60E7B1FC48}"/>
-                  </a:ext>
-                </a:extLst>
+                <a:extLst/>
               </p:cNvPr>
               <p:cNvSpPr txBox="1"/>
               <p:nvPr/>
@@ -5173,7 +5127,7 @@
             </p:txBody>
           </p:sp>
         </mc:Choice>
-        <mc:Fallback>
+        <mc:Fallback xmlns="">
           <p:sp>
             <p:nvSpPr>
               <p:cNvPr id="66" name="文本框 65"/>
@@ -5191,7 +5145,7 @@
                 <a:avLst/>
               </a:prstGeom>
               <a:blipFill rotWithShape="1">
-                <a:blip r:embed="rId1"/>
+                <a:blip r:embed="rId2"/>
                 <a:stretch>
                   <a:fillRect l="-205" t="-92727" b="-140000"/>
                 </a:stretch>
@@ -5300,11 +5254,6 @@
               </a:rPr>
               <a:t>个神经元连接的权重</a:t>
             </a:r>
-            <a:endParaRPr lang="zh-CN" altLang="en-US" sz="1200" dirty="0">
-              <a:solidFill>
-                <a:srgbClr val="FF0000"/>
-              </a:solidFill>
-            </a:endParaRPr>
           </a:p>
         </p:txBody>
       </p:sp>
@@ -5395,11 +5344,6 @@
               </a:rPr>
               <a:t>个神经元的输入</a:t>
             </a:r>
-            <a:endParaRPr lang="zh-CN" altLang="en-US" sz="1200" dirty="0">
-              <a:solidFill>
-                <a:srgbClr val="FF0000"/>
-              </a:solidFill>
-            </a:endParaRPr>
           </a:p>
         </p:txBody>
       </p:sp>
@@ -5472,11 +5416,6 @@
               </a:rPr>
               <a:t>阀值</a:t>
             </a:r>
-            <a:endParaRPr lang="zh-CN" altLang="en-US" sz="1200" dirty="0">
-              <a:solidFill>
-                <a:srgbClr val="FF0000"/>
-              </a:solidFill>
-            </a:endParaRPr>
           </a:p>
         </p:txBody>
       </p:sp>
@@ -6018,11 +5957,6 @@
               </a:rPr>
               <a:t>x1</a:t>
             </a:r>
-            <a:endParaRPr lang="en-US" altLang="zh-CN" sz="1200" b="1" dirty="0">
-              <a:solidFill>
-                <a:schemeClr val="tx1"/>
-              </a:solidFill>
-            </a:endParaRPr>
           </a:p>
           <a:p>
             <a:pPr algn="ctr"/>
@@ -6042,11 +5976,6 @@
               </a:rPr>
               <a:t>x2</a:t>
             </a:r>
-            <a:endParaRPr lang="en-US" altLang="zh-CN" sz="1200" b="1" dirty="0">
-              <a:solidFill>
-                <a:schemeClr val="tx1"/>
-              </a:solidFill>
-            </a:endParaRPr>
           </a:p>
           <a:p>
             <a:pPr algn="ctr"/>
@@ -6066,11 +5995,6 @@
               </a:rPr>
               <a:t>x3</a:t>
             </a:r>
-            <a:endParaRPr lang="en-US" altLang="zh-CN" sz="1200" b="1" dirty="0">
-              <a:solidFill>
-                <a:schemeClr val="tx1"/>
-              </a:solidFill>
-            </a:endParaRPr>
           </a:p>
           <a:p>
             <a:pPr algn="ctr"/>
@@ -7577,183 +7501,6 @@
           <p:nvPr/>
         </p:nvPicPr>
         <p:blipFill>
-          <a:blip r:embed="rId1">
-            <a:extLst>
-              <a:ext uri="{28A0092B-C50C-407E-A947-70E740481C1C}">
-                <a14:useLocalDpi xmlns:a14="http://schemas.microsoft.com/office/drawing/2010/main" val="0"/>
-              </a:ext>
-            </a:extLst>
-          </a:blip>
-          <a:stretch>
-            <a:fillRect/>
-          </a:stretch>
-        </p:blipFill>
-        <p:spPr>
-          <a:xfrm>
-            <a:off x="17340" y="379931"/>
-            <a:ext cx="4108565" cy="2736304"/>
-          </a:xfrm>
-          <a:prstGeom prst="rect">
-            <a:avLst/>
-          </a:prstGeom>
-          <a:ln>
-            <a:solidFill>
-              <a:srgbClr val="FFFF00"/>
-            </a:solidFill>
-          </a:ln>
-        </p:spPr>
-      </p:pic>
-      <p:sp>
-        <p:nvSpPr>
-          <p:cNvPr id="12" name="矩形 11"/>
-          <p:cNvSpPr/>
-          <p:nvPr/>
-        </p:nvSpPr>
-        <p:spPr>
-          <a:xfrm>
-            <a:off x="32547" y="404664"/>
-            <a:ext cx="1224136" cy="288016"/>
-          </a:xfrm>
-          <a:prstGeom prst="rect">
-            <a:avLst/>
-          </a:prstGeom>
-        </p:spPr>
-        <p:style>
-          <a:lnRef idx="2">
-            <a:schemeClr val="accent1">
-              <a:shade val="50000"/>
-            </a:schemeClr>
-          </a:lnRef>
-          <a:fillRef idx="1">
-            <a:schemeClr val="accent1"/>
-          </a:fillRef>
-          <a:effectRef idx="0">
-            <a:schemeClr val="accent1"/>
-          </a:effectRef>
-          <a:fontRef idx="minor">
-            <a:schemeClr val="lt1"/>
-          </a:fontRef>
-        </p:style>
-        <p:txBody>
-          <a:bodyPr rtlCol="0" anchor="ctr"/>
-          <a:lstStyle/>
-          <a:p>
-            <a:pPr algn="ctr"/>
-            <a:endParaRPr lang="zh-CN" altLang="en-US"/>
-          </a:p>
-        </p:txBody>
-      </p:sp>
-      <p:sp>
-        <p:nvSpPr>
-          <p:cNvPr id="13" name="文本框 12"/>
-          <p:cNvSpPr txBox="1"/>
-          <p:nvPr/>
-        </p:nvSpPr>
-        <p:spPr>
-          <a:xfrm>
-            <a:off x="32547" y="404664"/>
-            <a:ext cx="1224136" cy="306705"/>
-          </a:xfrm>
-          <a:prstGeom prst="rect">
-            <a:avLst/>
-          </a:prstGeom>
-          <a:solidFill>
-            <a:srgbClr val="00B050"/>
-          </a:solidFill>
-        </p:spPr>
-        <p:txBody>
-          <a:bodyPr wrap="square" rtlCol="0">
-            <a:spAutoFit/>
-          </a:bodyPr>
-          <a:lstStyle/>
-          <a:p>
-            <a:r>
-              <a:rPr lang="zh-CN" altLang="en-US" sz="1400" dirty="0"/>
-              <a:t>  家庭关系</a:t>
-            </a:r>
-            <a:endParaRPr lang="zh-CN" altLang="en-US" sz="1400" dirty="0"/>
-          </a:p>
-        </p:txBody>
-      </p:sp>
-      <p:cxnSp>
-        <p:nvCxnSpPr>
-          <p:cNvPr id="15" name="直接连接符 14"/>
-          <p:cNvCxnSpPr/>
-          <p:nvPr/>
-        </p:nvCxnSpPr>
-        <p:spPr>
-          <a:xfrm flipV="1">
-            <a:off x="608611" y="712442"/>
-            <a:ext cx="0" cy="196278"/>
-          </a:xfrm>
-          <a:prstGeom prst="line">
-            <a:avLst/>
-          </a:prstGeom>
-          <a:ln>
-            <a:solidFill>
-              <a:srgbClr val="FFFF00"/>
-            </a:solidFill>
-          </a:ln>
-        </p:spPr>
-        <p:style>
-          <a:lnRef idx="2">
-            <a:schemeClr val="dk1"/>
-          </a:lnRef>
-          <a:fillRef idx="0">
-            <a:schemeClr val="dk1"/>
-          </a:fillRef>
-          <a:effectRef idx="1">
-            <a:schemeClr val="dk1"/>
-          </a:effectRef>
-          <a:fontRef idx="minor">
-            <a:schemeClr val="tx1"/>
-          </a:fontRef>
-        </p:style>
-      </p:cxnSp>
-      <p:cxnSp>
-        <p:nvCxnSpPr>
-          <p:cNvPr id="17" name="直接连接符 16"/>
-          <p:cNvCxnSpPr/>
-          <p:nvPr/>
-        </p:nvCxnSpPr>
-        <p:spPr>
-          <a:xfrm flipH="1" flipV="1">
-            <a:off x="896643" y="712441"/>
-            <a:ext cx="1803149" cy="288016"/>
-          </a:xfrm>
-          <a:prstGeom prst="line">
-            <a:avLst/>
-          </a:prstGeom>
-          <a:ln>
-            <a:solidFill>
-              <a:srgbClr val="FFFF00"/>
-            </a:solidFill>
-          </a:ln>
-        </p:spPr>
-        <p:style>
-          <a:lnRef idx="2">
-            <a:schemeClr val="dk1"/>
-          </a:lnRef>
-          <a:fillRef idx="0">
-            <a:schemeClr val="dk1"/>
-          </a:fillRef>
-          <a:effectRef idx="1">
-            <a:schemeClr val="dk1"/>
-          </a:effectRef>
-          <a:fontRef idx="minor">
-            <a:schemeClr val="tx1"/>
-          </a:fontRef>
-        </p:style>
-      </p:cxnSp>
-      <p:pic>
-        <p:nvPicPr>
-          <p:cNvPr id="20" name="图片 19"/>
-          <p:cNvPicPr>
-            <a:picLocks noChangeAspect="1"/>
-          </p:cNvPicPr>
-          <p:nvPr/>
-        </p:nvPicPr>
-        <p:blipFill>
           <a:blip r:embed="rId2">
             <a:extLst>
               <a:ext uri="{28A0092B-C50C-407E-A947-70E740481C1C}">
@@ -7767,58 +7514,10 @@
         </p:blipFill>
         <p:spPr>
           <a:xfrm>
-            <a:off x="4283968" y="379931"/>
-            <a:ext cx="3614448" cy="2736304"/>
+            <a:off x="17340" y="379931"/>
+            <a:ext cx="4108565" cy="2736304"/>
           </a:xfrm>
           <a:prstGeom prst="rect">
-            <a:avLst/>
-          </a:prstGeom>
-        </p:spPr>
-      </p:pic>
-      <p:sp>
-        <p:nvSpPr>
-          <p:cNvPr id="25" name="文本框 24"/>
-          <p:cNvSpPr txBox="1"/>
-          <p:nvPr/>
-        </p:nvSpPr>
-        <p:spPr>
-          <a:xfrm>
-            <a:off x="4283968" y="381187"/>
-            <a:ext cx="1080120" cy="306705"/>
-          </a:xfrm>
-          <a:prstGeom prst="rect">
-            <a:avLst/>
-          </a:prstGeom>
-          <a:solidFill>
-            <a:srgbClr val="00B050"/>
-          </a:solidFill>
-        </p:spPr>
-        <p:txBody>
-          <a:bodyPr wrap="square" rtlCol="0">
-            <a:spAutoFit/>
-          </a:bodyPr>
-          <a:lstStyle/>
-          <a:p>
-            <a:r>
-              <a:rPr lang="zh-CN" altLang="en-US" sz="1400" dirty="0"/>
-              <a:t>  商业关系</a:t>
-            </a:r>
-            <a:endParaRPr lang="zh-CN" altLang="en-US" sz="1400" dirty="0"/>
-          </a:p>
-        </p:txBody>
-      </p:sp>
-      <p:cxnSp>
-        <p:nvCxnSpPr>
-          <p:cNvPr id="24" name="直接连接符 23"/>
-          <p:cNvCxnSpPr/>
-          <p:nvPr/>
-        </p:nvCxnSpPr>
-        <p:spPr>
-          <a:xfrm flipH="1" flipV="1">
-            <a:off x="4572000" y="688964"/>
-            <a:ext cx="1368152" cy="939836"/>
-          </a:xfrm>
-          <a:prstGeom prst="line">
             <a:avLst/>
           </a:prstGeom>
           <a:ln>
@@ -7827,31 +7526,88 @@
             </a:solidFill>
           </a:ln>
         </p:spPr>
+      </p:pic>
+      <p:sp>
+        <p:nvSpPr>
+          <p:cNvPr id="12" name="矩形 11"/>
+          <p:cNvSpPr/>
+          <p:nvPr/>
+        </p:nvSpPr>
+        <p:spPr>
+          <a:xfrm>
+            <a:off x="32547" y="404664"/>
+            <a:ext cx="1224136" cy="288016"/>
+          </a:xfrm>
+          <a:prstGeom prst="rect">
+            <a:avLst/>
+          </a:prstGeom>
+        </p:spPr>
         <p:style>
           <a:lnRef idx="2">
-            <a:schemeClr val="dk1"/>
-          </a:lnRef>
-          <a:fillRef idx="0">
-            <a:schemeClr val="dk1"/>
-          </a:fillRef>
-          <a:effectRef idx="1">
-            <a:schemeClr val="dk1"/>
-          </a:effectRef>
-          <a:fontRef idx="minor">
-            <a:schemeClr val="tx1"/>
-          </a:fontRef>
-        </p:style>
-      </p:cxnSp>
+            <a:schemeClr val="accent1">
+              <a:shade val="50000"/>
+            </a:schemeClr>
+          </a:lnRef>
+          <a:fillRef idx="1">
+            <a:schemeClr val="accent1"/>
+          </a:fillRef>
+          <a:effectRef idx="0">
+            <a:schemeClr val="accent1"/>
+          </a:effectRef>
+          <a:fontRef idx="minor">
+            <a:schemeClr val="lt1"/>
+          </a:fontRef>
+        </p:style>
+        <p:txBody>
+          <a:bodyPr rtlCol="0" anchor="ctr"/>
+          <a:lstStyle/>
+          <a:p>
+            <a:pPr algn="ctr"/>
+            <a:endParaRPr lang="zh-CN" altLang="en-US"/>
+          </a:p>
+        </p:txBody>
+      </p:sp>
+      <p:sp>
+        <p:nvSpPr>
+          <p:cNvPr id="13" name="文本框 12"/>
+          <p:cNvSpPr txBox="1"/>
+          <p:nvPr/>
+        </p:nvSpPr>
+        <p:spPr>
+          <a:xfrm>
+            <a:off x="32547" y="404664"/>
+            <a:ext cx="1224136" cy="306705"/>
+          </a:xfrm>
+          <a:prstGeom prst="rect">
+            <a:avLst/>
+          </a:prstGeom>
+          <a:solidFill>
+            <a:srgbClr val="00B050"/>
+          </a:solidFill>
+        </p:spPr>
+        <p:txBody>
+          <a:bodyPr wrap="square" rtlCol="0">
+            <a:spAutoFit/>
+          </a:bodyPr>
+          <a:lstStyle/>
+          <a:p>
+            <a:r>
+              <a:rPr lang="zh-CN" altLang="en-US" sz="1400" dirty="0"/>
+              <a:t>  家庭关系</a:t>
+            </a:r>
+          </a:p>
+        </p:txBody>
+      </p:sp>
       <p:cxnSp>
         <p:nvCxnSpPr>
-          <p:cNvPr id="27" name="直接连接符 26"/>
+          <p:cNvPr id="15" name="直接连接符 14"/>
           <p:cNvCxnSpPr/>
           <p:nvPr/>
         </p:nvCxnSpPr>
         <p:spPr>
-          <a:xfrm flipH="1" flipV="1">
-            <a:off x="5076056" y="688964"/>
-            <a:ext cx="1584176" cy="795820"/>
+          <a:xfrm flipV="1">
+            <a:off x="608611" y="712442"/>
+            <a:ext cx="0" cy="196278"/>
           </a:xfrm>
           <a:prstGeom prst="line">
             <a:avLst/>
@@ -7877,9 +7633,44 @@
           </a:fontRef>
         </p:style>
       </p:cxnSp>
+      <p:cxnSp>
+        <p:nvCxnSpPr>
+          <p:cNvPr id="17" name="直接连接符 16"/>
+          <p:cNvCxnSpPr/>
+          <p:nvPr/>
+        </p:nvCxnSpPr>
+        <p:spPr>
+          <a:xfrm flipH="1" flipV="1">
+            <a:off x="896643" y="712441"/>
+            <a:ext cx="1803149" cy="288016"/>
+          </a:xfrm>
+          <a:prstGeom prst="line">
+            <a:avLst/>
+          </a:prstGeom>
+          <a:ln>
+            <a:solidFill>
+              <a:srgbClr val="FFFF00"/>
+            </a:solidFill>
+          </a:ln>
+        </p:spPr>
+        <p:style>
+          <a:lnRef idx="2">
+            <a:schemeClr val="dk1"/>
+          </a:lnRef>
+          <a:fillRef idx="0">
+            <a:schemeClr val="dk1"/>
+          </a:fillRef>
+          <a:effectRef idx="1">
+            <a:schemeClr val="dk1"/>
+          </a:effectRef>
+          <a:fontRef idx="minor">
+            <a:schemeClr val="tx1"/>
+          </a:fontRef>
+        </p:style>
+      </p:cxnSp>
       <p:pic>
         <p:nvPicPr>
-          <p:cNvPr id="29" name="图片 28"/>
+          <p:cNvPr id="20" name="图片 19"/>
           <p:cNvPicPr>
             <a:picLocks noChangeAspect="1"/>
           </p:cNvPicPr>
@@ -7899,8 +7690,8 @@
         </p:blipFill>
         <p:spPr>
           <a:xfrm>
-            <a:off x="32547" y="3135996"/>
-            <a:ext cx="4108564" cy="2736304"/>
+            <a:off x="4283968" y="379931"/>
+            <a:ext cx="3614448" cy="2736304"/>
           </a:xfrm>
           <a:prstGeom prst="rect">
             <a:avLst/>
@@ -7909,13 +7700,13 @@
       </p:pic>
       <p:sp>
         <p:nvSpPr>
-          <p:cNvPr id="32" name="文本框 31"/>
+          <p:cNvPr id="25" name="文本框 24"/>
           <p:cNvSpPr txBox="1"/>
           <p:nvPr/>
         </p:nvSpPr>
         <p:spPr>
           <a:xfrm>
-            <a:off x="17340" y="3135996"/>
+            <a:off x="4283968" y="381187"/>
             <a:ext cx="1080120" cy="306705"/>
           </a:xfrm>
           <a:prstGeom prst="rect">
@@ -7933,22 +7724,21 @@
           <a:p>
             <a:r>
               <a:rPr lang="zh-CN" altLang="en-US" sz="1400" dirty="0"/>
-              <a:t>  朋友关系</a:t>
-            </a:r>
-            <a:endParaRPr lang="zh-CN" altLang="en-US" sz="1400" dirty="0"/>
+              <a:t>  商业关系</a:t>
+            </a:r>
           </a:p>
         </p:txBody>
       </p:sp>
       <p:cxnSp>
         <p:nvCxnSpPr>
-          <p:cNvPr id="31" name="直接连接符 30"/>
+          <p:cNvPr id="24" name="直接连接符 23"/>
           <p:cNvCxnSpPr/>
           <p:nvPr/>
         </p:nvCxnSpPr>
         <p:spPr>
           <a:xfrm flipH="1" flipV="1">
-            <a:off x="395536" y="3443774"/>
-            <a:ext cx="1080120" cy="345266"/>
+            <a:off x="4572000" y="688964"/>
+            <a:ext cx="1368152" cy="939836"/>
           </a:xfrm>
           <a:prstGeom prst="line">
             <a:avLst/>
@@ -7976,14 +7766,14 @@
       </p:cxnSp>
       <p:cxnSp>
         <p:nvCxnSpPr>
-          <p:cNvPr id="34" name="直接连接符 33"/>
+          <p:cNvPr id="27" name="直接连接符 26"/>
           <p:cNvCxnSpPr/>
           <p:nvPr/>
         </p:nvCxnSpPr>
         <p:spPr>
           <a:xfrm flipH="1" flipV="1">
-            <a:off x="827584" y="3443774"/>
-            <a:ext cx="1512168" cy="365027"/>
+            <a:off x="5076056" y="688964"/>
+            <a:ext cx="1584176" cy="795820"/>
           </a:xfrm>
           <a:prstGeom prst="line">
             <a:avLst/>
@@ -8011,7 +7801,7 @@
       </p:cxnSp>
       <p:pic>
         <p:nvPicPr>
-          <p:cNvPr id="39" name="图片 38"/>
+          <p:cNvPr id="29" name="图片 28"/>
           <p:cNvPicPr>
             <a:picLocks noChangeAspect="1"/>
           </p:cNvPicPr>
@@ -8031,8 +7821,8 @@
         </p:blipFill>
         <p:spPr>
           <a:xfrm>
-            <a:off x="4283968" y="3132737"/>
-            <a:ext cx="3614448" cy="2736304"/>
+            <a:off x="32547" y="3135996"/>
+            <a:ext cx="4108564" cy="2736304"/>
           </a:xfrm>
           <a:prstGeom prst="rect">
             <a:avLst/>
@@ -8041,14 +7831,14 @@
       </p:pic>
       <p:sp>
         <p:nvSpPr>
-          <p:cNvPr id="42" name="文本框 41"/>
+          <p:cNvPr id="32" name="文本框 31"/>
           <p:cNvSpPr txBox="1"/>
           <p:nvPr/>
         </p:nvSpPr>
         <p:spPr>
           <a:xfrm>
-            <a:off x="4288334" y="3135996"/>
-            <a:ext cx="1080120" cy="307777"/>
+            <a:off x="17340" y="3135996"/>
+            <a:ext cx="1080120" cy="306705"/>
           </a:xfrm>
           <a:prstGeom prst="rect">
             <a:avLst/>
@@ -8063,25 +7853,23 @@
           </a:bodyPr>
           <a:lstStyle/>
           <a:p>
-            <a:pPr algn="ctr"/>
             <a:r>
               <a:rPr lang="zh-CN" altLang="en-US" sz="1400" dirty="0"/>
-              <a:t>无关系</a:t>
-            </a:r>
-            <a:endParaRPr lang="zh-CN" altLang="en-US" sz="1400" dirty="0"/>
+              <a:t>  朋友关系</a:t>
+            </a:r>
           </a:p>
         </p:txBody>
       </p:sp>
       <p:cxnSp>
         <p:nvCxnSpPr>
-          <p:cNvPr id="43" name="直接连接符 42"/>
+          <p:cNvPr id="31" name="直接连接符 30"/>
           <p:cNvCxnSpPr/>
           <p:nvPr/>
         </p:nvCxnSpPr>
         <p:spPr>
           <a:xfrm flipH="1" flipV="1">
-            <a:off x="5004048" y="3460275"/>
-            <a:ext cx="1623130" cy="471685"/>
+            <a:off x="395536" y="3443774"/>
+            <a:ext cx="1080120" cy="345266"/>
           </a:xfrm>
           <a:prstGeom prst="line">
             <a:avLst/>
@@ -8109,14 +7897,14 @@
       </p:cxnSp>
       <p:cxnSp>
         <p:nvCxnSpPr>
-          <p:cNvPr id="45" name="直接连接符 44"/>
+          <p:cNvPr id="34" name="直接连接符 33"/>
           <p:cNvCxnSpPr/>
           <p:nvPr/>
         </p:nvCxnSpPr>
         <p:spPr>
-          <a:xfrm flipV="1">
-            <a:off x="4504100" y="3442146"/>
-            <a:ext cx="139909" cy="634926"/>
+          <a:xfrm flipH="1" flipV="1">
+            <a:off x="827584" y="3443774"/>
+            <a:ext cx="1512168" cy="365027"/>
           </a:xfrm>
           <a:prstGeom prst="line">
             <a:avLst/>
@@ -8142,6 +7930,956 @@
           </a:fontRef>
         </p:style>
       </p:cxnSp>
+      <p:pic>
+        <p:nvPicPr>
+          <p:cNvPr id="39" name="图片 38"/>
+          <p:cNvPicPr>
+            <a:picLocks noChangeAspect="1"/>
+          </p:cNvPicPr>
+          <p:nvPr/>
+        </p:nvPicPr>
+        <p:blipFill>
+          <a:blip r:embed="rId5">
+            <a:extLst>
+              <a:ext uri="{28A0092B-C50C-407E-A947-70E740481C1C}">
+                <a14:useLocalDpi xmlns:a14="http://schemas.microsoft.com/office/drawing/2010/main" val="0"/>
+              </a:ext>
+            </a:extLst>
+          </a:blip>
+          <a:stretch>
+            <a:fillRect/>
+          </a:stretch>
+        </p:blipFill>
+        <p:spPr>
+          <a:xfrm>
+            <a:off x="4283968" y="3132737"/>
+            <a:ext cx="3614448" cy="2736304"/>
+          </a:xfrm>
+          <a:prstGeom prst="rect">
+            <a:avLst/>
+          </a:prstGeom>
+        </p:spPr>
+      </p:pic>
+      <p:sp>
+        <p:nvSpPr>
+          <p:cNvPr id="42" name="文本框 41"/>
+          <p:cNvSpPr txBox="1"/>
+          <p:nvPr/>
+        </p:nvSpPr>
+        <p:spPr>
+          <a:xfrm>
+            <a:off x="4288334" y="3135996"/>
+            <a:ext cx="1080120" cy="307777"/>
+          </a:xfrm>
+          <a:prstGeom prst="rect">
+            <a:avLst/>
+          </a:prstGeom>
+          <a:solidFill>
+            <a:srgbClr val="00B050"/>
+          </a:solidFill>
+        </p:spPr>
+        <p:txBody>
+          <a:bodyPr wrap="square" rtlCol="0">
+            <a:spAutoFit/>
+          </a:bodyPr>
+          <a:lstStyle/>
+          <a:p>
+            <a:pPr algn="ctr"/>
+            <a:r>
+              <a:rPr lang="zh-CN" altLang="en-US" sz="1400" dirty="0"/>
+              <a:t>无关系</a:t>
+            </a:r>
+          </a:p>
+        </p:txBody>
+      </p:sp>
+      <p:cxnSp>
+        <p:nvCxnSpPr>
+          <p:cNvPr id="43" name="直接连接符 42"/>
+          <p:cNvCxnSpPr/>
+          <p:nvPr/>
+        </p:nvCxnSpPr>
+        <p:spPr>
+          <a:xfrm flipH="1" flipV="1">
+            <a:off x="5004048" y="3460275"/>
+            <a:ext cx="1623130" cy="471685"/>
+          </a:xfrm>
+          <a:prstGeom prst="line">
+            <a:avLst/>
+          </a:prstGeom>
+          <a:ln>
+            <a:solidFill>
+              <a:srgbClr val="FFFF00"/>
+            </a:solidFill>
+          </a:ln>
+        </p:spPr>
+        <p:style>
+          <a:lnRef idx="2">
+            <a:schemeClr val="dk1"/>
+          </a:lnRef>
+          <a:fillRef idx="0">
+            <a:schemeClr val="dk1"/>
+          </a:fillRef>
+          <a:effectRef idx="1">
+            <a:schemeClr val="dk1"/>
+          </a:effectRef>
+          <a:fontRef idx="minor">
+            <a:schemeClr val="tx1"/>
+          </a:fontRef>
+        </p:style>
+      </p:cxnSp>
+      <p:cxnSp>
+        <p:nvCxnSpPr>
+          <p:cNvPr id="45" name="直接连接符 44"/>
+          <p:cNvCxnSpPr/>
+          <p:nvPr/>
+        </p:nvCxnSpPr>
+        <p:spPr>
+          <a:xfrm flipV="1">
+            <a:off x="4504100" y="3442146"/>
+            <a:ext cx="139909" cy="634926"/>
+          </a:xfrm>
+          <a:prstGeom prst="line">
+            <a:avLst/>
+          </a:prstGeom>
+          <a:ln>
+            <a:solidFill>
+              <a:srgbClr val="FFFF00"/>
+            </a:solidFill>
+          </a:ln>
+        </p:spPr>
+        <p:style>
+          <a:lnRef idx="2">
+            <a:schemeClr val="dk1"/>
+          </a:lnRef>
+          <a:fillRef idx="0">
+            <a:schemeClr val="dk1"/>
+          </a:fillRef>
+          <a:effectRef idx="1">
+            <a:schemeClr val="dk1"/>
+          </a:effectRef>
+          <a:fontRef idx="minor">
+            <a:schemeClr val="tx1"/>
+          </a:fontRef>
+        </p:style>
+      </p:cxnSp>
+    </p:spTree>
+  </p:cSld>
+  <p:clrMapOvr>
+    <a:masterClrMapping/>
+  </p:clrMapOvr>
+</p:sld>
+</file>
+
+<file path=ppt/slides/slide5.xml><?xml version="1.0" encoding="utf-8"?>
+<p:sld xmlns:a="http://schemas.openxmlformats.org/drawingml/2006/main" xmlns:r="http://schemas.openxmlformats.org/officeDocument/2006/relationships" xmlns:p="http://schemas.openxmlformats.org/presentationml/2006/main">
+  <p:cSld>
+    <p:spTree>
+      <p:nvGrpSpPr>
+        <p:cNvPr id="1" name=""/>
+        <p:cNvGrpSpPr/>
+        <p:nvPr/>
+      </p:nvGrpSpPr>
+      <p:grpSpPr>
+        <a:xfrm>
+          <a:off x="0" y="0"/>
+          <a:ext cx="0" cy="0"/>
+          <a:chOff x="0" y="0"/>
+          <a:chExt cx="0" cy="0"/>
+        </a:xfrm>
+      </p:grpSpPr>
+      <p:sp>
+        <p:nvSpPr>
+          <p:cNvPr id="2" name="椭圆 1">
+            <a:extLst>
+              <a:ext uri="{FF2B5EF4-FFF2-40B4-BE49-F238E27FC236}">
+                <a16:creationId xmlns:a16="http://schemas.microsoft.com/office/drawing/2014/main" id="{A802BD0A-124A-481F-88A8-407E2C46FF41}"/>
+              </a:ext>
+            </a:extLst>
+          </p:cNvPr>
+          <p:cNvSpPr/>
+          <p:nvPr/>
+        </p:nvSpPr>
+        <p:spPr>
+          <a:xfrm>
+            <a:off x="2913841" y="1340768"/>
+            <a:ext cx="288032" cy="288032"/>
+          </a:xfrm>
+          <a:prstGeom prst="ellipse">
+            <a:avLst/>
+          </a:prstGeom>
+          <a:solidFill>
+            <a:schemeClr val="bg1"/>
+          </a:solidFill>
+          <a:ln>
+            <a:solidFill>
+              <a:schemeClr val="tx1"/>
+            </a:solidFill>
+          </a:ln>
+        </p:spPr>
+        <p:style>
+          <a:lnRef idx="2">
+            <a:schemeClr val="accent1">
+              <a:shade val="50000"/>
+            </a:schemeClr>
+          </a:lnRef>
+          <a:fillRef idx="1">
+            <a:schemeClr val="accent1"/>
+          </a:fillRef>
+          <a:effectRef idx="0">
+            <a:schemeClr val="accent1"/>
+          </a:effectRef>
+          <a:fontRef idx="minor">
+            <a:schemeClr val="lt1"/>
+          </a:fontRef>
+        </p:style>
+        <p:txBody>
+          <a:bodyPr rtlCol="0" anchor="ctr"/>
+          <a:lstStyle/>
+          <a:p>
+            <a:pPr algn="ctr"/>
+            <a:endParaRPr lang="zh-CN" altLang="en-US"/>
+          </a:p>
+        </p:txBody>
+      </p:sp>
+      <p:sp>
+        <p:nvSpPr>
+          <p:cNvPr id="3" name="椭圆 2">
+            <a:extLst>
+              <a:ext uri="{FF2B5EF4-FFF2-40B4-BE49-F238E27FC236}">
+                <a16:creationId xmlns:a16="http://schemas.microsoft.com/office/drawing/2014/main" id="{0AFFD04F-D835-4578-BCBC-695170FCFB38}"/>
+              </a:ext>
+            </a:extLst>
+          </p:cNvPr>
+          <p:cNvSpPr/>
+          <p:nvPr/>
+        </p:nvSpPr>
+        <p:spPr>
+          <a:xfrm>
+            <a:off x="3775967" y="1334103"/>
+            <a:ext cx="288032" cy="288032"/>
+          </a:xfrm>
+          <a:prstGeom prst="ellipse">
+            <a:avLst/>
+          </a:prstGeom>
+          <a:solidFill>
+            <a:schemeClr val="bg1"/>
+          </a:solidFill>
+          <a:ln>
+            <a:solidFill>
+              <a:schemeClr val="tx1"/>
+            </a:solidFill>
+          </a:ln>
+        </p:spPr>
+        <p:style>
+          <a:lnRef idx="2">
+            <a:schemeClr val="accent1">
+              <a:shade val="50000"/>
+            </a:schemeClr>
+          </a:lnRef>
+          <a:fillRef idx="1">
+            <a:schemeClr val="accent1"/>
+          </a:fillRef>
+          <a:effectRef idx="0">
+            <a:schemeClr val="accent1"/>
+          </a:effectRef>
+          <a:fontRef idx="minor">
+            <a:schemeClr val="lt1"/>
+          </a:fontRef>
+        </p:style>
+        <p:txBody>
+          <a:bodyPr rtlCol="0" anchor="ctr"/>
+          <a:lstStyle/>
+          <a:p>
+            <a:pPr algn="ctr"/>
+            <a:endParaRPr lang="zh-CN" altLang="en-US"/>
+          </a:p>
+        </p:txBody>
+      </p:sp>
+      <p:sp>
+        <p:nvSpPr>
+          <p:cNvPr id="4" name="椭圆 3">
+            <a:extLst>
+              <a:ext uri="{FF2B5EF4-FFF2-40B4-BE49-F238E27FC236}">
+                <a16:creationId xmlns:a16="http://schemas.microsoft.com/office/drawing/2014/main" id="{BC7BBDA9-D9B8-4ACF-8D5E-DE11E2C28AD3}"/>
+              </a:ext>
+            </a:extLst>
+          </p:cNvPr>
+          <p:cNvSpPr/>
+          <p:nvPr/>
+        </p:nvSpPr>
+        <p:spPr>
+          <a:xfrm>
+            <a:off x="4644010" y="1340768"/>
+            <a:ext cx="288032" cy="288032"/>
+          </a:xfrm>
+          <a:prstGeom prst="ellipse">
+            <a:avLst/>
+          </a:prstGeom>
+          <a:solidFill>
+            <a:schemeClr val="bg1"/>
+          </a:solidFill>
+          <a:ln>
+            <a:solidFill>
+              <a:schemeClr val="tx1"/>
+            </a:solidFill>
+          </a:ln>
+        </p:spPr>
+        <p:style>
+          <a:lnRef idx="2">
+            <a:schemeClr val="accent1">
+              <a:shade val="50000"/>
+            </a:schemeClr>
+          </a:lnRef>
+          <a:fillRef idx="1">
+            <a:schemeClr val="accent1"/>
+          </a:fillRef>
+          <a:effectRef idx="0">
+            <a:schemeClr val="accent1"/>
+          </a:effectRef>
+          <a:fontRef idx="minor">
+            <a:schemeClr val="lt1"/>
+          </a:fontRef>
+        </p:style>
+        <p:txBody>
+          <a:bodyPr rtlCol="0" anchor="ctr"/>
+          <a:lstStyle/>
+          <a:p>
+            <a:pPr algn="ctr"/>
+            <a:endParaRPr lang="zh-CN" altLang="en-US"/>
+          </a:p>
+        </p:txBody>
+      </p:sp>
+      <p:sp>
+        <p:nvSpPr>
+          <p:cNvPr id="5" name="椭圆 4">
+            <a:extLst>
+              <a:ext uri="{FF2B5EF4-FFF2-40B4-BE49-F238E27FC236}">
+                <a16:creationId xmlns:a16="http://schemas.microsoft.com/office/drawing/2014/main" id="{D55AA688-EBF3-4951-87BA-224EA31DC6AF}"/>
+              </a:ext>
+            </a:extLst>
+          </p:cNvPr>
+          <p:cNvSpPr/>
+          <p:nvPr/>
+        </p:nvSpPr>
+        <p:spPr>
+          <a:xfrm>
+            <a:off x="2195736" y="1340768"/>
+            <a:ext cx="288032" cy="288032"/>
+          </a:xfrm>
+          <a:prstGeom prst="ellipse">
+            <a:avLst/>
+          </a:prstGeom>
+          <a:solidFill>
+            <a:schemeClr val="bg1"/>
+          </a:solidFill>
+          <a:ln>
+            <a:solidFill>
+              <a:schemeClr val="tx1"/>
+            </a:solidFill>
+          </a:ln>
+        </p:spPr>
+        <p:style>
+          <a:lnRef idx="2">
+            <a:schemeClr val="accent1">
+              <a:shade val="50000"/>
+            </a:schemeClr>
+          </a:lnRef>
+          <a:fillRef idx="1">
+            <a:schemeClr val="accent1"/>
+          </a:fillRef>
+          <a:effectRef idx="0">
+            <a:schemeClr val="accent1"/>
+          </a:effectRef>
+          <a:fontRef idx="minor">
+            <a:schemeClr val="lt1"/>
+          </a:fontRef>
+        </p:style>
+        <p:txBody>
+          <a:bodyPr rtlCol="0" anchor="ctr"/>
+          <a:lstStyle/>
+          <a:p>
+            <a:pPr algn="ctr"/>
+            <a:endParaRPr lang="zh-CN" altLang="en-US"/>
+          </a:p>
+        </p:txBody>
+      </p:sp>
+      <p:sp>
+        <p:nvSpPr>
+          <p:cNvPr id="6" name="椭圆 5">
+            <a:extLst>
+              <a:ext uri="{FF2B5EF4-FFF2-40B4-BE49-F238E27FC236}">
+                <a16:creationId xmlns:a16="http://schemas.microsoft.com/office/drawing/2014/main" id="{8598AD0A-4FFD-4939-9F12-4A3BD806BE01}"/>
+              </a:ext>
+            </a:extLst>
+          </p:cNvPr>
+          <p:cNvSpPr/>
+          <p:nvPr/>
+        </p:nvSpPr>
+        <p:spPr>
+          <a:xfrm>
+            <a:off x="3434664" y="2132856"/>
+            <a:ext cx="288032" cy="288032"/>
+          </a:xfrm>
+          <a:prstGeom prst="ellipse">
+            <a:avLst/>
+          </a:prstGeom>
+          <a:solidFill>
+            <a:schemeClr val="bg1"/>
+          </a:solidFill>
+          <a:ln>
+            <a:solidFill>
+              <a:schemeClr val="tx1"/>
+            </a:solidFill>
+          </a:ln>
+        </p:spPr>
+        <p:style>
+          <a:lnRef idx="2">
+            <a:schemeClr val="accent1">
+              <a:shade val="50000"/>
+            </a:schemeClr>
+          </a:lnRef>
+          <a:fillRef idx="1">
+            <a:schemeClr val="accent1"/>
+          </a:fillRef>
+          <a:effectRef idx="0">
+            <a:schemeClr val="accent1"/>
+          </a:effectRef>
+          <a:fontRef idx="minor">
+            <a:schemeClr val="lt1"/>
+          </a:fontRef>
+        </p:style>
+        <p:txBody>
+          <a:bodyPr rtlCol="0" anchor="ctr"/>
+          <a:lstStyle/>
+          <a:p>
+            <a:pPr algn="ctr"/>
+            <a:endParaRPr lang="zh-CN" altLang="en-US"/>
+          </a:p>
+        </p:txBody>
+      </p:sp>
+      <p:cxnSp>
+        <p:nvCxnSpPr>
+          <p:cNvPr id="8" name="直接连接符 7">
+            <a:extLst>
+              <a:ext uri="{FF2B5EF4-FFF2-40B4-BE49-F238E27FC236}">
+                <a16:creationId xmlns:a16="http://schemas.microsoft.com/office/drawing/2014/main" id="{754FA0AA-F7CE-4269-8758-E92DB604C373}"/>
+              </a:ext>
+            </a:extLst>
+          </p:cNvPr>
+          <p:cNvCxnSpPr>
+            <a:stCxn id="5" idx="6"/>
+            <a:endCxn id="2" idx="2"/>
+          </p:cNvCxnSpPr>
+          <p:nvPr/>
+        </p:nvCxnSpPr>
+        <p:spPr>
+          <a:xfrm>
+            <a:off x="2483768" y="1484784"/>
+            <a:ext cx="430073" cy="0"/>
+          </a:xfrm>
+          <a:prstGeom prst="line">
+            <a:avLst/>
+          </a:prstGeom>
+          <a:ln>
+            <a:solidFill>
+              <a:schemeClr val="tx1"/>
+            </a:solidFill>
+          </a:ln>
+        </p:spPr>
+        <p:style>
+          <a:lnRef idx="1">
+            <a:schemeClr val="accent1"/>
+          </a:lnRef>
+          <a:fillRef idx="0">
+            <a:schemeClr val="accent1"/>
+          </a:fillRef>
+          <a:effectRef idx="0">
+            <a:schemeClr val="accent1"/>
+          </a:effectRef>
+          <a:fontRef idx="minor">
+            <a:schemeClr val="tx1"/>
+          </a:fontRef>
+        </p:style>
+      </p:cxnSp>
+      <p:cxnSp>
+        <p:nvCxnSpPr>
+          <p:cNvPr id="10" name="直接连接符 9">
+            <a:extLst>
+              <a:ext uri="{FF2B5EF4-FFF2-40B4-BE49-F238E27FC236}">
+                <a16:creationId xmlns:a16="http://schemas.microsoft.com/office/drawing/2014/main" id="{EF60E9B2-6533-47A2-998E-09B34FCEF118}"/>
+              </a:ext>
+            </a:extLst>
+          </p:cNvPr>
+          <p:cNvCxnSpPr>
+            <a:stCxn id="2" idx="6"/>
+            <a:endCxn id="3" idx="2"/>
+          </p:cNvCxnSpPr>
+          <p:nvPr/>
+        </p:nvCxnSpPr>
+        <p:spPr>
+          <a:xfrm flipV="1">
+            <a:off x="3201873" y="1478119"/>
+            <a:ext cx="574094" cy="6665"/>
+          </a:xfrm>
+          <a:prstGeom prst="line">
+            <a:avLst/>
+          </a:prstGeom>
+          <a:ln>
+            <a:solidFill>
+              <a:schemeClr val="tx1"/>
+            </a:solidFill>
+          </a:ln>
+        </p:spPr>
+        <p:style>
+          <a:lnRef idx="1">
+            <a:schemeClr val="accent1"/>
+          </a:lnRef>
+          <a:fillRef idx="0">
+            <a:schemeClr val="accent1"/>
+          </a:fillRef>
+          <a:effectRef idx="0">
+            <a:schemeClr val="accent1"/>
+          </a:effectRef>
+          <a:fontRef idx="minor">
+            <a:schemeClr val="tx1"/>
+          </a:fontRef>
+        </p:style>
+      </p:cxnSp>
+      <p:cxnSp>
+        <p:nvCxnSpPr>
+          <p:cNvPr id="12" name="直接连接符 11">
+            <a:extLst>
+              <a:ext uri="{FF2B5EF4-FFF2-40B4-BE49-F238E27FC236}">
+                <a16:creationId xmlns:a16="http://schemas.microsoft.com/office/drawing/2014/main" id="{9EEC64CF-4B4B-4B7E-A16B-B43054910C0A}"/>
+              </a:ext>
+            </a:extLst>
+          </p:cNvPr>
+          <p:cNvCxnSpPr>
+            <a:stCxn id="3" idx="6"/>
+            <a:endCxn id="4" idx="2"/>
+          </p:cNvCxnSpPr>
+          <p:nvPr/>
+        </p:nvCxnSpPr>
+        <p:spPr>
+          <a:xfrm>
+            <a:off x="4063999" y="1478119"/>
+            <a:ext cx="580011" cy="6665"/>
+          </a:xfrm>
+          <a:prstGeom prst="line">
+            <a:avLst/>
+          </a:prstGeom>
+          <a:ln w="9525" cap="flat" cmpd="sng" algn="ctr">
+            <a:solidFill>
+              <a:schemeClr val="tx1"/>
+            </a:solidFill>
+            <a:prstDash val="dash"/>
+            <a:round/>
+            <a:headEnd type="none" w="med" len="med"/>
+            <a:tailEnd type="none" w="med" len="med"/>
+          </a:ln>
+        </p:spPr>
+        <p:style>
+          <a:lnRef idx="0">
+            <a:scrgbClr r="0" g="0" b="0"/>
+          </a:lnRef>
+          <a:fillRef idx="0">
+            <a:scrgbClr r="0" g="0" b="0"/>
+          </a:fillRef>
+          <a:effectRef idx="0">
+            <a:scrgbClr r="0" g="0" b="0"/>
+          </a:effectRef>
+          <a:fontRef idx="minor">
+            <a:schemeClr val="tx1"/>
+          </a:fontRef>
+        </p:style>
+      </p:cxnSp>
+      <p:cxnSp>
+        <p:nvCxnSpPr>
+          <p:cNvPr id="14" name="直接连接符 13">
+            <a:extLst>
+              <a:ext uri="{FF2B5EF4-FFF2-40B4-BE49-F238E27FC236}">
+                <a16:creationId xmlns:a16="http://schemas.microsoft.com/office/drawing/2014/main" id="{BB882EF2-9274-4896-A1B0-9CB5FB9E9FA5}"/>
+              </a:ext>
+            </a:extLst>
+          </p:cNvPr>
+          <p:cNvCxnSpPr>
+            <a:stCxn id="5" idx="4"/>
+            <a:endCxn id="6" idx="0"/>
+          </p:cNvCxnSpPr>
+          <p:nvPr/>
+        </p:nvCxnSpPr>
+        <p:spPr>
+          <a:xfrm>
+            <a:off x="2339752" y="1628800"/>
+            <a:ext cx="1238928" cy="504056"/>
+          </a:xfrm>
+          <a:prstGeom prst="line">
+            <a:avLst/>
+          </a:prstGeom>
+          <a:ln>
+            <a:solidFill>
+              <a:schemeClr val="tx1"/>
+            </a:solidFill>
+          </a:ln>
+        </p:spPr>
+        <p:style>
+          <a:lnRef idx="1">
+            <a:schemeClr val="accent1"/>
+          </a:lnRef>
+          <a:fillRef idx="0">
+            <a:schemeClr val="accent1"/>
+          </a:fillRef>
+          <a:effectRef idx="0">
+            <a:schemeClr val="accent1"/>
+          </a:effectRef>
+          <a:fontRef idx="minor">
+            <a:schemeClr val="tx1"/>
+          </a:fontRef>
+        </p:style>
+      </p:cxnSp>
+      <p:cxnSp>
+        <p:nvCxnSpPr>
+          <p:cNvPr id="16" name="直接连接符 15">
+            <a:extLst>
+              <a:ext uri="{FF2B5EF4-FFF2-40B4-BE49-F238E27FC236}">
+                <a16:creationId xmlns:a16="http://schemas.microsoft.com/office/drawing/2014/main" id="{1E07EFEA-18DB-4E2A-8323-31E131C312E5}"/>
+              </a:ext>
+            </a:extLst>
+          </p:cNvPr>
+          <p:cNvCxnSpPr>
+            <a:stCxn id="2" idx="4"/>
+            <a:endCxn id="6" idx="0"/>
+          </p:cNvCxnSpPr>
+          <p:nvPr/>
+        </p:nvCxnSpPr>
+        <p:spPr>
+          <a:xfrm>
+            <a:off x="3057857" y="1628800"/>
+            <a:ext cx="520823" cy="504056"/>
+          </a:xfrm>
+          <a:prstGeom prst="line">
+            <a:avLst/>
+          </a:prstGeom>
+          <a:ln>
+            <a:solidFill>
+              <a:schemeClr val="tx1"/>
+            </a:solidFill>
+          </a:ln>
+        </p:spPr>
+        <p:style>
+          <a:lnRef idx="1">
+            <a:schemeClr val="accent1"/>
+          </a:lnRef>
+          <a:fillRef idx="0">
+            <a:schemeClr val="accent1"/>
+          </a:fillRef>
+          <a:effectRef idx="0">
+            <a:schemeClr val="accent1"/>
+          </a:effectRef>
+          <a:fontRef idx="minor">
+            <a:schemeClr val="tx1"/>
+          </a:fontRef>
+        </p:style>
+      </p:cxnSp>
+      <p:cxnSp>
+        <p:nvCxnSpPr>
+          <p:cNvPr id="18" name="直接连接符 17">
+            <a:extLst>
+              <a:ext uri="{FF2B5EF4-FFF2-40B4-BE49-F238E27FC236}">
+                <a16:creationId xmlns:a16="http://schemas.microsoft.com/office/drawing/2014/main" id="{FE943489-2283-401B-83EB-373067DF843F}"/>
+              </a:ext>
+            </a:extLst>
+          </p:cNvPr>
+          <p:cNvCxnSpPr>
+            <a:cxnSpLocks/>
+            <a:stCxn id="3" idx="4"/>
+            <a:endCxn id="6" idx="0"/>
+          </p:cNvCxnSpPr>
+          <p:nvPr/>
+        </p:nvCxnSpPr>
+        <p:spPr>
+          <a:xfrm flipH="1">
+            <a:off x="3578680" y="1622135"/>
+            <a:ext cx="341303" cy="510721"/>
+          </a:xfrm>
+          <a:prstGeom prst="line">
+            <a:avLst/>
+          </a:prstGeom>
+          <a:ln>
+            <a:solidFill>
+              <a:schemeClr val="tx1"/>
+            </a:solidFill>
+          </a:ln>
+        </p:spPr>
+        <p:style>
+          <a:lnRef idx="1">
+            <a:schemeClr val="accent1"/>
+          </a:lnRef>
+          <a:fillRef idx="0">
+            <a:schemeClr val="accent1"/>
+          </a:fillRef>
+          <a:effectRef idx="0">
+            <a:schemeClr val="accent1"/>
+          </a:effectRef>
+          <a:fontRef idx="minor">
+            <a:schemeClr val="tx1"/>
+          </a:fontRef>
+        </p:style>
+      </p:cxnSp>
+      <p:cxnSp>
+        <p:nvCxnSpPr>
+          <p:cNvPr id="21" name="直接连接符 20">
+            <a:extLst>
+              <a:ext uri="{FF2B5EF4-FFF2-40B4-BE49-F238E27FC236}">
+                <a16:creationId xmlns:a16="http://schemas.microsoft.com/office/drawing/2014/main" id="{61786131-0711-4E94-975C-722720DAFE59}"/>
+              </a:ext>
+            </a:extLst>
+          </p:cNvPr>
+          <p:cNvCxnSpPr>
+            <a:stCxn id="4" idx="4"/>
+            <a:endCxn id="6" idx="0"/>
+          </p:cNvCxnSpPr>
+          <p:nvPr/>
+        </p:nvCxnSpPr>
+        <p:spPr>
+          <a:xfrm flipH="1">
+            <a:off x="3578680" y="1628800"/>
+            <a:ext cx="1209346" cy="504056"/>
+          </a:xfrm>
+          <a:prstGeom prst="line">
+            <a:avLst/>
+          </a:prstGeom>
+          <a:ln>
+            <a:solidFill>
+              <a:schemeClr val="tx1"/>
+            </a:solidFill>
+          </a:ln>
+        </p:spPr>
+        <p:style>
+          <a:lnRef idx="1">
+            <a:schemeClr val="accent1"/>
+          </a:lnRef>
+          <a:fillRef idx="0">
+            <a:schemeClr val="accent1"/>
+          </a:fillRef>
+          <a:effectRef idx="0">
+            <a:schemeClr val="accent1"/>
+          </a:effectRef>
+          <a:fontRef idx="minor">
+            <a:schemeClr val="tx1"/>
+          </a:fontRef>
+        </p:style>
+      </p:cxnSp>
+      <mc:AlternateContent xmlns:mc="http://schemas.openxmlformats.org/markup-compatibility/2006">
+        <mc:Choice xmlns:a14="http://schemas.microsoft.com/office/drawing/2010/main" Requires="a14">
+          <p:sp>
+            <p:nvSpPr>
+              <p:cNvPr id="22" name="文本框 21">
+                <a:extLst>
+                  <a:ext uri="{FF2B5EF4-FFF2-40B4-BE49-F238E27FC236}">
+                    <a16:creationId xmlns:a16="http://schemas.microsoft.com/office/drawing/2014/main" id="{C0743D8B-158E-4E5A-8D19-880D2B24FFF9}"/>
+                  </a:ext>
+                </a:extLst>
+              </p:cNvPr>
+              <p:cNvSpPr txBox="1"/>
+              <p:nvPr/>
+            </p:nvSpPr>
+            <p:spPr>
+              <a:xfrm>
+                <a:off x="2483768" y="2420888"/>
+                <a:ext cx="2448274" cy="369332"/>
+              </a:xfrm>
+              <a:prstGeom prst="rect">
+                <a:avLst/>
+              </a:prstGeom>
+              <a:noFill/>
+            </p:spPr>
+            <p:txBody>
+              <a:bodyPr wrap="square" rtlCol="0">
+                <a:spAutoFit/>
+              </a:bodyPr>
+              <a:lstStyle/>
+              <a:p>
+                <a:r>
+                  <a:rPr lang="en-US" altLang="zh-CN" dirty="0"/>
+                  <a:t>X={</a:t>
+                </a:r>
+                <a14:m>
+                  <m:oMath xmlns:m="http://schemas.openxmlformats.org/officeDocument/2006/math">
+                    <m:sSub>
+                      <m:sSubPr>
+                        <m:ctrlPr>
+                          <a:rPr lang="en-US" altLang="zh-CN" b="0" i="1" smtClean="0">
+                            <a:latin typeface="Cambria Math" panose="02040503050406030204" pitchFamily="18" charset="0"/>
+                          </a:rPr>
+                        </m:ctrlPr>
+                      </m:sSubPr>
+                      <m:e>
+                        <m:r>
+                          <a:rPr lang="en-US" altLang="zh-CN" b="0" i="1" smtClean="0">
+                            <a:latin typeface="Cambria Math" panose="02040503050406030204" pitchFamily="18" charset="0"/>
+                          </a:rPr>
+                          <m:t>𝑥</m:t>
+                        </m:r>
+                      </m:e>
+                      <m:sub>
+                        <m:r>
+                          <a:rPr lang="en-US" altLang="zh-CN" b="0" i="1" smtClean="0">
+                            <a:latin typeface="Cambria Math" panose="02040503050406030204" pitchFamily="18" charset="0"/>
+                          </a:rPr>
+                          <m:t>1</m:t>
+                        </m:r>
+                      </m:sub>
+                    </m:sSub>
+                    <m:r>
+                      <a:rPr lang="en-US" altLang="zh-CN" b="0" i="1" smtClean="0">
+                        <a:latin typeface="Cambria Math" panose="02040503050406030204" pitchFamily="18" charset="0"/>
+                      </a:rPr>
+                      <m:t>,</m:t>
+                    </m:r>
+                    <m:sSub>
+                      <m:sSubPr>
+                        <m:ctrlPr>
+                          <a:rPr lang="en-US" altLang="zh-CN" b="0" i="1" smtClean="0">
+                            <a:latin typeface="Cambria Math" panose="02040503050406030204" pitchFamily="18" charset="0"/>
+                          </a:rPr>
+                        </m:ctrlPr>
+                      </m:sSubPr>
+                      <m:e>
+                        <m:r>
+                          <a:rPr lang="en-US" altLang="zh-CN" b="0" i="1" smtClean="0">
+                            <a:latin typeface="Cambria Math" panose="02040503050406030204" pitchFamily="18" charset="0"/>
+                          </a:rPr>
+                          <m:t>𝑥</m:t>
+                        </m:r>
+                      </m:e>
+                      <m:sub>
+                        <m:r>
+                          <a:rPr lang="en-US" altLang="zh-CN" b="0" i="1" smtClean="0">
+                            <a:latin typeface="Cambria Math" panose="02040503050406030204" pitchFamily="18" charset="0"/>
+                          </a:rPr>
+                          <m:t>2</m:t>
+                        </m:r>
+                      </m:sub>
+                    </m:sSub>
+                    <m:r>
+                      <a:rPr lang="en-US" altLang="zh-CN" b="0" i="1" smtClean="0">
+                        <a:latin typeface="Cambria Math" panose="02040503050406030204" pitchFamily="18" charset="0"/>
+                      </a:rPr>
+                      <m:t>,</m:t>
+                    </m:r>
+                    <m:sSub>
+                      <m:sSubPr>
+                        <m:ctrlPr>
+                          <a:rPr lang="en-US" altLang="zh-CN" b="0" i="1" smtClean="0">
+                            <a:latin typeface="Cambria Math" panose="02040503050406030204" pitchFamily="18" charset="0"/>
+                          </a:rPr>
+                        </m:ctrlPr>
+                      </m:sSubPr>
+                      <m:e>
+                        <m:r>
+                          <a:rPr lang="en-US" altLang="zh-CN" b="0" i="1" smtClean="0">
+                            <a:latin typeface="Cambria Math" panose="02040503050406030204" pitchFamily="18" charset="0"/>
+                          </a:rPr>
+                          <m:t>𝑥</m:t>
+                        </m:r>
+                      </m:e>
+                      <m:sub>
+                        <m:r>
+                          <a:rPr lang="en-US" altLang="zh-CN" b="0" i="1" smtClean="0">
+                            <a:latin typeface="Cambria Math" panose="02040503050406030204" pitchFamily="18" charset="0"/>
+                          </a:rPr>
+                          <m:t>3</m:t>
+                        </m:r>
+                      </m:sub>
+                    </m:sSub>
+                    <m:r>
+                      <a:rPr lang="en-US" altLang="zh-CN" b="0" i="1" smtClean="0">
+                        <a:latin typeface="Cambria Math" panose="02040503050406030204" pitchFamily="18" charset="0"/>
+                      </a:rPr>
+                      <m:t>…..,</m:t>
+                    </m:r>
+                    <m:sSub>
+                      <m:sSubPr>
+                        <m:ctrlPr>
+                          <a:rPr lang="en-US" altLang="zh-CN" b="0" i="1" smtClean="0">
+                            <a:latin typeface="Cambria Math" panose="02040503050406030204" pitchFamily="18" charset="0"/>
+                          </a:rPr>
+                        </m:ctrlPr>
+                      </m:sSubPr>
+                      <m:e>
+                        <m:r>
+                          <a:rPr lang="en-US" altLang="zh-CN" b="0" i="1" smtClean="0">
+                            <a:latin typeface="Cambria Math" panose="02040503050406030204" pitchFamily="18" charset="0"/>
+                          </a:rPr>
+                          <m:t>𝑥</m:t>
+                        </m:r>
+                      </m:e>
+                      <m:sub>
+                        <m:r>
+                          <a:rPr lang="en-US" altLang="zh-CN" b="0" i="1" smtClean="0">
+                            <a:latin typeface="Cambria Math" panose="02040503050406030204" pitchFamily="18" charset="0"/>
+                          </a:rPr>
+                          <m:t>4</m:t>
+                        </m:r>
+                      </m:sub>
+                    </m:sSub>
+                  </m:oMath>
+                </a14:m>
+                <a:r>
+                  <a:rPr lang="en-US" altLang="zh-CN" dirty="0"/>
+                  <a:t>}</a:t>
+                </a:r>
+                <a:endParaRPr lang="zh-CN" altLang="en-US" dirty="0"/>
+              </a:p>
+            </p:txBody>
+          </p:sp>
+        </mc:Choice>
+        <mc:Fallback>
+          <p:sp>
+            <p:nvSpPr>
+              <p:cNvPr id="22" name="文本框 21">
+                <a:extLst>
+                  <a:ext uri="{FF2B5EF4-FFF2-40B4-BE49-F238E27FC236}">
+                    <a16:creationId xmlns:a16="http://schemas.microsoft.com/office/drawing/2014/main" id="{C0743D8B-158E-4E5A-8D19-880D2B24FFF9}"/>
+                  </a:ext>
+                </a:extLst>
+              </p:cNvPr>
+              <p:cNvSpPr txBox="1">
+                <a:spLocks noRot="1" noChangeAspect="1" noMove="1" noResize="1" noEditPoints="1" noAdjustHandles="1" noChangeArrowheads="1" noChangeShapeType="1" noTextEdit="1"/>
+              </p:cNvSpPr>
+              <p:nvPr/>
+            </p:nvSpPr>
+            <p:spPr>
+              <a:xfrm>
+                <a:off x="2483768" y="2420888"/>
+                <a:ext cx="2448274" cy="369332"/>
+              </a:xfrm>
+              <a:prstGeom prst="rect">
+                <a:avLst/>
+              </a:prstGeom>
+              <a:blipFill>
+                <a:blip r:embed="rId2"/>
+                <a:stretch>
+                  <a:fillRect l="-1990" t="-8197" b="-24590"/>
+                </a:stretch>
+              </a:blipFill>
+            </p:spPr>
+            <p:txBody>
+              <a:bodyPr/>
+              <a:lstStyle/>
+              <a:p>
+                <a:r>
+                  <a:rPr lang="zh-CN" altLang="en-US">
+                    <a:noFill/>
+                  </a:rPr>
+                  <a:t> </a:t>
+                </a:r>
+              </a:p>
+            </p:txBody>
+          </p:sp>
+        </mc:Fallback>
+      </mc:AlternateContent>
     </p:spTree>
   </p:cSld>
   <p:clrMapOvr>
@@ -8401,6 +9139,8 @@
       </a:bgFillStyleLst>
     </a:fmtScheme>
   </a:themeElements>
+  <a:objectDefaults/>
+  <a:extraClrSchemeLst/>
   <a:extLst>
     <a:ext uri="{05A4C25C-085E-4340-85A3-A5531E510DB2}">
       <thm15:themeFamily xmlns:thm15="http://schemas.microsoft.com/office/thememl/2012/main" name="Office Theme" id="{62F939B6-93AF-4DB8-9C6B-D6C7DFDC589F}" vid="{4A3C46E8-61CC-4603-A589-7422A47A8E4A}"/>

--- a/LatexThesis4SYSU-master/新建 PPT 演示文稿.pptx
+++ b/LatexThesis4SYSU-master/新建 PPT 演示文稿.pptx
@@ -10,6 +10,8 @@
     <p:sldId id="258" r:id="rId4"/>
     <p:sldId id="259" r:id="rId5"/>
     <p:sldId id="260" r:id="rId6"/>
+    <p:sldId id="261" r:id="rId7"/>
+    <p:sldId id="262" r:id="rId8"/>
   </p:sldIdLst>
   <p:sldSz cx="9144000" cy="6858000" type="screen4x3"/>
   <p:notesSz cx="6858000" cy="9144000"/>
@@ -8687,7 +8689,7 @@
             <p:spPr>
               <a:xfrm>
                 <a:off x="2483768" y="2420888"/>
-                <a:ext cx="2448274" cy="369332"/>
+                <a:ext cx="2448274" cy="307777"/>
               </a:xfrm>
               <a:prstGeom prst="rect">
                 <a:avLst/>
@@ -8700,8 +8702,9 @@
               </a:bodyPr>
               <a:lstStyle/>
               <a:p>
+                <a:pPr algn="ctr"/>
                 <a:r>
-                  <a:rPr lang="en-US" altLang="zh-CN" dirty="0"/>
+                  <a:rPr lang="en-US" altLang="zh-CN" sz="1400" dirty="0"/>
                   <a:t>X={</a:t>
                 </a:r>
                 <a14:m>
@@ -8709,14 +8712,14 @@
                     <m:sSub>
                       <m:sSubPr>
                         <m:ctrlPr>
-                          <a:rPr lang="en-US" altLang="zh-CN" b="0" i="1" smtClean="0">
+                          <a:rPr lang="en-US" altLang="zh-CN" sz="1400" b="0" i="1" smtClean="0">
                             <a:latin typeface="Cambria Math" panose="02040503050406030204" pitchFamily="18" charset="0"/>
                           </a:rPr>
                         </m:ctrlPr>
                       </m:sSubPr>
                       <m:e>
                         <m:r>
-                          <a:rPr lang="en-US" altLang="zh-CN" b="0" i="1" smtClean="0">
+                          <a:rPr lang="en-US" altLang="zh-CN" sz="1400" b="0" i="1" smtClean="0">
                             <a:latin typeface="Cambria Math" panose="02040503050406030204" pitchFamily="18" charset="0"/>
                           </a:rPr>
                           <m:t>𝑥</m:t>
@@ -8724,7 +8727,7 @@
                       </m:e>
                       <m:sub>
                         <m:r>
-                          <a:rPr lang="en-US" altLang="zh-CN" b="0" i="1" smtClean="0">
+                          <a:rPr lang="en-US" altLang="zh-CN" sz="1400" b="0" i="1" smtClean="0">
                             <a:latin typeface="Cambria Math" panose="02040503050406030204" pitchFamily="18" charset="0"/>
                           </a:rPr>
                           <m:t>1</m:t>
@@ -8732,7 +8735,7 @@
                       </m:sub>
                     </m:sSub>
                     <m:r>
-                      <a:rPr lang="en-US" altLang="zh-CN" b="0" i="1" smtClean="0">
+                      <a:rPr lang="en-US" altLang="zh-CN" sz="1400" b="0" i="1" smtClean="0">
                         <a:latin typeface="Cambria Math" panose="02040503050406030204" pitchFamily="18" charset="0"/>
                       </a:rPr>
                       <m:t>,</m:t>
@@ -8740,14 +8743,14 @@
                     <m:sSub>
                       <m:sSubPr>
                         <m:ctrlPr>
-                          <a:rPr lang="en-US" altLang="zh-CN" b="0" i="1" smtClean="0">
+                          <a:rPr lang="en-US" altLang="zh-CN" sz="1400" b="0" i="1" smtClean="0">
                             <a:latin typeface="Cambria Math" panose="02040503050406030204" pitchFamily="18" charset="0"/>
                           </a:rPr>
                         </m:ctrlPr>
                       </m:sSubPr>
                       <m:e>
                         <m:r>
-                          <a:rPr lang="en-US" altLang="zh-CN" b="0" i="1" smtClean="0">
+                          <a:rPr lang="en-US" altLang="zh-CN" sz="1400" b="0" i="1" smtClean="0">
                             <a:latin typeface="Cambria Math" panose="02040503050406030204" pitchFamily="18" charset="0"/>
                           </a:rPr>
                           <m:t>𝑥</m:t>
@@ -8755,7 +8758,7 @@
                       </m:e>
                       <m:sub>
                         <m:r>
-                          <a:rPr lang="en-US" altLang="zh-CN" b="0" i="1" smtClean="0">
+                          <a:rPr lang="en-US" altLang="zh-CN" sz="1400" b="0" i="1" smtClean="0">
                             <a:latin typeface="Cambria Math" panose="02040503050406030204" pitchFamily="18" charset="0"/>
                           </a:rPr>
                           <m:t>2</m:t>
@@ -8763,7 +8766,7 @@
                       </m:sub>
                     </m:sSub>
                     <m:r>
-                      <a:rPr lang="en-US" altLang="zh-CN" b="0" i="1" smtClean="0">
+                      <a:rPr lang="en-US" altLang="zh-CN" sz="1400" b="0" i="1" smtClean="0">
                         <a:latin typeface="Cambria Math" panose="02040503050406030204" pitchFamily="18" charset="0"/>
                       </a:rPr>
                       <m:t>,</m:t>
@@ -8771,14 +8774,14 @@
                     <m:sSub>
                       <m:sSubPr>
                         <m:ctrlPr>
-                          <a:rPr lang="en-US" altLang="zh-CN" b="0" i="1" smtClean="0">
+                          <a:rPr lang="en-US" altLang="zh-CN" sz="1400" b="0" i="1" smtClean="0">
                             <a:latin typeface="Cambria Math" panose="02040503050406030204" pitchFamily="18" charset="0"/>
                           </a:rPr>
                         </m:ctrlPr>
                       </m:sSubPr>
                       <m:e>
                         <m:r>
-                          <a:rPr lang="en-US" altLang="zh-CN" b="0" i="1" smtClean="0">
+                          <a:rPr lang="en-US" altLang="zh-CN" sz="1400" b="0" i="1" smtClean="0">
                             <a:latin typeface="Cambria Math" panose="02040503050406030204" pitchFamily="18" charset="0"/>
                           </a:rPr>
                           <m:t>𝑥</m:t>
@@ -8786,7 +8789,7 @@
                       </m:e>
                       <m:sub>
                         <m:r>
-                          <a:rPr lang="en-US" altLang="zh-CN" b="0" i="1" smtClean="0">
+                          <a:rPr lang="en-US" altLang="zh-CN" sz="1400" b="0" i="1" smtClean="0">
                             <a:latin typeface="Cambria Math" panose="02040503050406030204" pitchFamily="18" charset="0"/>
                           </a:rPr>
                           <m:t>3</m:t>
@@ -8794,7 +8797,7 @@
                       </m:sub>
                     </m:sSub>
                     <m:r>
-                      <a:rPr lang="en-US" altLang="zh-CN" b="0" i="1" smtClean="0">
+                      <a:rPr lang="en-US" altLang="zh-CN" sz="1400" b="0" i="1" smtClean="0">
                         <a:latin typeface="Cambria Math" panose="02040503050406030204" pitchFamily="18" charset="0"/>
                       </a:rPr>
                       <m:t>…..,</m:t>
@@ -8802,14 +8805,14 @@
                     <m:sSub>
                       <m:sSubPr>
                         <m:ctrlPr>
-                          <a:rPr lang="en-US" altLang="zh-CN" b="0" i="1" smtClean="0">
+                          <a:rPr lang="en-US" altLang="zh-CN" sz="1400" b="0" i="1" smtClean="0">
                             <a:latin typeface="Cambria Math" panose="02040503050406030204" pitchFamily="18" charset="0"/>
                           </a:rPr>
                         </m:ctrlPr>
                       </m:sSubPr>
                       <m:e>
                         <m:r>
-                          <a:rPr lang="en-US" altLang="zh-CN" b="0" i="1" smtClean="0">
+                          <a:rPr lang="en-US" altLang="zh-CN" sz="1400" b="0" i="1" smtClean="0">
                             <a:latin typeface="Cambria Math" panose="02040503050406030204" pitchFamily="18" charset="0"/>
                           </a:rPr>
                           <m:t>𝑥</m:t>
@@ -8817,7 +8820,7 @@
                       </m:e>
                       <m:sub>
                         <m:r>
-                          <a:rPr lang="en-US" altLang="zh-CN" b="0" i="1" smtClean="0">
+                          <a:rPr lang="en-US" altLang="zh-CN" sz="1400" b="0" i="1" smtClean="0">
                             <a:latin typeface="Cambria Math" panose="02040503050406030204" pitchFamily="18" charset="0"/>
                           </a:rPr>
                           <m:t>4</m:t>
@@ -8827,10 +8830,10 @@
                   </m:oMath>
                 </a14:m>
                 <a:r>
-                  <a:rPr lang="en-US" altLang="zh-CN" dirty="0"/>
+                  <a:rPr lang="en-US" altLang="zh-CN" sz="1400" dirty="0"/>
                   <a:t>}</a:t>
                 </a:r>
-                <a:endParaRPr lang="zh-CN" altLang="en-US" dirty="0"/>
+                <a:endParaRPr lang="zh-CN" altLang="en-US" sz="1400" dirty="0"/>
               </a:p>
             </p:txBody>
           </p:sp>
@@ -8853,7 +8856,7 @@
             <p:spPr>
               <a:xfrm>
                 <a:off x="2483768" y="2420888"/>
-                <a:ext cx="2448274" cy="369332"/>
+                <a:ext cx="2448274" cy="307777"/>
               </a:xfrm>
               <a:prstGeom prst="rect">
                 <a:avLst/>
@@ -8861,7 +8864,7 @@
               <a:blipFill>
                 <a:blip r:embed="rId2"/>
                 <a:stretch>
-                  <a:fillRect l="-1990" t="-8197" b="-24590"/>
+                  <a:fillRect t="-3922" b="-19608"/>
                 </a:stretch>
               </a:blipFill>
             </p:spPr>
@@ -8881,6 +8884,2522 @@
         </mc:Fallback>
       </mc:AlternateContent>
     </p:spTree>
+  </p:cSld>
+  <p:clrMapOvr>
+    <a:masterClrMapping/>
+  </p:clrMapOvr>
+</p:sld>
+</file>
+
+<file path=ppt/slides/slide6.xml><?xml version="1.0" encoding="utf-8"?>
+<p:sld xmlns:a="http://schemas.openxmlformats.org/drawingml/2006/main" xmlns:r="http://schemas.openxmlformats.org/officeDocument/2006/relationships" xmlns:p="http://schemas.openxmlformats.org/presentationml/2006/main">
+  <p:cSld>
+    <p:spTree>
+      <p:nvGrpSpPr>
+        <p:cNvPr id="1" name=""/>
+        <p:cNvGrpSpPr/>
+        <p:nvPr/>
+      </p:nvGrpSpPr>
+      <p:grpSpPr>
+        <a:xfrm>
+          <a:off x="0" y="0"/>
+          <a:ext cx="0" cy="0"/>
+          <a:chOff x="0" y="0"/>
+          <a:chExt cx="0" cy="0"/>
+        </a:xfrm>
+      </p:grpSpPr>
+      <p:sp>
+        <p:nvSpPr>
+          <p:cNvPr id="5" name="矩形 4">
+            <a:extLst>
+              <a:ext uri="{FF2B5EF4-FFF2-40B4-BE49-F238E27FC236}">
+                <a16:creationId xmlns:a16="http://schemas.microsoft.com/office/drawing/2014/main" id="{2109A476-A741-42AA-96B2-12DB17A39EC4}"/>
+              </a:ext>
+            </a:extLst>
+          </p:cNvPr>
+          <p:cNvSpPr/>
+          <p:nvPr/>
+        </p:nvSpPr>
+        <p:spPr>
+          <a:xfrm>
+            <a:off x="1979712" y="2852936"/>
+            <a:ext cx="576064" cy="288032"/>
+          </a:xfrm>
+          <a:prstGeom prst="rect">
+            <a:avLst/>
+          </a:prstGeom>
+          <a:solidFill>
+            <a:schemeClr val="bg1"/>
+          </a:solidFill>
+          <a:ln>
+            <a:solidFill>
+              <a:schemeClr val="tx1"/>
+            </a:solidFill>
+          </a:ln>
+        </p:spPr>
+        <p:style>
+          <a:lnRef idx="2">
+            <a:schemeClr val="accent1">
+              <a:shade val="50000"/>
+            </a:schemeClr>
+          </a:lnRef>
+          <a:fillRef idx="1">
+            <a:schemeClr val="accent1"/>
+          </a:fillRef>
+          <a:effectRef idx="0">
+            <a:schemeClr val="accent1"/>
+          </a:effectRef>
+          <a:fontRef idx="minor">
+            <a:schemeClr val="lt1"/>
+          </a:fontRef>
+        </p:style>
+        <p:txBody>
+          <a:bodyPr rtlCol="0" anchor="ctr"/>
+          <a:lstStyle/>
+          <a:p>
+            <a:pPr algn="ctr"/>
+            <a:endParaRPr lang="zh-CN" altLang="en-US"/>
+          </a:p>
+        </p:txBody>
+      </p:sp>
+      <p:sp>
+        <p:nvSpPr>
+          <p:cNvPr id="6" name="矩形 5">
+            <a:extLst>
+              <a:ext uri="{FF2B5EF4-FFF2-40B4-BE49-F238E27FC236}">
+                <a16:creationId xmlns:a16="http://schemas.microsoft.com/office/drawing/2014/main" id="{BC9C49AD-50E6-4876-B324-A6C3AD61F2E8}"/>
+              </a:ext>
+            </a:extLst>
+          </p:cNvPr>
+          <p:cNvSpPr/>
+          <p:nvPr/>
+        </p:nvSpPr>
+        <p:spPr>
+          <a:xfrm>
+            <a:off x="3491880" y="2852936"/>
+            <a:ext cx="576064" cy="288032"/>
+          </a:xfrm>
+          <a:prstGeom prst="rect">
+            <a:avLst/>
+          </a:prstGeom>
+          <a:solidFill>
+            <a:schemeClr val="bg1"/>
+          </a:solidFill>
+          <a:ln>
+            <a:solidFill>
+              <a:schemeClr val="tx1"/>
+            </a:solidFill>
+          </a:ln>
+        </p:spPr>
+        <p:style>
+          <a:lnRef idx="2">
+            <a:schemeClr val="accent1">
+              <a:shade val="50000"/>
+            </a:schemeClr>
+          </a:lnRef>
+          <a:fillRef idx="1">
+            <a:schemeClr val="accent1"/>
+          </a:fillRef>
+          <a:effectRef idx="0">
+            <a:schemeClr val="accent1"/>
+          </a:effectRef>
+          <a:fontRef idx="minor">
+            <a:schemeClr val="lt1"/>
+          </a:fontRef>
+        </p:style>
+        <p:txBody>
+          <a:bodyPr rtlCol="0" anchor="ctr"/>
+          <a:lstStyle/>
+          <a:p>
+            <a:pPr algn="ctr"/>
+            <a:endParaRPr lang="zh-CN" altLang="en-US"/>
+          </a:p>
+        </p:txBody>
+      </p:sp>
+      <p:sp>
+        <p:nvSpPr>
+          <p:cNvPr id="7" name="矩形 6">
+            <a:extLst>
+              <a:ext uri="{FF2B5EF4-FFF2-40B4-BE49-F238E27FC236}">
+                <a16:creationId xmlns:a16="http://schemas.microsoft.com/office/drawing/2014/main" id="{C5E85CA8-56EF-4083-BFD0-ADE0E5FA183E}"/>
+              </a:ext>
+            </a:extLst>
+          </p:cNvPr>
+          <p:cNvSpPr/>
+          <p:nvPr/>
+        </p:nvSpPr>
+        <p:spPr>
+          <a:xfrm>
+            <a:off x="5004048" y="2852936"/>
+            <a:ext cx="576064" cy="288032"/>
+          </a:xfrm>
+          <a:prstGeom prst="rect">
+            <a:avLst/>
+          </a:prstGeom>
+          <a:solidFill>
+            <a:schemeClr val="bg1"/>
+          </a:solidFill>
+          <a:ln>
+            <a:solidFill>
+              <a:schemeClr val="tx1"/>
+            </a:solidFill>
+          </a:ln>
+        </p:spPr>
+        <p:style>
+          <a:lnRef idx="2">
+            <a:schemeClr val="accent1">
+              <a:shade val="50000"/>
+            </a:schemeClr>
+          </a:lnRef>
+          <a:fillRef idx="1">
+            <a:schemeClr val="accent1"/>
+          </a:fillRef>
+          <a:effectRef idx="0">
+            <a:schemeClr val="accent1"/>
+          </a:effectRef>
+          <a:fontRef idx="minor">
+            <a:schemeClr val="lt1"/>
+          </a:fontRef>
+        </p:style>
+        <p:txBody>
+          <a:bodyPr rtlCol="0" anchor="ctr"/>
+          <a:lstStyle/>
+          <a:p>
+            <a:pPr algn="ctr"/>
+            <a:endParaRPr lang="zh-CN" altLang="en-US"/>
+          </a:p>
+        </p:txBody>
+      </p:sp>
+      <p:cxnSp>
+        <p:nvCxnSpPr>
+          <p:cNvPr id="9" name="直接箭头连接符 8">
+            <a:extLst>
+              <a:ext uri="{FF2B5EF4-FFF2-40B4-BE49-F238E27FC236}">
+                <a16:creationId xmlns:a16="http://schemas.microsoft.com/office/drawing/2014/main" id="{EC29C200-5710-46D8-8C15-513C9AEE6EF7}"/>
+              </a:ext>
+            </a:extLst>
+          </p:cNvPr>
+          <p:cNvCxnSpPr>
+            <a:stCxn id="5" idx="0"/>
+          </p:cNvCxnSpPr>
+          <p:nvPr/>
+        </p:nvCxnSpPr>
+        <p:spPr>
+          <a:xfrm flipV="1">
+            <a:off x="2267744" y="2204864"/>
+            <a:ext cx="0" cy="648072"/>
+          </a:xfrm>
+          <a:prstGeom prst="straightConnector1">
+            <a:avLst/>
+          </a:prstGeom>
+          <a:ln>
+            <a:solidFill>
+              <a:schemeClr val="tx1"/>
+            </a:solidFill>
+            <a:tailEnd type="triangle"/>
+          </a:ln>
+        </p:spPr>
+        <p:style>
+          <a:lnRef idx="1">
+            <a:schemeClr val="accent1"/>
+          </a:lnRef>
+          <a:fillRef idx="0">
+            <a:schemeClr val="accent1"/>
+          </a:fillRef>
+          <a:effectRef idx="0">
+            <a:schemeClr val="accent1"/>
+          </a:effectRef>
+          <a:fontRef idx="minor">
+            <a:schemeClr val="tx1"/>
+          </a:fontRef>
+        </p:style>
+      </p:cxnSp>
+      <p:cxnSp>
+        <p:nvCxnSpPr>
+          <p:cNvPr id="11" name="直接箭头连接符 10">
+            <a:extLst>
+              <a:ext uri="{FF2B5EF4-FFF2-40B4-BE49-F238E27FC236}">
+                <a16:creationId xmlns:a16="http://schemas.microsoft.com/office/drawing/2014/main" id="{26383133-CA16-4468-9005-B959F6B4D24D}"/>
+              </a:ext>
+            </a:extLst>
+          </p:cNvPr>
+          <p:cNvCxnSpPr>
+            <a:endCxn id="5" idx="1"/>
+          </p:cNvCxnSpPr>
+          <p:nvPr/>
+        </p:nvCxnSpPr>
+        <p:spPr>
+          <a:xfrm>
+            <a:off x="1259632" y="2996952"/>
+            <a:ext cx="720080" cy="0"/>
+          </a:xfrm>
+          <a:prstGeom prst="straightConnector1">
+            <a:avLst/>
+          </a:prstGeom>
+          <a:ln>
+            <a:solidFill>
+              <a:schemeClr val="tx1"/>
+            </a:solidFill>
+            <a:tailEnd type="triangle"/>
+          </a:ln>
+        </p:spPr>
+        <p:style>
+          <a:lnRef idx="1">
+            <a:schemeClr val="accent1"/>
+          </a:lnRef>
+          <a:fillRef idx="0">
+            <a:schemeClr val="accent1"/>
+          </a:fillRef>
+          <a:effectRef idx="0">
+            <a:schemeClr val="accent1"/>
+          </a:effectRef>
+          <a:fontRef idx="minor">
+            <a:schemeClr val="tx1"/>
+          </a:fontRef>
+        </p:style>
+      </p:cxnSp>
+      <p:cxnSp>
+        <p:nvCxnSpPr>
+          <p:cNvPr id="13" name="直接箭头连接符 12">
+            <a:extLst>
+              <a:ext uri="{FF2B5EF4-FFF2-40B4-BE49-F238E27FC236}">
+                <a16:creationId xmlns:a16="http://schemas.microsoft.com/office/drawing/2014/main" id="{3BC39A41-1C6D-4F4F-A463-B98AD4A117B2}"/>
+              </a:ext>
+            </a:extLst>
+          </p:cNvPr>
+          <p:cNvCxnSpPr>
+            <a:endCxn id="5" idx="2"/>
+          </p:cNvCxnSpPr>
+          <p:nvPr/>
+        </p:nvCxnSpPr>
+        <p:spPr>
+          <a:xfrm flipV="1">
+            <a:off x="2267744" y="3140968"/>
+            <a:ext cx="0" cy="864096"/>
+          </a:xfrm>
+          <a:prstGeom prst="straightConnector1">
+            <a:avLst/>
+          </a:prstGeom>
+          <a:ln>
+            <a:solidFill>
+              <a:schemeClr val="tx1"/>
+            </a:solidFill>
+            <a:tailEnd type="triangle"/>
+          </a:ln>
+        </p:spPr>
+        <p:style>
+          <a:lnRef idx="1">
+            <a:schemeClr val="accent1"/>
+          </a:lnRef>
+          <a:fillRef idx="0">
+            <a:schemeClr val="accent1"/>
+          </a:fillRef>
+          <a:effectRef idx="0">
+            <a:schemeClr val="accent1"/>
+          </a:effectRef>
+          <a:fontRef idx="minor">
+            <a:schemeClr val="tx1"/>
+          </a:fontRef>
+        </p:style>
+      </p:cxnSp>
+      <p:cxnSp>
+        <p:nvCxnSpPr>
+          <p:cNvPr id="15" name="直接箭头连接符 14">
+            <a:extLst>
+              <a:ext uri="{FF2B5EF4-FFF2-40B4-BE49-F238E27FC236}">
+                <a16:creationId xmlns:a16="http://schemas.microsoft.com/office/drawing/2014/main" id="{A9D981F0-40C6-4197-83AE-D867BE2543C2}"/>
+              </a:ext>
+            </a:extLst>
+          </p:cNvPr>
+          <p:cNvCxnSpPr>
+            <a:stCxn id="5" idx="3"/>
+          </p:cNvCxnSpPr>
+          <p:nvPr/>
+        </p:nvCxnSpPr>
+        <p:spPr>
+          <a:xfrm>
+            <a:off x="2555776" y="2996952"/>
+            <a:ext cx="936104" cy="0"/>
+          </a:xfrm>
+          <a:prstGeom prst="straightConnector1">
+            <a:avLst/>
+          </a:prstGeom>
+          <a:ln>
+            <a:solidFill>
+              <a:schemeClr val="tx1"/>
+            </a:solidFill>
+            <a:tailEnd type="triangle"/>
+          </a:ln>
+        </p:spPr>
+        <p:style>
+          <a:lnRef idx="1">
+            <a:schemeClr val="accent1"/>
+          </a:lnRef>
+          <a:fillRef idx="0">
+            <a:schemeClr val="accent1"/>
+          </a:fillRef>
+          <a:effectRef idx="0">
+            <a:schemeClr val="accent1"/>
+          </a:effectRef>
+          <a:fontRef idx="minor">
+            <a:schemeClr val="tx1"/>
+          </a:fontRef>
+        </p:style>
+      </p:cxnSp>
+      <p:cxnSp>
+        <p:nvCxnSpPr>
+          <p:cNvPr id="16" name="直接箭头连接符 15">
+            <a:extLst>
+              <a:ext uri="{FF2B5EF4-FFF2-40B4-BE49-F238E27FC236}">
+                <a16:creationId xmlns:a16="http://schemas.microsoft.com/office/drawing/2014/main" id="{B3C64015-4FAA-4767-AC8E-A0574CE034AB}"/>
+              </a:ext>
+            </a:extLst>
+          </p:cNvPr>
+          <p:cNvCxnSpPr/>
+          <p:nvPr/>
+        </p:nvCxnSpPr>
+        <p:spPr>
+          <a:xfrm>
+            <a:off x="4067944" y="2996952"/>
+            <a:ext cx="936104" cy="0"/>
+          </a:xfrm>
+          <a:prstGeom prst="straightConnector1">
+            <a:avLst/>
+          </a:prstGeom>
+          <a:ln>
+            <a:solidFill>
+              <a:schemeClr val="tx1"/>
+            </a:solidFill>
+            <a:tailEnd type="triangle"/>
+          </a:ln>
+        </p:spPr>
+        <p:style>
+          <a:lnRef idx="1">
+            <a:schemeClr val="accent1"/>
+          </a:lnRef>
+          <a:fillRef idx="0">
+            <a:schemeClr val="accent1"/>
+          </a:fillRef>
+          <a:effectRef idx="0">
+            <a:schemeClr val="accent1"/>
+          </a:effectRef>
+          <a:fontRef idx="minor">
+            <a:schemeClr val="tx1"/>
+          </a:fontRef>
+        </p:style>
+      </p:cxnSp>
+      <p:cxnSp>
+        <p:nvCxnSpPr>
+          <p:cNvPr id="17" name="直接箭头连接符 16">
+            <a:extLst>
+              <a:ext uri="{FF2B5EF4-FFF2-40B4-BE49-F238E27FC236}">
+                <a16:creationId xmlns:a16="http://schemas.microsoft.com/office/drawing/2014/main" id="{B9A4FBCA-3AF8-4E1B-93D0-66BFAF1E253B}"/>
+              </a:ext>
+            </a:extLst>
+          </p:cNvPr>
+          <p:cNvCxnSpPr>
+            <a:cxnSpLocks/>
+          </p:cNvCxnSpPr>
+          <p:nvPr/>
+        </p:nvCxnSpPr>
+        <p:spPr>
+          <a:xfrm flipV="1">
+            <a:off x="3785330" y="3140968"/>
+            <a:ext cx="0" cy="864096"/>
+          </a:xfrm>
+          <a:prstGeom prst="straightConnector1">
+            <a:avLst/>
+          </a:prstGeom>
+          <a:ln>
+            <a:solidFill>
+              <a:schemeClr val="tx1"/>
+            </a:solidFill>
+            <a:tailEnd type="triangle"/>
+          </a:ln>
+        </p:spPr>
+        <p:style>
+          <a:lnRef idx="1">
+            <a:schemeClr val="accent1"/>
+          </a:lnRef>
+          <a:fillRef idx="0">
+            <a:schemeClr val="accent1"/>
+          </a:fillRef>
+          <a:effectRef idx="0">
+            <a:schemeClr val="accent1"/>
+          </a:effectRef>
+          <a:fontRef idx="minor">
+            <a:schemeClr val="tx1"/>
+          </a:fontRef>
+        </p:style>
+      </p:cxnSp>
+      <p:cxnSp>
+        <p:nvCxnSpPr>
+          <p:cNvPr id="20" name="直接箭头连接符 19">
+            <a:extLst>
+              <a:ext uri="{FF2B5EF4-FFF2-40B4-BE49-F238E27FC236}">
+                <a16:creationId xmlns:a16="http://schemas.microsoft.com/office/drawing/2014/main" id="{FD88765E-ADA6-4BA3-9F8A-FDF2FBDFF34B}"/>
+              </a:ext>
+            </a:extLst>
+          </p:cNvPr>
+          <p:cNvCxnSpPr>
+            <a:cxnSpLocks/>
+          </p:cNvCxnSpPr>
+          <p:nvPr/>
+        </p:nvCxnSpPr>
+        <p:spPr>
+          <a:xfrm flipV="1">
+            <a:off x="5292080" y="3140968"/>
+            <a:ext cx="0" cy="864096"/>
+          </a:xfrm>
+          <a:prstGeom prst="straightConnector1">
+            <a:avLst/>
+          </a:prstGeom>
+          <a:ln>
+            <a:solidFill>
+              <a:schemeClr val="tx1"/>
+            </a:solidFill>
+            <a:tailEnd type="triangle"/>
+          </a:ln>
+        </p:spPr>
+        <p:style>
+          <a:lnRef idx="1">
+            <a:schemeClr val="accent1"/>
+          </a:lnRef>
+          <a:fillRef idx="0">
+            <a:schemeClr val="accent1"/>
+          </a:fillRef>
+          <a:effectRef idx="0">
+            <a:schemeClr val="accent1"/>
+          </a:effectRef>
+          <a:fontRef idx="minor">
+            <a:schemeClr val="tx1"/>
+          </a:fontRef>
+        </p:style>
+      </p:cxnSp>
+      <p:cxnSp>
+        <p:nvCxnSpPr>
+          <p:cNvPr id="21" name="直接箭头连接符 20">
+            <a:extLst>
+              <a:ext uri="{FF2B5EF4-FFF2-40B4-BE49-F238E27FC236}">
+                <a16:creationId xmlns:a16="http://schemas.microsoft.com/office/drawing/2014/main" id="{1ABD111F-B527-4031-9B43-CD3B20D9D2CA}"/>
+              </a:ext>
+            </a:extLst>
+          </p:cNvPr>
+          <p:cNvCxnSpPr>
+            <a:cxnSpLocks/>
+          </p:cNvCxnSpPr>
+          <p:nvPr/>
+        </p:nvCxnSpPr>
+        <p:spPr>
+          <a:xfrm flipV="1">
+            <a:off x="3779912" y="2204864"/>
+            <a:ext cx="0" cy="648072"/>
+          </a:xfrm>
+          <a:prstGeom prst="straightConnector1">
+            <a:avLst/>
+          </a:prstGeom>
+          <a:ln>
+            <a:solidFill>
+              <a:schemeClr val="tx1"/>
+            </a:solidFill>
+            <a:tailEnd type="triangle"/>
+          </a:ln>
+        </p:spPr>
+        <p:style>
+          <a:lnRef idx="1">
+            <a:schemeClr val="accent1"/>
+          </a:lnRef>
+          <a:fillRef idx="0">
+            <a:schemeClr val="accent1"/>
+          </a:fillRef>
+          <a:effectRef idx="0">
+            <a:schemeClr val="accent1"/>
+          </a:effectRef>
+          <a:fontRef idx="minor">
+            <a:schemeClr val="tx1"/>
+          </a:fontRef>
+        </p:style>
+      </p:cxnSp>
+      <p:cxnSp>
+        <p:nvCxnSpPr>
+          <p:cNvPr id="23" name="直接箭头连接符 22">
+            <a:extLst>
+              <a:ext uri="{FF2B5EF4-FFF2-40B4-BE49-F238E27FC236}">
+                <a16:creationId xmlns:a16="http://schemas.microsoft.com/office/drawing/2014/main" id="{F8F51CC6-A166-4878-86E4-B08F5C64C17A}"/>
+              </a:ext>
+            </a:extLst>
+          </p:cNvPr>
+          <p:cNvCxnSpPr>
+            <a:cxnSpLocks/>
+          </p:cNvCxnSpPr>
+          <p:nvPr/>
+        </p:nvCxnSpPr>
+        <p:spPr>
+          <a:xfrm flipV="1">
+            <a:off x="5282707" y="2204864"/>
+            <a:ext cx="0" cy="648072"/>
+          </a:xfrm>
+          <a:prstGeom prst="straightConnector1">
+            <a:avLst/>
+          </a:prstGeom>
+          <a:ln>
+            <a:solidFill>
+              <a:schemeClr val="tx1"/>
+            </a:solidFill>
+            <a:tailEnd type="triangle"/>
+          </a:ln>
+        </p:spPr>
+        <p:style>
+          <a:lnRef idx="1">
+            <a:schemeClr val="accent1"/>
+          </a:lnRef>
+          <a:fillRef idx="0">
+            <a:schemeClr val="accent1"/>
+          </a:fillRef>
+          <a:effectRef idx="0">
+            <a:schemeClr val="accent1"/>
+          </a:effectRef>
+          <a:fontRef idx="minor">
+            <a:schemeClr val="tx1"/>
+          </a:fontRef>
+        </p:style>
+      </p:cxnSp>
+      <p:cxnSp>
+        <p:nvCxnSpPr>
+          <p:cNvPr id="24" name="直接箭头连接符 23">
+            <a:extLst>
+              <a:ext uri="{FF2B5EF4-FFF2-40B4-BE49-F238E27FC236}">
+                <a16:creationId xmlns:a16="http://schemas.microsoft.com/office/drawing/2014/main" id="{3FD4D1D2-E47E-4E0D-980E-4AC0C1224C15}"/>
+              </a:ext>
+            </a:extLst>
+          </p:cNvPr>
+          <p:cNvCxnSpPr>
+            <a:cxnSpLocks/>
+          </p:cNvCxnSpPr>
+          <p:nvPr/>
+        </p:nvCxnSpPr>
+        <p:spPr>
+          <a:xfrm>
+            <a:off x="5580112" y="2996952"/>
+            <a:ext cx="792088" cy="0"/>
+          </a:xfrm>
+          <a:prstGeom prst="straightConnector1">
+            <a:avLst/>
+          </a:prstGeom>
+          <a:ln>
+            <a:solidFill>
+              <a:schemeClr val="tx1"/>
+            </a:solidFill>
+            <a:tailEnd type="triangle"/>
+          </a:ln>
+        </p:spPr>
+        <p:style>
+          <a:lnRef idx="1">
+            <a:schemeClr val="accent1"/>
+          </a:lnRef>
+          <a:fillRef idx="0">
+            <a:schemeClr val="accent1"/>
+          </a:fillRef>
+          <a:effectRef idx="0">
+            <a:schemeClr val="accent1"/>
+          </a:effectRef>
+          <a:fontRef idx="minor">
+            <a:schemeClr val="tx1"/>
+          </a:fontRef>
+        </p:style>
+      </p:cxnSp>
+      <mc:AlternateContent xmlns:mc="http://schemas.openxmlformats.org/markup-compatibility/2006">
+        <mc:Choice xmlns:a14="http://schemas.microsoft.com/office/drawing/2010/main" Requires="a14">
+          <p:sp>
+            <p:nvSpPr>
+              <p:cNvPr id="26" name="文本框 25">
+                <a:extLst>
+                  <a:ext uri="{FF2B5EF4-FFF2-40B4-BE49-F238E27FC236}">
+                    <a16:creationId xmlns:a16="http://schemas.microsoft.com/office/drawing/2014/main" id="{60E2CAB6-789E-4EBF-AE50-5EB916637530}"/>
+                  </a:ext>
+                </a:extLst>
+              </p:cNvPr>
+              <p:cNvSpPr txBox="1"/>
+              <p:nvPr/>
+            </p:nvSpPr>
+            <p:spPr>
+              <a:xfrm>
+                <a:off x="2746637" y="2683659"/>
+                <a:ext cx="504050" cy="338554"/>
+              </a:xfrm>
+              <a:prstGeom prst="rect">
+                <a:avLst/>
+              </a:prstGeom>
+              <a:noFill/>
+            </p:spPr>
+            <p:txBody>
+              <a:bodyPr wrap="square" rtlCol="0">
+                <a:spAutoFit/>
+              </a:bodyPr>
+              <a:lstStyle/>
+              <a:p>
+                <a14:m>
+                  <m:oMathPara xmlns:m="http://schemas.openxmlformats.org/officeDocument/2006/math">
+                    <m:oMathParaPr>
+                      <m:jc m:val="centerGroup"/>
+                    </m:oMathParaPr>
+                    <m:oMath xmlns:m="http://schemas.openxmlformats.org/officeDocument/2006/math">
+                      <m:sSub>
+                        <m:sSubPr>
+                          <m:ctrlPr>
+                            <a:rPr lang="en-US" altLang="zh-CN" sz="1600" b="0" i="1" smtClean="0">
+                              <a:latin typeface="Cambria Math" panose="02040503050406030204" pitchFamily="18" charset="0"/>
+                            </a:rPr>
+                          </m:ctrlPr>
+                        </m:sSubPr>
+                        <m:e>
+                          <m:r>
+                            <a:rPr lang="en-US" altLang="zh-CN" sz="1600" b="0" i="1" smtClean="0">
+                              <a:latin typeface="Cambria Math" panose="02040503050406030204" pitchFamily="18" charset="0"/>
+                            </a:rPr>
+                            <m:t>h</m:t>
+                          </m:r>
+                        </m:e>
+                        <m:sub>
+                          <m:r>
+                            <a:rPr lang="en-US" altLang="zh-CN" sz="1600" b="0" i="1" smtClean="0">
+                              <a:latin typeface="Cambria Math" panose="02040503050406030204" pitchFamily="18" charset="0"/>
+                            </a:rPr>
+                            <m:t>𝑡</m:t>
+                          </m:r>
+                          <m:r>
+                            <a:rPr lang="en-US" altLang="zh-CN" sz="1600" b="0" i="1" smtClean="0">
+                              <a:latin typeface="Cambria Math" panose="02040503050406030204" pitchFamily="18" charset="0"/>
+                            </a:rPr>
+                            <m:t>−1</m:t>
+                          </m:r>
+                        </m:sub>
+                      </m:sSub>
+                    </m:oMath>
+                  </m:oMathPara>
+                </a14:m>
+                <a:endParaRPr lang="zh-CN" altLang="en-US" sz="1600" dirty="0"/>
+              </a:p>
+            </p:txBody>
+          </p:sp>
+        </mc:Choice>
+        <mc:Fallback>
+          <p:sp>
+            <p:nvSpPr>
+              <p:cNvPr id="26" name="文本框 25">
+                <a:extLst>
+                  <a:ext uri="{FF2B5EF4-FFF2-40B4-BE49-F238E27FC236}">
+                    <a16:creationId xmlns:a16="http://schemas.microsoft.com/office/drawing/2014/main" id="{60E2CAB6-789E-4EBF-AE50-5EB916637530}"/>
+                  </a:ext>
+                </a:extLst>
+              </p:cNvPr>
+              <p:cNvSpPr txBox="1">
+                <a:spLocks noRot="1" noChangeAspect="1" noMove="1" noResize="1" noEditPoints="1" noAdjustHandles="1" noChangeArrowheads="1" noChangeShapeType="1" noTextEdit="1"/>
+              </p:cNvSpPr>
+              <p:nvPr/>
+            </p:nvSpPr>
+            <p:spPr>
+              <a:xfrm>
+                <a:off x="2746637" y="2683659"/>
+                <a:ext cx="504050" cy="338554"/>
+              </a:xfrm>
+              <a:prstGeom prst="rect">
+                <a:avLst/>
+              </a:prstGeom>
+              <a:blipFill>
+                <a:blip r:embed="rId2"/>
+                <a:stretch>
+                  <a:fillRect r="-3659"/>
+                </a:stretch>
+              </a:blipFill>
+            </p:spPr>
+            <p:txBody>
+              <a:bodyPr/>
+              <a:lstStyle/>
+              <a:p>
+                <a:r>
+                  <a:rPr lang="zh-CN" altLang="en-US">
+                    <a:noFill/>
+                  </a:rPr>
+                  <a:t> </a:t>
+                </a:r>
+              </a:p>
+            </p:txBody>
+          </p:sp>
+        </mc:Fallback>
+      </mc:AlternateContent>
+      <mc:AlternateContent xmlns:mc="http://schemas.openxmlformats.org/markup-compatibility/2006">
+        <mc:Choice xmlns:a14="http://schemas.microsoft.com/office/drawing/2010/main" Requires="a14">
+          <p:sp>
+            <p:nvSpPr>
+              <p:cNvPr id="27" name="文本框 26">
+                <a:extLst>
+                  <a:ext uri="{FF2B5EF4-FFF2-40B4-BE49-F238E27FC236}">
+                    <a16:creationId xmlns:a16="http://schemas.microsoft.com/office/drawing/2014/main" id="{0D097094-91E9-4FFB-9F84-AE927B5BEBBA}"/>
+                  </a:ext>
+                </a:extLst>
+              </p:cNvPr>
+              <p:cNvSpPr txBox="1"/>
+              <p:nvPr/>
+            </p:nvSpPr>
+            <p:spPr>
+              <a:xfrm>
+                <a:off x="2049743" y="2789391"/>
+                <a:ext cx="478893" cy="369332"/>
+              </a:xfrm>
+              <a:prstGeom prst="rect">
+                <a:avLst/>
+              </a:prstGeom>
+              <a:noFill/>
+            </p:spPr>
+            <p:txBody>
+              <a:bodyPr wrap="square" rtlCol="0">
+                <a:spAutoFit/>
+              </a:bodyPr>
+              <a:lstStyle/>
+              <a:p>
+                <a14:m>
+                  <m:oMath xmlns:m="http://schemas.openxmlformats.org/officeDocument/2006/math">
+                    <m:sSub>
+                      <m:sSubPr>
+                        <m:ctrlPr>
+                          <a:rPr lang="en-US" altLang="zh-CN" b="0" i="1" smtClean="0">
+                            <a:latin typeface="Cambria Math" panose="02040503050406030204" pitchFamily="18" charset="0"/>
+                          </a:rPr>
+                        </m:ctrlPr>
+                      </m:sSubPr>
+                      <m:e>
+                        <m:r>
+                          <a:rPr lang="en-US" altLang="zh-CN" b="0" i="1" smtClean="0">
+                            <a:latin typeface="Cambria Math" panose="02040503050406030204" pitchFamily="18" charset="0"/>
+                          </a:rPr>
+                          <m:t>𝑠</m:t>
+                        </m:r>
+                      </m:e>
+                      <m:sub>
+                        <m:r>
+                          <a:rPr lang="en-US" altLang="zh-CN" b="0" i="1" smtClean="0">
+                            <a:latin typeface="Cambria Math" panose="02040503050406030204" pitchFamily="18" charset="0"/>
+                          </a:rPr>
+                          <m:t>𝑡</m:t>
+                        </m:r>
+                        <m:r>
+                          <a:rPr lang="en-US" altLang="zh-CN" i="1">
+                            <a:latin typeface="Cambria Math" panose="02040503050406030204" pitchFamily="18" charset="0"/>
+                          </a:rPr>
+                          <m:t>-1</m:t>
+                        </m:r>
+                        <m:r>
+                          <a:rPr lang="en-US" altLang="zh-CN" b="0" i="1" smtClean="0">
+                            <a:latin typeface="Cambria Math" panose="02040503050406030204" pitchFamily="18" charset="0"/>
+                          </a:rPr>
+                          <m:t> </m:t>
+                        </m:r>
+                      </m:sub>
+                    </m:sSub>
+                  </m:oMath>
+                </a14:m>
+                <a:r>
+                  <a:rPr lang="en-US" altLang="zh-CN" dirty="0"/>
+                  <a:t> </a:t>
+                </a:r>
+                <a:endParaRPr lang="zh-CN" altLang="en-US" dirty="0"/>
+              </a:p>
+            </p:txBody>
+          </p:sp>
+        </mc:Choice>
+        <mc:Fallback>
+          <p:sp>
+            <p:nvSpPr>
+              <p:cNvPr id="27" name="文本框 26">
+                <a:extLst>
+                  <a:ext uri="{FF2B5EF4-FFF2-40B4-BE49-F238E27FC236}">
+                    <a16:creationId xmlns:a16="http://schemas.microsoft.com/office/drawing/2014/main" id="{0D097094-91E9-4FFB-9F84-AE927B5BEBBA}"/>
+                  </a:ext>
+                </a:extLst>
+              </p:cNvPr>
+              <p:cNvSpPr txBox="1">
+                <a:spLocks noRot="1" noChangeAspect="1" noMove="1" noResize="1" noEditPoints="1" noAdjustHandles="1" noChangeArrowheads="1" noChangeShapeType="1" noTextEdit="1"/>
+              </p:cNvSpPr>
+              <p:nvPr/>
+            </p:nvSpPr>
+            <p:spPr>
+              <a:xfrm>
+                <a:off x="2049743" y="2789391"/>
+                <a:ext cx="478893" cy="369332"/>
+              </a:xfrm>
+              <a:prstGeom prst="rect">
+                <a:avLst/>
+              </a:prstGeom>
+              <a:blipFill>
+                <a:blip r:embed="rId3"/>
+                <a:stretch>
+                  <a:fillRect/>
+                </a:stretch>
+              </a:blipFill>
+            </p:spPr>
+            <p:txBody>
+              <a:bodyPr/>
+              <a:lstStyle/>
+              <a:p>
+                <a:r>
+                  <a:rPr lang="zh-CN" altLang="en-US">
+                    <a:noFill/>
+                  </a:rPr>
+                  <a:t> </a:t>
+                </a:r>
+              </a:p>
+            </p:txBody>
+          </p:sp>
+        </mc:Fallback>
+      </mc:AlternateContent>
+      <p:sp>
+        <p:nvSpPr>
+          <p:cNvPr id="28" name="文本框 27">
+            <a:extLst>
+              <a:ext uri="{FF2B5EF4-FFF2-40B4-BE49-F238E27FC236}">
+                <a16:creationId xmlns:a16="http://schemas.microsoft.com/office/drawing/2014/main" id="{35019078-CED5-4E97-80ED-2B3152C81C2C}"/>
+              </a:ext>
+            </a:extLst>
+          </p:cNvPr>
+          <p:cNvSpPr txBox="1"/>
+          <p:nvPr/>
+        </p:nvSpPr>
+        <p:spPr>
+          <a:xfrm>
+            <a:off x="4114800" y="2974019"/>
+            <a:ext cx="65" cy="276999"/>
+          </a:xfrm>
+          <a:prstGeom prst="rect">
+            <a:avLst/>
+          </a:prstGeom>
+          <a:noFill/>
+        </p:spPr>
+        <p:txBody>
+          <a:bodyPr wrap="none" lIns="0" tIns="0" rIns="0" bIns="0" rtlCol="0">
+            <a:spAutoFit/>
+          </a:bodyPr>
+          <a:lstStyle/>
+          <a:p>
+            <a:endParaRPr lang="zh-CN" altLang="en-US" dirty="0"/>
+          </a:p>
+        </p:txBody>
+      </p:sp>
+      <mc:AlternateContent xmlns:mc="http://schemas.openxmlformats.org/markup-compatibility/2006">
+        <mc:Choice xmlns:a14="http://schemas.microsoft.com/office/drawing/2010/main" Requires="a14">
+          <p:sp>
+            <p:nvSpPr>
+              <p:cNvPr id="29" name="文本框 28">
+                <a:extLst>
+                  <a:ext uri="{FF2B5EF4-FFF2-40B4-BE49-F238E27FC236}">
+                    <a16:creationId xmlns:a16="http://schemas.microsoft.com/office/drawing/2014/main" id="{489C0EB2-2A45-4E0D-98A5-D238D9AFD655}"/>
+                  </a:ext>
+                </a:extLst>
+              </p:cNvPr>
+              <p:cNvSpPr txBox="1"/>
+              <p:nvPr/>
+            </p:nvSpPr>
+            <p:spPr>
+              <a:xfrm>
+                <a:off x="2013940" y="4003129"/>
+                <a:ext cx="576059" cy="369332"/>
+              </a:xfrm>
+              <a:prstGeom prst="rect">
+                <a:avLst/>
+              </a:prstGeom>
+              <a:noFill/>
+            </p:spPr>
+            <p:txBody>
+              <a:bodyPr wrap="square" rtlCol="0">
+                <a:spAutoFit/>
+              </a:bodyPr>
+              <a:lstStyle/>
+              <a:p>
+                <a14:m>
+                  <m:oMathPara xmlns:m="http://schemas.openxmlformats.org/officeDocument/2006/math">
+                    <m:oMathParaPr>
+                      <m:jc m:val="centerGroup"/>
+                    </m:oMathParaPr>
+                    <m:oMath xmlns:m="http://schemas.openxmlformats.org/officeDocument/2006/math">
+                      <m:sSub>
+                        <m:sSubPr>
+                          <m:ctrlPr>
+                            <a:rPr lang="en-US" altLang="zh-CN" b="0" i="1" smtClean="0">
+                              <a:latin typeface="Cambria Math" panose="02040503050406030204" pitchFamily="18" charset="0"/>
+                            </a:rPr>
+                          </m:ctrlPr>
+                        </m:sSubPr>
+                        <m:e>
+                          <m:r>
+                            <a:rPr lang="en-US" altLang="zh-CN" b="0" i="1" smtClean="0">
+                              <a:latin typeface="Cambria Math" panose="02040503050406030204" pitchFamily="18" charset="0"/>
+                            </a:rPr>
+                            <m:t>𝑥</m:t>
+                          </m:r>
+                        </m:e>
+                        <m:sub>
+                          <m:r>
+                            <a:rPr lang="en-US" altLang="zh-CN" b="0" i="1" smtClean="0">
+                              <a:latin typeface="Cambria Math" panose="02040503050406030204" pitchFamily="18" charset="0"/>
+                            </a:rPr>
+                            <m:t>𝑡</m:t>
+                          </m:r>
+                          <m:r>
+                            <a:rPr lang="en-US" altLang="zh-CN" b="0" i="1" smtClean="0">
+                              <a:latin typeface="Cambria Math" panose="02040503050406030204" pitchFamily="18" charset="0"/>
+                            </a:rPr>
+                            <m:t>−1</m:t>
+                          </m:r>
+                        </m:sub>
+                      </m:sSub>
+                    </m:oMath>
+                  </m:oMathPara>
+                </a14:m>
+                <a:endParaRPr lang="zh-CN" altLang="en-US" dirty="0"/>
+              </a:p>
+            </p:txBody>
+          </p:sp>
+        </mc:Choice>
+        <mc:Fallback>
+          <p:sp>
+            <p:nvSpPr>
+              <p:cNvPr id="29" name="文本框 28">
+                <a:extLst>
+                  <a:ext uri="{FF2B5EF4-FFF2-40B4-BE49-F238E27FC236}">
+                    <a16:creationId xmlns:a16="http://schemas.microsoft.com/office/drawing/2014/main" id="{489C0EB2-2A45-4E0D-98A5-D238D9AFD655}"/>
+                  </a:ext>
+                </a:extLst>
+              </p:cNvPr>
+              <p:cNvSpPr txBox="1">
+                <a:spLocks noRot="1" noChangeAspect="1" noMove="1" noResize="1" noEditPoints="1" noAdjustHandles="1" noChangeArrowheads="1" noChangeShapeType="1" noTextEdit="1"/>
+              </p:cNvSpPr>
+              <p:nvPr/>
+            </p:nvSpPr>
+            <p:spPr>
+              <a:xfrm>
+                <a:off x="2013940" y="4003129"/>
+                <a:ext cx="576059" cy="369332"/>
+              </a:xfrm>
+              <a:prstGeom prst="rect">
+                <a:avLst/>
+              </a:prstGeom>
+              <a:blipFill>
+                <a:blip r:embed="rId4"/>
+                <a:stretch>
+                  <a:fillRect/>
+                </a:stretch>
+              </a:blipFill>
+            </p:spPr>
+            <p:txBody>
+              <a:bodyPr/>
+              <a:lstStyle/>
+              <a:p>
+                <a:r>
+                  <a:rPr lang="zh-CN" altLang="en-US">
+                    <a:noFill/>
+                  </a:rPr>
+                  <a:t> </a:t>
+                </a:r>
+              </a:p>
+            </p:txBody>
+          </p:sp>
+        </mc:Fallback>
+      </mc:AlternateContent>
+      <mc:AlternateContent xmlns:mc="http://schemas.openxmlformats.org/markup-compatibility/2006">
+        <mc:Choice xmlns:a14="http://schemas.microsoft.com/office/drawing/2010/main" Requires="a14">
+          <p:sp>
+            <p:nvSpPr>
+              <p:cNvPr id="30" name="文本框 29">
+                <a:extLst>
+                  <a:ext uri="{FF2B5EF4-FFF2-40B4-BE49-F238E27FC236}">
+                    <a16:creationId xmlns:a16="http://schemas.microsoft.com/office/drawing/2014/main" id="{59D3C452-B7EE-4E00-971B-6A8FDB1E5A38}"/>
+                  </a:ext>
+                </a:extLst>
+              </p:cNvPr>
+              <p:cNvSpPr txBox="1"/>
+              <p:nvPr/>
+            </p:nvSpPr>
+            <p:spPr>
+              <a:xfrm>
+                <a:off x="4238600" y="2677462"/>
+                <a:ext cx="504050" cy="338554"/>
+              </a:xfrm>
+              <a:prstGeom prst="rect">
+                <a:avLst/>
+              </a:prstGeom>
+              <a:noFill/>
+            </p:spPr>
+            <p:txBody>
+              <a:bodyPr wrap="square" rtlCol="0">
+                <a:spAutoFit/>
+              </a:bodyPr>
+              <a:lstStyle/>
+              <a:p>
+                <a14:m>
+                  <m:oMathPara xmlns:m="http://schemas.openxmlformats.org/officeDocument/2006/math">
+                    <m:oMathParaPr>
+                      <m:jc m:val="centerGroup"/>
+                    </m:oMathParaPr>
+                    <m:oMath xmlns:m="http://schemas.openxmlformats.org/officeDocument/2006/math">
+                      <m:sSub>
+                        <m:sSubPr>
+                          <m:ctrlPr>
+                            <a:rPr lang="en-US" altLang="zh-CN" sz="1600" b="0" i="1" smtClean="0">
+                              <a:latin typeface="Cambria Math" panose="02040503050406030204" pitchFamily="18" charset="0"/>
+                            </a:rPr>
+                          </m:ctrlPr>
+                        </m:sSubPr>
+                        <m:e>
+                          <m:r>
+                            <a:rPr lang="en-US" altLang="zh-CN" sz="1600" b="0" i="1" smtClean="0">
+                              <a:latin typeface="Cambria Math" panose="02040503050406030204" pitchFamily="18" charset="0"/>
+                            </a:rPr>
+                            <m:t>h</m:t>
+                          </m:r>
+                        </m:e>
+                        <m:sub>
+                          <m:r>
+                            <a:rPr lang="en-US" altLang="zh-CN" sz="1600" b="0" i="1" smtClean="0">
+                              <a:latin typeface="Cambria Math" panose="02040503050406030204" pitchFamily="18" charset="0"/>
+                            </a:rPr>
+                            <m:t>𝑡</m:t>
+                          </m:r>
+                        </m:sub>
+                      </m:sSub>
+                    </m:oMath>
+                  </m:oMathPara>
+                </a14:m>
+                <a:endParaRPr lang="zh-CN" altLang="en-US" sz="1600" dirty="0"/>
+              </a:p>
+            </p:txBody>
+          </p:sp>
+        </mc:Choice>
+        <mc:Fallback>
+          <p:sp>
+            <p:nvSpPr>
+              <p:cNvPr id="30" name="文本框 29">
+                <a:extLst>
+                  <a:ext uri="{FF2B5EF4-FFF2-40B4-BE49-F238E27FC236}">
+                    <a16:creationId xmlns:a16="http://schemas.microsoft.com/office/drawing/2014/main" id="{59D3C452-B7EE-4E00-971B-6A8FDB1E5A38}"/>
+                  </a:ext>
+                </a:extLst>
+              </p:cNvPr>
+              <p:cNvSpPr txBox="1">
+                <a:spLocks noRot="1" noChangeAspect="1" noMove="1" noResize="1" noEditPoints="1" noAdjustHandles="1" noChangeArrowheads="1" noChangeShapeType="1" noTextEdit="1"/>
+              </p:cNvSpPr>
+              <p:nvPr/>
+            </p:nvSpPr>
+            <p:spPr>
+              <a:xfrm>
+                <a:off x="4238600" y="2677462"/>
+                <a:ext cx="504050" cy="338554"/>
+              </a:xfrm>
+              <a:prstGeom prst="rect">
+                <a:avLst/>
+              </a:prstGeom>
+              <a:blipFill>
+                <a:blip r:embed="rId5"/>
+                <a:stretch>
+                  <a:fillRect/>
+                </a:stretch>
+              </a:blipFill>
+            </p:spPr>
+            <p:txBody>
+              <a:bodyPr/>
+              <a:lstStyle/>
+              <a:p>
+                <a:r>
+                  <a:rPr lang="zh-CN" altLang="en-US">
+                    <a:noFill/>
+                  </a:rPr>
+                  <a:t> </a:t>
+                </a:r>
+              </a:p>
+            </p:txBody>
+          </p:sp>
+        </mc:Fallback>
+      </mc:AlternateContent>
+      <mc:AlternateContent xmlns:mc="http://schemas.openxmlformats.org/markup-compatibility/2006">
+        <mc:Choice xmlns:a14="http://schemas.microsoft.com/office/drawing/2010/main" Requires="a14">
+          <p:sp>
+            <p:nvSpPr>
+              <p:cNvPr id="31" name="文本框 30">
+                <a:extLst>
+                  <a:ext uri="{FF2B5EF4-FFF2-40B4-BE49-F238E27FC236}">
+                    <a16:creationId xmlns:a16="http://schemas.microsoft.com/office/drawing/2014/main" id="{C118A2FF-A3F2-4C9F-8F6C-2894AECB96E7}"/>
+                  </a:ext>
+                </a:extLst>
+              </p:cNvPr>
+              <p:cNvSpPr txBox="1"/>
+              <p:nvPr/>
+            </p:nvSpPr>
+            <p:spPr>
+              <a:xfrm>
+                <a:off x="3492072" y="4013279"/>
+                <a:ext cx="576059" cy="369332"/>
+              </a:xfrm>
+              <a:prstGeom prst="rect">
+                <a:avLst/>
+              </a:prstGeom>
+              <a:noFill/>
+            </p:spPr>
+            <p:txBody>
+              <a:bodyPr wrap="square" rtlCol="0">
+                <a:spAutoFit/>
+              </a:bodyPr>
+              <a:lstStyle/>
+              <a:p>
+                <a14:m>
+                  <m:oMathPara xmlns:m="http://schemas.openxmlformats.org/officeDocument/2006/math">
+                    <m:oMathParaPr>
+                      <m:jc m:val="centerGroup"/>
+                    </m:oMathParaPr>
+                    <m:oMath xmlns:m="http://schemas.openxmlformats.org/officeDocument/2006/math">
+                      <m:sSub>
+                        <m:sSubPr>
+                          <m:ctrlPr>
+                            <a:rPr lang="en-US" altLang="zh-CN" b="0" i="1" smtClean="0">
+                              <a:latin typeface="Cambria Math" panose="02040503050406030204" pitchFamily="18" charset="0"/>
+                            </a:rPr>
+                          </m:ctrlPr>
+                        </m:sSubPr>
+                        <m:e>
+                          <m:r>
+                            <a:rPr lang="en-US" altLang="zh-CN" b="0" i="1" smtClean="0">
+                              <a:latin typeface="Cambria Math" panose="02040503050406030204" pitchFamily="18" charset="0"/>
+                            </a:rPr>
+                            <m:t>𝑥</m:t>
+                          </m:r>
+                        </m:e>
+                        <m:sub>
+                          <m:r>
+                            <a:rPr lang="en-US" altLang="zh-CN" b="0" i="1" smtClean="0">
+                              <a:latin typeface="Cambria Math" panose="02040503050406030204" pitchFamily="18" charset="0"/>
+                            </a:rPr>
+                            <m:t>𝑡</m:t>
+                          </m:r>
+                        </m:sub>
+                      </m:sSub>
+                    </m:oMath>
+                  </m:oMathPara>
+                </a14:m>
+                <a:endParaRPr lang="zh-CN" altLang="en-US" dirty="0"/>
+              </a:p>
+            </p:txBody>
+          </p:sp>
+        </mc:Choice>
+        <mc:Fallback>
+          <p:sp>
+            <p:nvSpPr>
+              <p:cNvPr id="31" name="文本框 30">
+                <a:extLst>
+                  <a:ext uri="{FF2B5EF4-FFF2-40B4-BE49-F238E27FC236}">
+                    <a16:creationId xmlns:a16="http://schemas.microsoft.com/office/drawing/2014/main" id="{C118A2FF-A3F2-4C9F-8F6C-2894AECB96E7}"/>
+                  </a:ext>
+                </a:extLst>
+              </p:cNvPr>
+              <p:cNvSpPr txBox="1">
+                <a:spLocks noRot="1" noChangeAspect="1" noMove="1" noResize="1" noEditPoints="1" noAdjustHandles="1" noChangeArrowheads="1" noChangeShapeType="1" noTextEdit="1"/>
+              </p:cNvSpPr>
+              <p:nvPr/>
+            </p:nvSpPr>
+            <p:spPr>
+              <a:xfrm>
+                <a:off x="3492072" y="4013279"/>
+                <a:ext cx="576059" cy="369332"/>
+              </a:xfrm>
+              <a:prstGeom prst="rect">
+                <a:avLst/>
+              </a:prstGeom>
+              <a:blipFill>
+                <a:blip r:embed="rId6"/>
+                <a:stretch>
+                  <a:fillRect/>
+                </a:stretch>
+              </a:blipFill>
+            </p:spPr>
+            <p:txBody>
+              <a:bodyPr/>
+              <a:lstStyle/>
+              <a:p>
+                <a:r>
+                  <a:rPr lang="zh-CN" altLang="en-US">
+                    <a:noFill/>
+                  </a:rPr>
+                  <a:t> </a:t>
+                </a:r>
+              </a:p>
+            </p:txBody>
+          </p:sp>
+        </mc:Fallback>
+      </mc:AlternateContent>
+      <mc:AlternateContent xmlns:mc="http://schemas.openxmlformats.org/markup-compatibility/2006">
+        <mc:Choice xmlns:a14="http://schemas.microsoft.com/office/drawing/2010/main" Requires="a14">
+          <p:sp>
+            <p:nvSpPr>
+              <p:cNvPr id="32" name="文本框 31">
+                <a:extLst>
+                  <a:ext uri="{FF2B5EF4-FFF2-40B4-BE49-F238E27FC236}">
+                    <a16:creationId xmlns:a16="http://schemas.microsoft.com/office/drawing/2014/main" id="{70EAB27A-35B4-4B8E-A1DE-08E347F4243A}"/>
+                  </a:ext>
+                </a:extLst>
+              </p:cNvPr>
+              <p:cNvSpPr txBox="1"/>
+              <p:nvPr/>
+            </p:nvSpPr>
+            <p:spPr>
+              <a:xfrm>
+                <a:off x="3601594" y="2793996"/>
+                <a:ext cx="478893" cy="369332"/>
+              </a:xfrm>
+              <a:prstGeom prst="rect">
+                <a:avLst/>
+              </a:prstGeom>
+              <a:noFill/>
+            </p:spPr>
+            <p:txBody>
+              <a:bodyPr wrap="square" rtlCol="0">
+                <a:spAutoFit/>
+              </a:bodyPr>
+              <a:lstStyle/>
+              <a:p>
+                <a14:m>
+                  <m:oMath xmlns:m="http://schemas.openxmlformats.org/officeDocument/2006/math">
+                    <m:sSub>
+                      <m:sSubPr>
+                        <m:ctrlPr>
+                          <a:rPr lang="en-US" altLang="zh-CN" b="0" i="1" smtClean="0">
+                            <a:latin typeface="Cambria Math" panose="02040503050406030204" pitchFamily="18" charset="0"/>
+                          </a:rPr>
+                        </m:ctrlPr>
+                      </m:sSubPr>
+                      <m:e>
+                        <m:r>
+                          <a:rPr lang="en-US" altLang="zh-CN" b="0" i="1" smtClean="0">
+                            <a:latin typeface="Cambria Math" panose="02040503050406030204" pitchFamily="18" charset="0"/>
+                          </a:rPr>
+                          <m:t>𝑠</m:t>
+                        </m:r>
+                      </m:e>
+                      <m:sub>
+                        <m:r>
+                          <a:rPr lang="en-US" altLang="zh-CN" b="0" i="1" smtClean="0">
+                            <a:latin typeface="Cambria Math" panose="02040503050406030204" pitchFamily="18" charset="0"/>
+                          </a:rPr>
+                          <m:t>𝑡</m:t>
+                        </m:r>
+                      </m:sub>
+                    </m:sSub>
+                  </m:oMath>
+                </a14:m>
+                <a:r>
+                  <a:rPr lang="en-US" altLang="zh-CN" dirty="0"/>
+                  <a:t> </a:t>
+                </a:r>
+                <a:endParaRPr lang="zh-CN" altLang="en-US" dirty="0"/>
+              </a:p>
+            </p:txBody>
+          </p:sp>
+        </mc:Choice>
+        <mc:Fallback>
+          <p:sp>
+            <p:nvSpPr>
+              <p:cNvPr id="32" name="文本框 31">
+                <a:extLst>
+                  <a:ext uri="{FF2B5EF4-FFF2-40B4-BE49-F238E27FC236}">
+                    <a16:creationId xmlns:a16="http://schemas.microsoft.com/office/drawing/2014/main" id="{70EAB27A-35B4-4B8E-A1DE-08E347F4243A}"/>
+                  </a:ext>
+                </a:extLst>
+              </p:cNvPr>
+              <p:cNvSpPr txBox="1">
+                <a:spLocks noRot="1" noChangeAspect="1" noMove="1" noResize="1" noEditPoints="1" noAdjustHandles="1" noChangeArrowheads="1" noChangeShapeType="1" noTextEdit="1"/>
+              </p:cNvSpPr>
+              <p:nvPr/>
+            </p:nvSpPr>
+            <p:spPr>
+              <a:xfrm>
+                <a:off x="3601594" y="2793996"/>
+                <a:ext cx="478893" cy="369332"/>
+              </a:xfrm>
+              <a:prstGeom prst="rect">
+                <a:avLst/>
+              </a:prstGeom>
+              <a:blipFill>
+                <a:blip r:embed="rId7"/>
+                <a:stretch>
+                  <a:fillRect/>
+                </a:stretch>
+              </a:blipFill>
+            </p:spPr>
+            <p:txBody>
+              <a:bodyPr/>
+              <a:lstStyle/>
+              <a:p>
+                <a:r>
+                  <a:rPr lang="zh-CN" altLang="en-US">
+                    <a:noFill/>
+                  </a:rPr>
+                  <a:t> </a:t>
+                </a:r>
+              </a:p>
+            </p:txBody>
+          </p:sp>
+        </mc:Fallback>
+      </mc:AlternateContent>
+      <mc:AlternateContent xmlns:mc="http://schemas.openxmlformats.org/markup-compatibility/2006">
+        <mc:Choice xmlns:a14="http://schemas.microsoft.com/office/drawing/2010/main" Requires="a14">
+          <p:sp>
+            <p:nvSpPr>
+              <p:cNvPr id="33" name="文本框 32">
+                <a:extLst>
+                  <a:ext uri="{FF2B5EF4-FFF2-40B4-BE49-F238E27FC236}">
+                    <a16:creationId xmlns:a16="http://schemas.microsoft.com/office/drawing/2014/main" id="{AFC8CE22-BF6F-4F1D-9817-5873A88845E4}"/>
+                  </a:ext>
+                </a:extLst>
+              </p:cNvPr>
+              <p:cNvSpPr txBox="1"/>
+              <p:nvPr/>
+            </p:nvSpPr>
+            <p:spPr>
+              <a:xfrm>
+                <a:off x="5052633" y="2771636"/>
+                <a:ext cx="478893" cy="369332"/>
+              </a:xfrm>
+              <a:prstGeom prst="rect">
+                <a:avLst/>
+              </a:prstGeom>
+              <a:noFill/>
+            </p:spPr>
+            <p:txBody>
+              <a:bodyPr wrap="square" rtlCol="0">
+                <a:spAutoFit/>
+              </a:bodyPr>
+              <a:lstStyle/>
+              <a:p>
+                <a14:m>
+                  <m:oMath xmlns:m="http://schemas.openxmlformats.org/officeDocument/2006/math">
+                    <m:sSub>
+                      <m:sSubPr>
+                        <m:ctrlPr>
+                          <a:rPr lang="en-US" altLang="zh-CN" b="0" i="1" smtClean="0">
+                            <a:latin typeface="Cambria Math" panose="02040503050406030204" pitchFamily="18" charset="0"/>
+                          </a:rPr>
+                        </m:ctrlPr>
+                      </m:sSubPr>
+                      <m:e>
+                        <m:r>
+                          <a:rPr lang="en-US" altLang="zh-CN" b="0" i="1" smtClean="0">
+                            <a:latin typeface="Cambria Math" panose="02040503050406030204" pitchFamily="18" charset="0"/>
+                          </a:rPr>
+                          <m:t>𝑠</m:t>
+                        </m:r>
+                      </m:e>
+                      <m:sub>
+                        <m:r>
+                          <a:rPr lang="en-US" altLang="zh-CN" b="0" i="1" smtClean="0">
+                            <a:latin typeface="Cambria Math" panose="02040503050406030204" pitchFamily="18" charset="0"/>
+                          </a:rPr>
+                          <m:t>𝑡</m:t>
+                        </m:r>
+                        <m:r>
+                          <a:rPr lang="en-US" altLang="zh-CN" b="0" i="1" smtClean="0">
+                            <a:latin typeface="Cambria Math" panose="02040503050406030204" pitchFamily="18" charset="0"/>
+                          </a:rPr>
+                          <m:t>+1</m:t>
+                        </m:r>
+                      </m:sub>
+                    </m:sSub>
+                  </m:oMath>
+                </a14:m>
+                <a:r>
+                  <a:rPr lang="en-US" altLang="zh-CN" dirty="0"/>
+                  <a:t> </a:t>
+                </a:r>
+                <a:endParaRPr lang="zh-CN" altLang="en-US" dirty="0"/>
+              </a:p>
+            </p:txBody>
+          </p:sp>
+        </mc:Choice>
+        <mc:Fallback>
+          <p:sp>
+            <p:nvSpPr>
+              <p:cNvPr id="33" name="文本框 32">
+                <a:extLst>
+                  <a:ext uri="{FF2B5EF4-FFF2-40B4-BE49-F238E27FC236}">
+                    <a16:creationId xmlns:a16="http://schemas.microsoft.com/office/drawing/2014/main" id="{AFC8CE22-BF6F-4F1D-9817-5873A88845E4}"/>
+                  </a:ext>
+                </a:extLst>
+              </p:cNvPr>
+              <p:cNvSpPr txBox="1">
+                <a:spLocks noRot="1" noChangeAspect="1" noMove="1" noResize="1" noEditPoints="1" noAdjustHandles="1" noChangeArrowheads="1" noChangeShapeType="1" noTextEdit="1"/>
+              </p:cNvSpPr>
+              <p:nvPr/>
+            </p:nvSpPr>
+            <p:spPr>
+              <a:xfrm>
+                <a:off x="5052633" y="2771636"/>
+                <a:ext cx="478893" cy="369332"/>
+              </a:xfrm>
+              <a:prstGeom prst="rect">
+                <a:avLst/>
+              </a:prstGeom>
+              <a:blipFill>
+                <a:blip r:embed="rId8"/>
+                <a:stretch>
+                  <a:fillRect r="-14103"/>
+                </a:stretch>
+              </a:blipFill>
+            </p:spPr>
+            <p:txBody>
+              <a:bodyPr/>
+              <a:lstStyle/>
+              <a:p>
+                <a:r>
+                  <a:rPr lang="zh-CN" altLang="en-US">
+                    <a:noFill/>
+                  </a:rPr>
+                  <a:t> </a:t>
+                </a:r>
+              </a:p>
+            </p:txBody>
+          </p:sp>
+        </mc:Fallback>
+      </mc:AlternateContent>
+      <mc:AlternateContent xmlns:mc="http://schemas.openxmlformats.org/markup-compatibility/2006">
+        <mc:Choice xmlns:a14="http://schemas.microsoft.com/office/drawing/2010/main" Requires="a14">
+          <p:sp>
+            <p:nvSpPr>
+              <p:cNvPr id="34" name="文本框 33">
+                <a:extLst>
+                  <a:ext uri="{FF2B5EF4-FFF2-40B4-BE49-F238E27FC236}">
+                    <a16:creationId xmlns:a16="http://schemas.microsoft.com/office/drawing/2014/main" id="{38EC1E30-9E97-4595-B78B-22D954F6CAC7}"/>
+                  </a:ext>
+                </a:extLst>
+              </p:cNvPr>
+              <p:cNvSpPr txBox="1"/>
+              <p:nvPr/>
+            </p:nvSpPr>
+            <p:spPr>
+              <a:xfrm>
+                <a:off x="5026597" y="4013279"/>
+                <a:ext cx="576059" cy="369332"/>
+              </a:xfrm>
+              <a:prstGeom prst="rect">
+                <a:avLst/>
+              </a:prstGeom>
+              <a:noFill/>
+            </p:spPr>
+            <p:txBody>
+              <a:bodyPr wrap="square" rtlCol="0">
+                <a:spAutoFit/>
+              </a:bodyPr>
+              <a:lstStyle/>
+              <a:p>
+                <a14:m>
+                  <m:oMathPara xmlns:m="http://schemas.openxmlformats.org/officeDocument/2006/math">
+                    <m:oMathParaPr>
+                      <m:jc m:val="centerGroup"/>
+                    </m:oMathParaPr>
+                    <m:oMath xmlns:m="http://schemas.openxmlformats.org/officeDocument/2006/math">
+                      <m:sSub>
+                        <m:sSubPr>
+                          <m:ctrlPr>
+                            <a:rPr lang="en-US" altLang="zh-CN" b="0" i="1" smtClean="0">
+                              <a:latin typeface="Cambria Math" panose="02040503050406030204" pitchFamily="18" charset="0"/>
+                            </a:rPr>
+                          </m:ctrlPr>
+                        </m:sSubPr>
+                        <m:e>
+                          <m:r>
+                            <a:rPr lang="en-US" altLang="zh-CN" b="0" i="1" smtClean="0">
+                              <a:latin typeface="Cambria Math" panose="02040503050406030204" pitchFamily="18" charset="0"/>
+                            </a:rPr>
+                            <m:t>𝑥</m:t>
+                          </m:r>
+                        </m:e>
+                        <m:sub>
+                          <m:r>
+                            <a:rPr lang="en-US" altLang="zh-CN" b="0" i="1" smtClean="0">
+                              <a:latin typeface="Cambria Math" panose="02040503050406030204" pitchFamily="18" charset="0"/>
+                            </a:rPr>
+                            <m:t>𝑡</m:t>
+                          </m:r>
+                          <m:r>
+                            <a:rPr lang="en-US" altLang="zh-CN" b="0" i="1" smtClean="0">
+                              <a:latin typeface="Cambria Math" panose="02040503050406030204" pitchFamily="18" charset="0"/>
+                            </a:rPr>
+                            <m:t>+1</m:t>
+                          </m:r>
+                        </m:sub>
+                      </m:sSub>
+                    </m:oMath>
+                  </m:oMathPara>
+                </a14:m>
+                <a:endParaRPr lang="zh-CN" altLang="en-US" dirty="0"/>
+              </a:p>
+            </p:txBody>
+          </p:sp>
+        </mc:Choice>
+        <mc:Fallback>
+          <p:sp>
+            <p:nvSpPr>
+              <p:cNvPr id="34" name="文本框 33">
+                <a:extLst>
+                  <a:ext uri="{FF2B5EF4-FFF2-40B4-BE49-F238E27FC236}">
+                    <a16:creationId xmlns:a16="http://schemas.microsoft.com/office/drawing/2014/main" id="{38EC1E30-9E97-4595-B78B-22D954F6CAC7}"/>
+                  </a:ext>
+                </a:extLst>
+              </p:cNvPr>
+              <p:cNvSpPr txBox="1">
+                <a:spLocks noRot="1" noChangeAspect="1" noMove="1" noResize="1" noEditPoints="1" noAdjustHandles="1" noChangeArrowheads="1" noChangeShapeType="1" noTextEdit="1"/>
+              </p:cNvSpPr>
+              <p:nvPr/>
+            </p:nvSpPr>
+            <p:spPr>
+              <a:xfrm>
+                <a:off x="5026597" y="4013279"/>
+                <a:ext cx="576059" cy="369332"/>
+              </a:xfrm>
+              <a:prstGeom prst="rect">
+                <a:avLst/>
+              </a:prstGeom>
+              <a:blipFill>
+                <a:blip r:embed="rId9"/>
+                <a:stretch>
+                  <a:fillRect/>
+                </a:stretch>
+              </a:blipFill>
+            </p:spPr>
+            <p:txBody>
+              <a:bodyPr/>
+              <a:lstStyle/>
+              <a:p>
+                <a:r>
+                  <a:rPr lang="zh-CN" altLang="en-US">
+                    <a:noFill/>
+                  </a:rPr>
+                  <a:t> </a:t>
+                </a:r>
+              </a:p>
+            </p:txBody>
+          </p:sp>
+        </mc:Fallback>
+      </mc:AlternateContent>
+      <mc:AlternateContent xmlns:mc="http://schemas.openxmlformats.org/markup-compatibility/2006">
+        <mc:Choice xmlns:a14="http://schemas.microsoft.com/office/drawing/2010/main" Requires="a14">
+          <p:sp>
+            <p:nvSpPr>
+              <p:cNvPr id="35" name="文本框 34">
+                <a:extLst>
+                  <a:ext uri="{FF2B5EF4-FFF2-40B4-BE49-F238E27FC236}">
+                    <a16:creationId xmlns:a16="http://schemas.microsoft.com/office/drawing/2014/main" id="{3E9F0402-A5A0-4966-A2A2-55C7E880D7EA}"/>
+                  </a:ext>
+                </a:extLst>
+              </p:cNvPr>
+              <p:cNvSpPr txBox="1"/>
+              <p:nvPr/>
+            </p:nvSpPr>
+            <p:spPr>
+              <a:xfrm>
+                <a:off x="5720408" y="2677462"/>
+                <a:ext cx="504050" cy="338554"/>
+              </a:xfrm>
+              <a:prstGeom prst="rect">
+                <a:avLst/>
+              </a:prstGeom>
+              <a:noFill/>
+            </p:spPr>
+            <p:txBody>
+              <a:bodyPr wrap="square" rtlCol="0">
+                <a:spAutoFit/>
+              </a:bodyPr>
+              <a:lstStyle/>
+              <a:p>
+                <a14:m>
+                  <m:oMathPara xmlns:m="http://schemas.openxmlformats.org/officeDocument/2006/math">
+                    <m:oMathParaPr>
+                      <m:jc m:val="centerGroup"/>
+                    </m:oMathParaPr>
+                    <m:oMath xmlns:m="http://schemas.openxmlformats.org/officeDocument/2006/math">
+                      <m:sSub>
+                        <m:sSubPr>
+                          <m:ctrlPr>
+                            <a:rPr lang="en-US" altLang="zh-CN" sz="1600" b="0" i="1" smtClean="0">
+                              <a:latin typeface="Cambria Math" panose="02040503050406030204" pitchFamily="18" charset="0"/>
+                            </a:rPr>
+                          </m:ctrlPr>
+                        </m:sSubPr>
+                        <m:e>
+                          <m:r>
+                            <a:rPr lang="en-US" altLang="zh-CN" sz="1600" b="0" i="1" smtClean="0">
+                              <a:latin typeface="Cambria Math" panose="02040503050406030204" pitchFamily="18" charset="0"/>
+                            </a:rPr>
+                            <m:t>h</m:t>
+                          </m:r>
+                        </m:e>
+                        <m:sub>
+                          <m:r>
+                            <a:rPr lang="en-US" altLang="zh-CN" sz="1600" b="0" i="1" smtClean="0">
+                              <a:latin typeface="Cambria Math" panose="02040503050406030204" pitchFamily="18" charset="0"/>
+                            </a:rPr>
+                            <m:t>𝑡</m:t>
+                          </m:r>
+                          <m:r>
+                            <a:rPr lang="en-US" altLang="zh-CN" sz="1600" b="0" i="1" smtClean="0">
+                              <a:latin typeface="Cambria Math" panose="02040503050406030204" pitchFamily="18" charset="0"/>
+                            </a:rPr>
+                            <m:t>+1</m:t>
+                          </m:r>
+                        </m:sub>
+                      </m:sSub>
+                    </m:oMath>
+                  </m:oMathPara>
+                </a14:m>
+                <a:endParaRPr lang="zh-CN" altLang="en-US" sz="1600" dirty="0"/>
+              </a:p>
+            </p:txBody>
+          </p:sp>
+        </mc:Choice>
+        <mc:Fallback>
+          <p:sp>
+            <p:nvSpPr>
+              <p:cNvPr id="35" name="文本框 34">
+                <a:extLst>
+                  <a:ext uri="{FF2B5EF4-FFF2-40B4-BE49-F238E27FC236}">
+                    <a16:creationId xmlns:a16="http://schemas.microsoft.com/office/drawing/2014/main" id="{3E9F0402-A5A0-4966-A2A2-55C7E880D7EA}"/>
+                  </a:ext>
+                </a:extLst>
+              </p:cNvPr>
+              <p:cNvSpPr txBox="1">
+                <a:spLocks noRot="1" noChangeAspect="1" noMove="1" noResize="1" noEditPoints="1" noAdjustHandles="1" noChangeArrowheads="1" noChangeShapeType="1" noTextEdit="1"/>
+              </p:cNvSpPr>
+              <p:nvPr/>
+            </p:nvSpPr>
+            <p:spPr>
+              <a:xfrm>
+                <a:off x="5720408" y="2677462"/>
+                <a:ext cx="504050" cy="338554"/>
+              </a:xfrm>
+              <a:prstGeom prst="rect">
+                <a:avLst/>
+              </a:prstGeom>
+              <a:blipFill>
+                <a:blip r:embed="rId10"/>
+                <a:stretch>
+                  <a:fillRect r="-2410"/>
+                </a:stretch>
+              </a:blipFill>
+            </p:spPr>
+            <p:txBody>
+              <a:bodyPr/>
+              <a:lstStyle/>
+              <a:p>
+                <a:r>
+                  <a:rPr lang="zh-CN" altLang="en-US">
+                    <a:noFill/>
+                  </a:rPr>
+                  <a:t> </a:t>
+                </a:r>
+              </a:p>
+            </p:txBody>
+          </p:sp>
+        </mc:Fallback>
+      </mc:AlternateContent>
+      <p:sp>
+        <p:nvSpPr>
+          <p:cNvPr id="36" name="矩形 35">
+            <a:extLst>
+              <a:ext uri="{FF2B5EF4-FFF2-40B4-BE49-F238E27FC236}">
+                <a16:creationId xmlns:a16="http://schemas.microsoft.com/office/drawing/2014/main" id="{13101884-1460-404B-8F8F-207A168B4EE8}"/>
+              </a:ext>
+            </a:extLst>
+          </p:cNvPr>
+          <p:cNvSpPr/>
+          <p:nvPr/>
+        </p:nvSpPr>
+        <p:spPr>
+          <a:xfrm>
+            <a:off x="2590000" y="1041068"/>
+            <a:ext cx="901880" cy="288032"/>
+          </a:xfrm>
+          <a:prstGeom prst="rect">
+            <a:avLst/>
+          </a:prstGeom>
+          <a:solidFill>
+            <a:schemeClr val="bg1"/>
+          </a:solidFill>
+          <a:ln>
+            <a:solidFill>
+              <a:schemeClr val="tx1"/>
+            </a:solidFill>
+            <a:prstDash val="sysDot"/>
+          </a:ln>
+        </p:spPr>
+        <p:style>
+          <a:lnRef idx="2">
+            <a:schemeClr val="accent1">
+              <a:shade val="50000"/>
+            </a:schemeClr>
+          </a:lnRef>
+          <a:fillRef idx="1">
+            <a:schemeClr val="accent1"/>
+          </a:fillRef>
+          <a:effectRef idx="0">
+            <a:schemeClr val="accent1"/>
+          </a:effectRef>
+          <a:fontRef idx="minor">
+            <a:schemeClr val="lt1"/>
+          </a:fontRef>
+        </p:style>
+        <p:txBody>
+          <a:bodyPr rtlCol="0" anchor="ctr"/>
+          <a:lstStyle/>
+          <a:p>
+            <a:pPr algn="ctr"/>
+            <a:r>
+              <a:rPr lang="en-US" altLang="zh-CN" dirty="0"/>
+              <a:t>S</a:t>
+            </a:r>
+            <a:endParaRPr lang="zh-CN" altLang="en-US" dirty="0"/>
+          </a:p>
+        </p:txBody>
+      </p:sp>
+      <mc:AlternateContent xmlns:mc="http://schemas.openxmlformats.org/markup-compatibility/2006">
+        <mc:Choice xmlns:a14="http://schemas.microsoft.com/office/drawing/2010/main" Requires="a14">
+          <p:sp>
+            <p:nvSpPr>
+              <p:cNvPr id="37" name="文本框 36">
+                <a:extLst>
+                  <a:ext uri="{FF2B5EF4-FFF2-40B4-BE49-F238E27FC236}">
+                    <a16:creationId xmlns:a16="http://schemas.microsoft.com/office/drawing/2014/main" id="{589C23B6-4D39-4A87-BEC5-E56775098C2B}"/>
+                  </a:ext>
+                </a:extLst>
+              </p:cNvPr>
+              <p:cNvSpPr txBox="1"/>
+              <p:nvPr/>
+            </p:nvSpPr>
+            <p:spPr>
+              <a:xfrm>
+                <a:off x="2795155" y="991126"/>
+                <a:ext cx="478893" cy="369332"/>
+              </a:xfrm>
+              <a:prstGeom prst="rect">
+                <a:avLst/>
+              </a:prstGeom>
+              <a:noFill/>
+            </p:spPr>
+            <p:txBody>
+              <a:bodyPr wrap="square" rtlCol="0">
+                <a:spAutoFit/>
+              </a:bodyPr>
+              <a:lstStyle/>
+              <a:p>
+                <a14:m>
+                  <m:oMath xmlns:m="http://schemas.openxmlformats.org/officeDocument/2006/math">
+                    <m:r>
+                      <a:rPr lang="en-US" altLang="zh-CN" b="0" i="1" smtClean="0">
+                        <a:latin typeface="Cambria Math" panose="02040503050406030204" pitchFamily="18" charset="0"/>
+                      </a:rPr>
+                      <m:t>  </m:t>
+                    </m:r>
+                    <m:r>
+                      <a:rPr lang="en-US" altLang="zh-CN" b="0" i="1" smtClean="0">
+                        <a:latin typeface="Cambria Math" panose="02040503050406030204" pitchFamily="18" charset="0"/>
+                      </a:rPr>
+                      <m:t>𝑆</m:t>
+                    </m:r>
+                  </m:oMath>
+                </a14:m>
+                <a:r>
+                  <a:rPr lang="en-US" altLang="zh-CN" dirty="0"/>
+                  <a:t> </a:t>
+                </a:r>
+                <a:endParaRPr lang="zh-CN" altLang="en-US" dirty="0"/>
+              </a:p>
+            </p:txBody>
+          </p:sp>
+        </mc:Choice>
+        <mc:Fallback>
+          <p:sp>
+            <p:nvSpPr>
+              <p:cNvPr id="37" name="文本框 36">
+                <a:extLst>
+                  <a:ext uri="{FF2B5EF4-FFF2-40B4-BE49-F238E27FC236}">
+                    <a16:creationId xmlns:a16="http://schemas.microsoft.com/office/drawing/2014/main" id="{589C23B6-4D39-4A87-BEC5-E56775098C2B}"/>
+                  </a:ext>
+                </a:extLst>
+              </p:cNvPr>
+              <p:cNvSpPr txBox="1">
+                <a:spLocks noRot="1" noChangeAspect="1" noMove="1" noResize="1" noEditPoints="1" noAdjustHandles="1" noChangeArrowheads="1" noChangeShapeType="1" noTextEdit="1"/>
+              </p:cNvSpPr>
+              <p:nvPr/>
+            </p:nvSpPr>
+            <p:spPr>
+              <a:xfrm>
+                <a:off x="2795155" y="991126"/>
+                <a:ext cx="478893" cy="369332"/>
+              </a:xfrm>
+              <a:prstGeom prst="rect">
+                <a:avLst/>
+              </a:prstGeom>
+              <a:blipFill>
+                <a:blip r:embed="rId11"/>
+                <a:stretch>
+                  <a:fillRect/>
+                </a:stretch>
+              </a:blipFill>
+            </p:spPr>
+            <p:txBody>
+              <a:bodyPr/>
+              <a:lstStyle/>
+              <a:p>
+                <a:r>
+                  <a:rPr lang="zh-CN" altLang="en-US">
+                    <a:noFill/>
+                  </a:rPr>
+                  <a:t> </a:t>
+                </a:r>
+              </a:p>
+            </p:txBody>
+          </p:sp>
+        </mc:Fallback>
+      </mc:AlternateContent>
+      <p:cxnSp>
+        <p:nvCxnSpPr>
+          <p:cNvPr id="39" name="直接连接符 38">
+            <a:extLst>
+              <a:ext uri="{FF2B5EF4-FFF2-40B4-BE49-F238E27FC236}">
+                <a16:creationId xmlns:a16="http://schemas.microsoft.com/office/drawing/2014/main" id="{F552089E-2CEB-4BF4-9BF0-AE7845C79FC4}"/>
+              </a:ext>
+            </a:extLst>
+          </p:cNvPr>
+          <p:cNvCxnSpPr>
+            <a:cxnSpLocks/>
+            <a:endCxn id="37" idx="2"/>
+          </p:cNvCxnSpPr>
+          <p:nvPr/>
+        </p:nvCxnSpPr>
+        <p:spPr>
+          <a:xfrm flipV="1">
+            <a:off x="2458606" y="1360458"/>
+            <a:ext cx="575996" cy="1411178"/>
+          </a:xfrm>
+          <a:prstGeom prst="line">
+            <a:avLst/>
+          </a:prstGeom>
+          <a:ln w="9525" cap="flat" cmpd="sng" algn="ctr">
+            <a:solidFill>
+              <a:schemeClr val="accent1"/>
+            </a:solidFill>
+            <a:prstDash val="dash"/>
+            <a:round/>
+            <a:headEnd type="none" w="med" len="med"/>
+            <a:tailEnd type="none" w="med" len="med"/>
+          </a:ln>
+        </p:spPr>
+        <p:style>
+          <a:lnRef idx="0">
+            <a:scrgbClr r="0" g="0" b="0"/>
+          </a:lnRef>
+          <a:fillRef idx="0">
+            <a:scrgbClr r="0" g="0" b="0"/>
+          </a:fillRef>
+          <a:effectRef idx="0">
+            <a:scrgbClr r="0" g="0" b="0"/>
+          </a:effectRef>
+          <a:fontRef idx="minor">
+            <a:schemeClr val="tx1"/>
+          </a:fontRef>
+        </p:style>
+      </p:cxnSp>
+      <p:cxnSp>
+        <p:nvCxnSpPr>
+          <p:cNvPr id="42" name="直接连接符 41">
+            <a:extLst>
+              <a:ext uri="{FF2B5EF4-FFF2-40B4-BE49-F238E27FC236}">
+                <a16:creationId xmlns:a16="http://schemas.microsoft.com/office/drawing/2014/main" id="{91DC2127-8FBA-4638-A073-AE72FD92143C}"/>
+              </a:ext>
+            </a:extLst>
+          </p:cNvPr>
+          <p:cNvCxnSpPr>
+            <a:cxnSpLocks/>
+            <a:endCxn id="37" idx="2"/>
+          </p:cNvCxnSpPr>
+          <p:nvPr/>
+        </p:nvCxnSpPr>
+        <p:spPr>
+          <a:xfrm flipH="1" flipV="1">
+            <a:off x="3034602" y="1360458"/>
+            <a:ext cx="566992" cy="1395500"/>
+          </a:xfrm>
+          <a:prstGeom prst="line">
+            <a:avLst/>
+          </a:prstGeom>
+          <a:ln w="9525" cap="flat" cmpd="sng" algn="ctr">
+            <a:solidFill>
+              <a:schemeClr val="accent1"/>
+            </a:solidFill>
+            <a:prstDash val="dash"/>
+            <a:round/>
+            <a:headEnd type="none" w="med" len="med"/>
+            <a:tailEnd type="none" w="med" len="med"/>
+          </a:ln>
+        </p:spPr>
+        <p:style>
+          <a:lnRef idx="0">
+            <a:scrgbClr r="0" g="0" b="0"/>
+          </a:lnRef>
+          <a:fillRef idx="0">
+            <a:scrgbClr r="0" g="0" b="0"/>
+          </a:fillRef>
+          <a:effectRef idx="0">
+            <a:scrgbClr r="0" g="0" b="0"/>
+          </a:effectRef>
+          <a:fontRef idx="minor">
+            <a:schemeClr val="tx1"/>
+          </a:fontRef>
+        </p:style>
+      </p:cxnSp>
+      <p:cxnSp>
+        <p:nvCxnSpPr>
+          <p:cNvPr id="47" name="直接连接符 46">
+            <a:extLst>
+              <a:ext uri="{FF2B5EF4-FFF2-40B4-BE49-F238E27FC236}">
+                <a16:creationId xmlns:a16="http://schemas.microsoft.com/office/drawing/2014/main" id="{FF9D1374-8F24-428A-A8B9-94574884A4ED}"/>
+              </a:ext>
+            </a:extLst>
+          </p:cNvPr>
+          <p:cNvCxnSpPr>
+            <a:cxnSpLocks/>
+            <a:endCxn id="37" idx="2"/>
+          </p:cNvCxnSpPr>
+          <p:nvPr/>
+        </p:nvCxnSpPr>
+        <p:spPr>
+          <a:xfrm flipH="1" flipV="1">
+            <a:off x="3034602" y="1360458"/>
+            <a:ext cx="2113462" cy="1449216"/>
+          </a:xfrm>
+          <a:prstGeom prst="line">
+            <a:avLst/>
+          </a:prstGeom>
+          <a:ln w="9525" cap="flat" cmpd="sng" algn="ctr">
+            <a:solidFill>
+              <a:schemeClr val="accent1"/>
+            </a:solidFill>
+            <a:prstDash val="dash"/>
+            <a:round/>
+            <a:headEnd type="none" w="med" len="med"/>
+            <a:tailEnd type="none" w="med" len="med"/>
+          </a:ln>
+        </p:spPr>
+        <p:style>
+          <a:lnRef idx="0">
+            <a:scrgbClr r="0" g="0" b="0"/>
+          </a:lnRef>
+          <a:fillRef idx="0">
+            <a:scrgbClr r="0" g="0" b="0"/>
+          </a:fillRef>
+          <a:effectRef idx="0">
+            <a:scrgbClr r="0" g="0" b="0"/>
+          </a:effectRef>
+          <a:fontRef idx="minor">
+            <a:schemeClr val="tx1"/>
+          </a:fontRef>
+        </p:style>
+      </p:cxnSp>
+    </p:spTree>
+    <p:extLst>
+      <p:ext uri="{BB962C8B-B14F-4D97-AF65-F5344CB8AC3E}">
+        <p14:creationId xmlns:p14="http://schemas.microsoft.com/office/powerpoint/2010/main" val="1630998446"/>
+      </p:ext>
+    </p:extLst>
+  </p:cSld>
+  <p:clrMapOvr>
+    <a:masterClrMapping/>
+  </p:clrMapOvr>
+</p:sld>
+</file>
+
+<file path=ppt/slides/slide7.xml><?xml version="1.0" encoding="utf-8"?>
+<p:sld xmlns:a="http://schemas.openxmlformats.org/drawingml/2006/main" xmlns:r="http://schemas.openxmlformats.org/officeDocument/2006/relationships" xmlns:p="http://schemas.openxmlformats.org/presentationml/2006/main">
+  <p:cSld>
+    <p:spTree>
+      <p:nvGrpSpPr>
+        <p:cNvPr id="1" name=""/>
+        <p:cNvGrpSpPr/>
+        <p:nvPr/>
+      </p:nvGrpSpPr>
+      <p:grpSpPr>
+        <a:xfrm>
+          <a:off x="0" y="0"/>
+          <a:ext cx="0" cy="0"/>
+          <a:chOff x="0" y="0"/>
+          <a:chExt cx="0" cy="0"/>
+        </a:xfrm>
+      </p:grpSpPr>
+      <p:cxnSp>
+        <p:nvCxnSpPr>
+          <p:cNvPr id="10" name="直接连接符 9">
+            <a:extLst>
+              <a:ext uri="{FF2B5EF4-FFF2-40B4-BE49-F238E27FC236}">
+                <a16:creationId xmlns:a16="http://schemas.microsoft.com/office/drawing/2014/main" id="{197ABAA8-EB16-4CCB-A6D8-2DCA4952C2E4}"/>
+              </a:ext>
+            </a:extLst>
+          </p:cNvPr>
+          <p:cNvCxnSpPr>
+            <a:cxnSpLocks/>
+          </p:cNvCxnSpPr>
+          <p:nvPr/>
+        </p:nvCxnSpPr>
+        <p:spPr>
+          <a:xfrm>
+            <a:off x="2771800" y="3140968"/>
+            <a:ext cx="0" cy="1368152"/>
+          </a:xfrm>
+          <a:prstGeom prst="line">
+            <a:avLst/>
+          </a:prstGeom>
+        </p:spPr>
+        <p:style>
+          <a:lnRef idx="1">
+            <a:schemeClr val="accent1"/>
+          </a:lnRef>
+          <a:fillRef idx="0">
+            <a:schemeClr val="accent1"/>
+          </a:fillRef>
+          <a:effectRef idx="0">
+            <a:schemeClr val="accent1"/>
+          </a:effectRef>
+          <a:fontRef idx="minor">
+            <a:schemeClr val="tx1"/>
+          </a:fontRef>
+        </p:style>
+      </p:cxnSp>
+      <p:cxnSp>
+        <p:nvCxnSpPr>
+          <p:cNvPr id="13" name="直接箭头连接符 12">
+            <a:extLst>
+              <a:ext uri="{FF2B5EF4-FFF2-40B4-BE49-F238E27FC236}">
+                <a16:creationId xmlns:a16="http://schemas.microsoft.com/office/drawing/2014/main" id="{43529CD8-E748-4EE1-9AE3-24B830E78824}"/>
+              </a:ext>
+            </a:extLst>
+          </p:cNvPr>
+          <p:cNvCxnSpPr/>
+          <p:nvPr/>
+        </p:nvCxnSpPr>
+        <p:spPr>
+          <a:xfrm>
+            <a:off x="2771800" y="3140968"/>
+            <a:ext cx="576064" cy="0"/>
+          </a:xfrm>
+          <a:prstGeom prst="straightConnector1">
+            <a:avLst/>
+          </a:prstGeom>
+          <a:ln>
+            <a:tailEnd type="triangle"/>
+          </a:ln>
+        </p:spPr>
+        <p:style>
+          <a:lnRef idx="1">
+            <a:schemeClr val="accent1"/>
+          </a:lnRef>
+          <a:fillRef idx="0">
+            <a:schemeClr val="accent1"/>
+          </a:fillRef>
+          <a:effectRef idx="0">
+            <a:schemeClr val="accent1"/>
+          </a:effectRef>
+          <a:fontRef idx="minor">
+            <a:schemeClr val="tx1"/>
+          </a:fontRef>
+        </p:style>
+      </p:cxnSp>
+      <p:sp>
+        <p:nvSpPr>
+          <p:cNvPr id="14" name="矩形 13">
+            <a:extLst>
+              <a:ext uri="{FF2B5EF4-FFF2-40B4-BE49-F238E27FC236}">
+                <a16:creationId xmlns:a16="http://schemas.microsoft.com/office/drawing/2014/main" id="{C278C85F-914E-4044-B2D7-A32F6DE4F9F1}"/>
+              </a:ext>
+            </a:extLst>
+          </p:cNvPr>
+          <p:cNvSpPr/>
+          <p:nvPr/>
+        </p:nvSpPr>
+        <p:spPr>
+          <a:xfrm>
+            <a:off x="5256065" y="4386587"/>
+            <a:ext cx="504037" cy="360040"/>
+          </a:xfrm>
+          <a:prstGeom prst="rect">
+            <a:avLst/>
+          </a:prstGeom>
+          <a:solidFill>
+            <a:schemeClr val="bg1"/>
+          </a:solidFill>
+        </p:spPr>
+        <p:style>
+          <a:lnRef idx="2">
+            <a:schemeClr val="accent1">
+              <a:shade val="50000"/>
+            </a:schemeClr>
+          </a:lnRef>
+          <a:fillRef idx="1">
+            <a:schemeClr val="accent1"/>
+          </a:fillRef>
+          <a:effectRef idx="0">
+            <a:schemeClr val="accent1"/>
+          </a:effectRef>
+          <a:fontRef idx="minor">
+            <a:schemeClr val="lt1"/>
+          </a:fontRef>
+        </p:style>
+        <p:txBody>
+          <a:bodyPr rtlCol="0" anchor="ctr"/>
+          <a:lstStyle/>
+          <a:p>
+            <a:pPr algn="ctr"/>
+            <a:endParaRPr lang="zh-CN" altLang="en-US" dirty="0"/>
+          </a:p>
+        </p:txBody>
+      </p:sp>
+      <mc:AlternateContent xmlns:mc="http://schemas.openxmlformats.org/markup-compatibility/2006">
+        <mc:Choice xmlns:a14="http://schemas.microsoft.com/office/drawing/2010/main" Requires="a14">
+          <p:sp>
+            <p:nvSpPr>
+              <p:cNvPr id="16" name="文本框 15">
+                <a:extLst>
+                  <a:ext uri="{FF2B5EF4-FFF2-40B4-BE49-F238E27FC236}">
+                    <a16:creationId xmlns:a16="http://schemas.microsoft.com/office/drawing/2014/main" id="{1E8395B8-94F4-43DA-AA97-FDAA3C1DBF22}"/>
+                  </a:ext>
+                </a:extLst>
+              </p:cNvPr>
+              <p:cNvSpPr txBox="1"/>
+              <p:nvPr/>
+            </p:nvSpPr>
+            <p:spPr>
+              <a:xfrm>
+                <a:off x="5292080" y="4417945"/>
+                <a:ext cx="468022" cy="369332"/>
+              </a:xfrm>
+              <a:prstGeom prst="rect">
+                <a:avLst/>
+              </a:prstGeom>
+              <a:noFill/>
+            </p:spPr>
+            <p:txBody>
+              <a:bodyPr wrap="square" rtlCol="0">
+                <a:spAutoFit/>
+              </a:bodyPr>
+              <a:lstStyle/>
+              <a:p>
+                <a14:m>
+                  <m:oMathPara xmlns:m="http://schemas.openxmlformats.org/officeDocument/2006/math">
+                    <m:oMathParaPr>
+                      <m:jc m:val="centerGroup"/>
+                    </m:oMathParaPr>
+                    <m:oMath xmlns:m="http://schemas.openxmlformats.org/officeDocument/2006/math">
+                      <m:sSup>
+                        <m:sSupPr>
+                          <m:ctrlPr>
+                            <a:rPr lang="en-US" altLang="zh-CN" b="0" i="1" smtClean="0">
+                              <a:latin typeface="Cambria Math" panose="02040503050406030204" pitchFamily="18" charset="0"/>
+                            </a:rPr>
+                          </m:ctrlPr>
+                        </m:sSupPr>
+                        <m:e>
+                          <m:r>
+                            <a:rPr lang="en-US" altLang="zh-CN" b="0" i="1" smtClean="0">
+                              <a:latin typeface="Cambria Math" panose="02040503050406030204" pitchFamily="18" charset="0"/>
+                            </a:rPr>
+                            <m:t>h</m:t>
+                          </m:r>
+                        </m:e>
+                        <m:sup>
+                          <m:r>
+                            <a:rPr lang="en-US" altLang="zh-CN" b="0" i="1" smtClean="0">
+                              <a:latin typeface="Cambria Math" panose="02040503050406030204" pitchFamily="18" charset="0"/>
+                            </a:rPr>
+                            <m:t>~</m:t>
+                          </m:r>
+                        </m:sup>
+                      </m:sSup>
+                    </m:oMath>
+                  </m:oMathPara>
+                </a14:m>
+                <a:endParaRPr lang="zh-CN" altLang="en-US" dirty="0"/>
+              </a:p>
+            </p:txBody>
+          </p:sp>
+        </mc:Choice>
+        <mc:Fallback>
+          <p:sp>
+            <p:nvSpPr>
+              <p:cNvPr id="16" name="文本框 15">
+                <a:extLst>
+                  <a:ext uri="{FF2B5EF4-FFF2-40B4-BE49-F238E27FC236}">
+                    <a16:creationId xmlns:a16="http://schemas.microsoft.com/office/drawing/2014/main" id="{1E8395B8-94F4-43DA-AA97-FDAA3C1DBF22}"/>
+                  </a:ext>
+                </a:extLst>
+              </p:cNvPr>
+              <p:cNvSpPr txBox="1">
+                <a:spLocks noRot="1" noChangeAspect="1" noMove="1" noResize="1" noEditPoints="1" noAdjustHandles="1" noChangeArrowheads="1" noChangeShapeType="1" noTextEdit="1"/>
+              </p:cNvSpPr>
+              <p:nvPr/>
+            </p:nvSpPr>
+            <p:spPr>
+              <a:xfrm>
+                <a:off x="5292080" y="4417945"/>
+                <a:ext cx="468022" cy="369332"/>
+              </a:xfrm>
+              <a:prstGeom prst="rect">
+                <a:avLst/>
+              </a:prstGeom>
+              <a:blipFill>
+                <a:blip r:embed="rId2"/>
+                <a:stretch>
+                  <a:fillRect/>
+                </a:stretch>
+              </a:blipFill>
+            </p:spPr>
+            <p:txBody>
+              <a:bodyPr/>
+              <a:lstStyle/>
+              <a:p>
+                <a:r>
+                  <a:rPr lang="zh-CN" altLang="en-US">
+                    <a:noFill/>
+                  </a:rPr>
+                  <a:t> </a:t>
+                </a:r>
+              </a:p>
+            </p:txBody>
+          </p:sp>
+        </mc:Fallback>
+      </mc:AlternateContent>
+      <p:sp>
+        <p:nvSpPr>
+          <p:cNvPr id="17" name="椭圆 16">
+            <a:extLst>
+              <a:ext uri="{FF2B5EF4-FFF2-40B4-BE49-F238E27FC236}">
+                <a16:creationId xmlns:a16="http://schemas.microsoft.com/office/drawing/2014/main" id="{6FF84A3B-488B-4672-9393-A11C433CF2A9}"/>
+              </a:ext>
+            </a:extLst>
+          </p:cNvPr>
+          <p:cNvSpPr/>
+          <p:nvPr/>
+        </p:nvSpPr>
+        <p:spPr>
+          <a:xfrm>
+            <a:off x="3636382" y="4335842"/>
+            <a:ext cx="504030" cy="472698"/>
+          </a:xfrm>
+          <a:prstGeom prst="ellipse">
+            <a:avLst/>
+          </a:prstGeom>
+          <a:solidFill>
+            <a:schemeClr val="bg1"/>
+          </a:solidFill>
+        </p:spPr>
+        <p:style>
+          <a:lnRef idx="2">
+            <a:schemeClr val="accent1">
+              <a:shade val="50000"/>
+            </a:schemeClr>
+          </a:lnRef>
+          <a:fillRef idx="1">
+            <a:schemeClr val="accent1"/>
+          </a:fillRef>
+          <a:effectRef idx="0">
+            <a:schemeClr val="accent1"/>
+          </a:effectRef>
+          <a:fontRef idx="minor">
+            <a:schemeClr val="lt1"/>
+          </a:fontRef>
+        </p:style>
+        <p:txBody>
+          <a:bodyPr rtlCol="0" anchor="ctr"/>
+          <a:lstStyle/>
+          <a:p>
+            <a:pPr algn="ctr"/>
+            <a:endParaRPr lang="zh-CN" altLang="en-US"/>
+          </a:p>
+        </p:txBody>
+      </p:sp>
+      <p:sp>
+        <p:nvSpPr>
+          <p:cNvPr id="18" name="文本框 17">
+            <a:extLst>
+              <a:ext uri="{FF2B5EF4-FFF2-40B4-BE49-F238E27FC236}">
+                <a16:creationId xmlns:a16="http://schemas.microsoft.com/office/drawing/2014/main" id="{BC8D7EA4-656F-4E74-9B56-2DBFC1DBAC27}"/>
+              </a:ext>
+            </a:extLst>
+          </p:cNvPr>
+          <p:cNvSpPr txBox="1"/>
+          <p:nvPr/>
+        </p:nvSpPr>
+        <p:spPr>
+          <a:xfrm>
+            <a:off x="3683243" y="4387773"/>
+            <a:ext cx="457169" cy="369332"/>
+          </a:xfrm>
+          <a:prstGeom prst="rect">
+            <a:avLst/>
+          </a:prstGeom>
+          <a:noFill/>
+        </p:spPr>
+        <p:txBody>
+          <a:bodyPr wrap="square" rtlCol="0">
+            <a:spAutoFit/>
+          </a:bodyPr>
+          <a:lstStyle/>
+          <a:p>
+            <a:r>
+              <a:rPr lang="en-US" altLang="zh-CN" dirty="0"/>
+              <a:t> h</a:t>
+            </a:r>
+            <a:endParaRPr lang="zh-CN" altLang="en-US" dirty="0"/>
+          </a:p>
+        </p:txBody>
+      </p:sp>
+      <p:cxnSp>
+        <p:nvCxnSpPr>
+          <p:cNvPr id="20" name="直接连接符 19">
+            <a:extLst>
+              <a:ext uri="{FF2B5EF4-FFF2-40B4-BE49-F238E27FC236}">
+                <a16:creationId xmlns:a16="http://schemas.microsoft.com/office/drawing/2014/main" id="{9A9CAAA9-7646-4DB6-B090-4E7B92DF2382}"/>
+              </a:ext>
+            </a:extLst>
+          </p:cNvPr>
+          <p:cNvCxnSpPr>
+            <a:cxnSpLocks/>
+          </p:cNvCxnSpPr>
+          <p:nvPr/>
+        </p:nvCxnSpPr>
+        <p:spPr>
+          <a:xfrm>
+            <a:off x="2771800" y="4527066"/>
+            <a:ext cx="864582" cy="0"/>
+          </a:xfrm>
+          <a:prstGeom prst="line">
+            <a:avLst/>
+          </a:prstGeom>
+        </p:spPr>
+        <p:style>
+          <a:lnRef idx="1">
+            <a:schemeClr val="accent1"/>
+          </a:lnRef>
+          <a:fillRef idx="0">
+            <a:schemeClr val="accent1"/>
+          </a:fillRef>
+          <a:effectRef idx="0">
+            <a:schemeClr val="accent1"/>
+          </a:effectRef>
+          <a:fontRef idx="minor">
+            <a:schemeClr val="tx1"/>
+          </a:fontRef>
+        </p:style>
+      </p:cxnSp>
+      <p:cxnSp>
+        <p:nvCxnSpPr>
+          <p:cNvPr id="23" name="直接箭头连接符 22">
+            <a:extLst>
+              <a:ext uri="{FF2B5EF4-FFF2-40B4-BE49-F238E27FC236}">
+                <a16:creationId xmlns:a16="http://schemas.microsoft.com/office/drawing/2014/main" id="{2AC5C074-6AA8-4CCE-A847-002A6CFC28A7}"/>
+              </a:ext>
+            </a:extLst>
+          </p:cNvPr>
+          <p:cNvCxnSpPr>
+            <a:cxnSpLocks/>
+          </p:cNvCxnSpPr>
+          <p:nvPr/>
+        </p:nvCxnSpPr>
+        <p:spPr>
+          <a:xfrm>
+            <a:off x="4212420" y="4575378"/>
+            <a:ext cx="359580" cy="8689"/>
+          </a:xfrm>
+          <a:prstGeom prst="straightConnector1">
+            <a:avLst/>
+          </a:prstGeom>
+          <a:ln>
+            <a:tailEnd type="triangle"/>
+          </a:ln>
+        </p:spPr>
+        <p:style>
+          <a:lnRef idx="1">
+            <a:schemeClr val="accent1"/>
+          </a:lnRef>
+          <a:fillRef idx="0">
+            <a:schemeClr val="accent1"/>
+          </a:fillRef>
+          <a:effectRef idx="0">
+            <a:schemeClr val="accent1"/>
+          </a:effectRef>
+          <a:fontRef idx="minor">
+            <a:schemeClr val="tx1"/>
+          </a:fontRef>
+        </p:style>
+      </p:cxnSp>
+      <p:sp>
+        <p:nvSpPr>
+          <p:cNvPr id="24" name="矩形 23">
+            <a:extLst>
+              <a:ext uri="{FF2B5EF4-FFF2-40B4-BE49-F238E27FC236}">
+                <a16:creationId xmlns:a16="http://schemas.microsoft.com/office/drawing/2014/main" id="{C70841C9-E968-4A9F-A8CD-8D9DA41B4E56}"/>
+              </a:ext>
+            </a:extLst>
+          </p:cNvPr>
+          <p:cNvSpPr/>
+          <p:nvPr/>
+        </p:nvSpPr>
+        <p:spPr>
+          <a:xfrm>
+            <a:off x="4499992" y="332656"/>
+            <a:ext cx="2952314" cy="1584293"/>
+          </a:xfrm>
+          <a:prstGeom prst="rect">
+            <a:avLst/>
+          </a:prstGeom>
+          <a:solidFill>
+            <a:schemeClr val="bg1"/>
+          </a:solidFill>
+          <a:ln>
+            <a:prstDash val="lgDash"/>
+          </a:ln>
+        </p:spPr>
+        <p:style>
+          <a:lnRef idx="2">
+            <a:schemeClr val="accent1">
+              <a:shade val="50000"/>
+            </a:schemeClr>
+          </a:lnRef>
+          <a:fillRef idx="1">
+            <a:schemeClr val="accent1"/>
+          </a:fillRef>
+          <a:effectRef idx="0">
+            <a:schemeClr val="accent1"/>
+          </a:effectRef>
+          <a:fontRef idx="minor">
+            <a:schemeClr val="lt1"/>
+          </a:fontRef>
+        </p:style>
+        <p:txBody>
+          <a:bodyPr rtlCol="0" anchor="ctr"/>
+          <a:lstStyle/>
+          <a:p>
+            <a:pPr algn="ctr"/>
+            <a:endParaRPr lang="zh-CN" altLang="en-US"/>
+          </a:p>
+        </p:txBody>
+      </p:sp>
+    </p:spTree>
+    <p:extLst>
+      <p:ext uri="{BB962C8B-B14F-4D97-AF65-F5344CB8AC3E}">
+        <p14:creationId xmlns:p14="http://schemas.microsoft.com/office/powerpoint/2010/main" val="754707918"/>
+      </p:ext>
+    </p:extLst>
   </p:cSld>
   <p:clrMapOvr>
     <a:masterClrMapping/>

--- a/LatexThesis4SYSU-master/新建 PPT 演示文稿.pptx
+++ b/LatexThesis4SYSU-master/新建 PPT 演示文稿.pptx
@@ -8672,8 +8672,8 @@
           </a:fontRef>
         </p:style>
       </p:cxnSp>
-      <mc:AlternateContent xmlns:mc="http://schemas.openxmlformats.org/markup-compatibility/2006">
-        <mc:Choice xmlns:a14="http://schemas.microsoft.com/office/drawing/2010/main" Requires="a14">
+      <mc:AlternateContent xmlns:mc="http://schemas.openxmlformats.org/markup-compatibility/2006" xmlns:a14="http://schemas.microsoft.com/office/drawing/2010/main">
+        <mc:Choice Requires="a14">
           <p:sp>
             <p:nvSpPr>
               <p:cNvPr id="22" name="文本框 21">
@@ -8838,7 +8838,7 @@
             </p:txBody>
           </p:sp>
         </mc:Choice>
-        <mc:Fallback>
+        <mc:Fallback xmlns="">
           <p:sp>
             <p:nvSpPr>
               <p:cNvPr id="22" name="文本框 21">
@@ -9508,8 +9508,8 @@
           </a:fontRef>
         </p:style>
       </p:cxnSp>
-      <mc:AlternateContent xmlns:mc="http://schemas.openxmlformats.org/markup-compatibility/2006">
-        <mc:Choice xmlns:a14="http://schemas.microsoft.com/office/drawing/2010/main" Requires="a14">
+      <mc:AlternateContent xmlns:mc="http://schemas.openxmlformats.org/markup-compatibility/2006" xmlns:a14="http://schemas.microsoft.com/office/drawing/2010/main">
+        <mc:Choice Requires="a14">
           <p:sp>
             <p:nvSpPr>
               <p:cNvPr id="26" name="文本框 25">
@@ -9538,6 +9538,7 @@
               </a:bodyPr>
               <a:lstStyle/>
               <a:p>
+                <a:pPr/>
                 <a14:m>
                   <m:oMathPara xmlns:m="http://schemas.openxmlformats.org/officeDocument/2006/math">
                     <m:oMathParaPr>
@@ -9583,7 +9584,7 @@
             </p:txBody>
           </p:sp>
         </mc:Choice>
-        <mc:Fallback>
+        <mc:Fallback xmlns="">
           <p:sp>
             <p:nvSpPr>
               <p:cNvPr id="26" name="文本框 25">
@@ -9628,8 +9629,8 @@
           </p:sp>
         </mc:Fallback>
       </mc:AlternateContent>
-      <mc:AlternateContent xmlns:mc="http://schemas.openxmlformats.org/markup-compatibility/2006">
-        <mc:Choice xmlns:a14="http://schemas.microsoft.com/office/drawing/2010/main" Requires="a14">
+      <mc:AlternateContent xmlns:mc="http://schemas.openxmlformats.org/markup-compatibility/2006" xmlns:a14="http://schemas.microsoft.com/office/drawing/2010/main">
+        <mc:Choice Requires="a14">
           <p:sp>
             <p:nvSpPr>
               <p:cNvPr id="27" name="文本框 26">
@@ -9687,7 +9688,7 @@
                           <a:rPr lang="en-US" altLang="zh-CN" i="1">
                             <a:latin typeface="Cambria Math" panose="02040503050406030204" pitchFamily="18" charset="0"/>
                           </a:rPr>
-                          <m:t>-1</m:t>
+                          <m:t>−1</m:t>
                         </m:r>
                         <m:r>
                           <a:rPr lang="en-US" altLang="zh-CN" b="0" i="1" smtClean="0">
@@ -9708,7 +9709,7 @@
             </p:txBody>
           </p:sp>
         </mc:Choice>
-        <mc:Fallback>
+        <mc:Fallback xmlns="">
           <p:sp>
             <p:nvSpPr>
               <p:cNvPr id="27" name="文本框 26">
@@ -9785,8 +9786,8 @@
           </a:p>
         </p:txBody>
       </p:sp>
-      <mc:AlternateContent xmlns:mc="http://schemas.openxmlformats.org/markup-compatibility/2006">
-        <mc:Choice xmlns:a14="http://schemas.microsoft.com/office/drawing/2010/main" Requires="a14">
+      <mc:AlternateContent xmlns:mc="http://schemas.openxmlformats.org/markup-compatibility/2006" xmlns:a14="http://schemas.microsoft.com/office/drawing/2010/main">
+        <mc:Choice Requires="a14">
           <p:sp>
             <p:nvSpPr>
               <p:cNvPr id="29" name="文本框 28">
@@ -9815,6 +9816,7 @@
               </a:bodyPr>
               <a:lstStyle/>
               <a:p>
+                <a:pPr/>
                 <a14:m>
                   <m:oMathPara xmlns:m="http://schemas.openxmlformats.org/officeDocument/2006/math">
                     <m:oMathParaPr>
@@ -9860,7 +9862,7 @@
             </p:txBody>
           </p:sp>
         </mc:Choice>
-        <mc:Fallback>
+        <mc:Fallback xmlns="">
           <p:sp>
             <p:nvSpPr>
               <p:cNvPr id="29" name="文本框 28">
@@ -9905,8 +9907,8 @@
           </p:sp>
         </mc:Fallback>
       </mc:AlternateContent>
-      <mc:AlternateContent xmlns:mc="http://schemas.openxmlformats.org/markup-compatibility/2006">
-        <mc:Choice xmlns:a14="http://schemas.microsoft.com/office/drawing/2010/main" Requires="a14">
+      <mc:AlternateContent xmlns:mc="http://schemas.openxmlformats.org/markup-compatibility/2006" xmlns:a14="http://schemas.microsoft.com/office/drawing/2010/main">
+        <mc:Choice Requires="a14">
           <p:sp>
             <p:nvSpPr>
               <p:cNvPr id="30" name="文本框 29">
@@ -9935,6 +9937,7 @@
               </a:bodyPr>
               <a:lstStyle/>
               <a:p>
+                <a:pPr/>
                 <a14:m>
                   <m:oMathPara xmlns:m="http://schemas.openxmlformats.org/officeDocument/2006/math">
                     <m:oMathParaPr>
@@ -9974,7 +9977,7 @@
             </p:txBody>
           </p:sp>
         </mc:Choice>
-        <mc:Fallback>
+        <mc:Fallback xmlns="">
           <p:sp>
             <p:nvSpPr>
               <p:cNvPr id="30" name="文本框 29">
@@ -10019,8 +10022,8 @@
           </p:sp>
         </mc:Fallback>
       </mc:AlternateContent>
-      <mc:AlternateContent xmlns:mc="http://schemas.openxmlformats.org/markup-compatibility/2006">
-        <mc:Choice xmlns:a14="http://schemas.microsoft.com/office/drawing/2010/main" Requires="a14">
+      <mc:AlternateContent xmlns:mc="http://schemas.openxmlformats.org/markup-compatibility/2006" xmlns:a14="http://schemas.microsoft.com/office/drawing/2010/main">
+        <mc:Choice Requires="a14">
           <p:sp>
             <p:nvSpPr>
               <p:cNvPr id="31" name="文本框 30">
@@ -10049,6 +10052,7 @@
               </a:bodyPr>
               <a:lstStyle/>
               <a:p>
+                <a:pPr/>
                 <a14:m>
                   <m:oMathPara xmlns:m="http://schemas.openxmlformats.org/officeDocument/2006/math">
                     <m:oMathParaPr>
@@ -10088,7 +10092,7 @@
             </p:txBody>
           </p:sp>
         </mc:Choice>
-        <mc:Fallback>
+        <mc:Fallback xmlns="">
           <p:sp>
             <p:nvSpPr>
               <p:cNvPr id="31" name="文本框 30">
@@ -10133,8 +10137,8 @@
           </p:sp>
         </mc:Fallback>
       </mc:AlternateContent>
-      <mc:AlternateContent xmlns:mc="http://schemas.openxmlformats.org/markup-compatibility/2006">
-        <mc:Choice xmlns:a14="http://schemas.microsoft.com/office/drawing/2010/main" Requires="a14">
+      <mc:AlternateContent xmlns:mc="http://schemas.openxmlformats.org/markup-compatibility/2006" xmlns:a14="http://schemas.microsoft.com/office/drawing/2010/main">
+        <mc:Choice Requires="a14">
           <p:sp>
             <p:nvSpPr>
               <p:cNvPr id="32" name="文本框 31">
@@ -10201,7 +10205,7 @@
             </p:txBody>
           </p:sp>
         </mc:Choice>
-        <mc:Fallback>
+        <mc:Fallback xmlns="">
           <p:sp>
             <p:nvSpPr>
               <p:cNvPr id="32" name="文本框 31">
@@ -10246,8 +10250,8 @@
           </p:sp>
         </mc:Fallback>
       </mc:AlternateContent>
-      <mc:AlternateContent xmlns:mc="http://schemas.openxmlformats.org/markup-compatibility/2006">
-        <mc:Choice xmlns:a14="http://schemas.microsoft.com/office/drawing/2010/main" Requires="a14">
+      <mc:AlternateContent xmlns:mc="http://schemas.openxmlformats.org/markup-compatibility/2006" xmlns:a14="http://schemas.microsoft.com/office/drawing/2010/main">
+        <mc:Choice Requires="a14">
           <p:sp>
             <p:nvSpPr>
               <p:cNvPr id="33" name="文本框 32">
@@ -10320,7 +10324,7 @@
             </p:txBody>
           </p:sp>
         </mc:Choice>
-        <mc:Fallback>
+        <mc:Fallback xmlns="">
           <p:sp>
             <p:nvSpPr>
               <p:cNvPr id="33" name="文本框 32">
@@ -10365,8 +10369,8 @@
           </p:sp>
         </mc:Fallback>
       </mc:AlternateContent>
-      <mc:AlternateContent xmlns:mc="http://schemas.openxmlformats.org/markup-compatibility/2006">
-        <mc:Choice xmlns:a14="http://schemas.microsoft.com/office/drawing/2010/main" Requires="a14">
+      <mc:AlternateContent xmlns:mc="http://schemas.openxmlformats.org/markup-compatibility/2006" xmlns:a14="http://schemas.microsoft.com/office/drawing/2010/main">
+        <mc:Choice Requires="a14">
           <p:sp>
             <p:nvSpPr>
               <p:cNvPr id="34" name="文本框 33">
@@ -10395,6 +10399,7 @@
               </a:bodyPr>
               <a:lstStyle/>
               <a:p>
+                <a:pPr/>
                 <a14:m>
                   <m:oMathPara xmlns:m="http://schemas.openxmlformats.org/officeDocument/2006/math">
                     <m:oMathParaPr>
@@ -10440,7 +10445,7 @@
             </p:txBody>
           </p:sp>
         </mc:Choice>
-        <mc:Fallback>
+        <mc:Fallback xmlns="">
           <p:sp>
             <p:nvSpPr>
               <p:cNvPr id="34" name="文本框 33">
@@ -10485,8 +10490,8 @@
           </p:sp>
         </mc:Fallback>
       </mc:AlternateContent>
-      <mc:AlternateContent xmlns:mc="http://schemas.openxmlformats.org/markup-compatibility/2006">
-        <mc:Choice xmlns:a14="http://schemas.microsoft.com/office/drawing/2010/main" Requires="a14">
+      <mc:AlternateContent xmlns:mc="http://schemas.openxmlformats.org/markup-compatibility/2006" xmlns:a14="http://schemas.microsoft.com/office/drawing/2010/main">
+        <mc:Choice Requires="a14">
           <p:sp>
             <p:nvSpPr>
               <p:cNvPr id="35" name="文本框 34">
@@ -10515,6 +10520,7 @@
               </a:bodyPr>
               <a:lstStyle/>
               <a:p>
+                <a:pPr/>
                 <a14:m>
                   <m:oMathPara xmlns:m="http://schemas.openxmlformats.org/officeDocument/2006/math">
                     <m:oMathParaPr>
@@ -10560,7 +10566,7 @@
             </p:txBody>
           </p:sp>
         </mc:Choice>
-        <mc:Fallback>
+        <mc:Fallback xmlns="">
           <p:sp>
             <p:nvSpPr>
               <p:cNvPr id="35" name="文本框 34">
@@ -10664,8 +10670,8 @@
           </a:p>
         </p:txBody>
       </p:sp>
-      <mc:AlternateContent xmlns:mc="http://schemas.openxmlformats.org/markup-compatibility/2006">
-        <mc:Choice xmlns:a14="http://schemas.microsoft.com/office/drawing/2010/main" Requires="a14">
+      <mc:AlternateContent xmlns:mc="http://schemas.openxmlformats.org/markup-compatibility/2006" xmlns:a14="http://schemas.microsoft.com/office/drawing/2010/main">
+        <mc:Choice Requires="a14">
           <p:sp>
             <p:nvSpPr>
               <p:cNvPr id="37" name="文本框 36">
@@ -10719,7 +10725,7 @@
             </p:txBody>
           </p:sp>
         </mc:Choice>
-        <mc:Fallback>
+        <mc:Fallback xmlns="">
           <p:sp>
             <p:nvSpPr>
               <p:cNvPr id="37" name="文本框 36">
@@ -10938,60 +10944,541 @@
           <a:chExt cx="0" cy="0"/>
         </a:xfrm>
       </p:grpSpPr>
+      <p:sp>
+        <p:nvSpPr>
+          <p:cNvPr id="5" name="矩形 4">
+            <a:extLst>
+              <a:ext uri="{FF2B5EF4-FFF2-40B4-BE49-F238E27FC236}">
+                <a16:creationId xmlns:a16="http://schemas.microsoft.com/office/drawing/2014/main" id="{BDDE7709-EA2C-4B3D-883E-BAC159A8004F}"/>
+              </a:ext>
+            </a:extLst>
+          </p:cNvPr>
+          <p:cNvSpPr/>
+          <p:nvPr/>
+        </p:nvSpPr>
+        <p:spPr>
+          <a:xfrm>
+            <a:off x="2555776" y="1811730"/>
+            <a:ext cx="914400" cy="548539"/>
+          </a:xfrm>
+          <a:prstGeom prst="rect">
+            <a:avLst/>
+          </a:prstGeom>
+          <a:solidFill>
+            <a:srgbClr val="FFC000"/>
+          </a:solidFill>
+        </p:spPr>
+        <p:style>
+          <a:lnRef idx="2">
+            <a:schemeClr val="accent1">
+              <a:shade val="50000"/>
+            </a:schemeClr>
+          </a:lnRef>
+          <a:fillRef idx="1">
+            <a:schemeClr val="accent1"/>
+          </a:fillRef>
+          <a:effectRef idx="0">
+            <a:schemeClr val="accent1"/>
+          </a:effectRef>
+          <a:fontRef idx="minor">
+            <a:schemeClr val="lt1"/>
+          </a:fontRef>
+        </p:style>
+        <p:txBody>
+          <a:bodyPr rot="0" spcFirstLastPara="0" vertOverflow="overflow" horzOverflow="overflow" vert="horz" wrap="square" lIns="91440" tIns="45720" rIns="91440" bIns="45720" numCol="1" spcCol="0" rtlCol="0" fromWordArt="0" anchor="ctr" anchorCtr="0" forceAA="0" compatLnSpc="1">
+            <a:prstTxWarp prst="textNoShape">
+              <a:avLst/>
+            </a:prstTxWarp>
+            <a:noAutofit/>
+          </a:bodyPr>
+          <a:lstStyle/>
+          <a:p>
+            <a:pPr algn="ctr"/>
+            <a:endParaRPr lang="en-US" altLang="zh-CN" sz="1400" dirty="0">
+              <a:solidFill>
+                <a:srgbClr val="0070C0"/>
+              </a:solidFill>
+            </a:endParaRPr>
+          </a:p>
+          <a:p>
+            <a:pPr algn="ctr"/>
+            <a:r>
+              <a:rPr lang="zh-CN" altLang="en-US" sz="1400" dirty="0">
+                <a:solidFill>
+                  <a:srgbClr val="0070C0"/>
+                </a:solidFill>
+              </a:rPr>
+              <a:t>人对特征抽取模块</a:t>
+            </a:r>
+          </a:p>
+          <a:p>
+            <a:pPr algn="ctr"/>
+            <a:endParaRPr lang="zh-CN" altLang="en-US" sz="1400" dirty="0">
+              <a:solidFill>
+                <a:srgbClr val="0070C0"/>
+              </a:solidFill>
+            </a:endParaRPr>
+          </a:p>
+        </p:txBody>
+      </p:sp>
+      <p:sp>
+        <p:nvSpPr>
+          <p:cNvPr id="15" name="矩形 14">
+            <a:extLst>
+              <a:ext uri="{FF2B5EF4-FFF2-40B4-BE49-F238E27FC236}">
+                <a16:creationId xmlns:a16="http://schemas.microsoft.com/office/drawing/2014/main" id="{71388ED6-E716-434E-921A-D5D93A126ECE}"/>
+              </a:ext>
+            </a:extLst>
+          </p:cNvPr>
+          <p:cNvSpPr/>
+          <p:nvPr/>
+        </p:nvSpPr>
+        <p:spPr>
+          <a:xfrm>
+            <a:off x="2548310" y="3613071"/>
+            <a:ext cx="914400" cy="548539"/>
+          </a:xfrm>
+          <a:prstGeom prst="rect">
+            <a:avLst/>
+          </a:prstGeom>
+          <a:solidFill>
+            <a:srgbClr val="FFC000"/>
+          </a:solidFill>
+        </p:spPr>
+        <p:style>
+          <a:lnRef idx="2">
+            <a:schemeClr val="accent1">
+              <a:shade val="50000"/>
+            </a:schemeClr>
+          </a:lnRef>
+          <a:fillRef idx="1">
+            <a:schemeClr val="accent1"/>
+          </a:fillRef>
+          <a:effectRef idx="0">
+            <a:schemeClr val="accent1"/>
+          </a:effectRef>
+          <a:fontRef idx="minor">
+            <a:schemeClr val="lt1"/>
+          </a:fontRef>
+        </p:style>
+        <p:txBody>
+          <a:bodyPr rtlCol="0" anchor="ctr"/>
+          <a:lstStyle/>
+          <a:p>
+            <a:pPr algn="ctr"/>
+            <a:endParaRPr lang="en-US" altLang="zh-CN" sz="1400" dirty="0">
+              <a:solidFill>
+                <a:srgbClr val="0070C0"/>
+              </a:solidFill>
+            </a:endParaRPr>
+          </a:p>
+          <a:p>
+            <a:pPr algn="ctr"/>
+            <a:r>
+              <a:rPr lang="zh-CN" altLang="en-US" sz="1400" dirty="0">
+                <a:solidFill>
+                  <a:srgbClr val="0070C0"/>
+                </a:solidFill>
+              </a:rPr>
+              <a:t>物体特征抽取模块</a:t>
+            </a:r>
+          </a:p>
+          <a:p>
+            <a:pPr algn="ctr"/>
+            <a:endParaRPr lang="zh-CN" altLang="en-US" sz="1400" dirty="0"/>
+          </a:p>
+        </p:txBody>
+      </p:sp>
+      <p:sp>
+        <p:nvSpPr>
+          <p:cNvPr id="19" name="矩形 18">
+            <a:extLst>
+              <a:ext uri="{FF2B5EF4-FFF2-40B4-BE49-F238E27FC236}">
+                <a16:creationId xmlns:a16="http://schemas.microsoft.com/office/drawing/2014/main" id="{15CD44F6-A48E-405C-94AD-5D2A2B49DBE1}"/>
+              </a:ext>
+            </a:extLst>
+          </p:cNvPr>
+          <p:cNvSpPr/>
+          <p:nvPr/>
+        </p:nvSpPr>
+        <p:spPr>
+          <a:xfrm>
+            <a:off x="4114800" y="1772816"/>
+            <a:ext cx="914400" cy="626525"/>
+          </a:xfrm>
+          <a:prstGeom prst="rect">
+            <a:avLst/>
+          </a:prstGeom>
+          <a:solidFill>
+            <a:srgbClr val="FFC000"/>
+          </a:solidFill>
+        </p:spPr>
+        <p:style>
+          <a:lnRef idx="2">
+            <a:schemeClr val="accent1">
+              <a:shade val="50000"/>
+            </a:schemeClr>
+          </a:lnRef>
+          <a:fillRef idx="1">
+            <a:schemeClr val="accent1"/>
+          </a:fillRef>
+          <a:effectRef idx="0">
+            <a:schemeClr val="accent1"/>
+          </a:effectRef>
+          <a:fontRef idx="minor">
+            <a:schemeClr val="lt1"/>
+          </a:fontRef>
+        </p:style>
+        <p:txBody>
+          <a:bodyPr rot="0" spcFirstLastPara="0" vertOverflow="overflow" horzOverflow="overflow" vert="horz" wrap="square" lIns="91440" tIns="45720" rIns="91440" bIns="45720" numCol="1" spcCol="0" rtlCol="0" fromWordArt="0" anchor="ctr" anchorCtr="0" forceAA="0" compatLnSpc="1">
+            <a:prstTxWarp prst="textNoShape">
+              <a:avLst/>
+            </a:prstTxWarp>
+            <a:noAutofit/>
+          </a:bodyPr>
+          <a:lstStyle/>
+          <a:p>
+            <a:pPr algn="ctr"/>
+            <a:r>
+              <a:rPr lang="en-US" altLang="zh-CN" sz="1400" dirty="0">
+                <a:solidFill>
+                  <a:srgbClr val="0070C0"/>
+                </a:solidFill>
+              </a:rPr>
+              <a:t>PPRN</a:t>
+            </a:r>
+            <a:endParaRPr lang="zh-CN" altLang="en-US" sz="1400" dirty="0">
+              <a:solidFill>
+                <a:srgbClr val="0070C0"/>
+              </a:solidFill>
+            </a:endParaRPr>
+          </a:p>
+        </p:txBody>
+      </p:sp>
+      <p:sp>
+        <p:nvSpPr>
+          <p:cNvPr id="21" name="矩形 20">
+            <a:extLst>
+              <a:ext uri="{FF2B5EF4-FFF2-40B4-BE49-F238E27FC236}">
+                <a16:creationId xmlns:a16="http://schemas.microsoft.com/office/drawing/2014/main" id="{2B270CCB-9B42-4A88-BD0E-776466E36A3C}"/>
+              </a:ext>
+            </a:extLst>
+          </p:cNvPr>
+          <p:cNvSpPr/>
+          <p:nvPr/>
+        </p:nvSpPr>
+        <p:spPr>
+          <a:xfrm>
+            <a:off x="4114800" y="3263557"/>
+            <a:ext cx="914400" cy="1247568"/>
+          </a:xfrm>
+          <a:prstGeom prst="rect">
+            <a:avLst/>
+          </a:prstGeom>
+          <a:noFill/>
+          <a:ln>
+            <a:prstDash val="lgDash"/>
+          </a:ln>
+        </p:spPr>
+        <p:style>
+          <a:lnRef idx="2">
+            <a:schemeClr val="accent1">
+              <a:shade val="50000"/>
+            </a:schemeClr>
+          </a:lnRef>
+          <a:fillRef idx="1">
+            <a:schemeClr val="accent1"/>
+          </a:fillRef>
+          <a:effectRef idx="0">
+            <a:schemeClr val="accent1"/>
+          </a:effectRef>
+          <a:fontRef idx="minor">
+            <a:schemeClr val="lt1"/>
+          </a:fontRef>
+        </p:style>
+        <p:txBody>
+          <a:bodyPr rtlCol="0" anchor="ctr"/>
+          <a:lstStyle/>
+          <a:p>
+            <a:pPr algn="ctr"/>
+            <a:r>
+              <a:rPr lang="en-US" altLang="zh-CN" sz="1400" dirty="0"/>
+              <a:t>PPRN</a:t>
+            </a:r>
+            <a:endParaRPr lang="zh-CN" altLang="en-US" sz="1400" dirty="0"/>
+          </a:p>
+        </p:txBody>
+      </p:sp>
+      <p:sp>
+        <p:nvSpPr>
+          <p:cNvPr id="22" name="矩形 21">
+            <a:extLst>
+              <a:ext uri="{FF2B5EF4-FFF2-40B4-BE49-F238E27FC236}">
+                <a16:creationId xmlns:a16="http://schemas.microsoft.com/office/drawing/2014/main" id="{A8968739-BBEB-4027-A404-3349880E0FC7}"/>
+              </a:ext>
+            </a:extLst>
+          </p:cNvPr>
+          <p:cNvSpPr/>
+          <p:nvPr/>
+        </p:nvSpPr>
+        <p:spPr>
+          <a:xfrm>
+            <a:off x="4276498" y="3418334"/>
+            <a:ext cx="72008" cy="914400"/>
+          </a:xfrm>
+          <a:prstGeom prst="rect">
+            <a:avLst/>
+          </a:prstGeom>
+          <a:solidFill>
+            <a:srgbClr val="FFFF00"/>
+          </a:solidFill>
+        </p:spPr>
+        <p:style>
+          <a:lnRef idx="2">
+            <a:schemeClr val="accent1">
+              <a:shade val="50000"/>
+            </a:schemeClr>
+          </a:lnRef>
+          <a:fillRef idx="1">
+            <a:schemeClr val="accent1"/>
+          </a:fillRef>
+          <a:effectRef idx="0">
+            <a:schemeClr val="accent1"/>
+          </a:effectRef>
+          <a:fontRef idx="minor">
+            <a:schemeClr val="lt1"/>
+          </a:fontRef>
+        </p:style>
+        <p:txBody>
+          <a:bodyPr rtlCol="0" anchor="ctr"/>
+          <a:lstStyle/>
+          <a:p>
+            <a:pPr algn="ctr"/>
+            <a:endParaRPr lang="zh-CN" altLang="en-US" sz="1400" dirty="0"/>
+          </a:p>
+        </p:txBody>
+      </p:sp>
+      <p:sp>
+        <p:nvSpPr>
+          <p:cNvPr id="26" name="矩形 25">
+            <a:extLst>
+              <a:ext uri="{FF2B5EF4-FFF2-40B4-BE49-F238E27FC236}">
+                <a16:creationId xmlns:a16="http://schemas.microsoft.com/office/drawing/2014/main" id="{9D00A584-1DB9-4A74-BAA5-4A4B32EA0972}"/>
+              </a:ext>
+            </a:extLst>
+          </p:cNvPr>
+          <p:cNvSpPr/>
+          <p:nvPr/>
+        </p:nvSpPr>
+        <p:spPr>
+          <a:xfrm>
+            <a:off x="4622195" y="3418334"/>
+            <a:ext cx="72008" cy="914400"/>
+          </a:xfrm>
+          <a:prstGeom prst="rect">
+            <a:avLst/>
+          </a:prstGeom>
+          <a:solidFill>
+            <a:srgbClr val="FFFF00"/>
+          </a:solidFill>
+        </p:spPr>
+        <p:style>
+          <a:lnRef idx="2">
+            <a:schemeClr val="accent1">
+              <a:shade val="50000"/>
+            </a:schemeClr>
+          </a:lnRef>
+          <a:fillRef idx="1">
+            <a:schemeClr val="accent1"/>
+          </a:fillRef>
+          <a:effectRef idx="0">
+            <a:schemeClr val="accent1"/>
+          </a:effectRef>
+          <a:fontRef idx="minor">
+            <a:schemeClr val="lt1"/>
+          </a:fontRef>
+        </p:style>
+        <p:txBody>
+          <a:bodyPr rtlCol="0" anchor="ctr"/>
+          <a:lstStyle/>
+          <a:p>
+            <a:pPr algn="ctr"/>
+            <a:endParaRPr lang="zh-CN" altLang="en-US" sz="1400" dirty="0"/>
+          </a:p>
+        </p:txBody>
+      </p:sp>
+      <p:sp>
+        <p:nvSpPr>
+          <p:cNvPr id="27" name="矩形 26">
+            <a:extLst>
+              <a:ext uri="{FF2B5EF4-FFF2-40B4-BE49-F238E27FC236}">
+                <a16:creationId xmlns:a16="http://schemas.microsoft.com/office/drawing/2014/main" id="{A4586D7B-7849-4138-8B99-93C00F29625B}"/>
+              </a:ext>
+            </a:extLst>
+          </p:cNvPr>
+          <p:cNvSpPr/>
+          <p:nvPr/>
+        </p:nvSpPr>
+        <p:spPr>
+          <a:xfrm>
+            <a:off x="4440426" y="3418334"/>
+            <a:ext cx="72008" cy="914400"/>
+          </a:xfrm>
+          <a:prstGeom prst="rect">
+            <a:avLst/>
+          </a:prstGeom>
+          <a:solidFill>
+            <a:srgbClr val="FFFF00"/>
+          </a:solidFill>
+        </p:spPr>
+        <p:style>
+          <a:lnRef idx="2">
+            <a:schemeClr val="accent1">
+              <a:shade val="50000"/>
+            </a:schemeClr>
+          </a:lnRef>
+          <a:fillRef idx="1">
+            <a:schemeClr val="accent1"/>
+          </a:fillRef>
+          <a:effectRef idx="0">
+            <a:schemeClr val="accent1"/>
+          </a:effectRef>
+          <a:fontRef idx="minor">
+            <a:schemeClr val="lt1"/>
+          </a:fontRef>
+        </p:style>
+        <p:txBody>
+          <a:bodyPr rtlCol="0" anchor="ctr"/>
+          <a:lstStyle/>
+          <a:p>
+            <a:pPr algn="ctr"/>
+            <a:endParaRPr lang="zh-CN" altLang="en-US" sz="1400" dirty="0"/>
+          </a:p>
+        </p:txBody>
+      </p:sp>
+      <p:sp>
+        <p:nvSpPr>
+          <p:cNvPr id="28" name="矩形 27">
+            <a:extLst>
+              <a:ext uri="{FF2B5EF4-FFF2-40B4-BE49-F238E27FC236}">
+                <a16:creationId xmlns:a16="http://schemas.microsoft.com/office/drawing/2014/main" id="{622E13BA-968F-4074-9A15-6B2EC74F3BE2}"/>
+              </a:ext>
+            </a:extLst>
+          </p:cNvPr>
+          <p:cNvSpPr/>
+          <p:nvPr/>
+        </p:nvSpPr>
+        <p:spPr>
+          <a:xfrm>
+            <a:off x="5529808" y="2639773"/>
+            <a:ext cx="288032" cy="1149266"/>
+          </a:xfrm>
+          <a:prstGeom prst="rect">
+            <a:avLst/>
+          </a:prstGeom>
+          <a:noFill/>
+          <a:ln>
+            <a:prstDash val="lgDash"/>
+          </a:ln>
+        </p:spPr>
+        <p:style>
+          <a:lnRef idx="2">
+            <a:schemeClr val="accent1">
+              <a:shade val="50000"/>
+            </a:schemeClr>
+          </a:lnRef>
+          <a:fillRef idx="1">
+            <a:schemeClr val="accent1"/>
+          </a:fillRef>
+          <a:effectRef idx="0">
+            <a:schemeClr val="accent1"/>
+          </a:effectRef>
+          <a:fontRef idx="minor">
+            <a:schemeClr val="lt1"/>
+          </a:fontRef>
+        </p:style>
+        <p:txBody>
+          <a:bodyPr rtlCol="0" anchor="ctr"/>
+          <a:lstStyle/>
+          <a:p>
+            <a:pPr algn="ctr"/>
+            <a:r>
+              <a:rPr lang="en-US" altLang="zh-CN" sz="1400" dirty="0"/>
+              <a:t>PPRN</a:t>
+            </a:r>
+            <a:endParaRPr lang="zh-CN" altLang="en-US" sz="1400" dirty="0"/>
+          </a:p>
+        </p:txBody>
+      </p:sp>
+      <p:sp>
+        <p:nvSpPr>
+          <p:cNvPr id="29" name="矩形 28">
+            <a:extLst>
+              <a:ext uri="{FF2B5EF4-FFF2-40B4-BE49-F238E27FC236}">
+                <a16:creationId xmlns:a16="http://schemas.microsoft.com/office/drawing/2014/main" id="{47AC0AF5-C551-490D-951A-580797F56386}"/>
+              </a:ext>
+            </a:extLst>
+          </p:cNvPr>
+          <p:cNvSpPr/>
+          <p:nvPr/>
+        </p:nvSpPr>
+        <p:spPr>
+          <a:xfrm>
+            <a:off x="5601816" y="2806357"/>
+            <a:ext cx="72008" cy="914400"/>
+          </a:xfrm>
+          <a:prstGeom prst="rect">
+            <a:avLst/>
+          </a:prstGeom>
+          <a:solidFill>
+            <a:srgbClr val="C00000"/>
+          </a:solidFill>
+        </p:spPr>
+        <p:style>
+          <a:lnRef idx="2">
+            <a:schemeClr val="accent1">
+              <a:shade val="50000"/>
+            </a:schemeClr>
+          </a:lnRef>
+          <a:fillRef idx="1">
+            <a:schemeClr val="accent1"/>
+          </a:fillRef>
+          <a:effectRef idx="0">
+            <a:schemeClr val="accent1"/>
+          </a:effectRef>
+          <a:fontRef idx="minor">
+            <a:schemeClr val="lt1"/>
+          </a:fontRef>
+        </p:style>
+        <p:txBody>
+          <a:bodyPr rtlCol="0" anchor="ctr"/>
+          <a:lstStyle/>
+          <a:p>
+            <a:pPr algn="ctr"/>
+            <a:endParaRPr lang="zh-CN" altLang="en-US" sz="1400" dirty="0"/>
+          </a:p>
+        </p:txBody>
+      </p:sp>
       <p:cxnSp>
         <p:nvCxnSpPr>
-          <p:cNvPr id="10" name="直接连接符 9">
+          <p:cNvPr id="12" name="直接箭头连接符 11">
             <a:extLst>
               <a:ext uri="{FF2B5EF4-FFF2-40B4-BE49-F238E27FC236}">
-                <a16:creationId xmlns:a16="http://schemas.microsoft.com/office/drawing/2014/main" id="{197ABAA8-EB16-4CCB-A6D8-2DCA4952C2E4}"/>
+                <a16:creationId xmlns:a16="http://schemas.microsoft.com/office/drawing/2014/main" id="{40E4DD67-6DD1-42BC-9F6F-FC86EE9D85DF}"/>
               </a:ext>
             </a:extLst>
           </p:cNvPr>
           <p:cNvCxnSpPr>
             <a:cxnSpLocks/>
+            <a:stCxn id="21" idx="3"/>
+            <a:endCxn id="28" idx="1"/>
           </p:cNvCxnSpPr>
           <p:nvPr/>
         </p:nvCxnSpPr>
         <p:spPr>
-          <a:xfrm>
-            <a:off x="2771800" y="3140968"/>
-            <a:ext cx="0" cy="1368152"/>
-          </a:xfrm>
-          <a:prstGeom prst="line">
-            <a:avLst/>
-          </a:prstGeom>
-        </p:spPr>
-        <p:style>
-          <a:lnRef idx="1">
-            <a:schemeClr val="accent1"/>
-          </a:lnRef>
-          <a:fillRef idx="0">
-            <a:schemeClr val="accent1"/>
-          </a:fillRef>
-          <a:effectRef idx="0">
-            <a:schemeClr val="accent1"/>
-          </a:effectRef>
-          <a:fontRef idx="minor">
-            <a:schemeClr val="tx1"/>
-          </a:fontRef>
-        </p:style>
-      </p:cxnSp>
-      <p:cxnSp>
-        <p:nvCxnSpPr>
-          <p:cNvPr id="13" name="直接箭头连接符 12">
-            <a:extLst>
-              <a:ext uri="{FF2B5EF4-FFF2-40B4-BE49-F238E27FC236}">
-                <a16:creationId xmlns:a16="http://schemas.microsoft.com/office/drawing/2014/main" id="{43529CD8-E748-4EE1-9AE3-24B830E78824}"/>
-              </a:ext>
-            </a:extLst>
-          </p:cNvPr>
-          <p:cNvCxnSpPr/>
-          <p:nvPr/>
-        </p:nvCxnSpPr>
-        <p:spPr>
-          <a:xfrm>
-            <a:off x="2771800" y="3140968"/>
-            <a:ext cx="576064" cy="0"/>
+          <a:xfrm flipV="1">
+            <a:off x="5029200" y="3214406"/>
+            <a:ext cx="500608" cy="672935"/>
           </a:xfrm>
           <a:prstGeom prst="straightConnector1">
             <a:avLst/>
@@ -11017,10 +11504,10 @@
       </p:cxnSp>
       <p:sp>
         <p:nvSpPr>
-          <p:cNvPr id="14" name="矩形 13">
+          <p:cNvPr id="33" name="矩形 32">
             <a:extLst>
               <a:ext uri="{FF2B5EF4-FFF2-40B4-BE49-F238E27FC236}">
-                <a16:creationId xmlns:a16="http://schemas.microsoft.com/office/drawing/2014/main" id="{C278C85F-914E-4044-B2D7-A32F6DE4F9F1}"/>
+                <a16:creationId xmlns:a16="http://schemas.microsoft.com/office/drawing/2014/main" id="{F26571D1-7105-49E4-BCCA-9561FB749BA3}"/>
               </a:ext>
             </a:extLst>
           </p:cNvPr>
@@ -11029,14 +11516,14 @@
         </p:nvSpPr>
         <p:spPr>
           <a:xfrm>
-            <a:off x="5256065" y="4386587"/>
-            <a:ext cx="504037" cy="360040"/>
+            <a:off x="6570476" y="1615770"/>
+            <a:ext cx="72008" cy="914400"/>
           </a:xfrm>
           <a:prstGeom prst="rect">
             <a:avLst/>
           </a:prstGeom>
           <a:solidFill>
-            <a:schemeClr val="bg1"/>
+            <a:srgbClr val="92D050"/>
           </a:solidFill>
         </p:spPr>
         <p:style>
@@ -11060,18 +11547,190 @@
           <a:lstStyle/>
           <a:p>
             <a:pPr algn="ctr"/>
-            <a:endParaRPr lang="zh-CN" altLang="en-US" dirty="0"/>
-          </a:p>
-        </p:txBody>
-      </p:sp>
+            <a:endParaRPr lang="zh-CN" altLang="en-US" sz="1400" dirty="0"/>
+          </a:p>
+        </p:txBody>
+      </p:sp>
+      <p:cxnSp>
+        <p:nvCxnSpPr>
+          <p:cNvPr id="35" name="直接箭头连接符 34">
+            <a:extLst>
+              <a:ext uri="{FF2B5EF4-FFF2-40B4-BE49-F238E27FC236}">
+                <a16:creationId xmlns:a16="http://schemas.microsoft.com/office/drawing/2014/main" id="{99CB1769-CBAE-4281-A0BC-1284C8F08A61}"/>
+              </a:ext>
+            </a:extLst>
+          </p:cNvPr>
+          <p:cNvCxnSpPr>
+            <a:cxnSpLocks/>
+            <a:stCxn id="19" idx="3"/>
+            <a:endCxn id="28" idx="1"/>
+          </p:cNvCxnSpPr>
+          <p:nvPr/>
+        </p:nvCxnSpPr>
+        <p:spPr>
+          <a:xfrm>
+            <a:off x="5029200" y="2086079"/>
+            <a:ext cx="500608" cy="1128327"/>
+          </a:xfrm>
+          <a:prstGeom prst="straightConnector1">
+            <a:avLst/>
+          </a:prstGeom>
+          <a:ln>
+            <a:solidFill>
+              <a:srgbClr val="FF0000"/>
+            </a:solidFill>
+            <a:tailEnd type="triangle"/>
+          </a:ln>
+        </p:spPr>
+        <p:style>
+          <a:lnRef idx="1">
+            <a:schemeClr val="accent1"/>
+          </a:lnRef>
+          <a:fillRef idx="0">
+            <a:schemeClr val="accent1"/>
+          </a:fillRef>
+          <a:effectRef idx="0">
+            <a:schemeClr val="accent1"/>
+          </a:effectRef>
+          <a:fontRef idx="minor">
+            <a:schemeClr val="tx1"/>
+          </a:fontRef>
+        </p:style>
+      </p:cxnSp>
+      <p:sp>
+        <p:nvSpPr>
+          <p:cNvPr id="36" name="矩形 35">
+            <a:extLst>
+              <a:ext uri="{FF2B5EF4-FFF2-40B4-BE49-F238E27FC236}">
+                <a16:creationId xmlns:a16="http://schemas.microsoft.com/office/drawing/2014/main" id="{CBC72243-5006-43BF-AFBD-77CEFBD74A82}"/>
+              </a:ext>
+            </a:extLst>
+          </p:cNvPr>
+          <p:cNvSpPr/>
+          <p:nvPr/>
+        </p:nvSpPr>
+        <p:spPr>
+          <a:xfrm>
+            <a:off x="6559843" y="2776468"/>
+            <a:ext cx="72008" cy="914400"/>
+          </a:xfrm>
+          <a:prstGeom prst="rect">
+            <a:avLst/>
+          </a:prstGeom>
+          <a:solidFill>
+            <a:srgbClr val="FFFF00"/>
+          </a:solidFill>
+        </p:spPr>
+        <p:style>
+          <a:lnRef idx="2">
+            <a:schemeClr val="accent1">
+              <a:shade val="50000"/>
+            </a:schemeClr>
+          </a:lnRef>
+          <a:fillRef idx="1">
+            <a:schemeClr val="accent1"/>
+          </a:fillRef>
+          <a:effectRef idx="0">
+            <a:schemeClr val="accent1"/>
+          </a:effectRef>
+          <a:fontRef idx="minor">
+            <a:schemeClr val="lt1"/>
+          </a:fontRef>
+        </p:style>
+        <p:txBody>
+          <a:bodyPr rtlCol="0" anchor="ctr"/>
+          <a:lstStyle/>
+          <a:p>
+            <a:pPr algn="ctr"/>
+            <a:endParaRPr lang="zh-CN" altLang="en-US" sz="1400" dirty="0"/>
+          </a:p>
+        </p:txBody>
+      </p:sp>
+      <p:cxnSp>
+        <p:nvCxnSpPr>
+          <p:cNvPr id="38" name="直接连接符 37">
+            <a:extLst>
+              <a:ext uri="{FF2B5EF4-FFF2-40B4-BE49-F238E27FC236}">
+                <a16:creationId xmlns:a16="http://schemas.microsoft.com/office/drawing/2014/main" id="{7980B802-C71C-4511-B4B9-AE42694AA66F}"/>
+              </a:ext>
+            </a:extLst>
+          </p:cNvPr>
+          <p:cNvCxnSpPr>
+            <a:cxnSpLocks/>
+            <a:stCxn id="21" idx="3"/>
+          </p:cNvCxnSpPr>
+          <p:nvPr/>
+        </p:nvCxnSpPr>
+        <p:spPr>
+          <a:xfrm>
+            <a:off x="5029200" y="3887341"/>
+            <a:ext cx="1224134" cy="0"/>
+          </a:xfrm>
+          <a:prstGeom prst="line">
+            <a:avLst/>
+          </a:prstGeom>
+        </p:spPr>
+        <p:style>
+          <a:lnRef idx="1">
+            <a:schemeClr val="accent1"/>
+          </a:lnRef>
+          <a:fillRef idx="0">
+            <a:schemeClr val="accent1"/>
+          </a:fillRef>
+          <a:effectRef idx="0">
+            <a:schemeClr val="accent1"/>
+          </a:effectRef>
+          <a:fontRef idx="minor">
+            <a:schemeClr val="tx1"/>
+          </a:fontRef>
+        </p:style>
+      </p:cxnSp>
+      <p:cxnSp>
+        <p:nvCxnSpPr>
+          <p:cNvPr id="42" name="直接连接符 41">
+            <a:extLst>
+              <a:ext uri="{FF2B5EF4-FFF2-40B4-BE49-F238E27FC236}">
+                <a16:creationId xmlns:a16="http://schemas.microsoft.com/office/drawing/2014/main" id="{44BB5192-CB6B-40A7-BAD8-F6E9837553B8}"/>
+              </a:ext>
+            </a:extLst>
+          </p:cNvPr>
+          <p:cNvCxnSpPr>
+            <a:stCxn id="28" idx="3"/>
+          </p:cNvCxnSpPr>
+          <p:nvPr/>
+        </p:nvCxnSpPr>
+        <p:spPr>
+          <a:xfrm>
+            <a:off x="5817840" y="3214406"/>
+            <a:ext cx="338336" cy="0"/>
+          </a:xfrm>
+          <a:prstGeom prst="line">
+            <a:avLst/>
+          </a:prstGeom>
+        </p:spPr>
+        <p:style>
+          <a:lnRef idx="1">
+            <a:schemeClr val="accent1"/>
+          </a:lnRef>
+          <a:fillRef idx="0">
+            <a:schemeClr val="accent1"/>
+          </a:fillRef>
+          <a:effectRef idx="0">
+            <a:schemeClr val="accent1"/>
+          </a:effectRef>
+          <a:fontRef idx="minor">
+            <a:schemeClr val="tx1"/>
+          </a:fontRef>
+        </p:style>
+      </p:cxnSp>
       <mc:AlternateContent xmlns:mc="http://schemas.openxmlformats.org/markup-compatibility/2006">
         <mc:Choice xmlns:a14="http://schemas.microsoft.com/office/drawing/2010/main" Requires="a14">
           <p:sp>
             <p:nvSpPr>
-              <p:cNvPr id="16" name="文本框 15">
+              <p:cNvPr id="48" name="文本框 47">
                 <a:extLst>
                   <a:ext uri="{FF2B5EF4-FFF2-40B4-BE49-F238E27FC236}">
-                    <a16:creationId xmlns:a16="http://schemas.microsoft.com/office/drawing/2014/main" id="{1E8395B8-94F4-43DA-AA97-FDAA3C1DBF22}"/>
+                    <a16:creationId xmlns:a16="http://schemas.microsoft.com/office/drawing/2014/main" id="{778B46AB-5ADD-442A-A8F7-33A4B1580322}"/>
                   </a:ext>
                 </a:extLst>
               </p:cNvPr>
@@ -11080,8 +11739,8 @@
             </p:nvSpPr>
             <p:spPr>
               <a:xfrm>
-                <a:off x="5292080" y="4417945"/>
-                <a:ext cx="468022" cy="369332"/>
+                <a:off x="6030416" y="3049002"/>
+                <a:ext cx="222918" cy="369332"/>
               </a:xfrm>
               <a:prstGeom prst="rect">
                 <a:avLst/>
@@ -11089,7 +11748,7 @@
               <a:noFill/>
             </p:spPr>
             <p:txBody>
-              <a:bodyPr wrap="square" rtlCol="0">
+              <a:bodyPr wrap="square" rtlCol="0" anchor="ctr">
                 <a:spAutoFit/>
               </a:bodyPr>
               <a:lstStyle/>
@@ -11100,31 +11759,12 @@
                       <m:jc m:val="centerGroup"/>
                     </m:oMathParaPr>
                     <m:oMath xmlns:m="http://schemas.openxmlformats.org/officeDocument/2006/math">
-                      <m:sSup>
-                        <m:sSupPr>
-                          <m:ctrlPr>
-                            <a:rPr lang="en-US" altLang="zh-CN" b="0" i="1" smtClean="0">
-                              <a:latin typeface="Cambria Math" panose="02040503050406030204" pitchFamily="18" charset="0"/>
-                            </a:rPr>
-                          </m:ctrlPr>
-                        </m:sSupPr>
-                        <m:e>
-                          <m:r>
-                            <a:rPr lang="en-US" altLang="zh-CN" b="0" i="1" smtClean="0">
-                              <a:latin typeface="Cambria Math" panose="02040503050406030204" pitchFamily="18" charset="0"/>
-                            </a:rPr>
-                            <m:t>h</m:t>
-                          </m:r>
-                        </m:e>
-                        <m:sup>
-                          <m:r>
-                            <a:rPr lang="en-US" altLang="zh-CN" b="0" i="1" smtClean="0">
-                              <a:latin typeface="Cambria Math" panose="02040503050406030204" pitchFamily="18" charset="0"/>
-                            </a:rPr>
-                            <m:t>~</m:t>
-                          </m:r>
-                        </m:sup>
-                      </m:sSup>
+                      <m:r>
+                        <a:rPr lang="en-US" altLang="zh-CN" b="0" i="1" smtClean="0">
+                          <a:latin typeface="Cambria Math" panose="02040503050406030204" pitchFamily="18" charset="0"/>
+                        </a:rPr>
+                        <m:t>⊕</m:t>
+                      </m:r>
                     </m:oMath>
                   </m:oMathPara>
                 </a14:m>
@@ -11136,10 +11776,10 @@
         <mc:Fallback>
           <p:sp>
             <p:nvSpPr>
-              <p:cNvPr id="16" name="文本框 15">
+              <p:cNvPr id="48" name="文本框 47">
                 <a:extLst>
                   <a:ext uri="{FF2B5EF4-FFF2-40B4-BE49-F238E27FC236}">
-                    <a16:creationId xmlns:a16="http://schemas.microsoft.com/office/drawing/2014/main" id="{1E8395B8-94F4-43DA-AA97-FDAA3C1DBF22}"/>
+                    <a16:creationId xmlns:a16="http://schemas.microsoft.com/office/drawing/2014/main" id="{778B46AB-5ADD-442A-A8F7-33A4B1580322}"/>
                   </a:ext>
                 </a:extLst>
               </p:cNvPr>
@@ -11150,8 +11790,8 @@
             </p:nvSpPr>
             <p:spPr>
               <a:xfrm>
-                <a:off x="5292080" y="4417945"/>
-                <a:ext cx="468022" cy="369332"/>
+                <a:off x="6030416" y="3049002"/>
+                <a:ext cx="222918" cy="369332"/>
               </a:xfrm>
               <a:prstGeom prst="rect">
                 <a:avLst/>
@@ -11159,7 +11799,7 @@
               <a:blipFill>
                 <a:blip r:embed="rId2"/>
                 <a:stretch>
-                  <a:fillRect/>
+                  <a:fillRect l="-2703" r="-89189" b="-4918"/>
                 </a:stretch>
               </a:blipFill>
             </p:spPr>
@@ -11178,97 +11818,12 @@
           </p:sp>
         </mc:Fallback>
       </mc:AlternateContent>
-      <p:sp>
-        <p:nvSpPr>
-          <p:cNvPr id="17" name="椭圆 16">
+      <p:cxnSp>
+        <p:nvCxnSpPr>
+          <p:cNvPr id="54" name="直接连接符 53">
             <a:extLst>
               <a:ext uri="{FF2B5EF4-FFF2-40B4-BE49-F238E27FC236}">
-                <a16:creationId xmlns:a16="http://schemas.microsoft.com/office/drawing/2014/main" id="{6FF84A3B-488B-4672-9393-A11C433CF2A9}"/>
-              </a:ext>
-            </a:extLst>
-          </p:cNvPr>
-          <p:cNvSpPr/>
-          <p:nvPr/>
-        </p:nvSpPr>
-        <p:spPr>
-          <a:xfrm>
-            <a:off x="3636382" y="4335842"/>
-            <a:ext cx="504030" cy="472698"/>
-          </a:xfrm>
-          <a:prstGeom prst="ellipse">
-            <a:avLst/>
-          </a:prstGeom>
-          <a:solidFill>
-            <a:schemeClr val="bg1"/>
-          </a:solidFill>
-        </p:spPr>
-        <p:style>
-          <a:lnRef idx="2">
-            <a:schemeClr val="accent1">
-              <a:shade val="50000"/>
-            </a:schemeClr>
-          </a:lnRef>
-          <a:fillRef idx="1">
-            <a:schemeClr val="accent1"/>
-          </a:fillRef>
-          <a:effectRef idx="0">
-            <a:schemeClr val="accent1"/>
-          </a:effectRef>
-          <a:fontRef idx="minor">
-            <a:schemeClr val="lt1"/>
-          </a:fontRef>
-        </p:style>
-        <p:txBody>
-          <a:bodyPr rtlCol="0" anchor="ctr"/>
-          <a:lstStyle/>
-          <a:p>
-            <a:pPr algn="ctr"/>
-            <a:endParaRPr lang="zh-CN" altLang="en-US"/>
-          </a:p>
-        </p:txBody>
-      </p:sp>
-      <p:sp>
-        <p:nvSpPr>
-          <p:cNvPr id="18" name="文本框 17">
-            <a:extLst>
-              <a:ext uri="{FF2B5EF4-FFF2-40B4-BE49-F238E27FC236}">
-                <a16:creationId xmlns:a16="http://schemas.microsoft.com/office/drawing/2014/main" id="{BC8D7EA4-656F-4E74-9B56-2DBFC1DBAC27}"/>
-              </a:ext>
-            </a:extLst>
-          </p:cNvPr>
-          <p:cNvSpPr txBox="1"/>
-          <p:nvPr/>
-        </p:nvSpPr>
-        <p:spPr>
-          <a:xfrm>
-            <a:off x="3683243" y="4387773"/>
-            <a:ext cx="457169" cy="369332"/>
-          </a:xfrm>
-          <a:prstGeom prst="rect">
-            <a:avLst/>
-          </a:prstGeom>
-          <a:noFill/>
-        </p:spPr>
-        <p:txBody>
-          <a:bodyPr wrap="square" rtlCol="0">
-            <a:spAutoFit/>
-          </a:bodyPr>
-          <a:lstStyle/>
-          <a:p>
-            <a:r>
-              <a:rPr lang="en-US" altLang="zh-CN" dirty="0"/>
-              <a:t> h</a:t>
-            </a:r>
-            <a:endParaRPr lang="zh-CN" altLang="en-US" dirty="0"/>
-          </a:p>
-        </p:txBody>
-      </p:sp>
-      <p:cxnSp>
-        <p:nvCxnSpPr>
-          <p:cNvPr id="20" name="直接连接符 19">
-            <a:extLst>
-              <a:ext uri="{FF2B5EF4-FFF2-40B4-BE49-F238E27FC236}">
-                <a16:creationId xmlns:a16="http://schemas.microsoft.com/office/drawing/2014/main" id="{9A9CAAA9-7646-4DB6-B090-4E7B92DF2382}"/>
+                <a16:creationId xmlns:a16="http://schemas.microsoft.com/office/drawing/2014/main" id="{B18388B0-C90F-4F76-8FD5-4B734C9FF40E}"/>
               </a:ext>
             </a:extLst>
           </p:cNvPr>
@@ -11278,9 +11833,9 @@
           <p:nvPr/>
         </p:nvCxnSpPr>
         <p:spPr>
-          <a:xfrm>
-            <a:off x="2771800" y="4527066"/>
-            <a:ext cx="864582" cy="0"/>
+          <a:xfrm flipV="1">
+            <a:off x="6228184" y="3356994"/>
+            <a:ext cx="0" cy="530347"/>
           </a:xfrm>
           <a:prstGeom prst="line">
             <a:avLst/>
@@ -11303,22 +11858,152 @@
       </p:cxnSp>
       <p:cxnSp>
         <p:nvCxnSpPr>
-          <p:cNvPr id="23" name="直接箭头连接符 22">
+          <p:cNvPr id="58" name="直接连接符 57">
             <a:extLst>
               <a:ext uri="{FF2B5EF4-FFF2-40B4-BE49-F238E27FC236}">
-                <a16:creationId xmlns:a16="http://schemas.microsoft.com/office/drawing/2014/main" id="{2AC5C074-6AA8-4CCE-A847-002A6CFC28A7}"/>
+                <a16:creationId xmlns:a16="http://schemas.microsoft.com/office/drawing/2014/main" id="{06802445-162D-45F6-9326-40E6EA4E2923}"/>
               </a:ext>
             </a:extLst>
           </p:cNvPr>
           <p:cNvCxnSpPr>
             <a:cxnSpLocks/>
+            <a:stCxn id="48" idx="3"/>
+            <a:endCxn id="36" idx="1"/>
           </p:cNvCxnSpPr>
           <p:nvPr/>
         </p:nvCxnSpPr>
         <p:spPr>
           <a:xfrm>
-            <a:off x="4212420" y="4575378"/>
-            <a:ext cx="359580" cy="8689"/>
+            <a:off x="6253334" y="3233668"/>
+            <a:ext cx="306509" cy="0"/>
+          </a:xfrm>
+          <a:prstGeom prst="line">
+            <a:avLst/>
+          </a:prstGeom>
+        </p:spPr>
+        <p:style>
+          <a:lnRef idx="1">
+            <a:schemeClr val="accent1"/>
+          </a:lnRef>
+          <a:fillRef idx="0">
+            <a:schemeClr val="accent1"/>
+          </a:fillRef>
+          <a:effectRef idx="0">
+            <a:schemeClr val="accent1"/>
+          </a:effectRef>
+          <a:fontRef idx="minor">
+            <a:schemeClr val="tx1"/>
+          </a:fontRef>
+        </p:style>
+      </p:cxnSp>
+      <p:sp>
+        <p:nvSpPr>
+          <p:cNvPr id="62" name="文本框 61">
+            <a:extLst>
+              <a:ext uri="{FF2B5EF4-FFF2-40B4-BE49-F238E27FC236}">
+                <a16:creationId xmlns:a16="http://schemas.microsoft.com/office/drawing/2014/main" id="{9BF15BDE-0DEE-49E7-92E0-E821E0E6E497}"/>
+              </a:ext>
+            </a:extLst>
+          </p:cNvPr>
+          <p:cNvSpPr txBox="1"/>
+          <p:nvPr/>
+        </p:nvSpPr>
+        <p:spPr>
+          <a:xfrm>
+            <a:off x="5279504" y="2276872"/>
+            <a:ext cx="1090164" cy="261610"/>
+          </a:xfrm>
+          <a:prstGeom prst="rect">
+            <a:avLst/>
+          </a:prstGeom>
+          <a:noFill/>
+        </p:spPr>
+        <p:txBody>
+          <a:bodyPr wrap="square" rtlCol="0" anchor="ctr">
+            <a:spAutoFit/>
+          </a:bodyPr>
+          <a:lstStyle/>
+          <a:p>
+            <a:r>
+              <a:rPr lang="en-US" altLang="zh-CN" sz="1100" b="1" dirty="0"/>
+              <a:t>Atten</a:t>
+            </a:r>
+            <a:r>
+              <a:rPr lang="en-US" altLang="zh-CN" sz="1100" dirty="0"/>
+              <a:t> </a:t>
+            </a:r>
+            <a:r>
+              <a:rPr lang="en-US" altLang="zh-CN" sz="1100" b="1" dirty="0"/>
+              <a:t>weights</a:t>
+            </a:r>
+            <a:endParaRPr lang="zh-CN" altLang="en-US" sz="1100" b="1" dirty="0"/>
+          </a:p>
+        </p:txBody>
+      </p:sp>
+      <p:cxnSp>
+        <p:nvCxnSpPr>
+          <p:cNvPr id="64" name="直接箭头连接符 63">
+            <a:extLst>
+              <a:ext uri="{FF2B5EF4-FFF2-40B4-BE49-F238E27FC236}">
+                <a16:creationId xmlns:a16="http://schemas.microsoft.com/office/drawing/2014/main" id="{D0F6DFF0-F59F-444D-A496-C78C5D57F3C4}"/>
+              </a:ext>
+            </a:extLst>
+          </p:cNvPr>
+          <p:cNvCxnSpPr>
+            <a:cxnSpLocks/>
+            <a:endCxn id="5" idx="1"/>
+          </p:cNvCxnSpPr>
+          <p:nvPr/>
+        </p:nvCxnSpPr>
+        <p:spPr>
+          <a:xfrm flipV="1">
+            <a:off x="2129708" y="2086000"/>
+            <a:ext cx="426068" cy="1057341"/>
+          </a:xfrm>
+          <a:prstGeom prst="straightConnector1">
+            <a:avLst/>
+          </a:prstGeom>
+          <a:ln>
+            <a:solidFill>
+              <a:srgbClr val="FF0000"/>
+            </a:solidFill>
+            <a:tailEnd type="triangle"/>
+          </a:ln>
+        </p:spPr>
+        <p:style>
+          <a:lnRef idx="1">
+            <a:schemeClr val="accent1"/>
+          </a:lnRef>
+          <a:fillRef idx="0">
+            <a:schemeClr val="accent1"/>
+          </a:fillRef>
+          <a:effectRef idx="0">
+            <a:schemeClr val="accent1"/>
+          </a:effectRef>
+          <a:fontRef idx="minor">
+            <a:schemeClr val="tx1"/>
+          </a:fontRef>
+        </p:style>
+      </p:cxnSp>
+      <p:cxnSp>
+        <p:nvCxnSpPr>
+          <p:cNvPr id="66" name="直接箭头连接符 65">
+            <a:extLst>
+              <a:ext uri="{FF2B5EF4-FFF2-40B4-BE49-F238E27FC236}">
+                <a16:creationId xmlns:a16="http://schemas.microsoft.com/office/drawing/2014/main" id="{5DBFE607-1441-4503-9A76-A7E08EE442C4}"/>
+              </a:ext>
+            </a:extLst>
+          </p:cNvPr>
+          <p:cNvCxnSpPr>
+            <a:cxnSpLocks/>
+            <a:endCxn id="15" idx="1"/>
+          </p:cNvCxnSpPr>
+          <p:nvPr/>
+        </p:nvCxnSpPr>
+        <p:spPr>
+          <a:xfrm>
+            <a:off x="2129708" y="3143341"/>
+            <a:ext cx="418602" cy="744000"/>
           </a:xfrm>
           <a:prstGeom prst="straightConnector1">
             <a:avLst/>
@@ -11342,12 +12027,146 @@
           </a:fontRef>
         </p:style>
       </p:cxnSp>
-      <p:sp>
-        <p:nvSpPr>
-          <p:cNvPr id="24" name="矩形 23">
+      <p:cxnSp>
+        <p:nvCxnSpPr>
+          <p:cNvPr id="68" name="直接箭头连接符 67">
             <a:extLst>
               <a:ext uri="{FF2B5EF4-FFF2-40B4-BE49-F238E27FC236}">
-                <a16:creationId xmlns:a16="http://schemas.microsoft.com/office/drawing/2014/main" id="{C70841C9-E968-4A9F-A8CD-8D9DA41B4E56}"/>
+                <a16:creationId xmlns:a16="http://schemas.microsoft.com/office/drawing/2014/main" id="{2A95C9E9-D0C5-4E38-9B0A-8C0703A58346}"/>
+              </a:ext>
+            </a:extLst>
+          </p:cNvPr>
+          <p:cNvCxnSpPr>
+            <a:cxnSpLocks/>
+            <a:stCxn id="5" idx="3"/>
+            <a:endCxn id="19" idx="1"/>
+          </p:cNvCxnSpPr>
+          <p:nvPr/>
+        </p:nvCxnSpPr>
+        <p:spPr>
+          <a:xfrm>
+            <a:off x="3470176" y="2086000"/>
+            <a:ext cx="644624" cy="79"/>
+          </a:xfrm>
+          <a:prstGeom prst="straightConnector1">
+            <a:avLst/>
+          </a:prstGeom>
+          <a:ln>
+            <a:solidFill>
+              <a:srgbClr val="FF0000"/>
+            </a:solidFill>
+            <a:tailEnd type="triangle"/>
+          </a:ln>
+        </p:spPr>
+        <p:style>
+          <a:lnRef idx="1">
+            <a:schemeClr val="accent1"/>
+          </a:lnRef>
+          <a:fillRef idx="0">
+            <a:schemeClr val="accent1"/>
+          </a:fillRef>
+          <a:effectRef idx="0">
+            <a:schemeClr val="accent1"/>
+          </a:effectRef>
+          <a:fontRef idx="minor">
+            <a:schemeClr val="tx1"/>
+          </a:fontRef>
+        </p:style>
+      </p:cxnSp>
+      <p:cxnSp>
+        <p:nvCxnSpPr>
+          <p:cNvPr id="70" name="直接箭头连接符 69">
+            <a:extLst>
+              <a:ext uri="{FF2B5EF4-FFF2-40B4-BE49-F238E27FC236}">
+                <a16:creationId xmlns:a16="http://schemas.microsoft.com/office/drawing/2014/main" id="{EA8227B1-7F45-41CC-AEF5-CD5A240A9ECB}"/>
+              </a:ext>
+            </a:extLst>
+          </p:cNvPr>
+          <p:cNvCxnSpPr>
+            <a:cxnSpLocks/>
+            <a:stCxn id="15" idx="3"/>
+            <a:endCxn id="21" idx="1"/>
+          </p:cNvCxnSpPr>
+          <p:nvPr/>
+        </p:nvCxnSpPr>
+        <p:spPr>
+          <a:xfrm>
+            <a:off x="3462710" y="3887341"/>
+            <a:ext cx="652090" cy="0"/>
+          </a:xfrm>
+          <a:prstGeom prst="straightConnector1">
+            <a:avLst/>
+          </a:prstGeom>
+          <a:ln>
+            <a:tailEnd type="triangle"/>
+          </a:ln>
+        </p:spPr>
+        <p:style>
+          <a:lnRef idx="1">
+            <a:schemeClr val="accent1"/>
+          </a:lnRef>
+          <a:fillRef idx="0">
+            <a:schemeClr val="accent1"/>
+          </a:fillRef>
+          <a:effectRef idx="0">
+            <a:schemeClr val="accent1"/>
+          </a:effectRef>
+          <a:fontRef idx="minor">
+            <a:schemeClr val="tx1"/>
+          </a:fontRef>
+        </p:style>
+      </p:cxnSp>
+      <p:cxnSp>
+        <p:nvCxnSpPr>
+          <p:cNvPr id="74" name="直接箭头连接符 73">
+            <a:extLst>
+              <a:ext uri="{FF2B5EF4-FFF2-40B4-BE49-F238E27FC236}">
+                <a16:creationId xmlns:a16="http://schemas.microsoft.com/office/drawing/2014/main" id="{A0790F3B-1CC3-4FC4-A29A-0DF04C48D110}"/>
+              </a:ext>
+            </a:extLst>
+          </p:cNvPr>
+          <p:cNvCxnSpPr>
+            <a:cxnSpLocks/>
+            <a:endCxn id="33" idx="3"/>
+          </p:cNvCxnSpPr>
+          <p:nvPr/>
+        </p:nvCxnSpPr>
+        <p:spPr>
+          <a:xfrm>
+            <a:off x="5040456" y="2072970"/>
+            <a:ext cx="1602028" cy="0"/>
+          </a:xfrm>
+          <a:prstGeom prst="straightConnector1">
+            <a:avLst/>
+          </a:prstGeom>
+          <a:ln>
+            <a:solidFill>
+              <a:srgbClr val="FF0000"/>
+            </a:solidFill>
+            <a:tailEnd type="triangle"/>
+          </a:ln>
+        </p:spPr>
+        <p:style>
+          <a:lnRef idx="1">
+            <a:schemeClr val="accent1"/>
+          </a:lnRef>
+          <a:fillRef idx="0">
+            <a:schemeClr val="accent1"/>
+          </a:fillRef>
+          <a:effectRef idx="0">
+            <a:schemeClr val="accent1"/>
+          </a:effectRef>
+          <a:fontRef idx="minor">
+            <a:schemeClr val="tx1"/>
+          </a:fontRef>
+        </p:style>
+      </p:cxnSp>
+      <p:sp>
+        <p:nvSpPr>
+          <p:cNvPr id="83" name="矩形 82">
+            <a:extLst>
+              <a:ext uri="{FF2B5EF4-FFF2-40B4-BE49-F238E27FC236}">
+                <a16:creationId xmlns:a16="http://schemas.microsoft.com/office/drawing/2014/main" id="{743BD637-9C4B-407D-85C0-9C6E0A745846}"/>
               </a:ext>
             </a:extLst>
           </p:cNvPr>
@@ -11356,18 +12175,18 @@
         </p:nvSpPr>
         <p:spPr>
           <a:xfrm>
-            <a:off x="4499992" y="332656"/>
-            <a:ext cx="2952314" cy="1584293"/>
+            <a:off x="7056098" y="2182573"/>
+            <a:ext cx="288032" cy="914400"/>
           </a:xfrm>
           <a:prstGeom prst="rect">
             <a:avLst/>
           </a:prstGeom>
           <a:solidFill>
-            <a:schemeClr val="bg1"/>
+            <a:schemeClr val="tx1">
+              <a:lumMod val="50000"/>
+              <a:lumOff val="50000"/>
+            </a:schemeClr>
           </a:solidFill>
-          <a:ln>
-            <a:prstDash val="lgDash"/>
-          </a:ln>
         </p:spPr>
         <p:style>
           <a:lnRef idx="2">
@@ -11390,10 +12209,216 @@
           <a:lstStyle/>
           <a:p>
             <a:pPr algn="ctr"/>
-            <a:endParaRPr lang="zh-CN" altLang="en-US"/>
-          </a:p>
-        </p:txBody>
-      </p:sp>
+            <a:r>
+              <a:rPr lang="en-US" altLang="zh-CN" sz="1100" b="1" dirty="0"/>
+              <a:t>score</a:t>
+            </a:r>
+            <a:endParaRPr lang="zh-CN" altLang="en-US" sz="1100" b="1" dirty="0"/>
+          </a:p>
+        </p:txBody>
+      </p:sp>
+      <p:cxnSp>
+        <p:nvCxnSpPr>
+          <p:cNvPr id="85" name="直接箭头连接符 84">
+            <a:extLst>
+              <a:ext uri="{FF2B5EF4-FFF2-40B4-BE49-F238E27FC236}">
+                <a16:creationId xmlns:a16="http://schemas.microsoft.com/office/drawing/2014/main" id="{843FD6F0-E8D1-489F-8DEE-2D3AD0EE1045}"/>
+              </a:ext>
+            </a:extLst>
+          </p:cNvPr>
+          <p:cNvCxnSpPr>
+            <a:stCxn id="33" idx="3"/>
+            <a:endCxn id="83" idx="1"/>
+          </p:cNvCxnSpPr>
+          <p:nvPr/>
+        </p:nvCxnSpPr>
+        <p:spPr>
+          <a:xfrm>
+            <a:off x="6642484" y="2072970"/>
+            <a:ext cx="413614" cy="566803"/>
+          </a:xfrm>
+          <a:prstGeom prst="straightConnector1">
+            <a:avLst/>
+          </a:prstGeom>
+          <a:ln>
+            <a:solidFill>
+              <a:srgbClr val="FF0000"/>
+            </a:solidFill>
+            <a:tailEnd type="triangle"/>
+          </a:ln>
+        </p:spPr>
+        <p:style>
+          <a:lnRef idx="1">
+            <a:schemeClr val="accent1"/>
+          </a:lnRef>
+          <a:fillRef idx="0">
+            <a:schemeClr val="accent1"/>
+          </a:fillRef>
+          <a:effectRef idx="0">
+            <a:schemeClr val="accent1"/>
+          </a:effectRef>
+          <a:fontRef idx="minor">
+            <a:schemeClr val="tx1"/>
+          </a:fontRef>
+        </p:style>
+      </p:cxnSp>
+      <p:cxnSp>
+        <p:nvCxnSpPr>
+          <p:cNvPr id="87" name="直接箭头连接符 86">
+            <a:extLst>
+              <a:ext uri="{FF2B5EF4-FFF2-40B4-BE49-F238E27FC236}">
+                <a16:creationId xmlns:a16="http://schemas.microsoft.com/office/drawing/2014/main" id="{9EA472AC-99D2-4173-B427-D750E6B757B5}"/>
+              </a:ext>
+            </a:extLst>
+          </p:cNvPr>
+          <p:cNvCxnSpPr>
+            <a:stCxn id="36" idx="3"/>
+            <a:endCxn id="83" idx="1"/>
+          </p:cNvCxnSpPr>
+          <p:nvPr/>
+        </p:nvCxnSpPr>
+        <p:spPr>
+          <a:xfrm flipV="1">
+            <a:off x="6631851" y="2639773"/>
+            <a:ext cx="424247" cy="593895"/>
+          </a:xfrm>
+          <a:prstGeom prst="straightConnector1">
+            <a:avLst/>
+          </a:prstGeom>
+          <a:ln>
+            <a:tailEnd type="triangle"/>
+          </a:ln>
+        </p:spPr>
+        <p:style>
+          <a:lnRef idx="1">
+            <a:schemeClr val="accent1"/>
+          </a:lnRef>
+          <a:fillRef idx="0">
+            <a:schemeClr val="accent1"/>
+          </a:fillRef>
+          <a:effectRef idx="0">
+            <a:schemeClr val="accent1"/>
+          </a:effectRef>
+          <a:fontRef idx="minor">
+            <a:schemeClr val="tx1"/>
+          </a:fontRef>
+        </p:style>
+      </p:cxnSp>
+      <p:sp>
+        <p:nvSpPr>
+          <p:cNvPr id="88" name="文本框 87">
+            <a:extLst>
+              <a:ext uri="{FF2B5EF4-FFF2-40B4-BE49-F238E27FC236}">
+                <a16:creationId xmlns:a16="http://schemas.microsoft.com/office/drawing/2014/main" id="{B94A4F33-66DF-4795-A8FA-9DEF1D91985D}"/>
+              </a:ext>
+            </a:extLst>
+          </p:cNvPr>
+          <p:cNvSpPr txBox="1"/>
+          <p:nvPr/>
+        </p:nvSpPr>
+        <p:spPr>
+          <a:xfrm>
+            <a:off x="5279504" y="1772816"/>
+            <a:ext cx="1164704" cy="307777"/>
+          </a:xfrm>
+          <a:prstGeom prst="rect">
+            <a:avLst/>
+          </a:prstGeom>
+          <a:noFill/>
+        </p:spPr>
+        <p:txBody>
+          <a:bodyPr wrap="square" rtlCol="0" anchor="ctr">
+            <a:spAutoFit/>
+          </a:bodyPr>
+          <a:lstStyle/>
+          <a:p>
+            <a:r>
+              <a:rPr lang="en-US" altLang="zh-CN" sz="1400" b="1" dirty="0"/>
+              <a:t>PPRN score</a:t>
+            </a:r>
+            <a:endParaRPr lang="zh-CN" altLang="en-US" sz="1400" b="1" dirty="0"/>
+          </a:p>
+        </p:txBody>
+      </p:sp>
+      <p:sp>
+        <p:nvSpPr>
+          <p:cNvPr id="106" name="矩形 105">
+            <a:extLst>
+              <a:ext uri="{FF2B5EF4-FFF2-40B4-BE49-F238E27FC236}">
+                <a16:creationId xmlns:a16="http://schemas.microsoft.com/office/drawing/2014/main" id="{C9C2E3D0-B533-486B-98D7-874949F376DC}"/>
+              </a:ext>
+            </a:extLst>
+          </p:cNvPr>
+          <p:cNvSpPr/>
+          <p:nvPr/>
+        </p:nvSpPr>
+        <p:spPr>
+          <a:xfrm>
+            <a:off x="4807173" y="3429000"/>
+            <a:ext cx="72008" cy="914400"/>
+          </a:xfrm>
+          <a:prstGeom prst="rect">
+            <a:avLst/>
+          </a:prstGeom>
+          <a:solidFill>
+            <a:srgbClr val="FFFF00"/>
+          </a:solidFill>
+        </p:spPr>
+        <p:style>
+          <a:lnRef idx="2">
+            <a:schemeClr val="accent1">
+              <a:shade val="50000"/>
+            </a:schemeClr>
+          </a:lnRef>
+          <a:fillRef idx="1">
+            <a:schemeClr val="accent1"/>
+          </a:fillRef>
+          <a:effectRef idx="0">
+            <a:schemeClr val="accent1"/>
+          </a:effectRef>
+          <a:fontRef idx="minor">
+            <a:schemeClr val="lt1"/>
+          </a:fontRef>
+        </p:style>
+        <p:txBody>
+          <a:bodyPr rtlCol="0" anchor="ctr"/>
+          <a:lstStyle/>
+          <a:p>
+            <a:pPr algn="ctr"/>
+            <a:endParaRPr lang="zh-CN" altLang="en-US" sz="1400" dirty="0"/>
+          </a:p>
+        </p:txBody>
+      </p:sp>
+      <p:pic>
+        <p:nvPicPr>
+          <p:cNvPr id="113" name="图片 112">
+            <a:extLst>
+              <a:ext uri="{FF2B5EF4-FFF2-40B4-BE49-F238E27FC236}">
+                <a16:creationId xmlns:a16="http://schemas.microsoft.com/office/drawing/2014/main" id="{A637D14B-367C-481E-B043-315E70B67D37}"/>
+              </a:ext>
+            </a:extLst>
+          </p:cNvPr>
+          <p:cNvPicPr>
+            <a:picLocks noChangeAspect="1"/>
+          </p:cNvPicPr>
+          <p:nvPr/>
+        </p:nvPicPr>
+        <p:blipFill>
+          <a:blip r:embed="rId3"/>
+          <a:stretch>
+            <a:fillRect/>
+          </a:stretch>
+        </p:blipFill>
+        <p:spPr>
+          <a:xfrm>
+            <a:off x="299121" y="2343121"/>
+            <a:ext cx="1878188" cy="1488000"/>
+          </a:xfrm>
+          <a:prstGeom prst="rect">
+            <a:avLst/>
+          </a:prstGeom>
+        </p:spPr>
+      </p:pic>
     </p:spTree>
     <p:extLst>
       <p:ext uri="{BB962C8B-B14F-4D97-AF65-F5344CB8AC3E}">

--- a/LatexThesis4SYSU-master/新建 PPT 演示文稿.pptx
+++ b/LatexThesis4SYSU-master/新建 PPT 演示文稿.pptx
@@ -12,6 +12,7 @@
     <p:sldId id="260" r:id="rId6"/>
     <p:sldId id="261" r:id="rId7"/>
     <p:sldId id="262" r:id="rId8"/>
+    <p:sldId id="263" r:id="rId9"/>
   </p:sldIdLst>
   <p:sldSz cx="9144000" cy="6858000" type="screen4x3"/>
   <p:notesSz cx="6858000" cy="9144000"/>
@@ -11723,8 +11724,8 @@
           </a:fontRef>
         </p:style>
       </p:cxnSp>
-      <mc:AlternateContent xmlns:mc="http://schemas.openxmlformats.org/markup-compatibility/2006">
-        <mc:Choice xmlns:a14="http://schemas.microsoft.com/office/drawing/2010/main" Requires="a14">
+      <mc:AlternateContent xmlns:mc="http://schemas.openxmlformats.org/markup-compatibility/2006" xmlns:a14="http://schemas.microsoft.com/office/drawing/2010/main">
+        <mc:Choice Requires="a14">
           <p:sp>
             <p:nvSpPr>
               <p:cNvPr id="48" name="文本框 47">
@@ -11753,6 +11754,7 @@
               </a:bodyPr>
               <a:lstStyle/>
               <a:p>
+                <a:pPr/>
                 <a14:m>
                   <m:oMathPara xmlns:m="http://schemas.openxmlformats.org/officeDocument/2006/math">
                     <m:oMathParaPr>
@@ -11773,7 +11775,7 @@
             </p:txBody>
           </p:sp>
         </mc:Choice>
-        <mc:Fallback>
+        <mc:Fallback xmlns="">
           <p:sp>
             <p:nvSpPr>
               <p:cNvPr id="48" name="文本框 47">
@@ -12423,6 +12425,1410 @@
     <p:extLst>
       <p:ext uri="{BB962C8B-B14F-4D97-AF65-F5344CB8AC3E}">
         <p14:creationId xmlns:p14="http://schemas.microsoft.com/office/powerpoint/2010/main" val="754707918"/>
+      </p:ext>
+    </p:extLst>
+  </p:cSld>
+  <p:clrMapOvr>
+    <a:masterClrMapping/>
+  </p:clrMapOvr>
+</p:sld>
+</file>
+
+<file path=ppt/slides/slide8.xml><?xml version="1.0" encoding="utf-8"?>
+<p:sld xmlns:a="http://schemas.openxmlformats.org/drawingml/2006/main" xmlns:r="http://schemas.openxmlformats.org/officeDocument/2006/relationships" xmlns:p="http://schemas.openxmlformats.org/presentationml/2006/main">
+  <p:cSld>
+    <p:spTree>
+      <p:nvGrpSpPr>
+        <p:cNvPr id="1" name=""/>
+        <p:cNvGrpSpPr/>
+        <p:nvPr/>
+      </p:nvGrpSpPr>
+      <p:grpSpPr>
+        <a:xfrm>
+          <a:off x="0" y="0"/>
+          <a:ext cx="0" cy="0"/>
+          <a:chOff x="0" y="0"/>
+          <a:chExt cx="0" cy="0"/>
+        </a:xfrm>
+      </p:grpSpPr>
+      <p:sp>
+        <p:nvSpPr>
+          <p:cNvPr id="5" name="矩形 4">
+            <a:extLst>
+              <a:ext uri="{FF2B5EF4-FFF2-40B4-BE49-F238E27FC236}">
+                <a16:creationId xmlns:a16="http://schemas.microsoft.com/office/drawing/2014/main" id="{089FEF5C-C49D-4279-A52E-273860AA685B}"/>
+              </a:ext>
+            </a:extLst>
+          </p:cNvPr>
+          <p:cNvSpPr/>
+          <p:nvPr/>
+        </p:nvSpPr>
+        <p:spPr>
+          <a:xfrm>
+            <a:off x="755576" y="2628526"/>
+            <a:ext cx="914400" cy="914400"/>
+          </a:xfrm>
+          <a:prstGeom prst="rect">
+            <a:avLst/>
+          </a:prstGeom>
+          <a:solidFill>
+            <a:srgbClr val="FFFF00"/>
+          </a:solidFill>
+        </p:spPr>
+        <p:style>
+          <a:lnRef idx="2">
+            <a:schemeClr val="accent1">
+              <a:shade val="50000"/>
+            </a:schemeClr>
+          </a:lnRef>
+          <a:fillRef idx="1">
+            <a:schemeClr val="accent1"/>
+          </a:fillRef>
+          <a:effectRef idx="0">
+            <a:schemeClr val="accent1"/>
+          </a:effectRef>
+          <a:fontRef idx="minor">
+            <a:schemeClr val="lt1"/>
+          </a:fontRef>
+        </p:style>
+        <p:txBody>
+          <a:bodyPr rtlCol="0" anchor="ctr"/>
+          <a:lstStyle/>
+          <a:p>
+            <a:pPr algn="ctr"/>
+            <a:endParaRPr lang="zh-CN" altLang="en-US"/>
+          </a:p>
+        </p:txBody>
+      </p:sp>
+      <p:sp>
+        <p:nvSpPr>
+          <p:cNvPr id="9" name="矩形 8">
+            <a:extLst>
+              <a:ext uri="{FF2B5EF4-FFF2-40B4-BE49-F238E27FC236}">
+                <a16:creationId xmlns:a16="http://schemas.microsoft.com/office/drawing/2014/main" id="{0179C43C-EC09-420A-ABBB-8E50512F4554}"/>
+              </a:ext>
+            </a:extLst>
+          </p:cNvPr>
+          <p:cNvSpPr/>
+          <p:nvPr/>
+        </p:nvSpPr>
+        <p:spPr>
+          <a:xfrm>
+            <a:off x="683568" y="2704727"/>
+            <a:ext cx="914400" cy="914400"/>
+          </a:xfrm>
+          <a:prstGeom prst="rect">
+            <a:avLst/>
+          </a:prstGeom>
+        </p:spPr>
+        <p:style>
+          <a:lnRef idx="2">
+            <a:schemeClr val="accent1">
+              <a:shade val="50000"/>
+            </a:schemeClr>
+          </a:lnRef>
+          <a:fillRef idx="1">
+            <a:schemeClr val="accent1"/>
+          </a:fillRef>
+          <a:effectRef idx="0">
+            <a:schemeClr val="accent1"/>
+          </a:effectRef>
+          <a:fontRef idx="minor">
+            <a:schemeClr val="lt1"/>
+          </a:fontRef>
+        </p:style>
+        <p:txBody>
+          <a:bodyPr rtlCol="0" anchor="ctr"/>
+          <a:lstStyle/>
+          <a:p>
+            <a:pPr algn="ctr"/>
+            <a:endParaRPr lang="zh-CN" altLang="en-US"/>
+          </a:p>
+        </p:txBody>
+      </p:sp>
+      <p:sp>
+        <p:nvSpPr>
+          <p:cNvPr id="10" name="矩形 9">
+            <a:extLst>
+              <a:ext uri="{FF2B5EF4-FFF2-40B4-BE49-F238E27FC236}">
+                <a16:creationId xmlns:a16="http://schemas.microsoft.com/office/drawing/2014/main" id="{82C549F2-BA05-4985-8031-9B3FE10A85FE}"/>
+              </a:ext>
+            </a:extLst>
+          </p:cNvPr>
+          <p:cNvSpPr/>
+          <p:nvPr/>
+        </p:nvSpPr>
+        <p:spPr>
+          <a:xfrm>
+            <a:off x="611560" y="2780928"/>
+            <a:ext cx="914400" cy="957809"/>
+          </a:xfrm>
+          <a:prstGeom prst="rect">
+            <a:avLst/>
+          </a:prstGeom>
+          <a:solidFill>
+            <a:srgbClr val="FFC000"/>
+          </a:solidFill>
+        </p:spPr>
+        <p:style>
+          <a:lnRef idx="2">
+            <a:schemeClr val="accent1">
+              <a:shade val="50000"/>
+            </a:schemeClr>
+          </a:lnRef>
+          <a:fillRef idx="1">
+            <a:schemeClr val="accent1"/>
+          </a:fillRef>
+          <a:effectRef idx="0">
+            <a:schemeClr val="accent1"/>
+          </a:effectRef>
+          <a:fontRef idx="minor">
+            <a:schemeClr val="lt1"/>
+          </a:fontRef>
+        </p:style>
+        <p:txBody>
+          <a:bodyPr rtlCol="0" anchor="ctr"/>
+          <a:lstStyle/>
+          <a:p>
+            <a:pPr algn="ctr"/>
+            <a:endParaRPr lang="zh-CN" altLang="en-US"/>
+          </a:p>
+        </p:txBody>
+      </p:sp>
+      <p:sp>
+        <p:nvSpPr>
+          <p:cNvPr id="12" name="矩形 11">
+            <a:extLst>
+              <a:ext uri="{FF2B5EF4-FFF2-40B4-BE49-F238E27FC236}">
+                <a16:creationId xmlns:a16="http://schemas.microsoft.com/office/drawing/2014/main" id="{25E2FC53-0C99-459A-B775-032BE10E5F2C}"/>
+              </a:ext>
+            </a:extLst>
+          </p:cNvPr>
+          <p:cNvSpPr/>
+          <p:nvPr/>
+        </p:nvSpPr>
+        <p:spPr>
+          <a:xfrm>
+            <a:off x="2771800" y="2454795"/>
+            <a:ext cx="216024" cy="499863"/>
+          </a:xfrm>
+          <a:prstGeom prst="rect">
+            <a:avLst/>
+          </a:prstGeom>
+          <a:noFill/>
+          <a:ln w="19050"/>
+        </p:spPr>
+        <p:style>
+          <a:lnRef idx="2">
+            <a:schemeClr val="accent1">
+              <a:shade val="50000"/>
+            </a:schemeClr>
+          </a:lnRef>
+          <a:fillRef idx="1">
+            <a:schemeClr val="accent1"/>
+          </a:fillRef>
+          <a:effectRef idx="0">
+            <a:schemeClr val="accent1"/>
+          </a:effectRef>
+          <a:fontRef idx="minor">
+            <a:schemeClr val="lt1"/>
+          </a:fontRef>
+        </p:style>
+        <p:txBody>
+          <a:bodyPr rtlCol="0" anchor="ctr"/>
+          <a:lstStyle/>
+          <a:p>
+            <a:pPr algn="ctr"/>
+            <a:endParaRPr lang="zh-CN" altLang="en-US" dirty="0"/>
+          </a:p>
+        </p:txBody>
+      </p:sp>
+      <p:sp>
+        <p:nvSpPr>
+          <p:cNvPr id="13" name="矩形 12">
+            <a:extLst>
+              <a:ext uri="{FF2B5EF4-FFF2-40B4-BE49-F238E27FC236}">
+                <a16:creationId xmlns:a16="http://schemas.microsoft.com/office/drawing/2014/main" id="{EB3BF989-225F-480B-9346-25734D4EF96C}"/>
+              </a:ext>
+            </a:extLst>
+          </p:cNvPr>
+          <p:cNvSpPr/>
+          <p:nvPr/>
+        </p:nvSpPr>
+        <p:spPr>
+          <a:xfrm>
+            <a:off x="3585592" y="2454795"/>
+            <a:ext cx="1008112" cy="504056"/>
+          </a:xfrm>
+          <a:prstGeom prst="rect">
+            <a:avLst/>
+          </a:prstGeom>
+        </p:spPr>
+        <p:style>
+          <a:lnRef idx="2">
+            <a:schemeClr val="accent1">
+              <a:shade val="50000"/>
+            </a:schemeClr>
+          </a:lnRef>
+          <a:fillRef idx="1">
+            <a:schemeClr val="accent1"/>
+          </a:fillRef>
+          <a:effectRef idx="0">
+            <a:schemeClr val="accent1"/>
+          </a:effectRef>
+          <a:fontRef idx="minor">
+            <a:schemeClr val="lt1"/>
+          </a:fontRef>
+        </p:style>
+        <p:txBody>
+          <a:bodyPr rtlCol="0" anchor="ctr"/>
+          <a:lstStyle/>
+          <a:p>
+            <a:pPr algn="ctr"/>
+            <a:r>
+              <a:rPr lang="en-US" altLang="zh-CN" dirty="0"/>
+              <a:t>reshape</a:t>
+            </a:r>
+            <a:endParaRPr lang="zh-CN" altLang="en-US" dirty="0"/>
+          </a:p>
+        </p:txBody>
+      </p:sp>
+      <p:sp>
+        <p:nvSpPr>
+          <p:cNvPr id="14" name="文本框 13">
+            <a:extLst>
+              <a:ext uri="{FF2B5EF4-FFF2-40B4-BE49-F238E27FC236}">
+                <a16:creationId xmlns:a16="http://schemas.microsoft.com/office/drawing/2014/main" id="{F8FBD574-ACD6-41D1-879E-C097DC45A046}"/>
+              </a:ext>
+            </a:extLst>
+          </p:cNvPr>
+          <p:cNvSpPr txBox="1"/>
+          <p:nvPr/>
+        </p:nvSpPr>
+        <p:spPr>
+          <a:xfrm>
+            <a:off x="2675126" y="2808727"/>
+            <a:ext cx="648072" cy="553998"/>
+          </a:xfrm>
+          <a:prstGeom prst="rect">
+            <a:avLst/>
+          </a:prstGeom>
+          <a:noFill/>
+        </p:spPr>
+        <p:txBody>
+          <a:bodyPr wrap="square" rtlCol="0">
+            <a:spAutoFit/>
+          </a:bodyPr>
+          <a:lstStyle/>
+          <a:p>
+            <a:r>
+              <a:rPr lang="en-US" altLang="zh-CN" dirty="0"/>
+              <a:t>       </a:t>
+            </a:r>
+            <a:r>
+              <a:rPr lang="en-US" altLang="zh-CN" sz="1200" dirty="0"/>
+              <a:t>1x1</a:t>
+            </a:r>
+            <a:endParaRPr lang="zh-CN" altLang="en-US" sz="1200" dirty="0"/>
+          </a:p>
+        </p:txBody>
+      </p:sp>
+      <p:sp>
+        <p:nvSpPr>
+          <p:cNvPr id="15" name="矩形 14">
+            <a:extLst>
+              <a:ext uri="{FF2B5EF4-FFF2-40B4-BE49-F238E27FC236}">
+                <a16:creationId xmlns:a16="http://schemas.microsoft.com/office/drawing/2014/main" id="{198107EF-B0C9-4DCA-AC64-3E49E99A555E}"/>
+              </a:ext>
+            </a:extLst>
+          </p:cNvPr>
+          <p:cNvSpPr/>
+          <p:nvPr/>
+        </p:nvSpPr>
+        <p:spPr>
+          <a:xfrm>
+            <a:off x="6732240" y="2450602"/>
+            <a:ext cx="1127460" cy="504056"/>
+          </a:xfrm>
+          <a:prstGeom prst="rect">
+            <a:avLst/>
+          </a:prstGeom>
+          <a:solidFill>
+            <a:srgbClr val="FFC000"/>
+          </a:solidFill>
+        </p:spPr>
+        <p:style>
+          <a:lnRef idx="2">
+            <a:schemeClr val="accent1">
+              <a:shade val="50000"/>
+            </a:schemeClr>
+          </a:lnRef>
+          <a:fillRef idx="1">
+            <a:schemeClr val="accent1"/>
+          </a:fillRef>
+          <a:effectRef idx="0">
+            <a:schemeClr val="accent1"/>
+          </a:effectRef>
+          <a:fontRef idx="minor">
+            <a:schemeClr val="lt1"/>
+          </a:fontRef>
+        </p:style>
+        <p:txBody>
+          <a:bodyPr rtlCol="0" anchor="ctr"/>
+          <a:lstStyle/>
+          <a:p>
+            <a:pPr algn="ctr"/>
+            <a:r>
+              <a:rPr lang="en-US" altLang="zh-CN" dirty="0"/>
+              <a:t>proposal</a:t>
+            </a:r>
+            <a:endParaRPr lang="zh-CN" altLang="en-US" dirty="0"/>
+          </a:p>
+        </p:txBody>
+      </p:sp>
+      <p:sp>
+        <p:nvSpPr>
+          <p:cNvPr id="16" name="矩形 15">
+            <a:extLst>
+              <a:ext uri="{FF2B5EF4-FFF2-40B4-BE49-F238E27FC236}">
+                <a16:creationId xmlns:a16="http://schemas.microsoft.com/office/drawing/2014/main" id="{58464CFC-D97F-4AB8-9B9E-93E958DE9854}"/>
+              </a:ext>
+            </a:extLst>
+          </p:cNvPr>
+          <p:cNvSpPr/>
+          <p:nvPr/>
+        </p:nvSpPr>
+        <p:spPr>
+          <a:xfrm>
+            <a:off x="2783138" y="3687062"/>
+            <a:ext cx="216024" cy="499863"/>
+          </a:xfrm>
+          <a:prstGeom prst="rect">
+            <a:avLst/>
+          </a:prstGeom>
+          <a:noFill/>
+          <a:ln w="19050">
+            <a:solidFill>
+              <a:srgbClr val="FFC000"/>
+            </a:solidFill>
+          </a:ln>
+        </p:spPr>
+        <p:style>
+          <a:lnRef idx="2">
+            <a:schemeClr val="accent1">
+              <a:shade val="50000"/>
+            </a:schemeClr>
+          </a:lnRef>
+          <a:fillRef idx="1">
+            <a:schemeClr val="accent1"/>
+          </a:fillRef>
+          <a:effectRef idx="0">
+            <a:schemeClr val="accent1"/>
+          </a:effectRef>
+          <a:fontRef idx="minor">
+            <a:schemeClr val="lt1"/>
+          </a:fontRef>
+        </p:style>
+        <p:txBody>
+          <a:bodyPr rtlCol="0" anchor="ctr"/>
+          <a:lstStyle/>
+          <a:p>
+            <a:pPr algn="ctr"/>
+            <a:endParaRPr lang="zh-CN" altLang="en-US" dirty="0"/>
+          </a:p>
+        </p:txBody>
+      </p:sp>
+      <p:sp>
+        <p:nvSpPr>
+          <p:cNvPr id="17" name="文本框 16">
+            <a:extLst>
+              <a:ext uri="{FF2B5EF4-FFF2-40B4-BE49-F238E27FC236}">
+                <a16:creationId xmlns:a16="http://schemas.microsoft.com/office/drawing/2014/main" id="{C24EFC3D-AA7B-4A5D-A54E-53FD7E048452}"/>
+              </a:ext>
+            </a:extLst>
+          </p:cNvPr>
+          <p:cNvSpPr txBox="1"/>
+          <p:nvPr/>
+        </p:nvSpPr>
+        <p:spPr>
+          <a:xfrm>
+            <a:off x="2691891" y="4005064"/>
+            <a:ext cx="648072" cy="553998"/>
+          </a:xfrm>
+          <a:prstGeom prst="rect">
+            <a:avLst/>
+          </a:prstGeom>
+          <a:noFill/>
+        </p:spPr>
+        <p:txBody>
+          <a:bodyPr wrap="square" rtlCol="0">
+            <a:spAutoFit/>
+          </a:bodyPr>
+          <a:lstStyle/>
+          <a:p>
+            <a:r>
+              <a:rPr lang="en-US" altLang="zh-CN" dirty="0"/>
+              <a:t>       </a:t>
+            </a:r>
+            <a:r>
+              <a:rPr lang="en-US" altLang="zh-CN" sz="1200" dirty="0"/>
+              <a:t>1x1</a:t>
+            </a:r>
+            <a:endParaRPr lang="zh-CN" altLang="en-US" sz="1200" dirty="0"/>
+          </a:p>
+        </p:txBody>
+      </p:sp>
+      <p:sp>
+        <p:nvSpPr>
+          <p:cNvPr id="18" name="矩形 17">
+            <a:extLst>
+              <a:ext uri="{FF2B5EF4-FFF2-40B4-BE49-F238E27FC236}">
+                <a16:creationId xmlns:a16="http://schemas.microsoft.com/office/drawing/2014/main" id="{41842430-A166-4405-B205-917A75A705B6}"/>
+              </a:ext>
+            </a:extLst>
+          </p:cNvPr>
+          <p:cNvSpPr/>
+          <p:nvPr/>
+        </p:nvSpPr>
+        <p:spPr>
+          <a:xfrm>
+            <a:off x="5220072" y="2450602"/>
+            <a:ext cx="1008112" cy="504056"/>
+          </a:xfrm>
+          <a:prstGeom prst="rect">
+            <a:avLst/>
+          </a:prstGeom>
+          <a:solidFill>
+            <a:srgbClr val="00B050"/>
+          </a:solidFill>
+        </p:spPr>
+        <p:style>
+          <a:lnRef idx="2">
+            <a:schemeClr val="accent1">
+              <a:shade val="50000"/>
+            </a:schemeClr>
+          </a:lnRef>
+          <a:fillRef idx="1">
+            <a:schemeClr val="accent1"/>
+          </a:fillRef>
+          <a:effectRef idx="0">
+            <a:schemeClr val="accent1"/>
+          </a:effectRef>
+          <a:fontRef idx="minor">
+            <a:schemeClr val="lt1"/>
+          </a:fontRef>
+        </p:style>
+        <p:txBody>
+          <a:bodyPr rtlCol="0" anchor="ctr"/>
+          <a:lstStyle/>
+          <a:p>
+            <a:pPr algn="ctr"/>
+            <a:r>
+              <a:rPr lang="en-US" altLang="zh-CN" dirty="0" err="1"/>
+              <a:t>Softmax</a:t>
+            </a:r>
+            <a:endParaRPr lang="zh-CN" altLang="en-US" dirty="0"/>
+          </a:p>
+        </p:txBody>
+      </p:sp>
+      <p:cxnSp>
+        <p:nvCxnSpPr>
+          <p:cNvPr id="20" name="直接箭头连接符 19">
+            <a:extLst>
+              <a:ext uri="{FF2B5EF4-FFF2-40B4-BE49-F238E27FC236}">
+                <a16:creationId xmlns:a16="http://schemas.microsoft.com/office/drawing/2014/main" id="{53210649-ABDE-4C79-A072-F4DE4D781D8B}"/>
+              </a:ext>
+            </a:extLst>
+          </p:cNvPr>
+          <p:cNvCxnSpPr>
+            <a:cxnSpLocks/>
+            <a:stCxn id="5" idx="3"/>
+            <a:endCxn id="12" idx="1"/>
+          </p:cNvCxnSpPr>
+          <p:nvPr/>
+        </p:nvCxnSpPr>
+        <p:spPr>
+          <a:xfrm flipV="1">
+            <a:off x="1669976" y="2704727"/>
+            <a:ext cx="1101824" cy="380999"/>
+          </a:xfrm>
+          <a:prstGeom prst="straightConnector1">
+            <a:avLst/>
+          </a:prstGeom>
+          <a:ln>
+            <a:solidFill>
+              <a:schemeClr val="tx1"/>
+            </a:solidFill>
+            <a:prstDash val="sysDash"/>
+            <a:tailEnd type="triangle"/>
+          </a:ln>
+        </p:spPr>
+        <p:style>
+          <a:lnRef idx="1">
+            <a:schemeClr val="accent1"/>
+          </a:lnRef>
+          <a:fillRef idx="0">
+            <a:schemeClr val="accent1"/>
+          </a:fillRef>
+          <a:effectRef idx="0">
+            <a:schemeClr val="accent1"/>
+          </a:effectRef>
+          <a:fontRef idx="minor">
+            <a:schemeClr val="tx1"/>
+          </a:fontRef>
+        </p:style>
+      </p:cxnSp>
+      <p:cxnSp>
+        <p:nvCxnSpPr>
+          <p:cNvPr id="22" name="直接箭头连接符 21">
+            <a:extLst>
+              <a:ext uri="{FF2B5EF4-FFF2-40B4-BE49-F238E27FC236}">
+                <a16:creationId xmlns:a16="http://schemas.microsoft.com/office/drawing/2014/main" id="{891E06BA-DCDA-4979-B901-10882D821920}"/>
+              </a:ext>
+            </a:extLst>
+          </p:cNvPr>
+          <p:cNvCxnSpPr>
+            <a:endCxn id="13" idx="1"/>
+          </p:cNvCxnSpPr>
+          <p:nvPr/>
+        </p:nvCxnSpPr>
+        <p:spPr>
+          <a:xfrm>
+            <a:off x="3015927" y="2702630"/>
+            <a:ext cx="569665" cy="4193"/>
+          </a:xfrm>
+          <a:prstGeom prst="straightConnector1">
+            <a:avLst/>
+          </a:prstGeom>
+          <a:ln>
+            <a:solidFill>
+              <a:schemeClr val="tx1"/>
+            </a:solidFill>
+            <a:prstDash val="sysDash"/>
+            <a:tailEnd type="triangle"/>
+          </a:ln>
+        </p:spPr>
+        <p:style>
+          <a:lnRef idx="1">
+            <a:schemeClr val="accent1"/>
+          </a:lnRef>
+          <a:fillRef idx="0">
+            <a:schemeClr val="accent1"/>
+          </a:fillRef>
+          <a:effectRef idx="0">
+            <a:schemeClr val="accent1"/>
+          </a:effectRef>
+          <a:fontRef idx="minor">
+            <a:schemeClr val="tx1"/>
+          </a:fontRef>
+        </p:style>
+      </p:cxnSp>
+      <p:cxnSp>
+        <p:nvCxnSpPr>
+          <p:cNvPr id="24" name="直接箭头连接符 23">
+            <a:extLst>
+              <a:ext uri="{FF2B5EF4-FFF2-40B4-BE49-F238E27FC236}">
+                <a16:creationId xmlns:a16="http://schemas.microsoft.com/office/drawing/2014/main" id="{520AC789-4B4C-48A1-BF22-2EE2F25FBD72}"/>
+              </a:ext>
+            </a:extLst>
+          </p:cNvPr>
+          <p:cNvCxnSpPr>
+            <a:stCxn id="13" idx="3"/>
+            <a:endCxn id="18" idx="1"/>
+          </p:cNvCxnSpPr>
+          <p:nvPr/>
+        </p:nvCxnSpPr>
+        <p:spPr>
+          <a:xfrm flipV="1">
+            <a:off x="4593704" y="2702630"/>
+            <a:ext cx="626368" cy="4193"/>
+          </a:xfrm>
+          <a:prstGeom prst="straightConnector1">
+            <a:avLst/>
+          </a:prstGeom>
+          <a:ln>
+            <a:solidFill>
+              <a:schemeClr val="tx1"/>
+            </a:solidFill>
+            <a:prstDash val="sysDash"/>
+            <a:tailEnd type="triangle"/>
+          </a:ln>
+        </p:spPr>
+        <p:style>
+          <a:lnRef idx="1">
+            <a:schemeClr val="accent1"/>
+          </a:lnRef>
+          <a:fillRef idx="0">
+            <a:schemeClr val="accent1"/>
+          </a:fillRef>
+          <a:effectRef idx="0">
+            <a:schemeClr val="accent1"/>
+          </a:effectRef>
+          <a:fontRef idx="minor">
+            <a:schemeClr val="tx1"/>
+          </a:fontRef>
+        </p:style>
+      </p:cxnSp>
+      <p:cxnSp>
+        <p:nvCxnSpPr>
+          <p:cNvPr id="26" name="直接箭头连接符 25">
+            <a:extLst>
+              <a:ext uri="{FF2B5EF4-FFF2-40B4-BE49-F238E27FC236}">
+                <a16:creationId xmlns:a16="http://schemas.microsoft.com/office/drawing/2014/main" id="{F26644C8-F281-40C4-8147-A33747D48D0A}"/>
+              </a:ext>
+            </a:extLst>
+          </p:cNvPr>
+          <p:cNvCxnSpPr>
+            <a:cxnSpLocks/>
+            <a:endCxn id="15" idx="1"/>
+          </p:cNvCxnSpPr>
+          <p:nvPr/>
+        </p:nvCxnSpPr>
+        <p:spPr>
+          <a:xfrm flipV="1">
+            <a:off x="6228184" y="2702630"/>
+            <a:ext cx="504056" cy="2"/>
+          </a:xfrm>
+          <a:prstGeom prst="straightConnector1">
+            <a:avLst/>
+          </a:prstGeom>
+          <a:ln>
+            <a:solidFill>
+              <a:schemeClr val="tx1"/>
+            </a:solidFill>
+            <a:prstDash val="sysDash"/>
+            <a:tailEnd type="triangle"/>
+          </a:ln>
+        </p:spPr>
+        <p:style>
+          <a:lnRef idx="1">
+            <a:schemeClr val="accent1"/>
+          </a:lnRef>
+          <a:fillRef idx="0">
+            <a:schemeClr val="accent1"/>
+          </a:fillRef>
+          <a:effectRef idx="0">
+            <a:schemeClr val="accent1"/>
+          </a:effectRef>
+          <a:fontRef idx="minor">
+            <a:schemeClr val="tx1"/>
+          </a:fontRef>
+        </p:style>
+      </p:cxnSp>
+      <p:cxnSp>
+        <p:nvCxnSpPr>
+          <p:cNvPr id="31" name="直接箭头连接符 30">
+            <a:extLst>
+              <a:ext uri="{FF2B5EF4-FFF2-40B4-BE49-F238E27FC236}">
+                <a16:creationId xmlns:a16="http://schemas.microsoft.com/office/drawing/2014/main" id="{8B218ED1-6AE5-4BE3-B5C1-74290C5D0883}"/>
+              </a:ext>
+            </a:extLst>
+          </p:cNvPr>
+          <p:cNvCxnSpPr>
+            <a:cxnSpLocks/>
+            <a:stCxn id="5" idx="3"/>
+          </p:cNvCxnSpPr>
+          <p:nvPr/>
+        </p:nvCxnSpPr>
+        <p:spPr>
+          <a:xfrm>
+            <a:off x="1669976" y="3085726"/>
+            <a:ext cx="1097022" cy="919338"/>
+          </a:xfrm>
+          <a:prstGeom prst="straightConnector1">
+            <a:avLst/>
+          </a:prstGeom>
+          <a:ln>
+            <a:solidFill>
+              <a:schemeClr val="tx1"/>
+            </a:solidFill>
+            <a:prstDash val="sysDash"/>
+            <a:tailEnd type="triangle"/>
+          </a:ln>
+        </p:spPr>
+        <p:style>
+          <a:lnRef idx="1">
+            <a:schemeClr val="accent1"/>
+          </a:lnRef>
+          <a:fillRef idx="0">
+            <a:schemeClr val="accent1"/>
+          </a:fillRef>
+          <a:effectRef idx="0">
+            <a:schemeClr val="accent1"/>
+          </a:effectRef>
+          <a:fontRef idx="minor">
+            <a:schemeClr val="tx1"/>
+          </a:fontRef>
+        </p:style>
+      </p:cxnSp>
+      <p:cxnSp>
+        <p:nvCxnSpPr>
+          <p:cNvPr id="35" name="直接箭头连接符 34">
+            <a:extLst>
+              <a:ext uri="{FF2B5EF4-FFF2-40B4-BE49-F238E27FC236}">
+                <a16:creationId xmlns:a16="http://schemas.microsoft.com/office/drawing/2014/main" id="{76F5D702-475A-4B81-9F94-08A6189F1CEF}"/>
+              </a:ext>
+            </a:extLst>
+          </p:cNvPr>
+          <p:cNvCxnSpPr>
+            <a:cxnSpLocks/>
+            <a:stCxn id="16" idx="3"/>
+          </p:cNvCxnSpPr>
+          <p:nvPr/>
+        </p:nvCxnSpPr>
+        <p:spPr>
+          <a:xfrm flipV="1">
+            <a:off x="2999162" y="3936993"/>
+            <a:ext cx="3733078" cy="1"/>
+          </a:xfrm>
+          <a:prstGeom prst="straightConnector1">
+            <a:avLst/>
+          </a:prstGeom>
+          <a:ln w="9525" cap="flat" cmpd="sng" algn="ctr">
+            <a:solidFill>
+              <a:schemeClr val="dk1"/>
+            </a:solidFill>
+            <a:prstDash val="dash"/>
+            <a:round/>
+            <a:headEnd type="none" w="med" len="med"/>
+            <a:tailEnd type="none" w="med" len="med"/>
+          </a:ln>
+        </p:spPr>
+        <p:style>
+          <a:lnRef idx="0">
+            <a:scrgbClr r="0" g="0" b="0"/>
+          </a:lnRef>
+          <a:fillRef idx="0">
+            <a:scrgbClr r="0" g="0" b="0"/>
+          </a:fillRef>
+          <a:effectRef idx="0">
+            <a:scrgbClr r="0" g="0" b="0"/>
+          </a:effectRef>
+          <a:fontRef idx="minor">
+            <a:schemeClr val="tx1"/>
+          </a:fontRef>
+        </p:style>
+      </p:cxnSp>
+      <p:cxnSp>
+        <p:nvCxnSpPr>
+          <p:cNvPr id="42" name="直接箭头连接符 41">
+            <a:extLst>
+              <a:ext uri="{FF2B5EF4-FFF2-40B4-BE49-F238E27FC236}">
+                <a16:creationId xmlns:a16="http://schemas.microsoft.com/office/drawing/2014/main" id="{E6B8C051-0D40-47E4-985C-75DFCE0E8C9A}"/>
+              </a:ext>
+            </a:extLst>
+          </p:cNvPr>
+          <p:cNvCxnSpPr>
+            <a:cxnSpLocks/>
+          </p:cNvCxnSpPr>
+          <p:nvPr/>
+        </p:nvCxnSpPr>
+        <p:spPr>
+          <a:xfrm flipV="1">
+            <a:off x="6767246" y="3020192"/>
+            <a:ext cx="528724" cy="919021"/>
+          </a:xfrm>
+          <a:prstGeom prst="straightConnector1">
+            <a:avLst/>
+          </a:prstGeom>
+          <a:ln>
+            <a:solidFill>
+              <a:schemeClr val="tx1"/>
+            </a:solidFill>
+            <a:prstDash val="sysDot"/>
+            <a:tailEnd type="triangle"/>
+          </a:ln>
+        </p:spPr>
+        <p:style>
+          <a:lnRef idx="1">
+            <a:schemeClr val="accent1"/>
+          </a:lnRef>
+          <a:fillRef idx="0">
+            <a:schemeClr val="accent1"/>
+          </a:fillRef>
+          <a:effectRef idx="0">
+            <a:schemeClr val="accent1"/>
+          </a:effectRef>
+          <a:fontRef idx="minor">
+            <a:schemeClr val="tx1"/>
+          </a:fontRef>
+        </p:style>
+      </p:cxnSp>
+      <p:sp>
+        <p:nvSpPr>
+          <p:cNvPr id="45" name="箭头: 右 44">
+            <a:extLst>
+              <a:ext uri="{FF2B5EF4-FFF2-40B4-BE49-F238E27FC236}">
+                <a16:creationId xmlns:a16="http://schemas.microsoft.com/office/drawing/2014/main" id="{EFD98D8F-E602-4BB4-BD0A-A3ECF33EF018}"/>
+              </a:ext>
+            </a:extLst>
+          </p:cNvPr>
+          <p:cNvSpPr/>
+          <p:nvPr/>
+        </p:nvSpPr>
+        <p:spPr>
+          <a:xfrm>
+            <a:off x="7899220" y="2630743"/>
+            <a:ext cx="978408" cy="134937"/>
+          </a:xfrm>
+          <a:prstGeom prst="rightArrow">
+            <a:avLst/>
+          </a:prstGeom>
+          <a:solidFill>
+            <a:srgbClr val="FFC000"/>
+          </a:solidFill>
+        </p:spPr>
+        <p:style>
+          <a:lnRef idx="2">
+            <a:schemeClr val="accent1">
+              <a:shade val="50000"/>
+            </a:schemeClr>
+          </a:lnRef>
+          <a:fillRef idx="1">
+            <a:schemeClr val="accent1"/>
+          </a:fillRef>
+          <a:effectRef idx="0">
+            <a:schemeClr val="accent1"/>
+          </a:effectRef>
+          <a:fontRef idx="minor">
+            <a:schemeClr val="lt1"/>
+          </a:fontRef>
+        </p:style>
+        <p:txBody>
+          <a:bodyPr rtlCol="0" anchor="ctr"/>
+          <a:lstStyle/>
+          <a:p>
+            <a:pPr algn="ctr"/>
+            <a:endParaRPr lang="zh-CN" altLang="en-US"/>
+          </a:p>
+        </p:txBody>
+      </p:sp>
+      <p:cxnSp>
+        <p:nvCxnSpPr>
+          <p:cNvPr id="48" name="直接箭头连接符 47">
+            <a:extLst>
+              <a:ext uri="{FF2B5EF4-FFF2-40B4-BE49-F238E27FC236}">
+                <a16:creationId xmlns:a16="http://schemas.microsoft.com/office/drawing/2014/main" id="{EF20E4E1-25A1-4754-959C-A1D3C4076FE1}"/>
+              </a:ext>
+            </a:extLst>
+          </p:cNvPr>
+          <p:cNvCxnSpPr/>
+          <p:nvPr/>
+        </p:nvCxnSpPr>
+        <p:spPr>
+          <a:xfrm>
+            <a:off x="107504" y="2060848"/>
+            <a:ext cx="504056" cy="1101079"/>
+          </a:xfrm>
+          <a:prstGeom prst="straightConnector1">
+            <a:avLst/>
+          </a:prstGeom>
+          <a:ln>
+            <a:solidFill>
+              <a:schemeClr val="tx1"/>
+            </a:solidFill>
+            <a:prstDash val="dashDot"/>
+            <a:tailEnd type="triangle"/>
+          </a:ln>
+        </p:spPr>
+        <p:style>
+          <a:lnRef idx="1">
+            <a:schemeClr val="accent1"/>
+          </a:lnRef>
+          <a:fillRef idx="0">
+            <a:schemeClr val="accent1"/>
+          </a:fillRef>
+          <a:effectRef idx="0">
+            <a:schemeClr val="accent1"/>
+          </a:effectRef>
+          <a:fontRef idx="minor">
+            <a:schemeClr val="tx1"/>
+          </a:fontRef>
+        </p:style>
+      </p:cxnSp>
+      <p:sp>
+        <p:nvSpPr>
+          <p:cNvPr id="51" name="文本框 50">
+            <a:extLst>
+              <a:ext uri="{FF2B5EF4-FFF2-40B4-BE49-F238E27FC236}">
+                <a16:creationId xmlns:a16="http://schemas.microsoft.com/office/drawing/2014/main" id="{6B90800F-ADAE-4042-94F5-3FC444BFF19E}"/>
+              </a:ext>
+            </a:extLst>
+          </p:cNvPr>
+          <p:cNvSpPr txBox="1"/>
+          <p:nvPr/>
+        </p:nvSpPr>
+        <p:spPr>
+          <a:xfrm>
+            <a:off x="2999162" y="2348880"/>
+            <a:ext cx="569665" cy="369332"/>
+          </a:xfrm>
+          <a:prstGeom prst="rect">
+            <a:avLst/>
+          </a:prstGeom>
+          <a:noFill/>
+        </p:spPr>
+        <p:txBody>
+          <a:bodyPr wrap="square" rtlCol="0">
+            <a:spAutoFit/>
+          </a:bodyPr>
+          <a:lstStyle/>
+          <a:p>
+            <a:r>
+              <a:rPr lang="en-US" altLang="zh-CN" dirty="0"/>
+              <a:t>18 </a:t>
+            </a:r>
+            <a:endParaRPr lang="zh-CN" altLang="en-US" dirty="0"/>
+          </a:p>
+        </p:txBody>
+      </p:sp>
+      <p:sp>
+        <p:nvSpPr>
+          <p:cNvPr id="52" name="文本框 51">
+            <a:extLst>
+              <a:ext uri="{FF2B5EF4-FFF2-40B4-BE49-F238E27FC236}">
+                <a16:creationId xmlns:a16="http://schemas.microsoft.com/office/drawing/2014/main" id="{930DF023-1D6B-4F44-9498-8BF694487E4A}"/>
+              </a:ext>
+            </a:extLst>
+          </p:cNvPr>
+          <p:cNvSpPr txBox="1"/>
+          <p:nvPr/>
+        </p:nvSpPr>
+        <p:spPr>
+          <a:xfrm>
+            <a:off x="3707904" y="3635732"/>
+            <a:ext cx="432048" cy="307777"/>
+          </a:xfrm>
+          <a:prstGeom prst="rect">
+            <a:avLst/>
+          </a:prstGeom>
+          <a:noFill/>
+        </p:spPr>
+        <p:txBody>
+          <a:bodyPr wrap="square" rtlCol="0">
+            <a:spAutoFit/>
+          </a:bodyPr>
+          <a:lstStyle/>
+          <a:p>
+            <a:r>
+              <a:rPr lang="en-US" altLang="zh-CN" sz="1400" dirty="0"/>
+              <a:t>36</a:t>
+            </a:r>
+            <a:endParaRPr lang="zh-CN" altLang="en-US" sz="1400" dirty="0"/>
+          </a:p>
+        </p:txBody>
+      </p:sp>
+      <p:sp>
+        <p:nvSpPr>
+          <p:cNvPr id="53" name="文本框 52">
+            <a:extLst>
+              <a:ext uri="{FF2B5EF4-FFF2-40B4-BE49-F238E27FC236}">
+                <a16:creationId xmlns:a16="http://schemas.microsoft.com/office/drawing/2014/main" id="{D5ADDD2B-E3A2-4061-8BAD-743DFAB9EF5A}"/>
+              </a:ext>
+            </a:extLst>
+          </p:cNvPr>
+          <p:cNvSpPr txBox="1"/>
+          <p:nvPr/>
+        </p:nvSpPr>
+        <p:spPr>
+          <a:xfrm>
+            <a:off x="7899220" y="2204864"/>
+            <a:ext cx="1137276" cy="307777"/>
+          </a:xfrm>
+          <a:prstGeom prst="rect">
+            <a:avLst/>
+          </a:prstGeom>
+          <a:noFill/>
+        </p:spPr>
+        <p:txBody>
+          <a:bodyPr wrap="square" rtlCol="0">
+            <a:spAutoFit/>
+          </a:bodyPr>
+          <a:lstStyle/>
+          <a:p>
+            <a:r>
+              <a:rPr lang="en-US" altLang="zh-CN" sz="1400" dirty="0">
+                <a:solidFill>
+                  <a:srgbClr val="0070C0"/>
+                </a:solidFill>
+              </a:rPr>
+              <a:t>Roi Pooling</a:t>
+            </a:r>
+            <a:endParaRPr lang="zh-CN" altLang="en-US" sz="1400" dirty="0">
+              <a:solidFill>
+                <a:srgbClr val="0070C0"/>
+              </a:solidFill>
+            </a:endParaRPr>
+          </a:p>
+        </p:txBody>
+      </p:sp>
+      <p:sp>
+        <p:nvSpPr>
+          <p:cNvPr id="54" name="对话气泡: 矩形 53">
+            <a:extLst>
+              <a:ext uri="{FF2B5EF4-FFF2-40B4-BE49-F238E27FC236}">
+                <a16:creationId xmlns:a16="http://schemas.microsoft.com/office/drawing/2014/main" id="{6D301846-B1E0-4435-857F-FD5B2E927DE6}"/>
+              </a:ext>
+            </a:extLst>
+          </p:cNvPr>
+          <p:cNvSpPr/>
+          <p:nvPr/>
+        </p:nvSpPr>
+        <p:spPr>
+          <a:xfrm>
+            <a:off x="5801923" y="1426397"/>
+            <a:ext cx="1224136" cy="504056"/>
+          </a:xfrm>
+          <a:prstGeom prst="wedgeRectCallout">
+            <a:avLst/>
+          </a:prstGeom>
+          <a:noFill/>
+        </p:spPr>
+        <p:style>
+          <a:lnRef idx="2">
+            <a:schemeClr val="accent1">
+              <a:shade val="50000"/>
+            </a:schemeClr>
+          </a:lnRef>
+          <a:fillRef idx="1">
+            <a:schemeClr val="accent1"/>
+          </a:fillRef>
+          <a:effectRef idx="0">
+            <a:schemeClr val="accent1"/>
+          </a:effectRef>
+          <a:fontRef idx="minor">
+            <a:schemeClr val="lt1"/>
+          </a:fontRef>
+        </p:style>
+        <p:txBody>
+          <a:bodyPr rtlCol="0" anchor="ctr"/>
+          <a:lstStyle/>
+          <a:p>
+            <a:pPr algn="ctr"/>
+            <a:endParaRPr lang="zh-CN" altLang="en-US"/>
+          </a:p>
+        </p:txBody>
+      </p:sp>
+      <p:sp>
+        <p:nvSpPr>
+          <p:cNvPr id="55" name="文本框 54">
+            <a:extLst>
+              <a:ext uri="{FF2B5EF4-FFF2-40B4-BE49-F238E27FC236}">
+                <a16:creationId xmlns:a16="http://schemas.microsoft.com/office/drawing/2014/main" id="{D02C44B1-2233-4AAB-874B-AA05B3ED9FFD}"/>
+              </a:ext>
+            </a:extLst>
+          </p:cNvPr>
+          <p:cNvSpPr txBox="1"/>
+          <p:nvPr/>
+        </p:nvSpPr>
+        <p:spPr>
+          <a:xfrm>
+            <a:off x="5801923" y="1570413"/>
+            <a:ext cx="1296144" cy="276999"/>
+          </a:xfrm>
+          <a:prstGeom prst="rect">
+            <a:avLst/>
+          </a:prstGeom>
+          <a:noFill/>
+        </p:spPr>
+        <p:txBody>
+          <a:bodyPr wrap="square" rtlCol="0">
+            <a:spAutoFit/>
+          </a:bodyPr>
+          <a:lstStyle/>
+          <a:p>
+            <a:r>
+              <a:rPr lang="zh-CN" altLang="en-US" sz="1200" dirty="0"/>
+              <a:t>物体前后景分类</a:t>
+            </a:r>
+          </a:p>
+        </p:txBody>
+      </p:sp>
+      <p:cxnSp>
+        <p:nvCxnSpPr>
+          <p:cNvPr id="57" name="直接连接符 56">
+            <a:extLst>
+              <a:ext uri="{FF2B5EF4-FFF2-40B4-BE49-F238E27FC236}">
+                <a16:creationId xmlns:a16="http://schemas.microsoft.com/office/drawing/2014/main" id="{366FE9D7-E763-45D8-A91B-41FDC9787CFD}"/>
+              </a:ext>
+            </a:extLst>
+          </p:cNvPr>
+          <p:cNvCxnSpPr>
+            <a:cxnSpLocks/>
+            <a:stCxn id="60" idx="0"/>
+            <a:endCxn id="54" idx="4"/>
+          </p:cNvCxnSpPr>
+          <p:nvPr/>
+        </p:nvCxnSpPr>
+        <p:spPr>
+          <a:xfrm flipV="1">
+            <a:off x="5612690" y="1993460"/>
+            <a:ext cx="546277" cy="172927"/>
+          </a:xfrm>
+          <a:prstGeom prst="line">
+            <a:avLst/>
+          </a:prstGeom>
+          <a:ln w="9525" cap="flat" cmpd="sng" algn="ctr">
+            <a:solidFill>
+              <a:schemeClr val="dk1"/>
+            </a:solidFill>
+            <a:prstDash val="dash"/>
+            <a:round/>
+            <a:headEnd type="none" w="med" len="med"/>
+            <a:tailEnd type="none" w="med" len="med"/>
+          </a:ln>
+        </p:spPr>
+        <p:style>
+          <a:lnRef idx="0">
+            <a:scrgbClr r="0" g="0" b="0"/>
+          </a:lnRef>
+          <a:fillRef idx="0">
+            <a:scrgbClr r="0" g="0" b="0"/>
+          </a:fillRef>
+          <a:effectRef idx="0">
+            <a:scrgbClr r="0" g="0" b="0"/>
+          </a:effectRef>
+          <a:fontRef idx="minor">
+            <a:schemeClr val="tx1"/>
+          </a:fontRef>
+        </p:style>
+      </p:cxnSp>
+      <p:sp>
+        <p:nvSpPr>
+          <p:cNvPr id="60" name="矩形 59">
+            <a:extLst>
+              <a:ext uri="{FF2B5EF4-FFF2-40B4-BE49-F238E27FC236}">
+                <a16:creationId xmlns:a16="http://schemas.microsoft.com/office/drawing/2014/main" id="{79C9E12F-1F87-42E3-A5F0-53FA865C2E61}"/>
+              </a:ext>
+            </a:extLst>
+          </p:cNvPr>
+          <p:cNvSpPr/>
+          <p:nvPr/>
+        </p:nvSpPr>
+        <p:spPr>
+          <a:xfrm>
+            <a:off x="2267744" y="2166387"/>
+            <a:ext cx="6689892" cy="1055881"/>
+          </a:xfrm>
+          <a:prstGeom prst="rect">
+            <a:avLst/>
+          </a:prstGeom>
+          <a:noFill/>
+          <a:ln>
+            <a:prstDash val="dashDot"/>
+          </a:ln>
+        </p:spPr>
+        <p:style>
+          <a:lnRef idx="2">
+            <a:schemeClr val="accent1">
+              <a:shade val="50000"/>
+            </a:schemeClr>
+          </a:lnRef>
+          <a:fillRef idx="1">
+            <a:schemeClr val="accent1"/>
+          </a:fillRef>
+          <a:effectRef idx="0">
+            <a:schemeClr val="accent1"/>
+          </a:effectRef>
+          <a:fontRef idx="minor">
+            <a:schemeClr val="lt1"/>
+          </a:fontRef>
+        </p:style>
+        <p:txBody>
+          <a:bodyPr rtlCol="0" anchor="ctr"/>
+          <a:lstStyle/>
+          <a:p>
+            <a:pPr algn="ctr"/>
+            <a:endParaRPr lang="zh-CN" altLang="en-US"/>
+          </a:p>
+        </p:txBody>
+      </p:sp>
+      <p:sp>
+        <p:nvSpPr>
+          <p:cNvPr id="63" name="矩形 62">
+            <a:extLst>
+              <a:ext uri="{FF2B5EF4-FFF2-40B4-BE49-F238E27FC236}">
+                <a16:creationId xmlns:a16="http://schemas.microsoft.com/office/drawing/2014/main" id="{3A234075-40D6-44CE-B602-7C197C07F1F4}"/>
+              </a:ext>
+            </a:extLst>
+          </p:cNvPr>
+          <p:cNvSpPr/>
+          <p:nvPr/>
+        </p:nvSpPr>
+        <p:spPr>
+          <a:xfrm>
+            <a:off x="2123728" y="3085726"/>
+            <a:ext cx="5735972" cy="1495825"/>
+          </a:xfrm>
+          <a:prstGeom prst="rect">
+            <a:avLst/>
+          </a:prstGeom>
+          <a:noFill/>
+          <a:ln>
+            <a:solidFill>
+              <a:schemeClr val="accent6"/>
+            </a:solidFill>
+            <a:prstDash val="dashDot"/>
+          </a:ln>
+        </p:spPr>
+        <p:style>
+          <a:lnRef idx="2">
+            <a:schemeClr val="accent1">
+              <a:shade val="50000"/>
+            </a:schemeClr>
+          </a:lnRef>
+          <a:fillRef idx="1">
+            <a:schemeClr val="accent1"/>
+          </a:fillRef>
+          <a:effectRef idx="0">
+            <a:schemeClr val="accent1"/>
+          </a:effectRef>
+          <a:fontRef idx="minor">
+            <a:schemeClr val="lt1"/>
+          </a:fontRef>
+        </p:style>
+        <p:txBody>
+          <a:bodyPr rtlCol="0" anchor="ctr"/>
+          <a:lstStyle/>
+          <a:p>
+            <a:pPr algn="ctr"/>
+            <a:endParaRPr lang="zh-CN" altLang="en-US"/>
+          </a:p>
+        </p:txBody>
+      </p:sp>
+      <p:sp>
+        <p:nvSpPr>
+          <p:cNvPr id="64" name="对话气泡: 矩形 63">
+            <a:extLst>
+              <a:ext uri="{FF2B5EF4-FFF2-40B4-BE49-F238E27FC236}">
+                <a16:creationId xmlns:a16="http://schemas.microsoft.com/office/drawing/2014/main" id="{ED269830-B140-421D-9DC2-677833F65F3B}"/>
+              </a:ext>
+            </a:extLst>
+          </p:cNvPr>
+          <p:cNvSpPr/>
+          <p:nvPr/>
+        </p:nvSpPr>
+        <p:spPr>
+          <a:xfrm>
+            <a:off x="7760596" y="3439453"/>
+            <a:ext cx="1224136" cy="504056"/>
+          </a:xfrm>
+          <a:prstGeom prst="wedgeRectCallout">
+            <a:avLst/>
+          </a:prstGeom>
+          <a:noFill/>
+        </p:spPr>
+        <p:style>
+          <a:lnRef idx="2">
+            <a:schemeClr val="accent1">
+              <a:shade val="50000"/>
+            </a:schemeClr>
+          </a:lnRef>
+          <a:fillRef idx="1">
+            <a:schemeClr val="accent1"/>
+          </a:fillRef>
+          <a:effectRef idx="0">
+            <a:schemeClr val="accent1"/>
+          </a:effectRef>
+          <a:fontRef idx="minor">
+            <a:schemeClr val="lt1"/>
+          </a:fontRef>
+        </p:style>
+        <p:txBody>
+          <a:bodyPr rtlCol="0" anchor="ctr"/>
+          <a:lstStyle/>
+          <a:p>
+            <a:pPr algn="ctr"/>
+            <a:endParaRPr lang="zh-CN" altLang="en-US"/>
+          </a:p>
+        </p:txBody>
+      </p:sp>
+      <p:sp>
+        <p:nvSpPr>
+          <p:cNvPr id="65" name="文本框 64">
+            <a:extLst>
+              <a:ext uri="{FF2B5EF4-FFF2-40B4-BE49-F238E27FC236}">
+                <a16:creationId xmlns:a16="http://schemas.microsoft.com/office/drawing/2014/main" id="{CF61E637-B572-406A-AB7D-0D3C5232DA77}"/>
+              </a:ext>
+            </a:extLst>
+          </p:cNvPr>
+          <p:cNvSpPr txBox="1"/>
+          <p:nvPr/>
+        </p:nvSpPr>
+        <p:spPr>
+          <a:xfrm>
+            <a:off x="7760596" y="3583469"/>
+            <a:ext cx="1296144" cy="276999"/>
+          </a:xfrm>
+          <a:prstGeom prst="rect">
+            <a:avLst/>
+          </a:prstGeom>
+          <a:noFill/>
+        </p:spPr>
+        <p:txBody>
+          <a:bodyPr wrap="square" rtlCol="0">
+            <a:spAutoFit/>
+          </a:bodyPr>
+          <a:lstStyle/>
+          <a:p>
+            <a:r>
+              <a:rPr lang="zh-CN" altLang="en-US" sz="1200" dirty="0"/>
+              <a:t>    检测框回归</a:t>
+            </a:r>
+          </a:p>
+        </p:txBody>
+      </p:sp>
+      <p:cxnSp>
+        <p:nvCxnSpPr>
+          <p:cNvPr id="67" name="直接连接符 66">
+            <a:extLst>
+              <a:ext uri="{FF2B5EF4-FFF2-40B4-BE49-F238E27FC236}">
+                <a16:creationId xmlns:a16="http://schemas.microsoft.com/office/drawing/2014/main" id="{B483B19E-1690-4095-B88D-65AB4D75D410}"/>
+              </a:ext>
+            </a:extLst>
+          </p:cNvPr>
+          <p:cNvCxnSpPr>
+            <a:stCxn id="65" idx="1"/>
+          </p:cNvCxnSpPr>
+          <p:nvPr/>
+        </p:nvCxnSpPr>
+        <p:spPr>
+          <a:xfrm flipH="1">
+            <a:off x="6444208" y="3721969"/>
+            <a:ext cx="1316388" cy="464956"/>
+          </a:xfrm>
+          <a:prstGeom prst="line">
+            <a:avLst/>
+          </a:prstGeom>
+          <a:ln w="9525" cap="flat" cmpd="sng" algn="ctr">
+            <a:solidFill>
+              <a:schemeClr val="dk1"/>
+            </a:solidFill>
+            <a:prstDash val="dash"/>
+            <a:round/>
+            <a:headEnd type="none" w="med" len="med"/>
+            <a:tailEnd type="none" w="med" len="med"/>
+          </a:ln>
+        </p:spPr>
+        <p:style>
+          <a:lnRef idx="0">
+            <a:scrgbClr r="0" g="0" b="0"/>
+          </a:lnRef>
+          <a:fillRef idx="0">
+            <a:scrgbClr r="0" g="0" b="0"/>
+          </a:fillRef>
+          <a:effectRef idx="0">
+            <a:scrgbClr r="0" g="0" b="0"/>
+          </a:effectRef>
+          <a:fontRef idx="minor">
+            <a:schemeClr val="tx1"/>
+          </a:fontRef>
+        </p:style>
+      </p:cxnSp>
+    </p:spTree>
+    <p:extLst>
+      <p:ext uri="{BB962C8B-B14F-4D97-AF65-F5344CB8AC3E}">
+        <p14:creationId xmlns:p14="http://schemas.microsoft.com/office/powerpoint/2010/main" val="895201700"/>
       </p:ext>
     </p:extLst>
   </p:cSld>

--- a/LatexThesis4SYSU-master/新建 PPT 演示文稿.pptx
+++ b/LatexThesis4SYSU-master/新建 PPT 演示文稿.pptx
@@ -13,6 +13,7 @@
     <p:sldId id="261" r:id="rId7"/>
     <p:sldId id="262" r:id="rId8"/>
     <p:sldId id="263" r:id="rId9"/>
+    <p:sldId id="264" r:id="rId10"/>
   </p:sldIdLst>
   <p:sldSz cx="9144000" cy="6858000" type="screen4x3"/>
   <p:notesSz cx="6858000" cy="9144000"/>
@@ -13397,7 +13398,7 @@
         <p:spPr>
           <a:xfrm>
             <a:off x="3707904" y="3635732"/>
-            <a:ext cx="432048" cy="307777"/>
+            <a:ext cx="432048" cy="369332"/>
           </a:xfrm>
           <a:prstGeom prst="rect">
             <a:avLst/>
@@ -13411,10 +13412,10 @@
           <a:lstStyle/>
           <a:p>
             <a:r>
-              <a:rPr lang="en-US" altLang="zh-CN" sz="1400" dirty="0"/>
+              <a:rPr lang="en-US" altLang="zh-CN" dirty="0"/>
               <a:t>36</a:t>
             </a:r>
-            <a:endParaRPr lang="zh-CN" altLang="en-US" sz="1400" dirty="0"/>
+            <a:endParaRPr lang="zh-CN" altLang="en-US" dirty="0"/>
           </a:p>
         </p:txBody>
       </p:sp>
@@ -13829,6 +13830,66 @@
     <p:extLst>
       <p:ext uri="{BB962C8B-B14F-4D97-AF65-F5344CB8AC3E}">
         <p14:creationId xmlns:p14="http://schemas.microsoft.com/office/powerpoint/2010/main" val="895201700"/>
+      </p:ext>
+    </p:extLst>
+  </p:cSld>
+  <p:clrMapOvr>
+    <a:masterClrMapping/>
+  </p:clrMapOvr>
+</p:sld>
+</file>
+
+<file path=ppt/slides/slide9.xml><?xml version="1.0" encoding="utf-8"?>
+<p:sld xmlns:a="http://schemas.openxmlformats.org/drawingml/2006/main" xmlns:r="http://schemas.openxmlformats.org/officeDocument/2006/relationships" xmlns:p="http://schemas.openxmlformats.org/presentationml/2006/main">
+  <p:cSld>
+    <p:spTree>
+      <p:nvGrpSpPr>
+        <p:cNvPr id="1" name=""/>
+        <p:cNvGrpSpPr/>
+        <p:nvPr/>
+      </p:nvGrpSpPr>
+      <p:grpSpPr>
+        <a:xfrm>
+          <a:off x="0" y="0"/>
+          <a:ext cx="0" cy="0"/>
+          <a:chOff x="0" y="0"/>
+          <a:chExt cx="0" cy="0"/>
+        </a:xfrm>
+      </p:grpSpPr>
+      <p:pic>
+        <p:nvPicPr>
+          <p:cNvPr id="4" name="图片 3">
+            <a:extLst>
+              <a:ext uri="{FF2B5EF4-FFF2-40B4-BE49-F238E27FC236}">
+                <a16:creationId xmlns:a16="http://schemas.microsoft.com/office/drawing/2014/main" id="{EE605AC2-2F1D-40E5-AF47-8C7198359396}"/>
+              </a:ext>
+            </a:extLst>
+          </p:cNvPr>
+          <p:cNvPicPr>
+            <a:picLocks noChangeAspect="1"/>
+          </p:cNvPicPr>
+          <p:nvPr/>
+        </p:nvPicPr>
+        <p:blipFill>
+          <a:blip r:embed="rId2"/>
+          <a:stretch>
+            <a:fillRect/>
+          </a:stretch>
+        </p:blipFill>
+        <p:spPr>
+          <a:xfrm>
+            <a:off x="2886075" y="1871663"/>
+            <a:ext cx="2333997" cy="2155980"/>
+          </a:xfrm>
+          <a:prstGeom prst="rect">
+            <a:avLst/>
+          </a:prstGeom>
+        </p:spPr>
+      </p:pic>
+    </p:spTree>
+    <p:extLst>
+      <p:ext uri="{BB962C8B-B14F-4D97-AF65-F5344CB8AC3E}">
+        <p14:creationId xmlns:p14="http://schemas.microsoft.com/office/powerpoint/2010/main" val="4100351901"/>
       </p:ext>
     </p:extLst>
   </p:cSld>

--- a/LatexThesis4SYSU-master/新建 PPT 演示文稿.pptx
+++ b/LatexThesis4SYSU-master/新建 PPT 演示文稿.pptx
@@ -14,6 +14,8 @@
     <p:sldId id="262" r:id="rId8"/>
     <p:sldId id="263" r:id="rId9"/>
     <p:sldId id="264" r:id="rId10"/>
+    <p:sldId id="265" r:id="rId11"/>
+    <p:sldId id="266" r:id="rId12"/>
   </p:sldIdLst>
   <p:sldSz cx="9144000" cy="6858000" type="screen4x3"/>
   <p:notesSz cx="6858000" cy="9144000"/>
@@ -4011,6 +4013,900 @@
         </p:txBody>
       </p:sp>
     </p:spTree>
+  </p:cSld>
+  <p:clrMapOvr>
+    <a:masterClrMapping/>
+  </p:clrMapOvr>
+</p:sld>
+</file>
+
+<file path=ppt/slides/slide10.xml><?xml version="1.0" encoding="utf-8"?>
+<p:sld xmlns:a="http://schemas.openxmlformats.org/drawingml/2006/main" xmlns:r="http://schemas.openxmlformats.org/officeDocument/2006/relationships" xmlns:p="http://schemas.openxmlformats.org/presentationml/2006/main">
+  <p:cSld>
+    <p:spTree>
+      <p:nvGrpSpPr>
+        <p:cNvPr id="1" name=""/>
+        <p:cNvGrpSpPr/>
+        <p:nvPr/>
+      </p:nvGrpSpPr>
+      <p:grpSpPr>
+        <a:xfrm>
+          <a:off x="0" y="0"/>
+          <a:ext cx="0" cy="0"/>
+          <a:chOff x="0" y="0"/>
+          <a:chExt cx="0" cy="0"/>
+        </a:xfrm>
+      </p:grpSpPr>
+      <p:sp>
+        <p:nvSpPr>
+          <p:cNvPr id="5" name="文本框 4">
+            <a:extLst>
+              <a:ext uri="{FF2B5EF4-FFF2-40B4-BE49-F238E27FC236}">
+                <a16:creationId xmlns:a16="http://schemas.microsoft.com/office/drawing/2014/main" id="{9ED6DDD2-DA0B-4B3C-BA61-C3C1603FF0B4}"/>
+              </a:ext>
+            </a:extLst>
+          </p:cNvPr>
+          <p:cNvSpPr txBox="1"/>
+          <p:nvPr/>
+        </p:nvSpPr>
+        <p:spPr>
+          <a:xfrm>
+            <a:off x="705459" y="1724513"/>
+            <a:ext cx="2138347" cy="307777"/>
+          </a:xfrm>
+          <a:prstGeom prst="rect">
+            <a:avLst/>
+          </a:prstGeom>
+          <a:noFill/>
+        </p:spPr>
+        <p:txBody>
+          <a:bodyPr wrap="square" rtlCol="0">
+            <a:spAutoFit/>
+          </a:bodyPr>
+          <a:lstStyle/>
+          <a:p>
+            <a:r>
+              <a:rPr lang="en-US" altLang="zh-CN" sz="1400" b="1" dirty="0"/>
+              <a:t>Attachment domain</a:t>
+            </a:r>
+            <a:r>
+              <a:rPr lang="en-US" altLang="zh-CN" sz="1400" dirty="0"/>
+              <a:t> (d0)</a:t>
+            </a:r>
+            <a:endParaRPr lang="zh-CN" altLang="en-US" sz="1400" dirty="0"/>
+          </a:p>
+        </p:txBody>
+      </p:sp>
+      <p:sp>
+        <p:nvSpPr>
+          <p:cNvPr id="6" name="文本框 5">
+            <a:extLst>
+              <a:ext uri="{FF2B5EF4-FFF2-40B4-BE49-F238E27FC236}">
+                <a16:creationId xmlns:a16="http://schemas.microsoft.com/office/drawing/2014/main" id="{7649DC6D-E771-477A-A56D-A1B3F0B1BCBB}"/>
+              </a:ext>
+            </a:extLst>
+          </p:cNvPr>
+          <p:cNvSpPr txBox="1"/>
+          <p:nvPr/>
+        </p:nvSpPr>
+        <p:spPr>
+          <a:xfrm>
+            <a:off x="729654" y="3055250"/>
+            <a:ext cx="1935995" cy="306964"/>
+          </a:xfrm>
+          <a:prstGeom prst="rect">
+            <a:avLst/>
+          </a:prstGeom>
+          <a:noFill/>
+        </p:spPr>
+        <p:txBody>
+          <a:bodyPr wrap="square" rtlCol="0">
+            <a:spAutoFit/>
+          </a:bodyPr>
+          <a:lstStyle/>
+          <a:p>
+            <a:r>
+              <a:rPr lang="en-US" altLang="zh-CN" sz="1400" b="1" dirty="0"/>
+              <a:t>Mating domain</a:t>
+            </a:r>
+            <a:r>
+              <a:rPr lang="en-US" altLang="zh-CN" sz="1400" dirty="0"/>
+              <a:t> (d2)</a:t>
+            </a:r>
+            <a:endParaRPr lang="zh-CN" altLang="en-US" sz="1400" dirty="0"/>
+          </a:p>
+        </p:txBody>
+      </p:sp>
+      <p:sp>
+        <p:nvSpPr>
+          <p:cNvPr id="7" name="矩形 6">
+            <a:extLst>
+              <a:ext uri="{FF2B5EF4-FFF2-40B4-BE49-F238E27FC236}">
+                <a16:creationId xmlns:a16="http://schemas.microsoft.com/office/drawing/2014/main" id="{647BD972-F918-4E9B-921F-24CF71A25FF6}"/>
+              </a:ext>
+            </a:extLst>
+          </p:cNvPr>
+          <p:cNvSpPr/>
+          <p:nvPr/>
+        </p:nvSpPr>
+        <p:spPr>
+          <a:xfrm>
+            <a:off x="705459" y="2506508"/>
+            <a:ext cx="2236172" cy="307777"/>
+          </a:xfrm>
+          <a:prstGeom prst="rect">
+            <a:avLst/>
+          </a:prstGeom>
+        </p:spPr>
+        <p:txBody>
+          <a:bodyPr wrap="square">
+            <a:spAutoFit/>
+          </a:bodyPr>
+          <a:lstStyle/>
+          <a:p>
+            <a:r>
+              <a:rPr lang="en-US" altLang="zh-CN" sz="1400" b="1" dirty="0">
+                <a:solidFill>
+                  <a:srgbClr val="333333"/>
+                </a:solidFill>
+                <a:latin typeface="Arial" panose="020B0604020202020204" pitchFamily="34" charset="0"/>
+              </a:rPr>
+              <a:t>Reciprocity domain</a:t>
+            </a:r>
+            <a:r>
+              <a:rPr lang="en-US" altLang="zh-CN" sz="1400" dirty="0">
+                <a:solidFill>
+                  <a:srgbClr val="333333"/>
+                </a:solidFill>
+                <a:latin typeface="Arial" panose="020B0604020202020204" pitchFamily="34" charset="0"/>
+              </a:rPr>
+              <a:t> (d1)</a:t>
+            </a:r>
+            <a:endParaRPr lang="zh-CN" altLang="en-US" sz="1400" dirty="0"/>
+          </a:p>
+        </p:txBody>
+      </p:sp>
+      <p:sp>
+        <p:nvSpPr>
+          <p:cNvPr id="8" name="矩形 7">
+            <a:extLst>
+              <a:ext uri="{FF2B5EF4-FFF2-40B4-BE49-F238E27FC236}">
+                <a16:creationId xmlns:a16="http://schemas.microsoft.com/office/drawing/2014/main" id="{514BFB47-10DF-41CF-B7B0-48EBCC85D375}"/>
+              </a:ext>
+            </a:extLst>
+          </p:cNvPr>
+          <p:cNvSpPr/>
+          <p:nvPr/>
+        </p:nvSpPr>
+        <p:spPr>
+          <a:xfrm>
+            <a:off x="705459" y="3739094"/>
+            <a:ext cx="2722140" cy="523220"/>
+          </a:xfrm>
+          <a:prstGeom prst="rect">
+            <a:avLst/>
+          </a:prstGeom>
+        </p:spPr>
+        <p:txBody>
+          <a:bodyPr wrap="square">
+            <a:spAutoFit/>
+          </a:bodyPr>
+          <a:lstStyle/>
+          <a:p>
+            <a:r>
+              <a:rPr lang="en-US" altLang="zh-CN" sz="1400" b="1" dirty="0">
+                <a:solidFill>
+                  <a:srgbClr val="333333"/>
+                </a:solidFill>
+                <a:latin typeface="Arial" panose="020B0604020202020204" pitchFamily="34" charset="0"/>
+              </a:rPr>
+              <a:t>Hierarchical power domain</a:t>
+            </a:r>
+            <a:r>
+              <a:rPr lang="en-US" altLang="zh-CN" sz="1400" dirty="0">
+                <a:solidFill>
+                  <a:srgbClr val="333333"/>
+                </a:solidFill>
+                <a:latin typeface="Arial" panose="020B0604020202020204" pitchFamily="34" charset="0"/>
+              </a:rPr>
+              <a:t> (d3)</a:t>
+            </a:r>
+            <a:endParaRPr lang="zh-CN" altLang="en-US" sz="1400" dirty="0"/>
+          </a:p>
+        </p:txBody>
+      </p:sp>
+      <p:sp>
+        <p:nvSpPr>
+          <p:cNvPr id="9" name="矩形 8">
+            <a:extLst>
+              <a:ext uri="{FF2B5EF4-FFF2-40B4-BE49-F238E27FC236}">
+                <a16:creationId xmlns:a16="http://schemas.microsoft.com/office/drawing/2014/main" id="{831E6675-E217-4E74-9626-5DD8C8083697}"/>
+              </a:ext>
+            </a:extLst>
+          </p:cNvPr>
+          <p:cNvSpPr/>
+          <p:nvPr/>
+        </p:nvSpPr>
+        <p:spPr>
+          <a:xfrm>
+            <a:off x="705459" y="4621165"/>
+            <a:ext cx="2689884" cy="523220"/>
+          </a:xfrm>
+          <a:prstGeom prst="rect">
+            <a:avLst/>
+          </a:prstGeom>
+        </p:spPr>
+        <p:txBody>
+          <a:bodyPr wrap="square">
+            <a:spAutoFit/>
+          </a:bodyPr>
+          <a:lstStyle/>
+          <a:p>
+            <a:r>
+              <a:rPr lang="en-US" altLang="zh-CN" sz="1400" b="1" dirty="0">
+                <a:solidFill>
+                  <a:srgbClr val="333333"/>
+                </a:solidFill>
+                <a:latin typeface="Arial" panose="020B0604020202020204" pitchFamily="34" charset="0"/>
+              </a:rPr>
+              <a:t>Coalitional groups domain</a:t>
+            </a:r>
+            <a:r>
+              <a:rPr lang="en-US" altLang="zh-CN" sz="1400" dirty="0">
+                <a:solidFill>
+                  <a:srgbClr val="333333"/>
+                </a:solidFill>
+                <a:latin typeface="Arial" panose="020B0604020202020204" pitchFamily="34" charset="0"/>
+              </a:rPr>
+              <a:t> (d4)</a:t>
+            </a:r>
+            <a:endParaRPr lang="zh-CN" altLang="en-US" sz="1400" dirty="0"/>
+          </a:p>
+        </p:txBody>
+      </p:sp>
+      <p:sp>
+        <p:nvSpPr>
+          <p:cNvPr id="10" name="文本框 9">
+            <a:extLst>
+              <a:ext uri="{FF2B5EF4-FFF2-40B4-BE49-F238E27FC236}">
+                <a16:creationId xmlns:a16="http://schemas.microsoft.com/office/drawing/2014/main" id="{9AEE12ED-4150-42AF-B71D-DB8775A11D57}"/>
+              </a:ext>
+            </a:extLst>
+          </p:cNvPr>
+          <p:cNvSpPr txBox="1"/>
+          <p:nvPr/>
+        </p:nvSpPr>
+        <p:spPr>
+          <a:xfrm>
+            <a:off x="3964720" y="1311538"/>
+            <a:ext cx="2030890" cy="1012982"/>
+          </a:xfrm>
+          <a:prstGeom prst="rect">
+            <a:avLst/>
+          </a:prstGeom>
+          <a:noFill/>
+        </p:spPr>
+        <p:txBody>
+          <a:bodyPr wrap="square" rtlCol="0">
+            <a:spAutoFit/>
+          </a:bodyPr>
+          <a:lstStyle/>
+          <a:p>
+            <a:r>
+              <a:rPr lang="en-US" altLang="zh-CN" sz="1400" i="1" dirty="0"/>
+              <a:t>father-child</a:t>
+            </a:r>
+            <a:r>
+              <a:rPr lang="en-US" altLang="zh-CN" sz="1400" dirty="0"/>
+              <a:t>,</a:t>
+            </a:r>
+          </a:p>
+          <a:p>
+            <a:r>
+              <a:rPr lang="en-US" altLang="zh-CN" sz="1400" i="1" dirty="0"/>
+              <a:t>mother-child</a:t>
+            </a:r>
+            <a:r>
+              <a:rPr lang="en-US" altLang="zh-CN" sz="1400" dirty="0"/>
+              <a:t>,</a:t>
+            </a:r>
+          </a:p>
+          <a:p>
+            <a:r>
+              <a:rPr lang="en-US" altLang="zh-CN" sz="1400" i="1" dirty="0"/>
+              <a:t>Grandpa-grandchild</a:t>
+            </a:r>
+            <a:endParaRPr lang="en-US" altLang="zh-CN" sz="1400" dirty="0"/>
+          </a:p>
+          <a:p>
+            <a:r>
+              <a:rPr lang="en-US" altLang="zh-CN" sz="1400" i="1" dirty="0"/>
+              <a:t>grandma-grandchild</a:t>
+            </a:r>
+            <a:r>
+              <a:rPr lang="en-US" altLang="zh-CN" dirty="0"/>
+              <a:t> </a:t>
+            </a:r>
+            <a:endParaRPr lang="zh-CN" altLang="en-US" dirty="0"/>
+          </a:p>
+        </p:txBody>
+      </p:sp>
+      <p:sp>
+        <p:nvSpPr>
+          <p:cNvPr id="15" name="矩形 14">
+            <a:extLst>
+              <a:ext uri="{FF2B5EF4-FFF2-40B4-BE49-F238E27FC236}">
+                <a16:creationId xmlns:a16="http://schemas.microsoft.com/office/drawing/2014/main" id="{D0ACC572-2248-4F5F-8432-0FDE14F0A4D3}"/>
+              </a:ext>
+            </a:extLst>
+          </p:cNvPr>
+          <p:cNvSpPr/>
+          <p:nvPr/>
+        </p:nvSpPr>
+        <p:spPr>
+          <a:xfrm>
+            <a:off x="3674653" y="2434358"/>
+            <a:ext cx="2625539" cy="338554"/>
+          </a:xfrm>
+          <a:prstGeom prst="rect">
+            <a:avLst/>
+          </a:prstGeom>
+        </p:spPr>
+        <p:txBody>
+          <a:bodyPr wrap="square">
+            <a:spAutoFit/>
+          </a:bodyPr>
+          <a:lstStyle/>
+          <a:p>
+            <a:r>
+              <a:rPr lang="en-US" altLang="zh-CN" sz="1400" i="1" dirty="0"/>
+              <a:t>friends, siblings and classmates</a:t>
+            </a:r>
+            <a:r>
+              <a:rPr lang="en-US" altLang="zh-CN" sz="1600" dirty="0">
+                <a:solidFill>
+                  <a:srgbClr val="333333"/>
+                </a:solidFill>
+                <a:latin typeface="Arial" panose="020B0604020202020204" pitchFamily="34" charset="0"/>
+              </a:rPr>
+              <a:t> </a:t>
+            </a:r>
+            <a:endParaRPr lang="zh-CN" altLang="en-US" sz="1600" dirty="0"/>
+          </a:p>
+        </p:txBody>
+      </p:sp>
+      <p:sp>
+        <p:nvSpPr>
+          <p:cNvPr id="21" name="矩形 20">
+            <a:extLst>
+              <a:ext uri="{FF2B5EF4-FFF2-40B4-BE49-F238E27FC236}">
+                <a16:creationId xmlns:a16="http://schemas.microsoft.com/office/drawing/2014/main" id="{E8AE2033-1F2F-4EBF-A652-4B51A73E6AB1}"/>
+              </a:ext>
+            </a:extLst>
+          </p:cNvPr>
+          <p:cNvSpPr/>
+          <p:nvPr/>
+        </p:nvSpPr>
+        <p:spPr>
+          <a:xfrm>
+            <a:off x="3964719" y="3053072"/>
+            <a:ext cx="1399364" cy="307777"/>
+          </a:xfrm>
+          <a:prstGeom prst="rect">
+            <a:avLst/>
+          </a:prstGeom>
+        </p:spPr>
+        <p:txBody>
+          <a:bodyPr wrap="square">
+            <a:spAutoFit/>
+          </a:bodyPr>
+          <a:lstStyle/>
+          <a:p>
+            <a:r>
+              <a:rPr lang="en-US" altLang="zh-CN" sz="1400" i="1" dirty="0"/>
+              <a:t>lovers/spouses</a:t>
+            </a:r>
+            <a:endParaRPr lang="zh-CN" altLang="en-US" sz="1400" i="1" dirty="0"/>
+          </a:p>
+        </p:txBody>
+      </p:sp>
+      <p:sp>
+        <p:nvSpPr>
+          <p:cNvPr id="22" name="矩形 21">
+            <a:extLst>
+              <a:ext uri="{FF2B5EF4-FFF2-40B4-BE49-F238E27FC236}">
+                <a16:creationId xmlns:a16="http://schemas.microsoft.com/office/drawing/2014/main" id="{56946E4A-9430-4D91-8886-9727B7A4896D}"/>
+              </a:ext>
+            </a:extLst>
+          </p:cNvPr>
+          <p:cNvSpPr/>
+          <p:nvPr/>
+        </p:nvSpPr>
+        <p:spPr>
+          <a:xfrm>
+            <a:off x="3918011" y="3477506"/>
+            <a:ext cx="2077600" cy="951588"/>
+          </a:xfrm>
+          <a:prstGeom prst="rect">
+            <a:avLst/>
+          </a:prstGeom>
+        </p:spPr>
+        <p:txBody>
+          <a:bodyPr wrap="square">
+            <a:spAutoFit/>
+          </a:bodyPr>
+          <a:lstStyle/>
+          <a:p>
+            <a:r>
+              <a:rPr lang="en-US" altLang="zh-CN" sz="1400" i="1" dirty="0"/>
+              <a:t>presenter-audience </a:t>
+            </a:r>
+          </a:p>
+          <a:p>
+            <a:r>
+              <a:rPr lang="en-US" altLang="zh-CN" sz="1400" i="1" dirty="0"/>
+              <a:t>teacher-student</a:t>
+            </a:r>
+          </a:p>
+          <a:p>
+            <a:r>
+              <a:rPr lang="en-US" altLang="zh-CN" sz="1400" i="1" dirty="0"/>
+              <a:t>trainer-trainee</a:t>
+            </a:r>
+          </a:p>
+          <a:p>
+            <a:r>
+              <a:rPr lang="en-US" altLang="zh-CN" sz="1400" i="1" dirty="0"/>
+              <a:t>leader-subordinate</a:t>
+            </a:r>
+            <a:endParaRPr lang="zh-CN" altLang="en-US" sz="1400" i="1" dirty="0"/>
+          </a:p>
+        </p:txBody>
+      </p:sp>
+      <p:sp>
+        <p:nvSpPr>
+          <p:cNvPr id="23" name="矩形 22">
+            <a:extLst>
+              <a:ext uri="{FF2B5EF4-FFF2-40B4-BE49-F238E27FC236}">
+                <a16:creationId xmlns:a16="http://schemas.microsoft.com/office/drawing/2014/main" id="{37C050F8-A835-4701-9B10-6BD24AEE9716}"/>
+              </a:ext>
+            </a:extLst>
+          </p:cNvPr>
+          <p:cNvSpPr/>
+          <p:nvPr/>
+        </p:nvSpPr>
+        <p:spPr>
+          <a:xfrm>
+            <a:off x="3896432" y="4456693"/>
+            <a:ext cx="1940483" cy="951588"/>
+          </a:xfrm>
+          <a:prstGeom prst="rect">
+            <a:avLst/>
+          </a:prstGeom>
+        </p:spPr>
+        <p:txBody>
+          <a:bodyPr wrap="square">
+            <a:spAutoFit/>
+          </a:bodyPr>
+          <a:lstStyle/>
+          <a:p>
+            <a:r>
+              <a:rPr lang="en-US" altLang="zh-CN" sz="1400" i="1" dirty="0"/>
+              <a:t>band members,</a:t>
+            </a:r>
+          </a:p>
+          <a:p>
+            <a:r>
+              <a:rPr lang="en-US" altLang="zh-CN" sz="1400" i="1" dirty="0"/>
+              <a:t>dance team members,</a:t>
+            </a:r>
+          </a:p>
+          <a:p>
+            <a:r>
+              <a:rPr lang="en-US" altLang="zh-CN" sz="1400" i="1" dirty="0"/>
+              <a:t>sport team members </a:t>
+            </a:r>
+          </a:p>
+          <a:p>
+            <a:r>
+              <a:rPr lang="en-US" altLang="zh-CN" sz="1400" i="1" dirty="0"/>
+              <a:t>colleagues</a:t>
+            </a:r>
+            <a:endParaRPr lang="zh-CN" altLang="en-US" sz="1400" i="1" dirty="0"/>
+          </a:p>
+        </p:txBody>
+      </p:sp>
+      <p:sp>
+        <p:nvSpPr>
+          <p:cNvPr id="31" name="矩形 30">
+            <a:extLst>
+              <a:ext uri="{FF2B5EF4-FFF2-40B4-BE49-F238E27FC236}">
+                <a16:creationId xmlns:a16="http://schemas.microsoft.com/office/drawing/2014/main" id="{CAD4AA3D-9939-4EF2-9E8C-40044AB32467}"/>
+              </a:ext>
+            </a:extLst>
+          </p:cNvPr>
+          <p:cNvSpPr/>
+          <p:nvPr/>
+        </p:nvSpPr>
+        <p:spPr>
+          <a:xfrm>
+            <a:off x="340285" y="1311538"/>
+            <a:ext cx="5959907" cy="4096742"/>
+          </a:xfrm>
+          <a:prstGeom prst="rect">
+            <a:avLst/>
+          </a:prstGeom>
+          <a:noFill/>
+          <a:ln w="28575">
+            <a:solidFill>
+              <a:schemeClr val="tx1">
+                <a:lumMod val="65000"/>
+                <a:lumOff val="35000"/>
+              </a:schemeClr>
+            </a:solidFill>
+          </a:ln>
+        </p:spPr>
+        <p:style>
+          <a:lnRef idx="2">
+            <a:schemeClr val="accent1">
+              <a:shade val="50000"/>
+            </a:schemeClr>
+          </a:lnRef>
+          <a:fillRef idx="1">
+            <a:schemeClr val="accent1"/>
+          </a:fillRef>
+          <a:effectRef idx="0">
+            <a:schemeClr val="accent1"/>
+          </a:effectRef>
+          <a:fontRef idx="minor">
+            <a:schemeClr val="lt1"/>
+          </a:fontRef>
+        </p:style>
+        <p:txBody>
+          <a:bodyPr rtlCol="0" anchor="ctr"/>
+          <a:lstStyle/>
+          <a:p>
+            <a:pPr algn="ctr"/>
+            <a:endParaRPr lang="zh-CN" altLang="en-US"/>
+          </a:p>
+        </p:txBody>
+      </p:sp>
+      <p:cxnSp>
+        <p:nvCxnSpPr>
+          <p:cNvPr id="36" name="直接连接符 35">
+            <a:extLst>
+              <a:ext uri="{FF2B5EF4-FFF2-40B4-BE49-F238E27FC236}">
+                <a16:creationId xmlns:a16="http://schemas.microsoft.com/office/drawing/2014/main" id="{D20C0EDC-470E-4AAC-A4CA-B8AB7B4022B3}"/>
+              </a:ext>
+            </a:extLst>
+          </p:cNvPr>
+          <p:cNvCxnSpPr>
+            <a:cxnSpLocks/>
+            <a:stCxn id="31" idx="0"/>
+            <a:endCxn id="31" idx="2"/>
+          </p:cNvCxnSpPr>
+          <p:nvPr/>
+        </p:nvCxnSpPr>
+        <p:spPr>
+          <a:xfrm>
+            <a:off x="3320239" y="1311538"/>
+            <a:ext cx="0" cy="4096742"/>
+          </a:xfrm>
+          <a:prstGeom prst="line">
+            <a:avLst/>
+          </a:prstGeom>
+        </p:spPr>
+        <p:style>
+          <a:lnRef idx="2">
+            <a:schemeClr val="dk1"/>
+          </a:lnRef>
+          <a:fillRef idx="0">
+            <a:schemeClr val="dk1"/>
+          </a:fillRef>
+          <a:effectRef idx="1">
+            <a:schemeClr val="dk1"/>
+          </a:effectRef>
+          <a:fontRef idx="minor">
+            <a:schemeClr val="tx1"/>
+          </a:fontRef>
+        </p:style>
+      </p:cxnSp>
+      <p:cxnSp>
+        <p:nvCxnSpPr>
+          <p:cNvPr id="38" name="直接连接符 37">
+            <a:extLst>
+              <a:ext uri="{FF2B5EF4-FFF2-40B4-BE49-F238E27FC236}">
+                <a16:creationId xmlns:a16="http://schemas.microsoft.com/office/drawing/2014/main" id="{DD9E77E3-E785-4392-B3A1-641C5B8FE57A}"/>
+              </a:ext>
+            </a:extLst>
+          </p:cNvPr>
+          <p:cNvCxnSpPr>
+            <a:cxnSpLocks/>
+          </p:cNvCxnSpPr>
+          <p:nvPr/>
+        </p:nvCxnSpPr>
+        <p:spPr>
+          <a:xfrm>
+            <a:off x="340285" y="2345185"/>
+            <a:ext cx="5959907" cy="0"/>
+          </a:xfrm>
+          <a:prstGeom prst="line">
+            <a:avLst/>
+          </a:prstGeom>
+        </p:spPr>
+        <p:style>
+          <a:lnRef idx="2">
+            <a:schemeClr val="dk1"/>
+          </a:lnRef>
+          <a:fillRef idx="0">
+            <a:schemeClr val="dk1"/>
+          </a:fillRef>
+          <a:effectRef idx="1">
+            <a:schemeClr val="dk1"/>
+          </a:effectRef>
+          <a:fontRef idx="minor">
+            <a:schemeClr val="tx1"/>
+          </a:fontRef>
+        </p:style>
+      </p:cxnSp>
+      <p:cxnSp>
+        <p:nvCxnSpPr>
+          <p:cNvPr id="43" name="直接连接符 42">
+            <a:extLst>
+              <a:ext uri="{FF2B5EF4-FFF2-40B4-BE49-F238E27FC236}">
+                <a16:creationId xmlns:a16="http://schemas.microsoft.com/office/drawing/2014/main" id="{05F107CA-25CC-4E5E-9ED0-8FA121B87B14}"/>
+              </a:ext>
+            </a:extLst>
+          </p:cNvPr>
+          <p:cNvCxnSpPr>
+            <a:cxnSpLocks/>
+          </p:cNvCxnSpPr>
+          <p:nvPr/>
+        </p:nvCxnSpPr>
+        <p:spPr>
+          <a:xfrm>
+            <a:off x="340284" y="2957578"/>
+            <a:ext cx="5959907" cy="0"/>
+          </a:xfrm>
+          <a:prstGeom prst="line">
+            <a:avLst/>
+          </a:prstGeom>
+        </p:spPr>
+        <p:style>
+          <a:lnRef idx="2">
+            <a:schemeClr val="dk1"/>
+          </a:lnRef>
+          <a:fillRef idx="0">
+            <a:schemeClr val="dk1"/>
+          </a:fillRef>
+          <a:effectRef idx="1">
+            <a:schemeClr val="dk1"/>
+          </a:effectRef>
+          <a:fontRef idx="minor">
+            <a:schemeClr val="tx1"/>
+          </a:fontRef>
+        </p:style>
+      </p:cxnSp>
+      <p:cxnSp>
+        <p:nvCxnSpPr>
+          <p:cNvPr id="44" name="直接连接符 43">
+            <a:extLst>
+              <a:ext uri="{FF2B5EF4-FFF2-40B4-BE49-F238E27FC236}">
+                <a16:creationId xmlns:a16="http://schemas.microsoft.com/office/drawing/2014/main" id="{1568C9C1-52FB-4C90-96BC-3B8C9201CC4D}"/>
+              </a:ext>
+            </a:extLst>
+          </p:cNvPr>
+          <p:cNvCxnSpPr>
+            <a:cxnSpLocks/>
+          </p:cNvCxnSpPr>
+          <p:nvPr/>
+        </p:nvCxnSpPr>
+        <p:spPr>
+          <a:xfrm>
+            <a:off x="340717" y="3483175"/>
+            <a:ext cx="5959907" cy="0"/>
+          </a:xfrm>
+          <a:prstGeom prst="line">
+            <a:avLst/>
+          </a:prstGeom>
+        </p:spPr>
+        <p:style>
+          <a:lnRef idx="2">
+            <a:schemeClr val="dk1"/>
+          </a:lnRef>
+          <a:fillRef idx="0">
+            <a:schemeClr val="dk1"/>
+          </a:fillRef>
+          <a:effectRef idx="1">
+            <a:schemeClr val="dk1"/>
+          </a:effectRef>
+          <a:fontRef idx="minor">
+            <a:schemeClr val="tx1"/>
+          </a:fontRef>
+        </p:style>
+      </p:cxnSp>
+      <p:cxnSp>
+        <p:nvCxnSpPr>
+          <p:cNvPr id="46" name="直接连接符 45">
+            <a:extLst>
+              <a:ext uri="{FF2B5EF4-FFF2-40B4-BE49-F238E27FC236}">
+                <a16:creationId xmlns:a16="http://schemas.microsoft.com/office/drawing/2014/main" id="{E02F74D3-0FD7-4D46-B9E8-A63B4B496C08}"/>
+              </a:ext>
+            </a:extLst>
+          </p:cNvPr>
+          <p:cNvCxnSpPr>
+            <a:cxnSpLocks/>
+          </p:cNvCxnSpPr>
+          <p:nvPr/>
+        </p:nvCxnSpPr>
+        <p:spPr>
+          <a:xfrm>
+            <a:off x="340285" y="4431612"/>
+            <a:ext cx="5959907" cy="0"/>
+          </a:xfrm>
+          <a:prstGeom prst="line">
+            <a:avLst/>
+          </a:prstGeom>
+        </p:spPr>
+        <p:style>
+          <a:lnRef idx="2">
+            <a:schemeClr val="dk1"/>
+          </a:lnRef>
+          <a:fillRef idx="0">
+            <a:schemeClr val="dk1"/>
+          </a:fillRef>
+          <a:effectRef idx="1">
+            <a:schemeClr val="dk1"/>
+          </a:effectRef>
+          <a:fontRef idx="minor">
+            <a:schemeClr val="tx1"/>
+          </a:fontRef>
+        </p:style>
+      </p:cxnSp>
+    </p:spTree>
+    <p:extLst>
+      <p:ext uri="{BB962C8B-B14F-4D97-AF65-F5344CB8AC3E}">
+        <p14:creationId xmlns:p14="http://schemas.microsoft.com/office/powerpoint/2010/main" val="2058595713"/>
+      </p:ext>
+    </p:extLst>
+  </p:cSld>
+  <p:clrMapOvr>
+    <a:masterClrMapping/>
+  </p:clrMapOvr>
+</p:sld>
+</file>
+
+<file path=ppt/slides/slide11.xml><?xml version="1.0" encoding="utf-8"?>
+<p:sld xmlns:a="http://schemas.openxmlformats.org/drawingml/2006/main" xmlns:r="http://schemas.openxmlformats.org/officeDocument/2006/relationships" xmlns:p="http://schemas.openxmlformats.org/presentationml/2006/main">
+  <p:cSld>
+    <p:spTree>
+      <p:nvGrpSpPr>
+        <p:cNvPr id="1" name=""/>
+        <p:cNvGrpSpPr/>
+        <p:nvPr/>
+      </p:nvGrpSpPr>
+      <p:grpSpPr>
+        <a:xfrm>
+          <a:off x="0" y="0"/>
+          <a:ext cx="0" cy="0"/>
+          <a:chOff x="0" y="0"/>
+          <a:chExt cx="0" cy="0"/>
+        </a:xfrm>
+      </p:grpSpPr>
+      <p:pic>
+        <p:nvPicPr>
+          <p:cNvPr id="5" name="图片 4">
+            <a:extLst>
+              <a:ext uri="{FF2B5EF4-FFF2-40B4-BE49-F238E27FC236}">
+                <a16:creationId xmlns:a16="http://schemas.microsoft.com/office/drawing/2014/main" id="{A3D90BED-0E17-437B-858E-270703983060}"/>
+              </a:ext>
+            </a:extLst>
+          </p:cNvPr>
+          <p:cNvPicPr>
+            <a:picLocks noChangeAspect="1"/>
+          </p:cNvPicPr>
+          <p:nvPr/>
+        </p:nvPicPr>
+        <p:blipFill>
+          <a:blip r:embed="rId2" cstate="print">
+            <a:extLst>
+              <a:ext uri="{28A0092B-C50C-407E-A947-70E740481C1C}">
+                <a14:useLocalDpi xmlns:a14="http://schemas.microsoft.com/office/drawing/2010/main" val="0"/>
+              </a:ext>
+            </a:extLst>
+          </a:blip>
+          <a:stretch>
+            <a:fillRect/>
+          </a:stretch>
+        </p:blipFill>
+        <p:spPr>
+          <a:xfrm>
+            <a:off x="3916745" y="3346633"/>
+            <a:ext cx="1788098" cy="1415956"/>
+          </a:xfrm>
+          <a:prstGeom prst="rect">
+            <a:avLst/>
+          </a:prstGeom>
+        </p:spPr>
+      </p:pic>
+      <p:pic>
+        <p:nvPicPr>
+          <p:cNvPr id="7" name="图片 6">
+            <a:extLst>
+              <a:ext uri="{FF2B5EF4-FFF2-40B4-BE49-F238E27FC236}">
+                <a16:creationId xmlns:a16="http://schemas.microsoft.com/office/drawing/2014/main" id="{31C7FF3D-D81F-4F85-8FF5-D7620ECFB40A}"/>
+              </a:ext>
+            </a:extLst>
+          </p:cNvPr>
+          <p:cNvPicPr>
+            <a:picLocks noChangeAspect="1"/>
+          </p:cNvPicPr>
+          <p:nvPr/>
+        </p:nvPicPr>
+        <p:blipFill>
+          <a:blip r:embed="rId3" cstate="print">
+            <a:extLst>
+              <a:ext uri="{28A0092B-C50C-407E-A947-70E740481C1C}">
+                <a14:useLocalDpi xmlns:a14="http://schemas.microsoft.com/office/drawing/2010/main" val="0"/>
+              </a:ext>
+            </a:extLst>
+          </a:blip>
+          <a:stretch>
+            <a:fillRect/>
+          </a:stretch>
+        </p:blipFill>
+        <p:spPr>
+          <a:xfrm>
+            <a:off x="2843808" y="1807473"/>
+            <a:ext cx="1728191" cy="1374428"/>
+          </a:xfrm>
+          <a:prstGeom prst="rect">
+            <a:avLst/>
+          </a:prstGeom>
+        </p:spPr>
+      </p:pic>
+      <p:pic>
+        <p:nvPicPr>
+          <p:cNvPr id="9" name="图片 8">
+            <a:extLst>
+              <a:ext uri="{FF2B5EF4-FFF2-40B4-BE49-F238E27FC236}">
+                <a16:creationId xmlns:a16="http://schemas.microsoft.com/office/drawing/2014/main" id="{16E6829B-0445-4C6F-B225-E72B97255565}"/>
+              </a:ext>
+            </a:extLst>
+          </p:cNvPr>
+          <p:cNvPicPr>
+            <a:picLocks noChangeAspect="1"/>
+          </p:cNvPicPr>
+          <p:nvPr/>
+        </p:nvPicPr>
+        <p:blipFill>
+          <a:blip r:embed="rId4" cstate="print">
+            <a:extLst>
+              <a:ext uri="{28A0092B-C50C-407E-A947-70E740481C1C}">
+                <a14:useLocalDpi xmlns:a14="http://schemas.microsoft.com/office/drawing/2010/main" val="0"/>
+              </a:ext>
+            </a:extLst>
+          </a:blip>
+          <a:stretch>
+            <a:fillRect/>
+          </a:stretch>
+        </p:blipFill>
+        <p:spPr>
+          <a:xfrm>
+            <a:off x="4788025" y="1807473"/>
+            <a:ext cx="1686861" cy="1415956"/>
+          </a:xfrm>
+          <a:prstGeom prst="rect">
+            <a:avLst/>
+          </a:prstGeom>
+        </p:spPr>
+      </p:pic>
+    </p:spTree>
+    <p:extLst>
+      <p:ext uri="{BB962C8B-B14F-4D97-AF65-F5344CB8AC3E}">
+        <p14:creationId xmlns:p14="http://schemas.microsoft.com/office/powerpoint/2010/main" val="2946297769"/>
+      </p:ext>
+    </p:extLst>
   </p:cSld>
   <p:clrMapOvr>
     <a:masterClrMapping/>

--- a/LatexThesis4SYSU-master/新建 PPT 演示文稿.pptx
+++ b/LatexThesis4SYSU-master/新建 PPT 演示文稿.pptx
@@ -16,6 +16,10 @@
     <p:sldId id="264" r:id="rId10"/>
     <p:sldId id="265" r:id="rId11"/>
     <p:sldId id="266" r:id="rId12"/>
+    <p:sldId id="267" r:id="rId13"/>
+    <p:sldId id="268" r:id="rId14"/>
+    <p:sldId id="269" r:id="rId15"/>
+    <p:sldId id="270" r:id="rId16"/>
   </p:sldIdLst>
   <p:sldSz cx="9144000" cy="6858000" type="screen4x3"/>
   <p:notesSz cx="6858000" cy="9144000"/>
@@ -4905,6 +4909,1557 @@
     <p:extLst>
       <p:ext uri="{BB962C8B-B14F-4D97-AF65-F5344CB8AC3E}">
         <p14:creationId xmlns:p14="http://schemas.microsoft.com/office/powerpoint/2010/main" val="2946297769"/>
+      </p:ext>
+    </p:extLst>
+  </p:cSld>
+  <p:clrMapOvr>
+    <a:masterClrMapping/>
+  </p:clrMapOvr>
+</p:sld>
+</file>
+
+<file path=ppt/slides/slide12.xml><?xml version="1.0" encoding="utf-8"?>
+<p:sld xmlns:a="http://schemas.openxmlformats.org/drawingml/2006/main" xmlns:r="http://schemas.openxmlformats.org/officeDocument/2006/relationships" xmlns:p="http://schemas.openxmlformats.org/presentationml/2006/main">
+  <p:cSld>
+    <p:spTree>
+      <p:nvGrpSpPr>
+        <p:cNvPr id="1" name=""/>
+        <p:cNvGrpSpPr/>
+        <p:nvPr/>
+      </p:nvGrpSpPr>
+      <p:grpSpPr>
+        <a:xfrm>
+          <a:off x="0" y="0"/>
+          <a:ext cx="0" cy="0"/>
+          <a:chOff x="0" y="0"/>
+          <a:chExt cx="0" cy="0"/>
+        </a:xfrm>
+      </p:grpSpPr>
+      <p:pic>
+        <p:nvPicPr>
+          <p:cNvPr id="4" name="图片 3">
+            <a:extLst>
+              <a:ext uri="{FF2B5EF4-FFF2-40B4-BE49-F238E27FC236}">
+                <a16:creationId xmlns:a16="http://schemas.microsoft.com/office/drawing/2014/main" id="{AD8EF731-6A90-464E-BC05-AF575246C81C}"/>
+              </a:ext>
+            </a:extLst>
+          </p:cNvPr>
+          <p:cNvPicPr>
+            <a:picLocks noChangeAspect="1"/>
+          </p:cNvPicPr>
+          <p:nvPr/>
+        </p:nvPicPr>
+        <p:blipFill>
+          <a:blip r:embed="rId2"/>
+          <a:stretch>
+            <a:fillRect/>
+          </a:stretch>
+        </p:blipFill>
+        <p:spPr>
+          <a:xfrm>
+            <a:off x="107504" y="836712"/>
+            <a:ext cx="3472817" cy="2016224"/>
+          </a:xfrm>
+          <a:prstGeom prst="rect">
+            <a:avLst/>
+          </a:prstGeom>
+        </p:spPr>
+      </p:pic>
+      <p:pic>
+        <p:nvPicPr>
+          <p:cNvPr id="6" name="图片 5">
+            <a:extLst>
+              <a:ext uri="{FF2B5EF4-FFF2-40B4-BE49-F238E27FC236}">
+                <a16:creationId xmlns:a16="http://schemas.microsoft.com/office/drawing/2014/main" id="{E2F70D33-1B2F-40A5-9232-FC071C5C210E}"/>
+              </a:ext>
+            </a:extLst>
+          </p:cNvPr>
+          <p:cNvPicPr>
+            <a:picLocks noChangeAspect="1"/>
+          </p:cNvPicPr>
+          <p:nvPr/>
+        </p:nvPicPr>
+        <p:blipFill>
+          <a:blip r:embed="rId3"/>
+          <a:stretch>
+            <a:fillRect/>
+          </a:stretch>
+        </p:blipFill>
+        <p:spPr>
+          <a:xfrm>
+            <a:off x="3959339" y="1302324"/>
+            <a:ext cx="1225321" cy="1085000"/>
+          </a:xfrm>
+          <a:prstGeom prst="rect">
+            <a:avLst/>
+          </a:prstGeom>
+        </p:spPr>
+      </p:pic>
+      <p:pic>
+        <p:nvPicPr>
+          <p:cNvPr id="7" name="图片 6">
+            <a:extLst>
+              <a:ext uri="{FF2B5EF4-FFF2-40B4-BE49-F238E27FC236}">
+                <a16:creationId xmlns:a16="http://schemas.microsoft.com/office/drawing/2014/main" id="{6736A3AC-DF47-4461-8A67-EB0694749E50}"/>
+              </a:ext>
+            </a:extLst>
+          </p:cNvPr>
+          <p:cNvPicPr>
+            <a:picLocks noChangeAspect="1"/>
+          </p:cNvPicPr>
+          <p:nvPr/>
+        </p:nvPicPr>
+        <p:blipFill>
+          <a:blip r:embed="rId4"/>
+          <a:stretch>
+            <a:fillRect/>
+          </a:stretch>
+        </p:blipFill>
+        <p:spPr>
+          <a:xfrm>
+            <a:off x="5436096" y="1322990"/>
+            <a:ext cx="1371375" cy="1085000"/>
+          </a:xfrm>
+          <a:prstGeom prst="rect">
+            <a:avLst/>
+          </a:prstGeom>
+        </p:spPr>
+      </p:pic>
+      <p:pic>
+        <p:nvPicPr>
+          <p:cNvPr id="8" name="图片 7">
+            <a:extLst>
+              <a:ext uri="{FF2B5EF4-FFF2-40B4-BE49-F238E27FC236}">
+                <a16:creationId xmlns:a16="http://schemas.microsoft.com/office/drawing/2014/main" id="{4E643ED6-C75B-45D8-9AF6-F3B39484EF38}"/>
+              </a:ext>
+            </a:extLst>
+          </p:cNvPr>
+          <p:cNvPicPr>
+            <a:picLocks noChangeAspect="1"/>
+          </p:cNvPicPr>
+          <p:nvPr/>
+        </p:nvPicPr>
+        <p:blipFill>
+          <a:blip r:embed="rId5"/>
+          <a:stretch>
+            <a:fillRect/>
+          </a:stretch>
+        </p:blipFill>
+        <p:spPr>
+          <a:xfrm>
+            <a:off x="7097041" y="1312657"/>
+            <a:ext cx="1381313" cy="1095333"/>
+          </a:xfrm>
+          <a:prstGeom prst="rect">
+            <a:avLst/>
+          </a:prstGeom>
+        </p:spPr>
+      </p:pic>
+      <p:sp>
+        <p:nvSpPr>
+          <p:cNvPr id="10" name="文本框 9">
+            <a:extLst>
+              <a:ext uri="{FF2B5EF4-FFF2-40B4-BE49-F238E27FC236}">
+                <a16:creationId xmlns:a16="http://schemas.microsoft.com/office/drawing/2014/main" id="{CF5F1D5B-AB0B-4500-9F84-8A7E495B8364}"/>
+              </a:ext>
+            </a:extLst>
+          </p:cNvPr>
+          <p:cNvSpPr txBox="1"/>
+          <p:nvPr/>
+        </p:nvSpPr>
+        <p:spPr>
+          <a:xfrm>
+            <a:off x="4374741" y="2417244"/>
+            <a:ext cx="432048" cy="369332"/>
+          </a:xfrm>
+          <a:prstGeom prst="rect">
+            <a:avLst/>
+          </a:prstGeom>
+          <a:noFill/>
+        </p:spPr>
+        <p:txBody>
+          <a:bodyPr wrap="square" rtlCol="0">
+            <a:spAutoFit/>
+          </a:bodyPr>
+          <a:lstStyle/>
+          <a:p>
+            <a:r>
+              <a:rPr lang="en-US" altLang="zh-CN" dirty="0"/>
+              <a:t>(A)</a:t>
+            </a:r>
+            <a:endParaRPr lang="zh-CN" altLang="en-US" dirty="0"/>
+          </a:p>
+        </p:txBody>
+      </p:sp>
+      <p:sp>
+        <p:nvSpPr>
+          <p:cNvPr id="11" name="文本框 10">
+            <a:extLst>
+              <a:ext uri="{FF2B5EF4-FFF2-40B4-BE49-F238E27FC236}">
+                <a16:creationId xmlns:a16="http://schemas.microsoft.com/office/drawing/2014/main" id="{16687B2D-33D5-442A-B525-210C3F4417AB}"/>
+              </a:ext>
+            </a:extLst>
+          </p:cNvPr>
+          <p:cNvSpPr txBox="1"/>
+          <p:nvPr/>
+        </p:nvSpPr>
+        <p:spPr>
+          <a:xfrm>
+            <a:off x="5913157" y="2407990"/>
+            <a:ext cx="432048" cy="369332"/>
+          </a:xfrm>
+          <a:prstGeom prst="rect">
+            <a:avLst/>
+          </a:prstGeom>
+          <a:noFill/>
+        </p:spPr>
+        <p:txBody>
+          <a:bodyPr wrap="square" rtlCol="0">
+            <a:spAutoFit/>
+          </a:bodyPr>
+          <a:lstStyle/>
+          <a:p>
+            <a:r>
+              <a:rPr lang="en-US" altLang="zh-CN" dirty="0"/>
+              <a:t>(B)</a:t>
+            </a:r>
+            <a:endParaRPr lang="zh-CN" altLang="en-US" dirty="0"/>
+          </a:p>
+        </p:txBody>
+      </p:sp>
+      <p:sp>
+        <p:nvSpPr>
+          <p:cNvPr id="12" name="文本框 11">
+            <a:extLst>
+              <a:ext uri="{FF2B5EF4-FFF2-40B4-BE49-F238E27FC236}">
+                <a16:creationId xmlns:a16="http://schemas.microsoft.com/office/drawing/2014/main" id="{943A9831-0296-4940-BF74-6F1D856B4E75}"/>
+              </a:ext>
+            </a:extLst>
+          </p:cNvPr>
+          <p:cNvSpPr txBox="1"/>
+          <p:nvPr/>
+        </p:nvSpPr>
+        <p:spPr>
+          <a:xfrm>
+            <a:off x="7571673" y="2407990"/>
+            <a:ext cx="432048" cy="369332"/>
+          </a:xfrm>
+          <a:prstGeom prst="rect">
+            <a:avLst/>
+          </a:prstGeom>
+          <a:noFill/>
+        </p:spPr>
+        <p:txBody>
+          <a:bodyPr wrap="square" rtlCol="0">
+            <a:spAutoFit/>
+          </a:bodyPr>
+          <a:lstStyle/>
+          <a:p>
+            <a:r>
+              <a:rPr lang="en-US" altLang="zh-CN" dirty="0"/>
+              <a:t>(C)</a:t>
+            </a:r>
+            <a:endParaRPr lang="zh-CN" altLang="en-US" dirty="0"/>
+          </a:p>
+        </p:txBody>
+      </p:sp>
+      <p:pic>
+        <p:nvPicPr>
+          <p:cNvPr id="13" name="图片 12">
+            <a:extLst>
+              <a:ext uri="{FF2B5EF4-FFF2-40B4-BE49-F238E27FC236}">
+                <a16:creationId xmlns:a16="http://schemas.microsoft.com/office/drawing/2014/main" id="{55A2E2B2-5902-463A-BA17-2549EE780714}"/>
+              </a:ext>
+            </a:extLst>
+          </p:cNvPr>
+          <p:cNvPicPr>
+            <a:picLocks noChangeAspect="1"/>
+          </p:cNvPicPr>
+          <p:nvPr/>
+        </p:nvPicPr>
+        <p:blipFill>
+          <a:blip r:embed="rId6"/>
+          <a:stretch>
+            <a:fillRect/>
+          </a:stretch>
+        </p:blipFill>
+        <p:spPr>
+          <a:xfrm>
+            <a:off x="106285" y="3429000"/>
+            <a:ext cx="3524305" cy="1888723"/>
+          </a:xfrm>
+          <a:prstGeom prst="rect">
+            <a:avLst/>
+          </a:prstGeom>
+        </p:spPr>
+      </p:pic>
+      <p:pic>
+        <p:nvPicPr>
+          <p:cNvPr id="17" name="图片 16">
+            <a:extLst>
+              <a:ext uri="{FF2B5EF4-FFF2-40B4-BE49-F238E27FC236}">
+                <a16:creationId xmlns:a16="http://schemas.microsoft.com/office/drawing/2014/main" id="{62E8D55D-4532-4F6B-91FF-2199F86ED1AC}"/>
+              </a:ext>
+            </a:extLst>
+          </p:cNvPr>
+          <p:cNvPicPr>
+            <a:picLocks noChangeAspect="1"/>
+          </p:cNvPicPr>
+          <p:nvPr/>
+        </p:nvPicPr>
+        <p:blipFill>
+          <a:blip r:embed="rId7"/>
+          <a:stretch>
+            <a:fillRect/>
+          </a:stretch>
+        </p:blipFill>
+        <p:spPr>
+          <a:xfrm>
+            <a:off x="3959339" y="3948843"/>
+            <a:ext cx="1381313" cy="1043667"/>
+          </a:xfrm>
+          <a:prstGeom prst="rect">
+            <a:avLst/>
+          </a:prstGeom>
+        </p:spPr>
+      </p:pic>
+      <p:pic>
+        <p:nvPicPr>
+          <p:cNvPr id="18" name="图片 17">
+            <a:extLst>
+              <a:ext uri="{FF2B5EF4-FFF2-40B4-BE49-F238E27FC236}">
+                <a16:creationId xmlns:a16="http://schemas.microsoft.com/office/drawing/2014/main" id="{38C9423F-0C80-42EE-9043-99E867EC8304}"/>
+              </a:ext>
+            </a:extLst>
+          </p:cNvPr>
+          <p:cNvPicPr>
+            <a:picLocks noChangeAspect="1"/>
+          </p:cNvPicPr>
+          <p:nvPr/>
+        </p:nvPicPr>
+        <p:blipFill>
+          <a:blip r:embed="rId8"/>
+          <a:stretch>
+            <a:fillRect/>
+          </a:stretch>
+        </p:blipFill>
+        <p:spPr>
+          <a:xfrm>
+            <a:off x="5580112" y="3959177"/>
+            <a:ext cx="1371375" cy="1033333"/>
+          </a:xfrm>
+          <a:prstGeom prst="rect">
+            <a:avLst/>
+          </a:prstGeom>
+        </p:spPr>
+      </p:pic>
+      <p:pic>
+        <p:nvPicPr>
+          <p:cNvPr id="20" name="图片 19">
+            <a:extLst>
+              <a:ext uri="{FF2B5EF4-FFF2-40B4-BE49-F238E27FC236}">
+                <a16:creationId xmlns:a16="http://schemas.microsoft.com/office/drawing/2014/main" id="{1959DA65-08A1-4438-BF79-4E2BE8C26A17}"/>
+              </a:ext>
+            </a:extLst>
+          </p:cNvPr>
+          <p:cNvPicPr>
+            <a:picLocks noChangeAspect="1"/>
+          </p:cNvPicPr>
+          <p:nvPr/>
+        </p:nvPicPr>
+        <p:blipFill>
+          <a:blip r:embed="rId9"/>
+          <a:stretch>
+            <a:fillRect/>
+          </a:stretch>
+        </p:blipFill>
+        <p:spPr>
+          <a:xfrm>
+            <a:off x="7190947" y="3959177"/>
+            <a:ext cx="1371375" cy="1033333"/>
+          </a:xfrm>
+          <a:prstGeom prst="rect">
+            <a:avLst/>
+          </a:prstGeom>
+        </p:spPr>
+      </p:pic>
+      <p:sp>
+        <p:nvSpPr>
+          <p:cNvPr id="21" name="文本框 20">
+            <a:extLst>
+              <a:ext uri="{FF2B5EF4-FFF2-40B4-BE49-F238E27FC236}">
+                <a16:creationId xmlns:a16="http://schemas.microsoft.com/office/drawing/2014/main" id="{AD101633-6477-4E55-AC66-FD7C055580B5}"/>
+              </a:ext>
+            </a:extLst>
+          </p:cNvPr>
+          <p:cNvSpPr txBox="1"/>
+          <p:nvPr/>
+        </p:nvSpPr>
+        <p:spPr>
+          <a:xfrm>
+            <a:off x="4428647" y="4948391"/>
+            <a:ext cx="432048" cy="369332"/>
+          </a:xfrm>
+          <a:prstGeom prst="rect">
+            <a:avLst/>
+          </a:prstGeom>
+          <a:noFill/>
+        </p:spPr>
+        <p:txBody>
+          <a:bodyPr wrap="square" rtlCol="0">
+            <a:spAutoFit/>
+          </a:bodyPr>
+          <a:lstStyle/>
+          <a:p>
+            <a:r>
+              <a:rPr lang="en-US" altLang="zh-CN" dirty="0"/>
+              <a:t>(A)</a:t>
+            </a:r>
+            <a:endParaRPr lang="zh-CN" altLang="en-US" dirty="0"/>
+          </a:p>
+        </p:txBody>
+      </p:sp>
+      <p:sp>
+        <p:nvSpPr>
+          <p:cNvPr id="22" name="文本框 21">
+            <a:extLst>
+              <a:ext uri="{FF2B5EF4-FFF2-40B4-BE49-F238E27FC236}">
+                <a16:creationId xmlns:a16="http://schemas.microsoft.com/office/drawing/2014/main" id="{B654A1A4-DE2F-45D9-8EC9-ED6671B08B85}"/>
+              </a:ext>
+            </a:extLst>
+          </p:cNvPr>
+          <p:cNvSpPr txBox="1"/>
+          <p:nvPr/>
+        </p:nvSpPr>
+        <p:spPr>
+          <a:xfrm>
+            <a:off x="5967063" y="4939137"/>
+            <a:ext cx="432048" cy="369332"/>
+          </a:xfrm>
+          <a:prstGeom prst="rect">
+            <a:avLst/>
+          </a:prstGeom>
+          <a:noFill/>
+        </p:spPr>
+        <p:txBody>
+          <a:bodyPr wrap="square" rtlCol="0">
+            <a:spAutoFit/>
+          </a:bodyPr>
+          <a:lstStyle/>
+          <a:p>
+            <a:r>
+              <a:rPr lang="en-US" altLang="zh-CN" dirty="0"/>
+              <a:t>(B)</a:t>
+            </a:r>
+            <a:endParaRPr lang="zh-CN" altLang="en-US" dirty="0"/>
+          </a:p>
+        </p:txBody>
+      </p:sp>
+      <p:sp>
+        <p:nvSpPr>
+          <p:cNvPr id="23" name="文本框 22">
+            <a:extLst>
+              <a:ext uri="{FF2B5EF4-FFF2-40B4-BE49-F238E27FC236}">
+                <a16:creationId xmlns:a16="http://schemas.microsoft.com/office/drawing/2014/main" id="{6A371D31-A281-40C7-9963-E02354172327}"/>
+              </a:ext>
+            </a:extLst>
+          </p:cNvPr>
+          <p:cNvSpPr txBox="1"/>
+          <p:nvPr/>
+        </p:nvSpPr>
+        <p:spPr>
+          <a:xfrm>
+            <a:off x="7625579" y="4939137"/>
+            <a:ext cx="432048" cy="369332"/>
+          </a:xfrm>
+          <a:prstGeom prst="rect">
+            <a:avLst/>
+          </a:prstGeom>
+          <a:noFill/>
+        </p:spPr>
+        <p:txBody>
+          <a:bodyPr wrap="square" rtlCol="0">
+            <a:spAutoFit/>
+          </a:bodyPr>
+          <a:lstStyle/>
+          <a:p>
+            <a:r>
+              <a:rPr lang="en-US" altLang="zh-CN" dirty="0"/>
+              <a:t>(C)</a:t>
+            </a:r>
+            <a:endParaRPr lang="zh-CN" altLang="en-US" dirty="0"/>
+          </a:p>
+        </p:txBody>
+      </p:sp>
+    </p:spTree>
+    <p:extLst>
+      <p:ext uri="{BB962C8B-B14F-4D97-AF65-F5344CB8AC3E}">
+        <p14:creationId xmlns:p14="http://schemas.microsoft.com/office/powerpoint/2010/main" val="2326386438"/>
+      </p:ext>
+    </p:extLst>
+  </p:cSld>
+  <p:clrMapOvr>
+    <a:masterClrMapping/>
+  </p:clrMapOvr>
+</p:sld>
+</file>
+
+<file path=ppt/slides/slide13.xml><?xml version="1.0" encoding="utf-8"?>
+<p:sld xmlns:a="http://schemas.openxmlformats.org/drawingml/2006/main" xmlns:r="http://schemas.openxmlformats.org/officeDocument/2006/relationships" xmlns:p="http://schemas.openxmlformats.org/presentationml/2006/main">
+  <p:cSld>
+    <p:spTree>
+      <p:nvGrpSpPr>
+        <p:cNvPr id="1" name=""/>
+        <p:cNvGrpSpPr/>
+        <p:nvPr/>
+      </p:nvGrpSpPr>
+      <p:grpSpPr>
+        <a:xfrm>
+          <a:off x="0" y="0"/>
+          <a:ext cx="0" cy="0"/>
+          <a:chOff x="0" y="0"/>
+          <a:chExt cx="0" cy="0"/>
+        </a:xfrm>
+      </p:grpSpPr>
+      <p:pic>
+        <p:nvPicPr>
+          <p:cNvPr id="4" name="图片 3">
+            <a:extLst>
+              <a:ext uri="{FF2B5EF4-FFF2-40B4-BE49-F238E27FC236}">
+                <a16:creationId xmlns:a16="http://schemas.microsoft.com/office/drawing/2014/main" id="{EF50ADC4-8630-4D99-B5CD-F3F215550EB7}"/>
+              </a:ext>
+            </a:extLst>
+          </p:cNvPr>
+          <p:cNvPicPr>
+            <a:picLocks noChangeAspect="1"/>
+          </p:cNvPicPr>
+          <p:nvPr/>
+        </p:nvPicPr>
+        <p:blipFill>
+          <a:blip r:embed="rId2"/>
+          <a:stretch>
+            <a:fillRect/>
+          </a:stretch>
+        </p:blipFill>
+        <p:spPr>
+          <a:xfrm>
+            <a:off x="139816" y="836712"/>
+            <a:ext cx="3428672" cy="1728192"/>
+          </a:xfrm>
+          <a:prstGeom prst="rect">
+            <a:avLst/>
+          </a:prstGeom>
+        </p:spPr>
+      </p:pic>
+      <p:pic>
+        <p:nvPicPr>
+          <p:cNvPr id="5" name="图片 4">
+            <a:extLst>
+              <a:ext uri="{FF2B5EF4-FFF2-40B4-BE49-F238E27FC236}">
+                <a16:creationId xmlns:a16="http://schemas.microsoft.com/office/drawing/2014/main" id="{AC5E62BC-745E-4561-9CB1-88D4A38DF299}"/>
+              </a:ext>
+            </a:extLst>
+          </p:cNvPr>
+          <p:cNvPicPr>
+            <a:picLocks noChangeAspect="1"/>
+          </p:cNvPicPr>
+          <p:nvPr/>
+        </p:nvPicPr>
+        <p:blipFill>
+          <a:blip r:embed="rId3"/>
+          <a:stretch>
+            <a:fillRect/>
+          </a:stretch>
+        </p:blipFill>
+        <p:spPr>
+          <a:xfrm>
+            <a:off x="106285" y="3429000"/>
+            <a:ext cx="3524305" cy="1888723"/>
+          </a:xfrm>
+          <a:prstGeom prst="rect">
+            <a:avLst/>
+          </a:prstGeom>
+        </p:spPr>
+      </p:pic>
+      <p:pic>
+        <p:nvPicPr>
+          <p:cNvPr id="6" name="图片 5">
+            <a:extLst>
+              <a:ext uri="{FF2B5EF4-FFF2-40B4-BE49-F238E27FC236}">
+                <a16:creationId xmlns:a16="http://schemas.microsoft.com/office/drawing/2014/main" id="{EC887E0D-F4C2-4FA8-984B-C25C55BA2C29}"/>
+              </a:ext>
+            </a:extLst>
+          </p:cNvPr>
+          <p:cNvPicPr>
+            <a:picLocks noChangeAspect="1"/>
+          </p:cNvPicPr>
+          <p:nvPr/>
+        </p:nvPicPr>
+        <p:blipFill>
+          <a:blip r:embed="rId4"/>
+          <a:stretch>
+            <a:fillRect/>
+          </a:stretch>
+        </p:blipFill>
+        <p:spPr>
+          <a:xfrm>
+            <a:off x="3959339" y="3948843"/>
+            <a:ext cx="1381313" cy="1043667"/>
+          </a:xfrm>
+          <a:prstGeom prst="rect">
+            <a:avLst/>
+          </a:prstGeom>
+        </p:spPr>
+      </p:pic>
+      <p:pic>
+        <p:nvPicPr>
+          <p:cNvPr id="7" name="图片 6">
+            <a:extLst>
+              <a:ext uri="{FF2B5EF4-FFF2-40B4-BE49-F238E27FC236}">
+                <a16:creationId xmlns:a16="http://schemas.microsoft.com/office/drawing/2014/main" id="{4C0A7FA7-73ED-45C3-B48D-9289F303412B}"/>
+              </a:ext>
+            </a:extLst>
+          </p:cNvPr>
+          <p:cNvPicPr>
+            <a:picLocks noChangeAspect="1"/>
+          </p:cNvPicPr>
+          <p:nvPr/>
+        </p:nvPicPr>
+        <p:blipFill>
+          <a:blip r:embed="rId5"/>
+          <a:stretch>
+            <a:fillRect/>
+          </a:stretch>
+        </p:blipFill>
+        <p:spPr>
+          <a:xfrm>
+            <a:off x="5580112" y="3959177"/>
+            <a:ext cx="1371375" cy="1033333"/>
+          </a:xfrm>
+          <a:prstGeom prst="rect">
+            <a:avLst/>
+          </a:prstGeom>
+        </p:spPr>
+      </p:pic>
+      <p:pic>
+        <p:nvPicPr>
+          <p:cNvPr id="8" name="图片 7">
+            <a:extLst>
+              <a:ext uri="{FF2B5EF4-FFF2-40B4-BE49-F238E27FC236}">
+                <a16:creationId xmlns:a16="http://schemas.microsoft.com/office/drawing/2014/main" id="{35D1B215-2C7C-44A8-B26B-CDDA42208118}"/>
+              </a:ext>
+            </a:extLst>
+          </p:cNvPr>
+          <p:cNvPicPr>
+            <a:picLocks noChangeAspect="1"/>
+          </p:cNvPicPr>
+          <p:nvPr/>
+        </p:nvPicPr>
+        <p:blipFill>
+          <a:blip r:embed="rId6"/>
+          <a:stretch>
+            <a:fillRect/>
+          </a:stretch>
+        </p:blipFill>
+        <p:spPr>
+          <a:xfrm>
+            <a:off x="7190947" y="3959177"/>
+            <a:ext cx="1371375" cy="1033333"/>
+          </a:xfrm>
+          <a:prstGeom prst="rect">
+            <a:avLst/>
+          </a:prstGeom>
+        </p:spPr>
+      </p:pic>
+      <p:sp>
+        <p:nvSpPr>
+          <p:cNvPr id="9" name="文本框 8">
+            <a:extLst>
+              <a:ext uri="{FF2B5EF4-FFF2-40B4-BE49-F238E27FC236}">
+                <a16:creationId xmlns:a16="http://schemas.microsoft.com/office/drawing/2014/main" id="{575345C9-87C7-4CF6-9262-9F691B2D8307}"/>
+              </a:ext>
+            </a:extLst>
+          </p:cNvPr>
+          <p:cNvSpPr txBox="1"/>
+          <p:nvPr/>
+        </p:nvSpPr>
+        <p:spPr>
+          <a:xfrm>
+            <a:off x="4428647" y="4948391"/>
+            <a:ext cx="432048" cy="369332"/>
+          </a:xfrm>
+          <a:prstGeom prst="rect">
+            <a:avLst/>
+          </a:prstGeom>
+          <a:noFill/>
+        </p:spPr>
+        <p:txBody>
+          <a:bodyPr wrap="square" rtlCol="0">
+            <a:spAutoFit/>
+          </a:bodyPr>
+          <a:lstStyle/>
+          <a:p>
+            <a:r>
+              <a:rPr lang="en-US" altLang="zh-CN" dirty="0"/>
+              <a:t>(A)</a:t>
+            </a:r>
+            <a:endParaRPr lang="zh-CN" altLang="en-US" dirty="0"/>
+          </a:p>
+        </p:txBody>
+      </p:sp>
+      <p:sp>
+        <p:nvSpPr>
+          <p:cNvPr id="10" name="文本框 9">
+            <a:extLst>
+              <a:ext uri="{FF2B5EF4-FFF2-40B4-BE49-F238E27FC236}">
+                <a16:creationId xmlns:a16="http://schemas.microsoft.com/office/drawing/2014/main" id="{0515A671-17DE-4F99-A540-D0DCCB9C747F}"/>
+              </a:ext>
+            </a:extLst>
+          </p:cNvPr>
+          <p:cNvSpPr txBox="1"/>
+          <p:nvPr/>
+        </p:nvSpPr>
+        <p:spPr>
+          <a:xfrm>
+            <a:off x="5967063" y="4939137"/>
+            <a:ext cx="432048" cy="369332"/>
+          </a:xfrm>
+          <a:prstGeom prst="rect">
+            <a:avLst/>
+          </a:prstGeom>
+          <a:noFill/>
+        </p:spPr>
+        <p:txBody>
+          <a:bodyPr wrap="square" rtlCol="0">
+            <a:spAutoFit/>
+          </a:bodyPr>
+          <a:lstStyle/>
+          <a:p>
+            <a:r>
+              <a:rPr lang="en-US" altLang="zh-CN" dirty="0"/>
+              <a:t>(B)</a:t>
+            </a:r>
+            <a:endParaRPr lang="zh-CN" altLang="en-US" dirty="0"/>
+          </a:p>
+        </p:txBody>
+      </p:sp>
+      <p:sp>
+        <p:nvSpPr>
+          <p:cNvPr id="11" name="文本框 10">
+            <a:extLst>
+              <a:ext uri="{FF2B5EF4-FFF2-40B4-BE49-F238E27FC236}">
+                <a16:creationId xmlns:a16="http://schemas.microsoft.com/office/drawing/2014/main" id="{5CCFC9BD-E293-4845-AB18-E8874B6278B3}"/>
+              </a:ext>
+            </a:extLst>
+          </p:cNvPr>
+          <p:cNvSpPr txBox="1"/>
+          <p:nvPr/>
+        </p:nvSpPr>
+        <p:spPr>
+          <a:xfrm>
+            <a:off x="7625579" y="4939137"/>
+            <a:ext cx="432048" cy="369332"/>
+          </a:xfrm>
+          <a:prstGeom prst="rect">
+            <a:avLst/>
+          </a:prstGeom>
+          <a:noFill/>
+        </p:spPr>
+        <p:txBody>
+          <a:bodyPr wrap="square" rtlCol="0">
+            <a:spAutoFit/>
+          </a:bodyPr>
+          <a:lstStyle/>
+          <a:p>
+            <a:r>
+              <a:rPr lang="en-US" altLang="zh-CN" dirty="0"/>
+              <a:t>(C)</a:t>
+            </a:r>
+            <a:endParaRPr lang="zh-CN" altLang="en-US" dirty="0"/>
+          </a:p>
+        </p:txBody>
+      </p:sp>
+      <p:pic>
+        <p:nvPicPr>
+          <p:cNvPr id="12" name="图片 11">
+            <a:extLst>
+              <a:ext uri="{FF2B5EF4-FFF2-40B4-BE49-F238E27FC236}">
+                <a16:creationId xmlns:a16="http://schemas.microsoft.com/office/drawing/2014/main" id="{D1F226BF-A73E-4EC6-8FC5-B1D74C773B83}"/>
+              </a:ext>
+            </a:extLst>
+          </p:cNvPr>
+          <p:cNvPicPr>
+            <a:picLocks noChangeAspect="1"/>
+          </p:cNvPicPr>
+          <p:nvPr/>
+        </p:nvPicPr>
+        <p:blipFill>
+          <a:blip r:embed="rId7"/>
+          <a:stretch>
+            <a:fillRect/>
+          </a:stretch>
+        </p:blipFill>
+        <p:spPr>
+          <a:xfrm>
+            <a:off x="3860736" y="1138833"/>
+            <a:ext cx="4810125" cy="1123950"/>
+          </a:xfrm>
+          <a:prstGeom prst="rect">
+            <a:avLst/>
+          </a:prstGeom>
+        </p:spPr>
+      </p:pic>
+      <p:sp>
+        <p:nvSpPr>
+          <p:cNvPr id="13" name="文本框 12">
+            <a:extLst>
+              <a:ext uri="{FF2B5EF4-FFF2-40B4-BE49-F238E27FC236}">
+                <a16:creationId xmlns:a16="http://schemas.microsoft.com/office/drawing/2014/main" id="{8BFAEB66-848A-4139-830B-1EE32AD5947B}"/>
+              </a:ext>
+            </a:extLst>
+          </p:cNvPr>
+          <p:cNvSpPr txBox="1"/>
+          <p:nvPr/>
+        </p:nvSpPr>
+        <p:spPr>
+          <a:xfrm>
+            <a:off x="4329728" y="2272037"/>
+            <a:ext cx="432048" cy="369332"/>
+          </a:xfrm>
+          <a:prstGeom prst="rect">
+            <a:avLst/>
+          </a:prstGeom>
+          <a:noFill/>
+        </p:spPr>
+        <p:txBody>
+          <a:bodyPr wrap="square" rtlCol="0">
+            <a:spAutoFit/>
+          </a:bodyPr>
+          <a:lstStyle/>
+          <a:p>
+            <a:r>
+              <a:rPr lang="en-US" altLang="zh-CN" dirty="0"/>
+              <a:t>(A)</a:t>
+            </a:r>
+            <a:endParaRPr lang="zh-CN" altLang="en-US" dirty="0"/>
+          </a:p>
+        </p:txBody>
+      </p:sp>
+      <p:sp>
+        <p:nvSpPr>
+          <p:cNvPr id="14" name="文本框 13">
+            <a:extLst>
+              <a:ext uri="{FF2B5EF4-FFF2-40B4-BE49-F238E27FC236}">
+                <a16:creationId xmlns:a16="http://schemas.microsoft.com/office/drawing/2014/main" id="{5FEE7758-C558-42DB-A529-50023ED20C05}"/>
+              </a:ext>
+            </a:extLst>
+          </p:cNvPr>
+          <p:cNvSpPr txBox="1"/>
+          <p:nvPr/>
+        </p:nvSpPr>
+        <p:spPr>
+          <a:xfrm>
+            <a:off x="5998633" y="2252830"/>
+            <a:ext cx="432048" cy="369332"/>
+          </a:xfrm>
+          <a:prstGeom prst="rect">
+            <a:avLst/>
+          </a:prstGeom>
+          <a:noFill/>
+        </p:spPr>
+        <p:txBody>
+          <a:bodyPr wrap="square" rtlCol="0">
+            <a:spAutoFit/>
+          </a:bodyPr>
+          <a:lstStyle/>
+          <a:p>
+            <a:r>
+              <a:rPr lang="en-US" altLang="zh-CN" dirty="0"/>
+              <a:t>(B)</a:t>
+            </a:r>
+            <a:endParaRPr lang="zh-CN" altLang="en-US" dirty="0"/>
+          </a:p>
+        </p:txBody>
+      </p:sp>
+      <p:sp>
+        <p:nvSpPr>
+          <p:cNvPr id="15" name="文本框 14">
+            <a:extLst>
+              <a:ext uri="{FF2B5EF4-FFF2-40B4-BE49-F238E27FC236}">
+                <a16:creationId xmlns:a16="http://schemas.microsoft.com/office/drawing/2014/main" id="{679ED452-4818-41DB-827D-D9A746F85172}"/>
+              </a:ext>
+            </a:extLst>
+          </p:cNvPr>
+          <p:cNvSpPr txBox="1"/>
+          <p:nvPr/>
+        </p:nvSpPr>
+        <p:spPr>
+          <a:xfrm>
+            <a:off x="7740352" y="2262783"/>
+            <a:ext cx="432048" cy="369332"/>
+          </a:xfrm>
+          <a:prstGeom prst="rect">
+            <a:avLst/>
+          </a:prstGeom>
+          <a:noFill/>
+        </p:spPr>
+        <p:txBody>
+          <a:bodyPr wrap="square" rtlCol="0">
+            <a:spAutoFit/>
+          </a:bodyPr>
+          <a:lstStyle/>
+          <a:p>
+            <a:r>
+              <a:rPr lang="en-US" altLang="zh-CN" dirty="0"/>
+              <a:t>(C)</a:t>
+            </a:r>
+            <a:endParaRPr lang="zh-CN" altLang="en-US" dirty="0"/>
+          </a:p>
+        </p:txBody>
+      </p:sp>
+    </p:spTree>
+    <p:extLst>
+      <p:ext uri="{BB962C8B-B14F-4D97-AF65-F5344CB8AC3E}">
+        <p14:creationId xmlns:p14="http://schemas.microsoft.com/office/powerpoint/2010/main" val="3050628482"/>
+      </p:ext>
+    </p:extLst>
+  </p:cSld>
+  <p:clrMapOvr>
+    <a:masterClrMapping/>
+  </p:clrMapOvr>
+</p:sld>
+</file>
+
+<file path=ppt/slides/slide14.xml><?xml version="1.0" encoding="utf-8"?>
+<p:sld xmlns:a="http://schemas.openxmlformats.org/drawingml/2006/main" xmlns:r="http://schemas.openxmlformats.org/officeDocument/2006/relationships" xmlns:p="http://schemas.openxmlformats.org/presentationml/2006/main">
+  <p:cSld>
+    <p:spTree>
+      <p:nvGrpSpPr>
+        <p:cNvPr id="1" name=""/>
+        <p:cNvGrpSpPr/>
+        <p:nvPr/>
+      </p:nvGrpSpPr>
+      <p:grpSpPr>
+        <a:xfrm>
+          <a:off x="0" y="0"/>
+          <a:ext cx="0" cy="0"/>
+          <a:chOff x="0" y="0"/>
+          <a:chExt cx="0" cy="0"/>
+        </a:xfrm>
+      </p:grpSpPr>
+      <p:pic>
+        <p:nvPicPr>
+          <p:cNvPr id="4" name="图片 3">
+            <a:extLst>
+              <a:ext uri="{FF2B5EF4-FFF2-40B4-BE49-F238E27FC236}">
+                <a16:creationId xmlns:a16="http://schemas.microsoft.com/office/drawing/2014/main" id="{ACBB50C3-2AE5-4FD5-AA34-DA9B460E9029}"/>
+              </a:ext>
+            </a:extLst>
+          </p:cNvPr>
+          <p:cNvPicPr>
+            <a:picLocks noChangeAspect="1"/>
+          </p:cNvPicPr>
+          <p:nvPr/>
+        </p:nvPicPr>
+        <p:blipFill>
+          <a:blip r:embed="rId2"/>
+          <a:stretch>
+            <a:fillRect/>
+          </a:stretch>
+        </p:blipFill>
+        <p:spPr>
+          <a:xfrm>
+            <a:off x="106285" y="3429000"/>
+            <a:ext cx="3524305" cy="1888723"/>
+          </a:xfrm>
+          <a:prstGeom prst="rect">
+            <a:avLst/>
+          </a:prstGeom>
+        </p:spPr>
+      </p:pic>
+      <p:pic>
+        <p:nvPicPr>
+          <p:cNvPr id="5" name="图片 4">
+            <a:extLst>
+              <a:ext uri="{FF2B5EF4-FFF2-40B4-BE49-F238E27FC236}">
+                <a16:creationId xmlns:a16="http://schemas.microsoft.com/office/drawing/2014/main" id="{F5BDA307-6E66-4C24-8838-9216974BD915}"/>
+              </a:ext>
+            </a:extLst>
+          </p:cNvPr>
+          <p:cNvPicPr>
+            <a:picLocks noChangeAspect="1"/>
+          </p:cNvPicPr>
+          <p:nvPr/>
+        </p:nvPicPr>
+        <p:blipFill>
+          <a:blip r:embed="rId3"/>
+          <a:stretch>
+            <a:fillRect/>
+          </a:stretch>
+        </p:blipFill>
+        <p:spPr>
+          <a:xfrm>
+            <a:off x="3959339" y="3948843"/>
+            <a:ext cx="1381313" cy="1043667"/>
+          </a:xfrm>
+          <a:prstGeom prst="rect">
+            <a:avLst/>
+          </a:prstGeom>
+        </p:spPr>
+      </p:pic>
+      <p:pic>
+        <p:nvPicPr>
+          <p:cNvPr id="6" name="图片 5">
+            <a:extLst>
+              <a:ext uri="{FF2B5EF4-FFF2-40B4-BE49-F238E27FC236}">
+                <a16:creationId xmlns:a16="http://schemas.microsoft.com/office/drawing/2014/main" id="{6857FB2B-ED33-474A-A20F-526ADC8C129D}"/>
+              </a:ext>
+            </a:extLst>
+          </p:cNvPr>
+          <p:cNvPicPr>
+            <a:picLocks noChangeAspect="1"/>
+          </p:cNvPicPr>
+          <p:nvPr/>
+        </p:nvPicPr>
+        <p:blipFill>
+          <a:blip r:embed="rId4"/>
+          <a:stretch>
+            <a:fillRect/>
+          </a:stretch>
+        </p:blipFill>
+        <p:spPr>
+          <a:xfrm>
+            <a:off x="5580112" y="3959177"/>
+            <a:ext cx="1371375" cy="1033333"/>
+          </a:xfrm>
+          <a:prstGeom prst="rect">
+            <a:avLst/>
+          </a:prstGeom>
+        </p:spPr>
+      </p:pic>
+      <p:pic>
+        <p:nvPicPr>
+          <p:cNvPr id="7" name="图片 6">
+            <a:extLst>
+              <a:ext uri="{FF2B5EF4-FFF2-40B4-BE49-F238E27FC236}">
+                <a16:creationId xmlns:a16="http://schemas.microsoft.com/office/drawing/2014/main" id="{60D0F5FC-E568-4D54-BAD3-D30DA884AD80}"/>
+              </a:ext>
+            </a:extLst>
+          </p:cNvPr>
+          <p:cNvPicPr>
+            <a:picLocks noChangeAspect="1"/>
+          </p:cNvPicPr>
+          <p:nvPr/>
+        </p:nvPicPr>
+        <p:blipFill>
+          <a:blip r:embed="rId5"/>
+          <a:stretch>
+            <a:fillRect/>
+          </a:stretch>
+        </p:blipFill>
+        <p:spPr>
+          <a:xfrm>
+            <a:off x="7190947" y="3959177"/>
+            <a:ext cx="1371375" cy="1033333"/>
+          </a:xfrm>
+          <a:prstGeom prst="rect">
+            <a:avLst/>
+          </a:prstGeom>
+        </p:spPr>
+      </p:pic>
+      <p:sp>
+        <p:nvSpPr>
+          <p:cNvPr id="8" name="文本框 7">
+            <a:extLst>
+              <a:ext uri="{FF2B5EF4-FFF2-40B4-BE49-F238E27FC236}">
+                <a16:creationId xmlns:a16="http://schemas.microsoft.com/office/drawing/2014/main" id="{F059130B-5DD4-42A9-8EE4-5191FACCA88D}"/>
+              </a:ext>
+            </a:extLst>
+          </p:cNvPr>
+          <p:cNvSpPr txBox="1"/>
+          <p:nvPr/>
+        </p:nvSpPr>
+        <p:spPr>
+          <a:xfrm>
+            <a:off x="4389327" y="4939137"/>
+            <a:ext cx="432048" cy="369332"/>
+          </a:xfrm>
+          <a:prstGeom prst="rect">
+            <a:avLst/>
+          </a:prstGeom>
+          <a:noFill/>
+        </p:spPr>
+        <p:txBody>
+          <a:bodyPr wrap="square" rtlCol="0">
+            <a:spAutoFit/>
+          </a:bodyPr>
+          <a:lstStyle/>
+          <a:p>
+            <a:r>
+              <a:rPr lang="en-US" altLang="zh-CN" dirty="0"/>
+              <a:t>(A)</a:t>
+            </a:r>
+            <a:endParaRPr lang="zh-CN" altLang="en-US" dirty="0"/>
+          </a:p>
+        </p:txBody>
+      </p:sp>
+      <p:sp>
+        <p:nvSpPr>
+          <p:cNvPr id="9" name="文本框 8">
+            <a:extLst>
+              <a:ext uri="{FF2B5EF4-FFF2-40B4-BE49-F238E27FC236}">
+                <a16:creationId xmlns:a16="http://schemas.microsoft.com/office/drawing/2014/main" id="{B9792670-13E1-49B9-845A-4A5C43550D77}"/>
+              </a:ext>
+            </a:extLst>
+          </p:cNvPr>
+          <p:cNvSpPr txBox="1"/>
+          <p:nvPr/>
+        </p:nvSpPr>
+        <p:spPr>
+          <a:xfrm>
+            <a:off x="5967063" y="4939137"/>
+            <a:ext cx="432048" cy="369332"/>
+          </a:xfrm>
+          <a:prstGeom prst="rect">
+            <a:avLst/>
+          </a:prstGeom>
+          <a:noFill/>
+        </p:spPr>
+        <p:txBody>
+          <a:bodyPr wrap="square" rtlCol="0">
+            <a:spAutoFit/>
+          </a:bodyPr>
+          <a:lstStyle/>
+          <a:p>
+            <a:r>
+              <a:rPr lang="en-US" altLang="zh-CN" dirty="0"/>
+              <a:t>(B)</a:t>
+            </a:r>
+            <a:endParaRPr lang="zh-CN" altLang="en-US" dirty="0"/>
+          </a:p>
+        </p:txBody>
+      </p:sp>
+      <p:sp>
+        <p:nvSpPr>
+          <p:cNvPr id="10" name="文本框 9">
+            <a:extLst>
+              <a:ext uri="{FF2B5EF4-FFF2-40B4-BE49-F238E27FC236}">
+                <a16:creationId xmlns:a16="http://schemas.microsoft.com/office/drawing/2014/main" id="{71556948-230A-49E8-A042-10E41CA2096B}"/>
+              </a:ext>
+            </a:extLst>
+          </p:cNvPr>
+          <p:cNvSpPr txBox="1"/>
+          <p:nvPr/>
+        </p:nvSpPr>
+        <p:spPr>
+          <a:xfrm>
+            <a:off x="7625579" y="4939137"/>
+            <a:ext cx="432048" cy="369332"/>
+          </a:xfrm>
+          <a:prstGeom prst="rect">
+            <a:avLst/>
+          </a:prstGeom>
+          <a:noFill/>
+        </p:spPr>
+        <p:txBody>
+          <a:bodyPr wrap="square" rtlCol="0">
+            <a:spAutoFit/>
+          </a:bodyPr>
+          <a:lstStyle/>
+          <a:p>
+            <a:r>
+              <a:rPr lang="en-US" altLang="zh-CN" dirty="0"/>
+              <a:t>(C)</a:t>
+            </a:r>
+            <a:endParaRPr lang="zh-CN" altLang="en-US" dirty="0"/>
+          </a:p>
+        </p:txBody>
+      </p:sp>
+      <p:pic>
+        <p:nvPicPr>
+          <p:cNvPr id="11" name="图片 10">
+            <a:extLst>
+              <a:ext uri="{FF2B5EF4-FFF2-40B4-BE49-F238E27FC236}">
+                <a16:creationId xmlns:a16="http://schemas.microsoft.com/office/drawing/2014/main" id="{CC73C7CC-1850-4426-B306-978CDA594C53}"/>
+              </a:ext>
+            </a:extLst>
+          </p:cNvPr>
+          <p:cNvPicPr>
+            <a:picLocks noChangeAspect="1"/>
+          </p:cNvPicPr>
+          <p:nvPr/>
+        </p:nvPicPr>
+        <p:blipFill>
+          <a:blip r:embed="rId6"/>
+          <a:stretch>
+            <a:fillRect/>
+          </a:stretch>
+        </p:blipFill>
+        <p:spPr>
+          <a:xfrm>
+            <a:off x="539552" y="620688"/>
+            <a:ext cx="2394938" cy="2418000"/>
+          </a:xfrm>
+          <a:prstGeom prst="rect">
+            <a:avLst/>
+          </a:prstGeom>
+        </p:spPr>
+      </p:pic>
+      <p:pic>
+        <p:nvPicPr>
+          <p:cNvPr id="12" name="图片 11">
+            <a:extLst>
+              <a:ext uri="{FF2B5EF4-FFF2-40B4-BE49-F238E27FC236}">
+                <a16:creationId xmlns:a16="http://schemas.microsoft.com/office/drawing/2014/main" id="{F2C14BCA-12C7-43DB-A50F-78EABDFF3606}"/>
+              </a:ext>
+            </a:extLst>
+          </p:cNvPr>
+          <p:cNvPicPr>
+            <a:picLocks noChangeAspect="1"/>
+          </p:cNvPicPr>
+          <p:nvPr/>
+        </p:nvPicPr>
+        <p:blipFill>
+          <a:blip r:embed="rId7"/>
+          <a:stretch>
+            <a:fillRect/>
+          </a:stretch>
+        </p:blipFill>
+        <p:spPr>
+          <a:xfrm>
+            <a:off x="3742672" y="1412776"/>
+            <a:ext cx="4819650" cy="1123950"/>
+          </a:xfrm>
+          <a:prstGeom prst="rect">
+            <a:avLst/>
+          </a:prstGeom>
+        </p:spPr>
+      </p:pic>
+      <p:sp>
+        <p:nvSpPr>
+          <p:cNvPr id="13" name="文本框 12">
+            <a:extLst>
+              <a:ext uri="{FF2B5EF4-FFF2-40B4-BE49-F238E27FC236}">
+                <a16:creationId xmlns:a16="http://schemas.microsoft.com/office/drawing/2014/main" id="{D0514915-9838-47C1-9656-1C21B7A5699D}"/>
+              </a:ext>
+            </a:extLst>
+          </p:cNvPr>
+          <p:cNvSpPr txBox="1"/>
+          <p:nvPr/>
+        </p:nvSpPr>
+        <p:spPr>
+          <a:xfrm>
+            <a:off x="4252471" y="2525508"/>
+            <a:ext cx="432048" cy="369332"/>
+          </a:xfrm>
+          <a:prstGeom prst="rect">
+            <a:avLst/>
+          </a:prstGeom>
+          <a:noFill/>
+        </p:spPr>
+        <p:txBody>
+          <a:bodyPr wrap="square" rtlCol="0">
+            <a:spAutoFit/>
+          </a:bodyPr>
+          <a:lstStyle/>
+          <a:p>
+            <a:pPr algn="ctr"/>
+            <a:r>
+              <a:rPr lang="en-US" altLang="zh-CN" dirty="0"/>
+              <a:t>(A)</a:t>
+            </a:r>
+            <a:endParaRPr lang="zh-CN" altLang="en-US" dirty="0"/>
+          </a:p>
+        </p:txBody>
+      </p:sp>
+      <p:sp>
+        <p:nvSpPr>
+          <p:cNvPr id="14" name="文本框 13">
+            <a:extLst>
+              <a:ext uri="{FF2B5EF4-FFF2-40B4-BE49-F238E27FC236}">
+                <a16:creationId xmlns:a16="http://schemas.microsoft.com/office/drawing/2014/main" id="{DC201CB7-AC26-4B9C-9186-397497E49C65}"/>
+              </a:ext>
+            </a:extLst>
+          </p:cNvPr>
+          <p:cNvSpPr txBox="1"/>
+          <p:nvPr/>
+        </p:nvSpPr>
+        <p:spPr>
+          <a:xfrm>
+            <a:off x="5910222" y="2536726"/>
+            <a:ext cx="432048" cy="369332"/>
+          </a:xfrm>
+          <a:prstGeom prst="rect">
+            <a:avLst/>
+          </a:prstGeom>
+          <a:noFill/>
+        </p:spPr>
+        <p:txBody>
+          <a:bodyPr wrap="square" rtlCol="0">
+            <a:spAutoFit/>
+          </a:bodyPr>
+          <a:lstStyle/>
+          <a:p>
+            <a:pPr algn="ctr"/>
+            <a:r>
+              <a:rPr lang="en-US" altLang="zh-CN" dirty="0"/>
+              <a:t>(B)</a:t>
+            </a:r>
+            <a:endParaRPr lang="zh-CN" altLang="en-US" dirty="0"/>
+          </a:p>
+        </p:txBody>
+      </p:sp>
+      <p:sp>
+        <p:nvSpPr>
+          <p:cNvPr id="15" name="文本框 14">
+            <a:extLst>
+              <a:ext uri="{FF2B5EF4-FFF2-40B4-BE49-F238E27FC236}">
+                <a16:creationId xmlns:a16="http://schemas.microsoft.com/office/drawing/2014/main" id="{DBF6C3EB-9581-4C34-B4FF-97E027DFF312}"/>
+              </a:ext>
+            </a:extLst>
+          </p:cNvPr>
+          <p:cNvSpPr txBox="1"/>
+          <p:nvPr/>
+        </p:nvSpPr>
+        <p:spPr>
+          <a:xfrm>
+            <a:off x="7625579" y="2536726"/>
+            <a:ext cx="432048" cy="369332"/>
+          </a:xfrm>
+          <a:prstGeom prst="rect">
+            <a:avLst/>
+          </a:prstGeom>
+          <a:noFill/>
+        </p:spPr>
+        <p:txBody>
+          <a:bodyPr wrap="square" rtlCol="0">
+            <a:spAutoFit/>
+          </a:bodyPr>
+          <a:lstStyle/>
+          <a:p>
+            <a:pPr algn="ctr"/>
+            <a:r>
+              <a:rPr lang="en-US" altLang="zh-CN" dirty="0"/>
+              <a:t>(C)</a:t>
+            </a:r>
+            <a:endParaRPr lang="zh-CN" altLang="en-US" dirty="0"/>
+          </a:p>
+        </p:txBody>
+      </p:sp>
+    </p:spTree>
+    <p:extLst>
+      <p:ext uri="{BB962C8B-B14F-4D97-AF65-F5344CB8AC3E}">
+        <p14:creationId xmlns:p14="http://schemas.microsoft.com/office/powerpoint/2010/main" val="2652581387"/>
+      </p:ext>
+    </p:extLst>
+  </p:cSld>
+  <p:clrMapOvr>
+    <a:masterClrMapping/>
+  </p:clrMapOvr>
+</p:sld>
+</file>
+
+<file path=ppt/slides/slide15.xml><?xml version="1.0" encoding="utf-8"?>
+<p:sld xmlns:a="http://schemas.openxmlformats.org/drawingml/2006/main" xmlns:r="http://schemas.openxmlformats.org/officeDocument/2006/relationships" xmlns:p="http://schemas.openxmlformats.org/presentationml/2006/main">
+  <p:cSld>
+    <p:spTree>
+      <p:nvGrpSpPr>
+        <p:cNvPr id="1" name=""/>
+        <p:cNvGrpSpPr/>
+        <p:nvPr/>
+      </p:nvGrpSpPr>
+      <p:grpSpPr>
+        <a:xfrm>
+          <a:off x="0" y="0"/>
+          <a:ext cx="0" cy="0"/>
+          <a:chOff x="0" y="0"/>
+          <a:chExt cx="0" cy="0"/>
+        </a:xfrm>
+      </p:grpSpPr>
+      <p:pic>
+        <p:nvPicPr>
+          <p:cNvPr id="5" name="图片 4">
+            <a:extLst>
+              <a:ext uri="{FF2B5EF4-FFF2-40B4-BE49-F238E27FC236}">
+                <a16:creationId xmlns:a16="http://schemas.microsoft.com/office/drawing/2014/main" id="{75822B8A-9D0B-4CD6-A562-1B246ED7F7B8}"/>
+              </a:ext>
+            </a:extLst>
+          </p:cNvPr>
+          <p:cNvPicPr>
+            <a:picLocks noChangeAspect="1"/>
+          </p:cNvPicPr>
+          <p:nvPr/>
+        </p:nvPicPr>
+        <p:blipFill>
+          <a:blip r:embed="rId2"/>
+          <a:stretch>
+            <a:fillRect/>
+          </a:stretch>
+        </p:blipFill>
+        <p:spPr>
+          <a:xfrm>
+            <a:off x="6588224" y="969666"/>
+            <a:ext cx="1788750" cy="4918667"/>
+          </a:xfrm>
+          <a:prstGeom prst="rect">
+            <a:avLst/>
+          </a:prstGeom>
+        </p:spPr>
+      </p:pic>
+      <p:pic>
+        <p:nvPicPr>
+          <p:cNvPr id="6" name="图片 5">
+            <a:extLst>
+              <a:ext uri="{FF2B5EF4-FFF2-40B4-BE49-F238E27FC236}">
+                <a16:creationId xmlns:a16="http://schemas.microsoft.com/office/drawing/2014/main" id="{E5D59857-4B2A-42E4-9F14-E6042364AB6C}"/>
+              </a:ext>
+            </a:extLst>
+          </p:cNvPr>
+          <p:cNvPicPr>
+            <a:picLocks noChangeAspect="1"/>
+          </p:cNvPicPr>
+          <p:nvPr/>
+        </p:nvPicPr>
+        <p:blipFill>
+          <a:blip r:embed="rId3"/>
+          <a:stretch>
+            <a:fillRect/>
+          </a:stretch>
+        </p:blipFill>
+        <p:spPr>
+          <a:xfrm>
+            <a:off x="899592" y="4581128"/>
+            <a:ext cx="1778813" cy="465000"/>
+          </a:xfrm>
+          <a:prstGeom prst="rect">
+            <a:avLst/>
+          </a:prstGeom>
+        </p:spPr>
+      </p:pic>
+      <p:pic>
+        <p:nvPicPr>
+          <p:cNvPr id="7" name="图片 6">
+            <a:extLst>
+              <a:ext uri="{FF2B5EF4-FFF2-40B4-BE49-F238E27FC236}">
+                <a16:creationId xmlns:a16="http://schemas.microsoft.com/office/drawing/2014/main" id="{85E06978-184E-46E2-9D57-8C2DB6F6D9CC}"/>
+              </a:ext>
+            </a:extLst>
+          </p:cNvPr>
+          <p:cNvPicPr>
+            <a:picLocks noChangeAspect="1"/>
+          </p:cNvPicPr>
+          <p:nvPr/>
+        </p:nvPicPr>
+        <p:blipFill>
+          <a:blip r:embed="rId4"/>
+          <a:stretch>
+            <a:fillRect/>
+          </a:stretch>
+        </p:blipFill>
+        <p:spPr>
+          <a:xfrm>
+            <a:off x="2843808" y="4581128"/>
+            <a:ext cx="1311750" cy="465000"/>
+          </a:xfrm>
+          <a:prstGeom prst="rect">
+            <a:avLst/>
+          </a:prstGeom>
+        </p:spPr>
+      </p:pic>
+      <p:pic>
+        <p:nvPicPr>
+          <p:cNvPr id="8" name="图片 7">
+            <a:extLst>
+              <a:ext uri="{FF2B5EF4-FFF2-40B4-BE49-F238E27FC236}">
+                <a16:creationId xmlns:a16="http://schemas.microsoft.com/office/drawing/2014/main" id="{E89E1B87-0FDC-4B78-AC98-5FFE245E789B}"/>
+              </a:ext>
+            </a:extLst>
+          </p:cNvPr>
+          <p:cNvPicPr>
+            <a:picLocks noChangeAspect="1"/>
+          </p:cNvPicPr>
+          <p:nvPr/>
+        </p:nvPicPr>
+        <p:blipFill>
+          <a:blip r:embed="rId5"/>
+          <a:stretch>
+            <a:fillRect/>
+          </a:stretch>
+        </p:blipFill>
+        <p:spPr>
+          <a:xfrm>
+            <a:off x="4320961" y="4581128"/>
+            <a:ext cx="1758938" cy="465000"/>
+          </a:xfrm>
+          <a:prstGeom prst="rect">
+            <a:avLst/>
+          </a:prstGeom>
+        </p:spPr>
+      </p:pic>
+      <p:pic>
+        <p:nvPicPr>
+          <p:cNvPr id="9" name="图片 8">
+            <a:extLst>
+              <a:ext uri="{FF2B5EF4-FFF2-40B4-BE49-F238E27FC236}">
+                <a16:creationId xmlns:a16="http://schemas.microsoft.com/office/drawing/2014/main" id="{E5E1532A-2D60-4A6C-B556-C15F0D1486EA}"/>
+              </a:ext>
+            </a:extLst>
+          </p:cNvPr>
+          <p:cNvPicPr>
+            <a:picLocks noChangeAspect="1"/>
+          </p:cNvPicPr>
+          <p:nvPr/>
+        </p:nvPicPr>
+        <p:blipFill>
+          <a:blip r:embed="rId6"/>
+          <a:stretch>
+            <a:fillRect/>
+          </a:stretch>
+        </p:blipFill>
+        <p:spPr>
+          <a:xfrm>
+            <a:off x="899592" y="5091463"/>
+            <a:ext cx="1351500" cy="465000"/>
+          </a:xfrm>
+          <a:prstGeom prst="rect">
+            <a:avLst/>
+          </a:prstGeom>
+        </p:spPr>
+      </p:pic>
+      <p:pic>
+        <p:nvPicPr>
+          <p:cNvPr id="10" name="图片 9">
+            <a:extLst>
+              <a:ext uri="{FF2B5EF4-FFF2-40B4-BE49-F238E27FC236}">
+                <a16:creationId xmlns:a16="http://schemas.microsoft.com/office/drawing/2014/main" id="{ECD3226D-ACEC-4029-9EE0-B7D9C4366CEE}"/>
+              </a:ext>
+            </a:extLst>
+          </p:cNvPr>
+          <p:cNvPicPr>
+            <a:picLocks noChangeAspect="1"/>
+          </p:cNvPicPr>
+          <p:nvPr/>
+        </p:nvPicPr>
+        <p:blipFill>
+          <a:blip r:embed="rId7"/>
+          <a:stretch>
+            <a:fillRect/>
+          </a:stretch>
+        </p:blipFill>
+        <p:spPr>
+          <a:xfrm>
+            <a:off x="2625183" y="5091463"/>
+            <a:ext cx="1749000" cy="465000"/>
+          </a:xfrm>
+          <a:prstGeom prst="rect">
+            <a:avLst/>
+          </a:prstGeom>
+        </p:spPr>
+      </p:pic>
+    </p:spTree>
+    <p:extLst>
+      <p:ext uri="{BB962C8B-B14F-4D97-AF65-F5344CB8AC3E}">
+        <p14:creationId xmlns:p14="http://schemas.microsoft.com/office/powerpoint/2010/main" val="4195782463"/>
       </p:ext>
     </p:extLst>
   </p:cSld>
